--- a/Slides/Module 1 -Getting Started With JavaScript.pptx
+++ b/Slides/Module 1 -Getting Started With JavaScript.pptx
@@ -315,7 +315,7 @@
           <a:p>
             <a:fld id="{312E7B4A-039C-48A2-9B2C-AF16AA3873D8}" type="datetimeFigureOut">
               <a:rPr lang="en-US" smtClean="0"/>
-              <a:t>10/20/15</a:t>
+              <a:t>10/23/2015</a:t>
             </a:fld>
             <a:endParaRPr lang="en-US"/>
           </a:p>
@@ -480,7 +480,7 @@
           <a:p>
             <a:fld id="{DA005A0C-54D9-45AA-87D4-C551D08DFCE1}" type="datetimeFigureOut">
               <a:rPr lang="en-US" smtClean="0"/>
-              <a:t>10/20/15</a:t>
+              <a:t>10/23/2015</a:t>
             </a:fld>
             <a:endParaRPr lang="en-US"/>
           </a:p>
@@ -838,6 +838,98 @@
 </p:notes>
 </file>
 
+<file path=ppt/notesSlides/notesSlide10.xml><?xml version="1.0" encoding="utf-8"?>
+<p:notes xmlns:a="http://schemas.openxmlformats.org/drawingml/2006/main" xmlns:r="http://schemas.openxmlformats.org/officeDocument/2006/relationships" xmlns:p="http://schemas.openxmlformats.org/presentationml/2006/main">
+  <p:cSld>
+    <p:spTree>
+      <p:nvGrpSpPr>
+        <p:cNvPr id="1" name=""/>
+        <p:cNvGrpSpPr/>
+        <p:nvPr/>
+      </p:nvGrpSpPr>
+      <p:grpSpPr>
+        <a:xfrm>
+          <a:off x="0" y="0"/>
+          <a:ext cx="0" cy="0"/>
+          <a:chOff x="0" y="0"/>
+          <a:chExt cx="0" cy="0"/>
+        </a:xfrm>
+      </p:grpSpPr>
+      <p:sp>
+        <p:nvSpPr>
+          <p:cNvPr id="2" name="Slide Image Placeholder 1"/>
+          <p:cNvSpPr>
+            <a:spLocks noGrp="1" noRot="1" noChangeAspect="1"/>
+          </p:cNvSpPr>
+          <p:nvPr>
+            <p:ph type="sldImg"/>
+          </p:nvPr>
+        </p:nvSpPr>
+        <p:spPr/>
+      </p:sp>
+      <p:sp>
+        <p:nvSpPr>
+          <p:cNvPr id="3" name="Notes Placeholder 2"/>
+          <p:cNvSpPr>
+            <a:spLocks noGrp="1"/>
+          </p:cNvSpPr>
+          <p:nvPr>
+            <p:ph type="body" idx="1"/>
+          </p:nvPr>
+        </p:nvSpPr>
+        <p:spPr/>
+        <p:txBody>
+          <a:bodyPr>
+            <a:noAutofit/>
+          </a:bodyPr>
+          <a:lstStyle/>
+          <a:p>
+            <a:endParaRPr lang="en-GB" dirty="0">
+              <a:solidFill>
+                <a:schemeClr val="tx2"/>
+              </a:solidFill>
+              <a:latin typeface="Segoe" pitchFamily="34" charset="0"/>
+            </a:endParaRPr>
+          </a:p>
+        </p:txBody>
+      </p:sp>
+      <p:sp>
+        <p:nvSpPr>
+          <p:cNvPr id="4" name="Slide Number Placeholder 3"/>
+          <p:cNvSpPr>
+            <a:spLocks noGrp="1"/>
+          </p:cNvSpPr>
+          <p:nvPr>
+            <p:ph type="sldNum" sz="quarter" idx="10"/>
+          </p:nvPr>
+        </p:nvSpPr>
+        <p:spPr/>
+        <p:txBody>
+          <a:bodyPr/>
+          <a:lstStyle/>
+          <a:p>
+            <a:fld id="{13F0F35F-DD44-4607-AEC1-49D7A4BC4066}" type="slidenum">
+              <a:rPr lang="en-US" smtClean="0"/>
+              <a:pPr/>
+              <a:t>33</a:t>
+            </a:fld>
+            <a:endParaRPr lang="en-US" dirty="0"/>
+          </a:p>
+        </p:txBody>
+      </p:sp>
+    </p:spTree>
+    <p:extLst>
+      <p:ext uri="{BB962C8B-B14F-4D97-AF65-F5344CB8AC3E}">
+        <p14:creationId xmlns:p14="http://schemas.microsoft.com/office/powerpoint/2010/main" val="3328470092"/>
+      </p:ext>
+    </p:extLst>
+  </p:cSld>
+  <p:clrMapOvr>
+    <a:masterClrMapping/>
+  </p:clrMapOvr>
+</p:notes>
+</file>
+
 <file path=ppt/notesSlides/notesSlide2.xml><?xml version="1.0" encoding="utf-8"?>
 <p:notes xmlns:a="http://schemas.openxmlformats.org/drawingml/2006/main" xmlns:r="http://schemas.openxmlformats.org/officeDocument/2006/relationships" xmlns:p="http://schemas.openxmlformats.org/presentationml/2006/main">
   <p:cSld>
@@ -1319,6 +1411,27 @@
           <a:bodyPr/>
           <a:lstStyle/>
           <a:p>
+            <a:r>
+              <a:rPr lang="en-US" dirty="0" smtClean="0"/>
+              <a:t>So.. I will be presenting</a:t>
+            </a:r>
+            <a:r>
+              <a:rPr lang="en-US" baseline="0" dirty="0" smtClean="0"/>
+              <a:t> my demos in command line and running everything with node</a:t>
+            </a:r>
+          </a:p>
+          <a:p>
+            <a:endParaRPr lang="en-US" baseline="0" dirty="0" smtClean="0"/>
+          </a:p>
+          <a:p>
+            <a:r>
+              <a:rPr lang="en-US" baseline="0" dirty="0" smtClean="0"/>
+              <a:t>If you don’t know what node is… it is pretty much a server that executes JavaScript and runs really fast. It allows back end developers to code in JS and is very good with I/O heavy apps… I don’t want to touch too much into it.. But if you want more info and some guidance.. Check out my blog! I just made a new post that will explain things a bit better and get you started if you </a:t>
+            </a:r>
+            <a:r>
+              <a:rPr lang="en-US" baseline="0" smtClean="0"/>
+              <a:t>are interested</a:t>
+            </a:r>
             <a:endParaRPr lang="en-US" dirty="0"/>
           </a:p>
         </p:txBody>
@@ -1340,7 +1453,7 @@
           <a:p>
             <a:fld id="{4CFD207A-07DF-40AD-A916-9872E089CE7A}" type="slidenum">
               <a:rPr lang="en-US" smtClean="0"/>
-              <a:t>16</a:t>
+              <a:t>14</a:t>
             </a:fld>
             <a:endParaRPr lang="en-US"/>
           </a:p>
@@ -1349,7 +1462,7 @@
     </p:spTree>
     <p:extLst>
       <p:ext uri="{BB962C8B-B14F-4D97-AF65-F5344CB8AC3E}">
-        <p14:creationId xmlns:p14="http://schemas.microsoft.com/office/powerpoint/2010/main" val="2233758877"/>
+        <p14:creationId xmlns:p14="http://schemas.microsoft.com/office/powerpoint/2010/main" val="1180973977"/>
       </p:ext>
     </p:extLst>
   </p:cSld>
@@ -1403,30 +1516,6 @@
           <a:bodyPr/>
           <a:lstStyle/>
           <a:p>
-            <a:r>
-              <a:rPr lang="en-US" dirty="0" smtClean="0"/>
-              <a:t>Steps:</a:t>
-            </a:r>
-          </a:p>
-          <a:p>
-            <a:endParaRPr lang="en-US" dirty="0" smtClean="0"/>
-          </a:p>
-          <a:p>
-            <a:r>
-              <a:rPr lang="en-US" baseline="0" dirty="0" err="1" smtClean="0"/>
-              <a:t>npm</a:t>
-            </a:r>
-            <a:r>
-              <a:rPr lang="en-US" baseline="0" dirty="0" smtClean="0"/>
-              <a:t> </a:t>
-            </a:r>
-            <a:r>
-              <a:rPr lang="en-US" baseline="0" dirty="0" err="1" smtClean="0"/>
-              <a:t>init</a:t>
-            </a:r>
-            <a:endParaRPr lang="en-US" baseline="0" dirty="0" smtClean="0"/>
-          </a:p>
-          <a:p>
             <a:endParaRPr lang="en-US" dirty="0"/>
           </a:p>
         </p:txBody>
@@ -1448,7 +1537,7 @@
           <a:p>
             <a:fld id="{4CFD207A-07DF-40AD-A916-9872E089CE7A}" type="slidenum">
               <a:rPr lang="en-US" smtClean="0"/>
-              <a:t>19</a:t>
+              <a:t>16</a:t>
             </a:fld>
             <a:endParaRPr lang="en-US"/>
           </a:p>
@@ -1457,7 +1546,7 @@
     </p:spTree>
     <p:extLst>
       <p:ext uri="{BB962C8B-B14F-4D97-AF65-F5344CB8AC3E}">
-        <p14:creationId xmlns:p14="http://schemas.microsoft.com/office/powerpoint/2010/main" val="3295802257"/>
+        <p14:creationId xmlns:p14="http://schemas.microsoft.com/office/powerpoint/2010/main" val="2233758877"/>
       </p:ext>
     </p:extLst>
   </p:cSld>
@@ -1508,17 +1597,34 @@
         </p:nvSpPr>
         <p:spPr/>
         <p:txBody>
-          <a:bodyPr>
-            <a:noAutofit/>
-          </a:bodyPr>
+          <a:bodyPr/>
           <a:lstStyle/>
           <a:p>
-            <a:endParaRPr lang="en-GB" dirty="0">
-              <a:solidFill>
-                <a:schemeClr val="tx2"/>
-              </a:solidFill>
-              <a:latin typeface="Segoe" pitchFamily="34" charset="0"/>
-            </a:endParaRPr>
+            <a:r>
+              <a:rPr lang="en-US" dirty="0" smtClean="0"/>
+              <a:t>Steps:</a:t>
+            </a:r>
+          </a:p>
+          <a:p>
+            <a:endParaRPr lang="en-US" dirty="0" smtClean="0"/>
+          </a:p>
+          <a:p>
+            <a:r>
+              <a:rPr lang="en-US" baseline="0" dirty="0" err="1" smtClean="0"/>
+              <a:t>npm</a:t>
+            </a:r>
+            <a:r>
+              <a:rPr lang="en-US" baseline="0" dirty="0" smtClean="0"/>
+              <a:t> </a:t>
+            </a:r>
+            <a:r>
+              <a:rPr lang="en-US" baseline="0" dirty="0" err="1" smtClean="0"/>
+              <a:t>init</a:t>
+            </a:r>
+            <a:endParaRPr lang="en-US" baseline="0" dirty="0" smtClean="0"/>
+          </a:p>
+          <a:p>
+            <a:endParaRPr lang="en-US" dirty="0"/>
           </a:p>
         </p:txBody>
       </p:sp>
@@ -1537,19 +1643,18 @@
           <a:bodyPr/>
           <a:lstStyle/>
           <a:p>
-            <a:fld id="{13F0F35F-DD44-4607-AEC1-49D7A4BC4066}" type="slidenum">
+            <a:fld id="{4CFD207A-07DF-40AD-A916-9872E089CE7A}" type="slidenum">
               <a:rPr lang="en-US" smtClean="0"/>
-              <a:pPr/>
-              <a:t>33</a:t>
+              <a:t>19</a:t>
             </a:fld>
-            <a:endParaRPr lang="en-US" dirty="0"/>
+            <a:endParaRPr lang="en-US"/>
           </a:p>
         </p:txBody>
       </p:sp>
     </p:spTree>
     <p:extLst>
       <p:ext uri="{BB962C8B-B14F-4D97-AF65-F5344CB8AC3E}">
-        <p14:creationId xmlns:p14="http://schemas.microsoft.com/office/powerpoint/2010/main" val="3328470092"/>
+        <p14:creationId xmlns:p14="http://schemas.microsoft.com/office/powerpoint/2010/main" val="3295802257"/>
       </p:ext>
     </p:extLst>
   </p:cSld>
@@ -21064,14 +21169,14 @@
                 <a:gridCol w="5762625">
                   <a:extLst>
                     <a:ext uri="{9D8B030D-6E8A-4147-A177-3AD203B41FA5}">
-                      <a16:colId xmlns:a16="http://schemas.microsoft.com/office/drawing/2014/main" xmlns="" val="20000"/>
+                      <a16:colId xmlns:a16="http://schemas.microsoft.com/office/drawing/2014/main" val="20000"/>
                     </a:ext>
                   </a:extLst>
                 </a:gridCol>
                 <a:gridCol w="5762625">
                   <a:extLst>
                     <a:ext uri="{9D8B030D-6E8A-4147-A177-3AD203B41FA5}">
-                      <a16:colId xmlns:a16="http://schemas.microsoft.com/office/drawing/2014/main" xmlns="" val="20001"/>
+                      <a16:colId xmlns:a16="http://schemas.microsoft.com/office/drawing/2014/main" val="20001"/>
                     </a:ext>
                   </a:extLst>
                 </a:gridCol>
@@ -21109,7 +21214,7 @@
                 </a:tc>
                 <a:extLst>
                   <a:ext uri="{0D108BD9-81ED-4DB2-BD59-A6C34878D82A}">
-                    <a16:rowId xmlns:a16="http://schemas.microsoft.com/office/drawing/2014/main" xmlns="" val="10000"/>
+                    <a16:rowId xmlns:a16="http://schemas.microsoft.com/office/drawing/2014/main" val="10000"/>
                   </a:ext>
                 </a:extLst>
               </a:tr>
@@ -21174,7 +21279,7 @@
                 </a:tc>
                 <a:extLst>
                   <a:ext uri="{0D108BD9-81ED-4DB2-BD59-A6C34878D82A}">
-                    <a16:rowId xmlns:a16="http://schemas.microsoft.com/office/drawing/2014/main" xmlns="" val="10001"/>
+                    <a16:rowId xmlns:a16="http://schemas.microsoft.com/office/drawing/2014/main" val="10001"/>
                   </a:ext>
                 </a:extLst>
               </a:tr>
@@ -21235,7 +21340,7 @@
                 </a:tc>
                 <a:extLst>
                   <a:ext uri="{0D108BD9-81ED-4DB2-BD59-A6C34878D82A}">
-                    <a16:rowId xmlns:a16="http://schemas.microsoft.com/office/drawing/2014/main" xmlns="" val="10002"/>
+                    <a16:rowId xmlns:a16="http://schemas.microsoft.com/office/drawing/2014/main" val="10002"/>
                   </a:ext>
                 </a:extLst>
               </a:tr>
@@ -21299,7 +21404,7 @@
                 </a:tc>
                 <a:extLst>
                   <a:ext uri="{0D108BD9-81ED-4DB2-BD59-A6C34878D82A}">
-                    <a16:rowId xmlns:a16="http://schemas.microsoft.com/office/drawing/2014/main" xmlns="" val="10003"/>
+                    <a16:rowId xmlns:a16="http://schemas.microsoft.com/office/drawing/2014/main" val="10003"/>
                   </a:ext>
                 </a:extLst>
               </a:tr>
@@ -22905,12 +23010,6 @@
 </file>
 
 <file path=customXml/item1.xml><?xml version="1.0" encoding="utf-8"?>
-<p:properties xmlns:p="http://schemas.microsoft.com/office/2006/metadata/properties" xmlns:xsi="http://www.w3.org/2001/XMLSchema-instance" xmlns:pc="http://schemas.microsoft.com/office/infopath/2007/PartnerControls">
-  <documentManagement/>
-</p:properties>
-</file>
-
-<file path=customXml/item2.xml><?xml version="1.0" encoding="utf-8"?>
 <ct:contentTypeSchema xmlns:ct="http://schemas.microsoft.com/office/2006/metadata/contentType" xmlns:ma="http://schemas.microsoft.com/office/2006/metadata/properties/metaAttributes" ct:_="" ma:_="" ma:contentTypeName="Document" ma:contentTypeID="0x010100BD9BF63586D9884E9335F37127EABBE8" ma:contentTypeVersion="1" ma:contentTypeDescription="Create a new document." ma:contentTypeScope="" ma:versionID="3b40c7f62b06f9f0cd473a069af3a91f">
   <xsd:schema xmlns:xsd="http://www.w3.org/2001/XMLSchema" xmlns:xs="http://www.w3.org/2001/XMLSchema" xmlns:p="http://schemas.microsoft.com/office/2006/metadata/properties" xmlns:ns3="e5a13ba8-98e3-4f23-a221-7ac9824aa662" targetNamespace="http://schemas.microsoft.com/office/2006/metadata/properties" ma:root="true" ma:fieldsID="4327d685be69599737fa0038b3ab671f" ns3:_="">
     <xsd:import namespace="e5a13ba8-98e3-4f23-a221-7ac9824aa662"/>
@@ -23050,6 +23149,12 @@
 </ct:contentTypeSchema>
 </file>
 
+<file path=customXml/item2.xml><?xml version="1.0" encoding="utf-8"?>
+<p:properties xmlns:p="http://schemas.microsoft.com/office/2006/metadata/properties" xmlns:xsi="http://www.w3.org/2001/XMLSchema-instance" xmlns:pc="http://schemas.microsoft.com/office/infopath/2007/PartnerControls">
+  <documentManagement/>
+</p:properties>
+</file>
+
 <file path=customXml/item3.xml><?xml version="1.0" encoding="utf-8"?>
 <?mso-contentType ?>
 <FormTemplates xmlns="http://schemas.microsoft.com/sharepoint/v3/contenttype/forms">
@@ -23060,22 +23165,6 @@
 </file>
 
 <file path=customXml/itemProps1.xml><?xml version="1.0" encoding="utf-8"?>
-<ds:datastoreItem xmlns:ds="http://schemas.openxmlformats.org/officeDocument/2006/customXml" ds:itemID="{7025FDD9-4C58-4084-9F89-0E6ADD6FFF55}">
-  <ds:schemaRefs>
-    <ds:schemaRef ds:uri="http://purl.org/dc/dcmitype/"/>
-    <ds:schemaRef ds:uri="http://purl.org/dc/elements/1.1/"/>
-    <ds:schemaRef ds:uri="http://schemas.microsoft.com/office/infopath/2007/PartnerControls"/>
-    <ds:schemaRef ds:uri="http://schemas.microsoft.com/office/2006/metadata/properties"/>
-    <ds:schemaRef ds:uri="http://schemas.microsoft.com/office/2006/documentManagement/types"/>
-    <ds:schemaRef ds:uri="http://schemas.openxmlformats.org/package/2006/metadata/core-properties"/>
-    <ds:schemaRef ds:uri="e5a13ba8-98e3-4f23-a221-7ac9824aa662"/>
-    <ds:schemaRef ds:uri="http://www.w3.org/XML/1998/namespace"/>
-    <ds:schemaRef ds:uri="http://purl.org/dc/terms/"/>
-  </ds:schemaRefs>
-</ds:datastoreItem>
-</file>
-
-<file path=customXml/itemProps2.xml><?xml version="1.0" encoding="utf-8"?>
 <ds:datastoreItem xmlns:ds="http://schemas.openxmlformats.org/officeDocument/2006/customXml" ds:itemID="{DABDB566-B5C0-42A7-A33C-2648D176B99D}">
   <ds:schemaRefs>
     <ds:schemaRef ds:uri="http://schemas.microsoft.com/office/2006/metadata/contentType"/>
@@ -23093,6 +23182,22 @@
 </ds:datastoreItem>
 </file>
 
+<file path=customXml/itemProps2.xml><?xml version="1.0" encoding="utf-8"?>
+<ds:datastoreItem xmlns:ds="http://schemas.openxmlformats.org/officeDocument/2006/customXml" ds:itemID="{7025FDD9-4C58-4084-9F89-0E6ADD6FFF55}">
+  <ds:schemaRefs>
+    <ds:schemaRef ds:uri="http://purl.org/dc/dcmitype/"/>
+    <ds:schemaRef ds:uri="http://purl.org/dc/elements/1.1/"/>
+    <ds:schemaRef ds:uri="http://schemas.microsoft.com/office/infopath/2007/PartnerControls"/>
+    <ds:schemaRef ds:uri="http://schemas.microsoft.com/office/2006/metadata/properties"/>
+    <ds:schemaRef ds:uri="http://schemas.microsoft.com/office/2006/documentManagement/types"/>
+    <ds:schemaRef ds:uri="http://schemas.openxmlformats.org/package/2006/metadata/core-properties"/>
+    <ds:schemaRef ds:uri="e5a13ba8-98e3-4f23-a221-7ac9824aa662"/>
+    <ds:schemaRef ds:uri="http://www.w3.org/XML/1998/namespace"/>
+    <ds:schemaRef ds:uri="http://purl.org/dc/terms/"/>
+  </ds:schemaRefs>
+</ds:datastoreItem>
+</file>
+
 <file path=customXml/itemProps3.xml><?xml version="1.0" encoding="utf-8"?>
 <ds:datastoreItem xmlns:ds="http://schemas.openxmlformats.org/officeDocument/2006/customXml" ds:itemID="{B0CA13EC-1D3C-4D6F-8D1C-E8A452CFC79A}">
   <ds:schemaRefs>

--- a/Slides/Module 1 -Getting Started With JavaScript.pptx
+++ b/Slides/Module 1 -Getting Started With JavaScript.pptx
@@ -14,7 +14,7 @@
   <p:sldIdLst>
     <p:sldId id="271" r:id="rId6"/>
     <p:sldId id="272" r:id="rId7"/>
-    <p:sldId id="284" r:id="rId8"/>
+    <p:sldId id="329" r:id="rId8"/>
     <p:sldId id="276" r:id="rId9"/>
     <p:sldId id="274" r:id="rId10"/>
     <p:sldId id="277" r:id="rId11"/>
@@ -155,7 +155,7 @@
         <p14:section name="Course Intro (Deck 1 Only)" id="{552DAC1B-EB3C-4200-90A8-9EF881225FA0}">
           <p14:sldIdLst>
             <p14:sldId id="272"/>
-            <p14:sldId id="284"/>
+            <p14:sldId id="329"/>
             <p14:sldId id="276"/>
           </p14:sldIdLst>
         </p14:section>
@@ -315,7 +315,7 @@
           <a:p>
             <a:fld id="{312E7B4A-039C-48A2-9B2C-AF16AA3873D8}" type="datetimeFigureOut">
               <a:rPr lang="en-US" smtClean="0"/>
-              <a:t>10/20/15</a:t>
+              <a:t>10/23/2015</a:t>
             </a:fld>
             <a:endParaRPr lang="en-US"/>
           </a:p>
@@ -480,7 +480,7 @@
           <a:p>
             <a:fld id="{DA005A0C-54D9-45AA-87D4-C551D08DFCE1}" type="datetimeFigureOut">
               <a:rPr lang="en-US" smtClean="0"/>
-              <a:t>10/20/15</a:t>
+              <a:t>10/23/2015</a:t>
             </a:fld>
             <a:endParaRPr lang="en-US"/>
           </a:p>
@@ -998,7 +998,7 @@
     </p:spTree>
     <p:extLst>
       <p:ext uri="{BB962C8B-B14F-4D97-AF65-F5344CB8AC3E}">
-        <p14:creationId xmlns:p14="http://schemas.microsoft.com/office/powerpoint/2010/main" val="1758849546"/>
+        <p14:creationId xmlns:p14="http://schemas.microsoft.com/office/powerpoint/2010/main" val="2617601188"/>
       </p:ext>
     </p:extLst>
   </p:cSld>
@@ -15065,6 +15065,143 @@
       <p:transition spd="slow"/>
     </mc:Fallback>
   </mc:AlternateContent>
+  <p:timing>
+    <p:tnLst>
+      <p:par>
+        <p:cTn id="1" dur="indefinite" restart="never" nodeType="tmRoot"/>
+      </p:par>
+    </p:tnLst>
+  </p:timing>
+</p:sldLayout>
+</file>
+
+<file path=ppt/slideLayouts/slideLayout53.xml><?xml version="1.0" encoding="utf-8"?>
+<p:sldLayout xmlns:a="http://schemas.openxmlformats.org/drawingml/2006/main" xmlns:r="http://schemas.openxmlformats.org/officeDocument/2006/relationships" xmlns:p="http://schemas.openxmlformats.org/presentationml/2006/main" userDrawn="1">
+  <p:cSld name="Title and Content">
+    <p:spTree>
+      <p:nvGrpSpPr>
+        <p:cNvPr id="1" name=""/>
+        <p:cNvGrpSpPr/>
+        <p:nvPr/>
+      </p:nvGrpSpPr>
+      <p:grpSpPr>
+        <a:xfrm>
+          <a:off x="0" y="0"/>
+          <a:ext cx="0" cy="0"/>
+          <a:chOff x="0" y="0"/>
+          <a:chExt cx="0" cy="0"/>
+        </a:xfrm>
+      </p:grpSpPr>
+      <p:sp>
+        <p:nvSpPr>
+          <p:cNvPr id="3" name="Title 2"/>
+          <p:cNvSpPr>
+            <a:spLocks noGrp="1"/>
+          </p:cNvSpPr>
+          <p:nvPr>
+            <p:ph type="title"/>
+          </p:nvPr>
+        </p:nvSpPr>
+        <p:spPr/>
+        <p:txBody>
+          <a:bodyPr/>
+          <a:lstStyle/>
+          <a:p>
+            <a:r>
+              <a:rPr lang="en-US" dirty="0" smtClean="0"/>
+              <a:t>Click to edit Master title style</a:t>
+            </a:r>
+            <a:endParaRPr lang="en-US" dirty="0"/>
+          </a:p>
+        </p:txBody>
+      </p:sp>
+      <p:sp>
+        <p:nvSpPr>
+          <p:cNvPr id="6" name="Content Placeholder 5"/>
+          <p:cNvSpPr>
+            <a:spLocks noGrp="1"/>
+          </p:cNvSpPr>
+          <p:nvPr>
+            <p:ph sz="quarter" idx="10"/>
+          </p:nvPr>
+        </p:nvSpPr>
+        <p:spPr>
+          <a:xfrm>
+            <a:off x="379413" y="1388226"/>
+            <a:ext cx="11525250" cy="5290388"/>
+          </a:xfrm>
+          <a:prstGeom prst="rect">
+            <a:avLst/>
+          </a:prstGeom>
+        </p:spPr>
+        <p:txBody>
+          <a:bodyPr/>
+          <a:lstStyle>
+            <a:lvl1pPr>
+              <a:spcBef>
+                <a:spcPts val="1400"/>
+              </a:spcBef>
+              <a:defRPr b="0"/>
+            </a:lvl1pPr>
+            <a:lvl2pPr>
+              <a:defRPr>
+                <a:solidFill>
+                  <a:schemeClr val="tx1">
+                    <a:lumMod val="75000"/>
+                    <a:lumOff val="25000"/>
+                  </a:schemeClr>
+                </a:solidFill>
+              </a:defRPr>
+            </a:lvl2pPr>
+          </a:lstStyle>
+          <a:p>
+            <a:pPr lvl="0"/>
+            <a:r>
+              <a:rPr lang="en-US" dirty="0" smtClean="0"/>
+              <a:t>Click to edit Master text styles</a:t>
+            </a:r>
+          </a:p>
+          <a:p>
+            <a:pPr lvl="1"/>
+            <a:r>
+              <a:rPr lang="en-US" dirty="0" smtClean="0"/>
+              <a:t>Second level</a:t>
+            </a:r>
+          </a:p>
+          <a:p>
+            <a:pPr lvl="2"/>
+            <a:r>
+              <a:rPr lang="en-US" dirty="0" smtClean="0"/>
+              <a:t>Third level</a:t>
+            </a:r>
+          </a:p>
+          <a:p>
+            <a:pPr lvl="3"/>
+            <a:r>
+              <a:rPr lang="en-US" dirty="0" smtClean="0"/>
+              <a:t>Fourth level</a:t>
+            </a:r>
+          </a:p>
+          <a:p>
+            <a:pPr lvl="4"/>
+            <a:r>
+              <a:rPr lang="en-US" dirty="0" smtClean="0"/>
+              <a:t>Fifth level</a:t>
+            </a:r>
+            <a:endParaRPr lang="en-US" dirty="0"/>
+          </a:p>
+        </p:txBody>
+      </p:sp>
+    </p:spTree>
+    <p:extLst>
+      <p:ext uri="{BB962C8B-B14F-4D97-AF65-F5344CB8AC3E}">
+        <p14:creationId xmlns:p14="http://schemas.microsoft.com/office/powerpoint/2010/main" val="1927763136"/>
+      </p:ext>
+    </p:extLst>
+  </p:cSld>
+  <p:clrMapOvr>
+    <a:masterClrMapping/>
+  </p:clrMapOvr>
   <p:timing>
     <p:tnLst>
       <p:par>
@@ -16475,6 +16612,7 @@
     <p:sldLayoutId id="2147483708" r:id="rId35"/>
     <p:sldLayoutId id="2147483706" r:id="rId36"/>
     <p:sldLayoutId id="2147483723" r:id="rId37"/>
+    <p:sldLayoutId id="2147483724" r:id="rId38"/>
   </p:sldLayoutIdLst>
   <p:timing>
     <p:tnLst>
@@ -20275,12 +20413,16 @@
           <a:lstStyle/>
           <a:p>
             <a:r>
-              <a:rPr lang="en-US" dirty="0" smtClean="0"/>
-              <a:t>Meet Christopher Harrison | @</a:t>
-            </a:r>
-            <a:r>
-              <a:rPr lang="en-US" dirty="0" err="1" smtClean="0"/>
-              <a:t>GeekTrainer</a:t>
+              <a:rPr lang="en-US" sz="4000" dirty="0" smtClean="0"/>
+              <a:t>Meet Christopher Harrison | ‏@</a:t>
+            </a:r>
+            <a:r>
+              <a:rPr lang="en-US" sz="4000" dirty="0" err="1" smtClean="0"/>
+              <a:t>geektrainer</a:t>
+            </a:r>
+            <a:r>
+              <a:rPr lang="en-US" dirty="0" smtClean="0"/>
+              <a:t> </a:t>
             </a:r>
             <a:endParaRPr lang="en-US" dirty="0"/>
           </a:p>
@@ -20293,15 +20435,10 @@
             <a:spLocks noGrp="1"/>
           </p:cNvSpPr>
           <p:nvPr>
-            <p:ph sz="quarter" idx="10"/>
+            <p:ph idx="10"/>
           </p:nvPr>
         </p:nvSpPr>
-        <p:spPr>
-          <a:xfrm>
-            <a:off x="379413" y="1388226"/>
-            <a:ext cx="8896789" cy="5290388"/>
-          </a:xfrm>
-        </p:spPr>
+        <p:spPr/>
         <p:txBody>
           <a:bodyPr/>
           <a:lstStyle/>
@@ -20311,16 +20448,92 @@
             </a:pPr>
             <a:r>
               <a:rPr lang="en-US" dirty="0" smtClean="0"/>
-              <a:t>*** Insert Bio ***</a:t>
-            </a:r>
-            <a:endParaRPr lang="en-US" dirty="0"/>
-          </a:p>
-        </p:txBody>
-      </p:sp>
+              <a:t>Senior Content Developer</a:t>
+            </a:r>
+            <a:endParaRPr lang="en-US" dirty="0" smtClean="0"/>
+          </a:p>
+          <a:p>
+            <a:pPr marL="57131" indent="0">
+              <a:buNone/>
+            </a:pPr>
+            <a:r>
+              <a:rPr lang="en-US" dirty="0" smtClean="0"/>
+              <a:t>Web development focus</a:t>
+            </a:r>
+            <a:endParaRPr lang="en-US" dirty="0" smtClean="0"/>
+          </a:p>
+          <a:p>
+            <a:pPr marL="57131" indent="0">
+              <a:buNone/>
+            </a:pPr>
+            <a:r>
+              <a:rPr lang="en-US" dirty="0" smtClean="0"/>
+              <a:t>Still </a:t>
+            </a:r>
+            <a:r>
+              <a:rPr lang="en-US" dirty="0" smtClean="0"/>
+              <a:t>misses his Commodore 64</a:t>
+            </a:r>
+          </a:p>
+          <a:p>
+            <a:pPr marL="57131" indent="0">
+              <a:buNone/>
+            </a:pPr>
+            <a:r>
+              <a:rPr lang="en-US" dirty="0" smtClean="0"/>
+              <a:t>Periodic blogger (blog.geektrainer.com)</a:t>
+            </a:r>
+            <a:endParaRPr lang="en-US" dirty="0" smtClean="0"/>
+          </a:p>
+          <a:p>
+            <a:pPr marL="57131" indent="0">
+              <a:buNone/>
+            </a:pPr>
+            <a:r>
+              <a:rPr lang="en-US" dirty="0" smtClean="0"/>
+              <a:t>Marathoner</a:t>
+            </a:r>
+            <a:r>
+              <a:rPr lang="en-US" dirty="0" smtClean="0"/>
+              <a:t>, husband, father of one four legged child</a:t>
+            </a:r>
+          </a:p>
+        </p:txBody>
+      </p:sp>
+      <p:pic>
+        <p:nvPicPr>
+          <p:cNvPr id="3" name="Picture 2"/>
+          <p:cNvPicPr>
+            <a:picLocks noChangeAspect="1"/>
+          </p:cNvPicPr>
+          <p:nvPr/>
+        </p:nvPicPr>
+        <p:blipFill>
+          <a:blip r:embed="rId3" cstate="print">
+            <a:extLst>
+              <a:ext uri="{28A0092B-C50C-407E-A947-70E740481C1C}">
+                <a14:useLocalDpi xmlns:a14="http://schemas.microsoft.com/office/drawing/2010/main" val="0"/>
+              </a:ext>
+            </a:extLst>
+          </a:blip>
+          <a:stretch>
+            <a:fillRect/>
+          </a:stretch>
+        </p:blipFill>
+        <p:spPr>
+          <a:xfrm>
+            <a:off x="9462977" y="0"/>
+            <a:ext cx="2729023" cy="2729023"/>
+          </a:xfrm>
+          <a:prstGeom prst="rect">
+            <a:avLst/>
+          </a:prstGeom>
+        </p:spPr>
+      </p:pic>
     </p:spTree>
     <p:extLst>
       <p:ext uri="{BB962C8B-B14F-4D97-AF65-F5344CB8AC3E}">
-        <p14:creationId xmlns:p14="http://schemas.microsoft.com/office/powerpoint/2010/main" val="3056882006"/>
+        <p14:creationId xmlns:p14="http://schemas.microsoft.com/office/powerpoint/2010/main" val="4145853485"/>
       </p:ext>
     </p:extLst>
   </p:cSld>
@@ -20883,33 +21096,28 @@
             <a:pPr lvl="1"/>
             <a:r>
               <a:rPr lang="en-US" dirty="0"/>
-              <a:t>Enter this code</a:t>
-            </a:r>
-            <a:r>
-              <a:rPr lang="en-US"/>
-              <a:t>: </a:t>
-            </a:r>
-            <a:r>
-              <a:rPr lang="en-US" err="1"/>
-              <a:t>NodeModulesPkgs</a:t>
-            </a:r>
-            <a:r>
-              <a:rPr lang="en-US" b="1"/>
+              <a:t>Enter this code: </a:t>
+            </a:r>
+            <a:r>
+              <a:rPr lang="en-US" dirty="0" err="1"/>
+              <a:t>JSforExpDev</a:t>
+            </a:r>
+            <a:r>
+              <a:rPr lang="en-US" b="1" dirty="0" smtClean="0"/>
               <a:t> </a:t>
             </a:r>
             <a:r>
-              <a:rPr lang="en-US" smtClean="0"/>
+              <a:rPr lang="en-US" dirty="0" smtClean="0"/>
               <a:t>(expires </a:t>
             </a:r>
             <a:r>
+              <a:rPr lang="en-US" dirty="0" smtClean="0"/>
+              <a:t>Nov 30, </a:t>
+            </a:r>
+            <a:r>
               <a:rPr lang="en-US" dirty="0"/>
-              <a:t>Oct</a:t>
-            </a:r>
-            <a:r>
-              <a:rPr lang="en-US"/>
-              <a:t> 5, 2015) </a:t>
-            </a:r>
-            <a:endParaRPr lang="en-US" dirty="0"/>
+              <a:t>2015) </a:t>
+            </a:r>
           </a:p>
         </p:txBody>
       </p:sp>
@@ -21064,14 +21272,14 @@
                 <a:gridCol w="5762625">
                   <a:extLst>
                     <a:ext uri="{9D8B030D-6E8A-4147-A177-3AD203B41FA5}">
-                      <a16:colId xmlns:a16="http://schemas.microsoft.com/office/drawing/2014/main" xmlns="" val="20000"/>
+                      <a16:colId xmlns:a16="http://schemas.microsoft.com/office/drawing/2014/main" val="20000"/>
                     </a:ext>
                   </a:extLst>
                 </a:gridCol>
                 <a:gridCol w="5762625">
                   <a:extLst>
                     <a:ext uri="{9D8B030D-6E8A-4147-A177-3AD203B41FA5}">
-                      <a16:colId xmlns:a16="http://schemas.microsoft.com/office/drawing/2014/main" xmlns="" val="20001"/>
+                      <a16:colId xmlns:a16="http://schemas.microsoft.com/office/drawing/2014/main" val="20001"/>
                     </a:ext>
                   </a:extLst>
                 </a:gridCol>
@@ -21109,7 +21317,7 @@
                 </a:tc>
                 <a:extLst>
                   <a:ext uri="{0D108BD9-81ED-4DB2-BD59-A6C34878D82A}">
-                    <a16:rowId xmlns:a16="http://schemas.microsoft.com/office/drawing/2014/main" xmlns="" val="10000"/>
+                    <a16:rowId xmlns:a16="http://schemas.microsoft.com/office/drawing/2014/main" val="10000"/>
                   </a:ext>
                 </a:extLst>
               </a:tr>
@@ -21174,7 +21382,7 @@
                 </a:tc>
                 <a:extLst>
                   <a:ext uri="{0D108BD9-81ED-4DB2-BD59-A6C34878D82A}">
-                    <a16:rowId xmlns:a16="http://schemas.microsoft.com/office/drawing/2014/main" xmlns="" val="10001"/>
+                    <a16:rowId xmlns:a16="http://schemas.microsoft.com/office/drawing/2014/main" val="10001"/>
                   </a:ext>
                 </a:extLst>
               </a:tr>
@@ -21235,7 +21443,7 @@
                 </a:tc>
                 <a:extLst>
                   <a:ext uri="{0D108BD9-81ED-4DB2-BD59-A6C34878D82A}">
-                    <a16:rowId xmlns:a16="http://schemas.microsoft.com/office/drawing/2014/main" xmlns="" val="10002"/>
+                    <a16:rowId xmlns:a16="http://schemas.microsoft.com/office/drawing/2014/main" val="10002"/>
                   </a:ext>
                 </a:extLst>
               </a:tr>
@@ -21299,7 +21507,7 @@
                 </a:tc>
                 <a:extLst>
                   <a:ext uri="{0D108BD9-81ED-4DB2-BD59-A6C34878D82A}">
-                    <a16:rowId xmlns:a16="http://schemas.microsoft.com/office/drawing/2014/main" xmlns="" val="10003"/>
+                    <a16:rowId xmlns:a16="http://schemas.microsoft.com/office/drawing/2014/main" val="10003"/>
                   </a:ext>
                 </a:extLst>
               </a:tr>
@@ -22905,9 +23113,12 @@
 </file>
 
 <file path=customXml/item1.xml><?xml version="1.0" encoding="utf-8"?>
-<p:properties xmlns:p="http://schemas.microsoft.com/office/2006/metadata/properties" xmlns:xsi="http://www.w3.org/2001/XMLSchema-instance" xmlns:pc="http://schemas.microsoft.com/office/infopath/2007/PartnerControls">
-  <documentManagement/>
-</p:properties>
+<?mso-contentType ?>
+<FormTemplates xmlns="http://schemas.microsoft.com/sharepoint/v3/contenttype/forms">
+  <Display>DocumentLibraryForm</Display>
+  <Edit>DocumentLibraryForm</Edit>
+  <New>DocumentLibraryForm</New>
+</FormTemplates>
 </file>
 
 <file path=customXml/item2.xml><?xml version="1.0" encoding="utf-8"?>
@@ -23051,26 +23262,15 @@
 </file>
 
 <file path=customXml/item3.xml><?xml version="1.0" encoding="utf-8"?>
-<?mso-contentType ?>
-<FormTemplates xmlns="http://schemas.microsoft.com/sharepoint/v3/contenttype/forms">
-  <Display>DocumentLibraryForm</Display>
-  <Edit>DocumentLibraryForm</Edit>
-  <New>DocumentLibraryForm</New>
-</FormTemplates>
+<p:properties xmlns:p="http://schemas.microsoft.com/office/2006/metadata/properties" xmlns:xsi="http://www.w3.org/2001/XMLSchema-instance" xmlns:pc="http://schemas.microsoft.com/office/infopath/2007/PartnerControls">
+  <documentManagement/>
+</p:properties>
 </file>
 
 <file path=customXml/itemProps1.xml><?xml version="1.0" encoding="utf-8"?>
-<ds:datastoreItem xmlns:ds="http://schemas.openxmlformats.org/officeDocument/2006/customXml" ds:itemID="{7025FDD9-4C58-4084-9F89-0E6ADD6FFF55}">
+<ds:datastoreItem xmlns:ds="http://schemas.openxmlformats.org/officeDocument/2006/customXml" ds:itemID="{B0CA13EC-1D3C-4D6F-8D1C-E8A452CFC79A}">
   <ds:schemaRefs>
-    <ds:schemaRef ds:uri="http://purl.org/dc/dcmitype/"/>
-    <ds:schemaRef ds:uri="http://purl.org/dc/elements/1.1/"/>
-    <ds:schemaRef ds:uri="http://schemas.microsoft.com/office/infopath/2007/PartnerControls"/>
-    <ds:schemaRef ds:uri="http://schemas.microsoft.com/office/2006/metadata/properties"/>
-    <ds:schemaRef ds:uri="http://schemas.microsoft.com/office/2006/documentManagement/types"/>
-    <ds:schemaRef ds:uri="http://schemas.openxmlformats.org/package/2006/metadata/core-properties"/>
-    <ds:schemaRef ds:uri="e5a13ba8-98e3-4f23-a221-7ac9824aa662"/>
-    <ds:schemaRef ds:uri="http://www.w3.org/XML/1998/namespace"/>
-    <ds:schemaRef ds:uri="http://purl.org/dc/terms/"/>
+    <ds:schemaRef ds:uri="http://schemas.microsoft.com/sharepoint/v3/contenttype/forms"/>
   </ds:schemaRefs>
 </ds:datastoreItem>
 </file>
@@ -23094,9 +23294,17 @@
 </file>
 
 <file path=customXml/itemProps3.xml><?xml version="1.0" encoding="utf-8"?>
-<ds:datastoreItem xmlns:ds="http://schemas.openxmlformats.org/officeDocument/2006/customXml" ds:itemID="{B0CA13EC-1D3C-4D6F-8D1C-E8A452CFC79A}">
+<ds:datastoreItem xmlns:ds="http://schemas.openxmlformats.org/officeDocument/2006/customXml" ds:itemID="{7025FDD9-4C58-4084-9F89-0E6ADD6FFF55}">
   <ds:schemaRefs>
-    <ds:schemaRef ds:uri="http://schemas.microsoft.com/sharepoint/v3/contenttype/forms"/>
+    <ds:schemaRef ds:uri="http://purl.org/dc/dcmitype/"/>
+    <ds:schemaRef ds:uri="http://purl.org/dc/elements/1.1/"/>
+    <ds:schemaRef ds:uri="http://schemas.microsoft.com/office/infopath/2007/PartnerControls"/>
+    <ds:schemaRef ds:uri="http://schemas.microsoft.com/office/2006/metadata/properties"/>
+    <ds:schemaRef ds:uri="http://schemas.microsoft.com/office/2006/documentManagement/types"/>
+    <ds:schemaRef ds:uri="http://schemas.openxmlformats.org/package/2006/metadata/core-properties"/>
+    <ds:schemaRef ds:uri="e5a13ba8-98e3-4f23-a221-7ac9824aa662"/>
+    <ds:schemaRef ds:uri="http://www.w3.org/XML/1998/namespace"/>
+    <ds:schemaRef ds:uri="http://purl.org/dc/terms/"/>
   </ds:schemaRefs>
 </ds:datastoreItem>
 </file>
--- a/Slides/Module 1 -Getting Started With JavaScript.pptx
+++ b/Slides/Module 1 -Getting Started With JavaScript.pptx
@@ -6,46 +6,47 @@
     <p:sldMasterId id="2147483679" r:id="rId5"/>
   </p:sldMasterIdLst>
   <p:notesMasterIdLst>
-    <p:notesMasterId r:id="rId40"/>
+    <p:notesMasterId r:id="rId41"/>
   </p:notesMasterIdLst>
   <p:handoutMasterIdLst>
-    <p:handoutMasterId r:id="rId41"/>
+    <p:handoutMasterId r:id="rId42"/>
   </p:handoutMasterIdLst>
   <p:sldIdLst>
     <p:sldId id="271" r:id="rId6"/>
     <p:sldId id="272" r:id="rId7"/>
-    <p:sldId id="284" r:id="rId8"/>
-    <p:sldId id="276" r:id="rId9"/>
-    <p:sldId id="274" r:id="rId10"/>
-    <p:sldId id="277" r:id="rId11"/>
-    <p:sldId id="278" r:id="rId12"/>
-    <p:sldId id="312" r:id="rId13"/>
-    <p:sldId id="313" r:id="rId14"/>
-    <p:sldId id="314" r:id="rId15"/>
-    <p:sldId id="315" r:id="rId16"/>
-    <p:sldId id="285" r:id="rId17"/>
-    <p:sldId id="289" r:id="rId18"/>
-    <p:sldId id="316" r:id="rId19"/>
-    <p:sldId id="320" r:id="rId20"/>
-    <p:sldId id="293" r:id="rId21"/>
-    <p:sldId id="311" r:id="rId22"/>
-    <p:sldId id="302" r:id="rId23"/>
-    <p:sldId id="288" r:id="rId24"/>
-    <p:sldId id="308" r:id="rId25"/>
-    <p:sldId id="291" r:id="rId26"/>
-    <p:sldId id="317" r:id="rId27"/>
-    <p:sldId id="318" r:id="rId28"/>
-    <p:sldId id="319" r:id="rId29"/>
-    <p:sldId id="321" r:id="rId30"/>
-    <p:sldId id="309" r:id="rId31"/>
-    <p:sldId id="322" r:id="rId32"/>
-    <p:sldId id="324" r:id="rId33"/>
-    <p:sldId id="325" r:id="rId34"/>
-    <p:sldId id="326" r:id="rId35"/>
-    <p:sldId id="327" r:id="rId36"/>
-    <p:sldId id="328" r:id="rId37"/>
-    <p:sldId id="286" r:id="rId38"/>
-    <p:sldId id="269" r:id="rId39"/>
+    <p:sldId id="330" r:id="rId8"/>
+    <p:sldId id="329" r:id="rId9"/>
+    <p:sldId id="276" r:id="rId10"/>
+    <p:sldId id="274" r:id="rId11"/>
+    <p:sldId id="277" r:id="rId12"/>
+    <p:sldId id="278" r:id="rId13"/>
+    <p:sldId id="312" r:id="rId14"/>
+    <p:sldId id="313" r:id="rId15"/>
+    <p:sldId id="314" r:id="rId16"/>
+    <p:sldId id="315" r:id="rId17"/>
+    <p:sldId id="285" r:id="rId18"/>
+    <p:sldId id="289" r:id="rId19"/>
+    <p:sldId id="316" r:id="rId20"/>
+    <p:sldId id="320" r:id="rId21"/>
+    <p:sldId id="293" r:id="rId22"/>
+    <p:sldId id="311" r:id="rId23"/>
+    <p:sldId id="302" r:id="rId24"/>
+    <p:sldId id="288" r:id="rId25"/>
+    <p:sldId id="308" r:id="rId26"/>
+    <p:sldId id="291" r:id="rId27"/>
+    <p:sldId id="317" r:id="rId28"/>
+    <p:sldId id="318" r:id="rId29"/>
+    <p:sldId id="319" r:id="rId30"/>
+    <p:sldId id="321" r:id="rId31"/>
+    <p:sldId id="309" r:id="rId32"/>
+    <p:sldId id="322" r:id="rId33"/>
+    <p:sldId id="324" r:id="rId34"/>
+    <p:sldId id="325" r:id="rId35"/>
+    <p:sldId id="326" r:id="rId36"/>
+    <p:sldId id="327" r:id="rId37"/>
+    <p:sldId id="328" r:id="rId38"/>
+    <p:sldId id="286" r:id="rId39"/>
+    <p:sldId id="269" r:id="rId40"/>
   </p:sldIdLst>
   <p:sldSz cx="12192000" cy="6858000"/>
   <p:notesSz cx="6858000" cy="9144000"/>
@@ -155,7 +156,8 @@
         <p14:section name="Course Intro (Deck 1 Only)" id="{552DAC1B-EB3C-4200-90A8-9EF881225FA0}">
           <p14:sldIdLst>
             <p14:sldId id="272"/>
-            <p14:sldId id="284"/>
+            <p14:sldId id="330"/>
+            <p14:sldId id="329"/>
             <p14:sldId id="276"/>
           </p14:sldIdLst>
         </p14:section>
@@ -911,7 +913,7 @@
             <a:fld id="{13F0F35F-DD44-4607-AEC1-49D7A4BC4066}" type="slidenum">
               <a:rPr lang="en-US" smtClean="0"/>
               <a:pPr/>
-              <a:t>33</a:t>
+              <a:t>34</a:t>
             </a:fld>
             <a:endParaRPr lang="en-US" dirty="0"/>
           </a:p>
@@ -1090,7 +1092,7 @@
     </p:spTree>
     <p:extLst>
       <p:ext uri="{BB962C8B-B14F-4D97-AF65-F5344CB8AC3E}">
-        <p14:creationId xmlns:p14="http://schemas.microsoft.com/office/powerpoint/2010/main" val="1758849546"/>
+        <p14:creationId xmlns:p14="http://schemas.microsoft.com/office/powerpoint/2010/main" val="3415097517"/>
       </p:ext>
     </p:extLst>
   </p:cSld>
@@ -1166,7 +1168,7 @@
             <a:fld id="{13F0F35F-DD44-4607-AEC1-49D7A4BC4066}" type="slidenum">
               <a:rPr lang="en-US" smtClean="0"/>
               <a:pPr/>
-              <a:t>5</a:t>
+              <a:t>6</a:t>
             </a:fld>
             <a:endParaRPr lang="en-US" dirty="0"/>
           </a:p>
@@ -1237,7 +1239,7 @@
             <a:fld id="{13F0F35F-DD44-4607-AEC1-49D7A4BC4066}" type="slidenum">
               <a:rPr lang="en-US" smtClean="0"/>
               <a:pPr/>
-              <a:t>6</a:t>
+              <a:t>7</a:t>
             </a:fld>
             <a:endParaRPr lang="en-US" dirty="0"/>
           </a:p>
@@ -1348,7 +1350,7 @@
             <a:fld id="{13F0F35F-DD44-4607-AEC1-49D7A4BC4066}" type="slidenum">
               <a:rPr lang="en-US" smtClean="0"/>
               <a:pPr/>
-              <a:t>7</a:t>
+              <a:t>8</a:t>
             </a:fld>
             <a:endParaRPr lang="en-US" dirty="0"/>
           </a:p>
@@ -1453,7 +1455,7 @@
           <a:p>
             <a:fld id="{4CFD207A-07DF-40AD-A916-9872E089CE7A}" type="slidenum">
               <a:rPr lang="en-US" smtClean="0"/>
-              <a:t>14</a:t>
+              <a:t>15</a:t>
             </a:fld>
             <a:endParaRPr lang="en-US"/>
           </a:p>
@@ -1537,7 +1539,7 @@
           <a:p>
             <a:fld id="{4CFD207A-07DF-40AD-A916-9872E089CE7A}" type="slidenum">
               <a:rPr lang="en-US" smtClean="0"/>
-              <a:t>16</a:t>
+              <a:t>17</a:t>
             </a:fld>
             <a:endParaRPr lang="en-US"/>
           </a:p>
@@ -1645,7 +1647,7 @@
           <a:p>
             <a:fld id="{4CFD207A-07DF-40AD-A916-9872E089CE7A}" type="slidenum">
               <a:rPr lang="en-US" smtClean="0"/>
-              <a:t>19</a:t>
+              <a:t>20</a:t>
             </a:fld>
             <a:endParaRPr lang="en-US"/>
           </a:p>
@@ -15170,6 +15172,143 @@
       <p:transition spd="slow"/>
     </mc:Fallback>
   </mc:AlternateContent>
+  <p:timing>
+    <p:tnLst>
+      <p:par>
+        <p:cTn id="1" dur="indefinite" restart="never" nodeType="tmRoot"/>
+      </p:par>
+    </p:tnLst>
+  </p:timing>
+</p:sldLayout>
+</file>
+
+<file path=ppt/slideLayouts/slideLayout53.xml><?xml version="1.0" encoding="utf-8"?>
+<p:sldLayout xmlns:a="http://schemas.openxmlformats.org/drawingml/2006/main" xmlns:r="http://schemas.openxmlformats.org/officeDocument/2006/relationships" xmlns:p="http://schemas.openxmlformats.org/presentationml/2006/main" userDrawn="1">
+  <p:cSld name="Title and Content">
+    <p:spTree>
+      <p:nvGrpSpPr>
+        <p:cNvPr id="1" name=""/>
+        <p:cNvGrpSpPr/>
+        <p:nvPr/>
+      </p:nvGrpSpPr>
+      <p:grpSpPr>
+        <a:xfrm>
+          <a:off x="0" y="0"/>
+          <a:ext cx="0" cy="0"/>
+          <a:chOff x="0" y="0"/>
+          <a:chExt cx="0" cy="0"/>
+        </a:xfrm>
+      </p:grpSpPr>
+      <p:sp>
+        <p:nvSpPr>
+          <p:cNvPr id="3" name="Title 2"/>
+          <p:cNvSpPr>
+            <a:spLocks noGrp="1"/>
+          </p:cNvSpPr>
+          <p:nvPr>
+            <p:ph type="title"/>
+          </p:nvPr>
+        </p:nvSpPr>
+        <p:spPr/>
+        <p:txBody>
+          <a:bodyPr/>
+          <a:lstStyle/>
+          <a:p>
+            <a:r>
+              <a:rPr lang="en-US" dirty="0" smtClean="0"/>
+              <a:t>Click to edit Master title style</a:t>
+            </a:r>
+            <a:endParaRPr lang="en-US" dirty="0"/>
+          </a:p>
+        </p:txBody>
+      </p:sp>
+      <p:sp>
+        <p:nvSpPr>
+          <p:cNvPr id="6" name="Content Placeholder 5"/>
+          <p:cNvSpPr>
+            <a:spLocks noGrp="1"/>
+          </p:cNvSpPr>
+          <p:nvPr>
+            <p:ph sz="quarter" idx="10"/>
+          </p:nvPr>
+        </p:nvSpPr>
+        <p:spPr>
+          <a:xfrm>
+            <a:off x="379413" y="1388226"/>
+            <a:ext cx="11525250" cy="5290388"/>
+          </a:xfrm>
+          <a:prstGeom prst="rect">
+            <a:avLst/>
+          </a:prstGeom>
+        </p:spPr>
+        <p:txBody>
+          <a:bodyPr/>
+          <a:lstStyle>
+            <a:lvl1pPr>
+              <a:spcBef>
+                <a:spcPts val="1400"/>
+              </a:spcBef>
+              <a:defRPr b="0"/>
+            </a:lvl1pPr>
+            <a:lvl2pPr>
+              <a:defRPr>
+                <a:solidFill>
+                  <a:schemeClr val="tx1">
+                    <a:lumMod val="75000"/>
+                    <a:lumOff val="25000"/>
+                  </a:schemeClr>
+                </a:solidFill>
+              </a:defRPr>
+            </a:lvl2pPr>
+          </a:lstStyle>
+          <a:p>
+            <a:pPr lvl="0"/>
+            <a:r>
+              <a:rPr lang="en-US" dirty="0" smtClean="0"/>
+              <a:t>Click to edit Master text styles</a:t>
+            </a:r>
+          </a:p>
+          <a:p>
+            <a:pPr lvl="1"/>
+            <a:r>
+              <a:rPr lang="en-US" dirty="0" smtClean="0"/>
+              <a:t>Second level</a:t>
+            </a:r>
+          </a:p>
+          <a:p>
+            <a:pPr lvl="2"/>
+            <a:r>
+              <a:rPr lang="en-US" dirty="0" smtClean="0"/>
+              <a:t>Third level</a:t>
+            </a:r>
+          </a:p>
+          <a:p>
+            <a:pPr lvl="3"/>
+            <a:r>
+              <a:rPr lang="en-US" dirty="0" smtClean="0"/>
+              <a:t>Fourth level</a:t>
+            </a:r>
+          </a:p>
+          <a:p>
+            <a:pPr lvl="4"/>
+            <a:r>
+              <a:rPr lang="en-US" dirty="0" smtClean="0"/>
+              <a:t>Fifth level</a:t>
+            </a:r>
+            <a:endParaRPr lang="en-US" dirty="0"/>
+          </a:p>
+        </p:txBody>
+      </p:sp>
+    </p:spTree>
+    <p:extLst>
+      <p:ext uri="{BB962C8B-B14F-4D97-AF65-F5344CB8AC3E}">
+        <p14:creationId xmlns:p14="http://schemas.microsoft.com/office/powerpoint/2010/main" val="3876578588"/>
+      </p:ext>
+    </p:extLst>
+  </p:cSld>
+  <p:clrMapOvr>
+    <a:masterClrMapping/>
+  </p:clrMapOvr>
   <p:timing>
     <p:tnLst>
       <p:par>
@@ -16580,6 +16719,7 @@
     <p:sldLayoutId id="2147483708" r:id="rId35"/>
     <p:sldLayoutId id="2147483706" r:id="rId36"/>
     <p:sldLayoutId id="2147483723" r:id="rId37"/>
+    <p:sldLayoutId id="2147483724" r:id="rId38"/>
   </p:sldLayoutIdLst>
   <p:timing>
     <p:tnLst>
@@ -16963,12 +17103,12 @@
       </p:grpSpPr>
       <p:sp>
         <p:nvSpPr>
-          <p:cNvPr id="4" name="Text Placeholder 3"/>
+          <p:cNvPr id="2" name="Title 1"/>
           <p:cNvSpPr>
             <a:spLocks noGrp="1"/>
           </p:cNvSpPr>
           <p:nvPr>
-            <p:ph type="body" sz="quarter" idx="10"/>
+            <p:ph type="title"/>
           </p:nvPr>
         </p:nvSpPr>
         <p:spPr/>
@@ -16978,247 +17118,74 @@
           <a:p>
             <a:r>
               <a:rPr lang="en-US" dirty="0" smtClean="0"/>
-              <a:t>Global Variable Scope</a:t>
-            </a:r>
-          </a:p>
-          <a:p>
-            <a:r>
-              <a:rPr lang="en-US" sz="2000" dirty="0" smtClean="0"/>
-              <a:t>As you can see the color variable in the if statement is global and though it is declared as a new variable in the if statement, it is not considered local because it is not in an function.</a:t>
-            </a:r>
-          </a:p>
-        </p:txBody>
-      </p:sp>
-      <p:sp>
-        <p:nvSpPr>
-          <p:cNvPr id="5" name="Text Placeholder 4"/>
+              <a:t>Scoping of Variables</a:t>
+            </a:r>
+            <a:endParaRPr lang="en-US" dirty="0"/>
+          </a:p>
+        </p:txBody>
+      </p:sp>
+      <p:sp>
+        <p:nvSpPr>
+          <p:cNvPr id="3" name="Content Placeholder 2"/>
           <p:cNvSpPr>
             <a:spLocks noGrp="1"/>
           </p:cNvSpPr>
           <p:nvPr>
-            <p:ph type="body" sz="quarter" idx="11"/>
+            <p:ph sz="quarter" idx="10"/>
           </p:nvPr>
         </p:nvSpPr>
-        <p:spPr>
-          <a:xfrm>
-            <a:off x="60779" y="145824"/>
-            <a:ext cx="11753850" cy="3708400"/>
-          </a:xfrm>
-        </p:spPr>
+        <p:spPr/>
         <p:txBody>
           <a:bodyPr/>
           <a:lstStyle/>
           <a:p>
             <a:r>
-              <a:rPr lang="en-US" dirty="0" err="1">
-                <a:solidFill>
-                  <a:schemeClr val="accent1"/>
-                </a:solidFill>
-              </a:rPr>
-              <a:t>var</a:t>
+              <a:rPr lang="en-US" dirty="0" smtClean="0"/>
+              <a:t>Variables in JavaScript are either considered to be local or global</a:t>
+            </a:r>
+          </a:p>
+          <a:p>
+            <a:r>
+              <a:rPr lang="en-US" b="1" dirty="0"/>
+              <a:t>Local Variable Scope: </a:t>
             </a:r>
             <a:r>
               <a:rPr lang="en-US" dirty="0"/>
-              <a:t> color = </a:t>
-            </a:r>
-            <a:r>
-              <a:rPr lang="en-US" dirty="0">
-                <a:solidFill>
-                  <a:schemeClr val="accent6">
-                    <a:lumMod val="60000"/>
-                    <a:lumOff val="40000"/>
-                  </a:schemeClr>
-                </a:solidFill>
-              </a:rPr>
-              <a:t>"</a:t>
-            </a:r>
-            <a:r>
-              <a:rPr lang="en-US" dirty="0" smtClean="0">
-                <a:solidFill>
-                  <a:schemeClr val="accent6">
-                    <a:lumMod val="60000"/>
-                    <a:lumOff val="40000"/>
-                  </a:schemeClr>
-                </a:solidFill>
-              </a:rPr>
-              <a:t>blue"</a:t>
-            </a:r>
-            <a:r>
-              <a:rPr lang="en-US" dirty="0" smtClean="0"/>
-              <a:t>;</a:t>
+              <a:t>local variables can only be created in a function. </a:t>
+            </a:r>
+            <a:endParaRPr lang="en-US" dirty="0" smtClean="0"/>
+          </a:p>
+          <a:p>
+            <a:r>
+              <a:rPr lang="en-US" dirty="0" smtClean="0"/>
+              <a:t>There is no such thing as block-level scope variables</a:t>
+            </a:r>
+          </a:p>
+          <a:p>
+            <a:pPr lvl="1"/>
+            <a:r>
+              <a:rPr lang="en-US" dirty="0"/>
+              <a:t>Any variables created in any other block of code (code surrounded by curly brackets) will be considered </a:t>
+            </a:r>
+            <a:r>
+              <a:rPr lang="en-US" dirty="0" smtClean="0"/>
+              <a:t>global</a:t>
+            </a:r>
+          </a:p>
+          <a:p>
+            <a:pPr lvl="1"/>
+            <a:r>
+              <a:rPr lang="en-US" dirty="0" smtClean="0"/>
+              <a:t>Example: variables that are a part of an if statement is not local to the if statement, it is considered a global variable</a:t>
             </a:r>
             <a:endParaRPr lang="en-US" dirty="0"/>
-          </a:p>
-          <a:p>
-            <a:r>
-              <a:rPr lang="en-US" dirty="0"/>
-              <a:t> </a:t>
-            </a:r>
-          </a:p>
-          <a:p>
-            <a:r>
-              <a:rPr lang="en-US" dirty="0" smtClean="0">
-                <a:solidFill>
-                  <a:schemeClr val="accent1"/>
-                </a:solidFill>
-              </a:rPr>
-              <a:t>if</a:t>
-            </a:r>
-            <a:r>
-              <a:rPr lang="en-US" dirty="0" smtClean="0"/>
-              <a:t>(color){ </a:t>
-            </a:r>
-            <a:endParaRPr lang="en-US" dirty="0"/>
-          </a:p>
-          <a:p>
-            <a:r>
-              <a:rPr lang="en-US" dirty="0"/>
-              <a:t>		</a:t>
-            </a:r>
-            <a:r>
-              <a:rPr lang="en-US" dirty="0" err="1" smtClean="0">
-                <a:solidFill>
-                  <a:schemeClr val="tx2">
-                    <a:lumMod val="60000"/>
-                    <a:lumOff val="40000"/>
-                  </a:schemeClr>
-                </a:solidFill>
-              </a:rPr>
-              <a:t>var</a:t>
-            </a:r>
-            <a:r>
-              <a:rPr lang="en-US" dirty="0" smtClean="0"/>
-              <a:t> color </a:t>
-            </a:r>
-            <a:r>
-              <a:rPr lang="en-US" dirty="0"/>
-              <a:t>= </a:t>
-            </a:r>
-            <a:r>
-              <a:rPr lang="en-US" dirty="0">
-                <a:solidFill>
-                  <a:schemeClr val="accent6">
-                    <a:lumMod val="60000"/>
-                    <a:lumOff val="40000"/>
-                  </a:schemeClr>
-                </a:solidFill>
-              </a:rPr>
-              <a:t>"</a:t>
-            </a:r>
-            <a:r>
-              <a:rPr lang="en-US" dirty="0" smtClean="0">
-                <a:solidFill>
-                  <a:schemeClr val="accent6">
-                    <a:lumMod val="60000"/>
-                    <a:lumOff val="40000"/>
-                  </a:schemeClr>
-                </a:solidFill>
-              </a:rPr>
-              <a:t>purple" </a:t>
-            </a:r>
-            <a:r>
-              <a:rPr lang="en-US" dirty="0" smtClean="0"/>
-              <a:t>; </a:t>
-            </a:r>
-            <a:r>
-              <a:rPr lang="en-US" dirty="0">
-                <a:solidFill>
-                  <a:srgbClr val="1A8505"/>
-                </a:solidFill>
-              </a:rPr>
-              <a:t>// this is a </a:t>
-            </a:r>
-            <a:r>
-              <a:rPr lang="en-US" dirty="0" smtClean="0">
-                <a:solidFill>
-                  <a:srgbClr val="1A8505"/>
-                </a:solidFill>
-              </a:rPr>
-              <a:t>global variable, so color</a:t>
-            </a:r>
-          </a:p>
-          <a:p>
-            <a:r>
-              <a:rPr lang="en-US" dirty="0">
-                <a:solidFill>
-                  <a:srgbClr val="1A8505"/>
-                </a:solidFill>
-              </a:rPr>
-              <a:t> </a:t>
-            </a:r>
-            <a:r>
-              <a:rPr lang="en-US" dirty="0" smtClean="0">
-                <a:solidFill>
-                  <a:srgbClr val="1A8505"/>
-                </a:solidFill>
-              </a:rPr>
-              <a:t>                             // will be changed to purple</a:t>
-            </a:r>
-            <a:endParaRPr lang="en-US" dirty="0">
-              <a:solidFill>
-                <a:srgbClr val="1A8505"/>
-              </a:solidFill>
-            </a:endParaRPr>
-          </a:p>
-          <a:p>
-            <a:r>
-              <a:rPr lang="en-US" dirty="0"/>
-              <a:t>		console.log(color);  </a:t>
-            </a:r>
-            <a:r>
-              <a:rPr lang="en-US" dirty="0">
-                <a:solidFill>
-                  <a:srgbClr val="1A8505"/>
-                </a:solidFill>
-              </a:rPr>
-              <a:t>// this statement will print purple</a:t>
-            </a:r>
-          </a:p>
-          <a:p>
-            <a:r>
-              <a:rPr lang="en-US" dirty="0"/>
-              <a:t>}</a:t>
-            </a:r>
-          </a:p>
-          <a:p>
-            <a:r>
-              <a:rPr lang="en-US" dirty="0"/>
-              <a:t> </a:t>
-            </a:r>
-          </a:p>
-          <a:p>
-            <a:r>
-              <a:rPr lang="en-US" dirty="0"/>
-              <a:t>console.log(color);</a:t>
-            </a:r>
-            <a:r>
-              <a:rPr lang="en-US" dirty="0">
-                <a:solidFill>
-                  <a:srgbClr val="1A8505"/>
-                </a:solidFill>
-              </a:rPr>
-              <a:t> //this statement will print </a:t>
-            </a:r>
-            <a:r>
-              <a:rPr lang="en-US" dirty="0" smtClean="0">
-                <a:solidFill>
-                  <a:srgbClr val="1A8505"/>
-                </a:solidFill>
-              </a:rPr>
-              <a:t>purple</a:t>
-            </a:r>
-            <a:endParaRPr lang="en-US" dirty="0">
-              <a:solidFill>
-                <a:srgbClr val="1A8505"/>
-              </a:solidFill>
-            </a:endParaRPr>
           </a:p>
         </p:txBody>
       </p:sp>
     </p:spTree>
     <p:extLst>
       <p:ext uri="{BB962C8B-B14F-4D97-AF65-F5344CB8AC3E}">
-        <p14:creationId xmlns:p14="http://schemas.microsoft.com/office/powerpoint/2010/main" val="1973395840"/>
+        <p14:creationId xmlns:p14="http://schemas.microsoft.com/office/powerpoint/2010/main" val="1047138186"/>
       </p:ext>
     </p:extLst>
   </p:cSld>
@@ -17262,35 +17229,13 @@
           <a:p>
             <a:r>
               <a:rPr lang="en-US" dirty="0" smtClean="0"/>
-              <a:t>Local Variable Scope</a:t>
+              <a:t>Global Variable Scope</a:t>
             </a:r>
           </a:p>
           <a:p>
             <a:r>
               <a:rPr lang="en-US" sz="2000" dirty="0" smtClean="0"/>
-              <a:t>As you can see the local color variable is labeled as purple, and is only purple within the </a:t>
-            </a:r>
-            <a:r>
-              <a:rPr lang="en-US" sz="2000" dirty="0" err="1" smtClean="0"/>
-              <a:t>printColor</a:t>
-            </a:r>
-            <a:r>
-              <a:rPr lang="en-US" sz="2000" dirty="0" smtClean="0"/>
-              <a:t> function.</a:t>
-            </a:r>
-          </a:p>
-          <a:p>
-            <a:r>
-              <a:rPr lang="en-US" sz="2000" dirty="0" smtClean="0"/>
-              <a:t>Though both the local and global variable have the same name, the local variable will take precedence over the global variable in the </a:t>
-            </a:r>
-            <a:r>
-              <a:rPr lang="en-US" sz="2000" dirty="0" err="1" smtClean="0"/>
-              <a:t>printColor</a:t>
-            </a:r>
-            <a:r>
-              <a:rPr lang="en-US" sz="2000" dirty="0" smtClean="0"/>
-              <a:t> function</a:t>
+              <a:t>As you can see the color variable in the if statement is global and though it is declared as a new variable in the if statement, it is not considered local because it is not in an function.</a:t>
             </a:r>
           </a:p>
         </p:txBody>
@@ -17363,25 +17308,18 @@
           </a:p>
           <a:p>
             <a:r>
-              <a:rPr lang="en-US" dirty="0">
+              <a:rPr lang="en-US" dirty="0" smtClean="0">
                 <a:solidFill>
                   <a:schemeClr val="accent1"/>
                 </a:solidFill>
               </a:rPr>
-              <a:t>function</a:t>
-            </a:r>
-            <a:r>
-              <a:rPr lang="en-US" dirty="0"/>
-              <a:t> </a:t>
-            </a:r>
-            <a:r>
-              <a:rPr lang="en-US" dirty="0" err="1"/>
-              <a:t>printColor</a:t>
-            </a:r>
-            <a:r>
-              <a:rPr lang="en-US" dirty="0"/>
-              <a:t>(){ </a:t>
-            </a:r>
+              <a:t>if</a:t>
+            </a:r>
+            <a:r>
+              <a:rPr lang="en-US" dirty="0" smtClean="0"/>
+              <a:t>(color){ </a:t>
+            </a:r>
+            <a:endParaRPr lang="en-US" dirty="0"/>
           </a:p>
           <a:p>
             <a:r>
@@ -17389,16 +17327,23 @@
               <a:t>		</a:t>
             </a:r>
             <a:r>
-              <a:rPr lang="en-US" dirty="0" err="1">
-                <a:solidFill>
-                  <a:schemeClr val="accent1"/>
+              <a:rPr lang="en-US" dirty="0" err="1" smtClean="0">
+                <a:solidFill>
+                  <a:schemeClr val="tx2">
+                    <a:lumMod val="60000"/>
+                    <a:lumOff val="40000"/>
+                  </a:schemeClr>
                 </a:solidFill>
               </a:rPr>
               <a:t>var</a:t>
             </a:r>
             <a:r>
+              <a:rPr lang="en-US" dirty="0" smtClean="0"/>
+              <a:t> color </a:t>
+            </a:r>
+            <a:r>
               <a:rPr lang="en-US" dirty="0"/>
-              <a:t> color = </a:t>
+              <a:t>= </a:t>
             </a:r>
             <a:r>
               <a:rPr lang="en-US" dirty="0">
@@ -17432,8 +17377,39 @@
                   <a:srgbClr val="1A8505"/>
                 </a:solidFill>
               </a:rPr>
-              <a:t>// this is a local variable</a:t>
-            </a:r>
+              <a:t>// this is a </a:t>
+            </a:r>
+            <a:r>
+              <a:rPr lang="en-US" dirty="0" smtClean="0">
+                <a:solidFill>
+                  <a:srgbClr val="1A8505"/>
+                </a:solidFill>
+              </a:rPr>
+              <a:t>global variable, so color</a:t>
+            </a:r>
+          </a:p>
+          <a:p>
+            <a:r>
+              <a:rPr lang="en-US" dirty="0">
+                <a:solidFill>
+                  <a:srgbClr val="1A8505"/>
+                </a:solidFill>
+              </a:rPr>
+              <a:t> </a:t>
+            </a:r>
+            <a:r>
+              <a:rPr lang="en-US" dirty="0" smtClean="0">
+                <a:solidFill>
+                  <a:srgbClr val="1A8505"/>
+                </a:solidFill>
+              </a:rPr>
+              <a:t>                             // will be changed to purple</a:t>
+            </a:r>
+            <a:endParaRPr lang="en-US" dirty="0">
+              <a:solidFill>
+                <a:srgbClr val="1A8505"/>
+              </a:solidFill>
+            </a:endParaRPr>
           </a:p>
           <a:p>
             <a:r>
@@ -17456,18 +17432,10 @@
             </a:r>
           </a:p>
           <a:p>
-            <a:endParaRPr lang="en-US" dirty="0" smtClean="0"/>
-          </a:p>
-          <a:p>
-            <a:r>
-              <a:rPr lang="en-US" dirty="0" err="1" smtClean="0"/>
-              <a:t>printColor</a:t>
-            </a:r>
-            <a:r>
-              <a:rPr lang="en-US" dirty="0" smtClean="0"/>
-              <a:t>();</a:t>
-            </a:r>
-            <a:endParaRPr lang="en-US" dirty="0"/>
+            <a:r>
+              <a:rPr lang="en-US" dirty="0"/>
+              <a:t> </a:t>
+            </a:r>
           </a:p>
           <a:p>
             <a:r>
@@ -17480,15 +17448,28 @@
                   <a:srgbClr val="1A8505"/>
                 </a:solidFill>
               </a:rPr>
-              <a:t> //this statement will print blue</a:t>
-            </a:r>
+              <a:t> //this statement will print </a:t>
+            </a:r>
+            <a:r>
+              <a:rPr lang="en-US" dirty="0" smtClean="0">
+                <a:solidFill>
+                  <a:srgbClr val="1A8505"/>
+                </a:solidFill>
+              </a:rPr>
+              <a:t>purple</a:t>
+            </a:r>
+            <a:endParaRPr lang="en-US" dirty="0">
+              <a:solidFill>
+                <a:srgbClr val="1A8505"/>
+              </a:solidFill>
+            </a:endParaRPr>
           </a:p>
         </p:txBody>
       </p:sp>
     </p:spTree>
     <p:extLst>
       <p:ext uri="{BB962C8B-B14F-4D97-AF65-F5344CB8AC3E}">
-        <p14:creationId xmlns:p14="http://schemas.microsoft.com/office/powerpoint/2010/main" val="1752520319"/>
+        <p14:creationId xmlns:p14="http://schemas.microsoft.com/office/powerpoint/2010/main" val="1973395840"/>
       </p:ext>
     </p:extLst>
   </p:cSld>
@@ -17517,7 +17498,7 @@
       </p:grpSpPr>
       <p:sp>
         <p:nvSpPr>
-          <p:cNvPr id="5" name="Text Placeholder 4"/>
+          <p:cNvPr id="4" name="Text Placeholder 3"/>
           <p:cNvSpPr>
             <a:spLocks noGrp="1"/>
           </p:cNvSpPr>
@@ -17532,48 +17513,239 @@
           <a:p>
             <a:r>
               <a:rPr lang="en-US" dirty="0" smtClean="0"/>
-              <a:t>Functions And Enclosures</a:t>
-            </a:r>
-            <a:endParaRPr lang="en-US" dirty="0"/>
-          </a:p>
-        </p:txBody>
-      </p:sp>
-      <p:sp>
-        <p:nvSpPr>
-          <p:cNvPr id="2" name="Subtitle 1"/>
+              <a:t>Local Variable Scope</a:t>
+            </a:r>
+          </a:p>
+          <a:p>
+            <a:r>
+              <a:rPr lang="en-US" sz="2000" dirty="0" smtClean="0"/>
+              <a:t>As you can see the local color variable is labeled as purple, and is only purple within the </a:t>
+            </a:r>
+            <a:r>
+              <a:rPr lang="en-US" sz="2000" dirty="0" err="1" smtClean="0"/>
+              <a:t>printColor</a:t>
+            </a:r>
+            <a:r>
+              <a:rPr lang="en-US" sz="2000" dirty="0" smtClean="0"/>
+              <a:t> function.</a:t>
+            </a:r>
+          </a:p>
+          <a:p>
+            <a:r>
+              <a:rPr lang="en-US" sz="2000" dirty="0" smtClean="0"/>
+              <a:t>Though both the local and global variable have the same name, the local variable will take precedence over the global variable in the </a:t>
+            </a:r>
+            <a:r>
+              <a:rPr lang="en-US" sz="2000" dirty="0" err="1" smtClean="0"/>
+              <a:t>printColor</a:t>
+            </a:r>
+            <a:r>
+              <a:rPr lang="en-US" sz="2000" dirty="0" smtClean="0"/>
+              <a:t> function</a:t>
+            </a:r>
+          </a:p>
+        </p:txBody>
+      </p:sp>
+      <p:sp>
+        <p:nvSpPr>
+          <p:cNvPr id="5" name="Text Placeholder 4"/>
           <p:cNvSpPr>
             <a:spLocks noGrp="1"/>
           </p:cNvSpPr>
           <p:nvPr>
-            <p:ph type="subTitle" idx="1"/>
+            <p:ph type="body" sz="quarter" idx="11"/>
           </p:nvPr>
         </p:nvSpPr>
-        <p:spPr/>
+        <p:spPr>
+          <a:xfrm>
+            <a:off x="60779" y="145824"/>
+            <a:ext cx="11753850" cy="3708400"/>
+          </a:xfrm>
+        </p:spPr>
         <p:txBody>
           <a:bodyPr/>
           <a:lstStyle/>
           <a:p>
-            <a:endParaRPr lang="en-US"/>
+            <a:r>
+              <a:rPr lang="en-US" dirty="0" err="1">
+                <a:solidFill>
+                  <a:schemeClr val="accent1"/>
+                </a:solidFill>
+              </a:rPr>
+              <a:t>var</a:t>
+            </a:r>
+            <a:r>
+              <a:rPr lang="en-US" dirty="0"/>
+              <a:t> color = </a:t>
+            </a:r>
+            <a:r>
+              <a:rPr lang="en-US" dirty="0">
+                <a:solidFill>
+                  <a:schemeClr val="accent6">
+                    <a:lumMod val="60000"/>
+                    <a:lumOff val="40000"/>
+                  </a:schemeClr>
+                </a:solidFill>
+              </a:rPr>
+              <a:t>"</a:t>
+            </a:r>
+            <a:r>
+              <a:rPr lang="en-US" dirty="0" smtClean="0">
+                <a:solidFill>
+                  <a:schemeClr val="accent6">
+                    <a:lumMod val="60000"/>
+                    <a:lumOff val="40000"/>
+                  </a:schemeClr>
+                </a:solidFill>
+              </a:rPr>
+              <a:t>blue"</a:t>
+            </a:r>
+            <a:r>
+              <a:rPr lang="en-US" dirty="0" smtClean="0"/>
+              <a:t>;</a:t>
+            </a:r>
+            <a:endParaRPr lang="en-US" dirty="0"/>
+          </a:p>
+          <a:p>
+            <a:r>
+              <a:rPr lang="en-US" dirty="0"/>
+              <a:t> </a:t>
+            </a:r>
+          </a:p>
+          <a:p>
+            <a:r>
+              <a:rPr lang="en-US" dirty="0">
+                <a:solidFill>
+                  <a:schemeClr val="accent1"/>
+                </a:solidFill>
+              </a:rPr>
+              <a:t>function</a:t>
+            </a:r>
+            <a:r>
+              <a:rPr lang="en-US" dirty="0"/>
+              <a:t> </a:t>
+            </a:r>
+            <a:r>
+              <a:rPr lang="en-US" dirty="0" err="1"/>
+              <a:t>printColor</a:t>
+            </a:r>
+            <a:r>
+              <a:rPr lang="en-US" dirty="0"/>
+              <a:t>(){ </a:t>
+            </a:r>
+          </a:p>
+          <a:p>
+            <a:r>
+              <a:rPr lang="en-US" dirty="0"/>
+              <a:t>		</a:t>
+            </a:r>
+            <a:r>
+              <a:rPr lang="en-US" dirty="0" err="1">
+                <a:solidFill>
+                  <a:schemeClr val="accent1"/>
+                </a:solidFill>
+              </a:rPr>
+              <a:t>var</a:t>
+            </a:r>
+            <a:r>
+              <a:rPr lang="en-US" dirty="0"/>
+              <a:t> color = </a:t>
+            </a:r>
+            <a:r>
+              <a:rPr lang="en-US" dirty="0">
+                <a:solidFill>
+                  <a:schemeClr val="accent6">
+                    <a:lumMod val="60000"/>
+                    <a:lumOff val="40000"/>
+                  </a:schemeClr>
+                </a:solidFill>
+              </a:rPr>
+              <a:t>"</a:t>
+            </a:r>
+            <a:r>
+              <a:rPr lang="en-US" dirty="0" smtClean="0">
+                <a:solidFill>
+                  <a:schemeClr val="accent6">
+                    <a:lumMod val="60000"/>
+                    <a:lumOff val="40000"/>
+                  </a:schemeClr>
+                </a:solidFill>
+              </a:rPr>
+              <a:t>purple" </a:t>
+            </a:r>
+            <a:r>
+              <a:rPr lang="en-US" dirty="0" smtClean="0"/>
+              <a:t>; </a:t>
+            </a:r>
+            <a:r>
+              <a:rPr lang="en-US" dirty="0">
+                <a:solidFill>
+                  <a:srgbClr val="1A8505"/>
+                </a:solidFill>
+              </a:rPr>
+              <a:t>// this is a local variable</a:t>
+            </a:r>
+          </a:p>
+          <a:p>
+            <a:r>
+              <a:rPr lang="en-US" dirty="0"/>
+              <a:t>		console.log(color);  </a:t>
+            </a:r>
+            <a:r>
+              <a:rPr lang="en-US" dirty="0">
+                <a:solidFill>
+                  <a:srgbClr val="1A8505"/>
+                </a:solidFill>
+              </a:rPr>
+              <a:t>// this statement will print purple</a:t>
+            </a:r>
+          </a:p>
+          <a:p>
+            <a:r>
+              <a:rPr lang="en-US" dirty="0"/>
+              <a:t>}</a:t>
+            </a:r>
+          </a:p>
+          <a:p>
+            <a:endParaRPr lang="en-US" dirty="0" smtClean="0"/>
+          </a:p>
+          <a:p>
+            <a:r>
+              <a:rPr lang="en-US" dirty="0" err="1" smtClean="0"/>
+              <a:t>printColor</a:t>
+            </a:r>
+            <a:r>
+              <a:rPr lang="en-US" dirty="0" smtClean="0"/>
+              <a:t>();</a:t>
+            </a:r>
+            <a:endParaRPr lang="en-US" dirty="0"/>
+          </a:p>
+          <a:p>
+            <a:r>
+              <a:rPr lang="en-US" dirty="0"/>
+              <a:t>console.log(color);</a:t>
+            </a:r>
+            <a:r>
+              <a:rPr lang="en-US" dirty="0">
+                <a:solidFill>
+                  <a:srgbClr val="1A8505"/>
+                </a:solidFill>
+              </a:rPr>
+              <a:t> //this statement will print blue</a:t>
+            </a:r>
           </a:p>
         </p:txBody>
       </p:sp>
     </p:spTree>
     <p:extLst>
       <p:ext uri="{BB962C8B-B14F-4D97-AF65-F5344CB8AC3E}">
-        <p14:creationId xmlns:p14="http://schemas.microsoft.com/office/powerpoint/2010/main" val="3131829879"/>
+        <p14:creationId xmlns:p14="http://schemas.microsoft.com/office/powerpoint/2010/main" val="1752520319"/>
       </p:ext>
     </p:extLst>
   </p:cSld>
   <p:clrMapOvr>
     <a:masterClrMapping/>
   </p:clrMapOvr>
-  <p:timing>
-    <p:tnLst>
-      <p:par>
-        <p:cTn id="1" dur="indefinite" restart="never" nodeType="tmRoot"/>
-      </p:par>
-    </p:tnLst>
-  </p:timing>
 </p:sld>
 </file>
 
@@ -17596,12 +17768,12 @@
       </p:grpSpPr>
       <p:sp>
         <p:nvSpPr>
-          <p:cNvPr id="4" name="Title 3"/>
+          <p:cNvPr id="5" name="Text Placeholder 4"/>
           <p:cNvSpPr>
             <a:spLocks noGrp="1"/>
           </p:cNvSpPr>
           <p:nvPr>
-            <p:ph type="title"/>
+            <p:ph type="body" sz="quarter" idx="10"/>
           </p:nvPr>
         </p:nvSpPr>
         <p:spPr/>
@@ -17611,7 +17783,7 @@
           <a:p>
             <a:r>
               <a:rPr lang="en-US" dirty="0" smtClean="0"/>
-              <a:t>Functions in JavaScript</a:t>
+              <a:t>Functions And Enclosures</a:t>
             </a:r>
             <a:endParaRPr lang="en-US" dirty="0"/>
           </a:p>
@@ -17619,12 +17791,12 @@
       </p:sp>
       <p:sp>
         <p:nvSpPr>
-          <p:cNvPr id="5" name="Content Placeholder 4"/>
+          <p:cNvPr id="2" name="Subtitle 1"/>
           <p:cNvSpPr>
             <a:spLocks noGrp="1"/>
           </p:cNvSpPr>
           <p:nvPr>
-            <p:ph sz="quarter" idx="10"/>
+            <p:ph type="subTitle" idx="1"/>
           </p:nvPr>
         </p:nvSpPr>
         <p:spPr/>
@@ -17632,56 +17804,14 @@
           <a:bodyPr/>
           <a:lstStyle/>
           <a:p>
-            <a:r>
-              <a:rPr lang="en-US" dirty="0"/>
-              <a:t>Just like functions in other languages, functions in JavaScript </a:t>
-            </a:r>
-            <a:r>
-              <a:rPr lang="en-US" dirty="0" smtClean="0"/>
-              <a:t>are a </a:t>
-            </a:r>
-            <a:r>
-              <a:rPr lang="en-US" dirty="0"/>
-              <a:t>block of code used to perform a particular task</a:t>
-            </a:r>
-            <a:r>
-              <a:rPr lang="en-US" dirty="0" smtClean="0"/>
-              <a:t>.</a:t>
-            </a:r>
-            <a:endParaRPr lang="en-US" dirty="0"/>
-          </a:p>
-          <a:p>
-            <a:r>
-              <a:rPr lang="en-US" dirty="0"/>
-              <a:t>A function is defined with the </a:t>
-            </a:r>
-            <a:r>
-              <a:rPr lang="en-US" b="1" i="1" dirty="0"/>
-              <a:t>function</a:t>
-            </a:r>
-            <a:r>
-              <a:rPr lang="en-US" dirty="0"/>
-              <a:t> keyword, followed by the name of the function and then a pair of parentheses, which will contain the parameters</a:t>
-            </a:r>
-          </a:p>
-          <a:p>
-            <a:r>
-              <a:rPr lang="en-US" dirty="0" smtClean="0"/>
-              <a:t>Functions in JavaScript have other capabilities that they do not have in other object oriented languages</a:t>
-            </a:r>
-          </a:p>
-          <a:p>
-            <a:pPr marL="0" indent="0">
-              <a:buNone/>
-            </a:pPr>
-            <a:endParaRPr lang="en-US" dirty="0" smtClean="0"/>
+            <a:endParaRPr lang="en-US"/>
           </a:p>
         </p:txBody>
       </p:sp>
     </p:spTree>
     <p:extLst>
       <p:ext uri="{BB962C8B-B14F-4D97-AF65-F5344CB8AC3E}">
-        <p14:creationId xmlns:p14="http://schemas.microsoft.com/office/powerpoint/2010/main" val="1812108414"/>
+        <p14:creationId xmlns:p14="http://schemas.microsoft.com/office/powerpoint/2010/main" val="3131829879"/>
       </p:ext>
     </p:extLst>
   </p:cSld>
@@ -17717,7 +17847,7 @@
       </p:grpSpPr>
       <p:sp>
         <p:nvSpPr>
-          <p:cNvPr id="2" name="Title 1"/>
+          <p:cNvPr id="4" name="Title 3"/>
           <p:cNvSpPr>
             <a:spLocks noGrp="1"/>
           </p:cNvSpPr>
@@ -17732,25 +17862,90 @@
           <a:p>
             <a:r>
               <a:rPr lang="en-US" dirty="0" smtClean="0"/>
-              <a:t>Creating a function in JavaScript</a:t>
-            </a:r>
-            <a:br>
-              <a:rPr lang="en-US" dirty="0" smtClean="0"/>
-            </a:br>
+              <a:t>Functions in JavaScript</a:t>
+            </a:r>
             <a:endParaRPr lang="en-US" dirty="0"/>
+          </a:p>
+        </p:txBody>
+      </p:sp>
+      <p:sp>
+        <p:nvSpPr>
+          <p:cNvPr id="5" name="Content Placeholder 4"/>
+          <p:cNvSpPr>
+            <a:spLocks noGrp="1"/>
+          </p:cNvSpPr>
+          <p:nvPr>
+            <p:ph sz="quarter" idx="10"/>
+          </p:nvPr>
+        </p:nvSpPr>
+        <p:spPr/>
+        <p:txBody>
+          <a:bodyPr/>
+          <a:lstStyle/>
+          <a:p>
+            <a:r>
+              <a:rPr lang="en-US" dirty="0"/>
+              <a:t>Just like functions in other languages, functions in JavaScript </a:t>
+            </a:r>
+            <a:r>
+              <a:rPr lang="en-US" dirty="0" smtClean="0"/>
+              <a:t>are a </a:t>
+            </a:r>
+            <a:r>
+              <a:rPr lang="en-US" dirty="0"/>
+              <a:t>block of code used to perform a particular task</a:t>
+            </a:r>
+            <a:r>
+              <a:rPr lang="en-US" dirty="0" smtClean="0"/>
+              <a:t>.</a:t>
+            </a:r>
+            <a:endParaRPr lang="en-US" dirty="0"/>
+          </a:p>
+          <a:p>
+            <a:r>
+              <a:rPr lang="en-US" dirty="0"/>
+              <a:t>A function is defined with the </a:t>
+            </a:r>
+            <a:r>
+              <a:rPr lang="en-US" b="1" i="1" dirty="0"/>
+              <a:t>function</a:t>
+            </a:r>
+            <a:r>
+              <a:rPr lang="en-US" dirty="0"/>
+              <a:t> keyword, followed by the name of the function and then a pair of parentheses, which will contain the parameters</a:t>
+            </a:r>
+          </a:p>
+          <a:p>
+            <a:r>
+              <a:rPr lang="en-US" dirty="0" smtClean="0"/>
+              <a:t>Functions in JavaScript have other capabilities that they do not have in other object oriented languages</a:t>
+            </a:r>
+          </a:p>
+          <a:p>
+            <a:pPr marL="0" indent="0">
+              <a:buNone/>
+            </a:pPr>
+            <a:endParaRPr lang="en-US" dirty="0" smtClean="0"/>
           </a:p>
         </p:txBody>
       </p:sp>
     </p:spTree>
     <p:extLst>
       <p:ext uri="{BB962C8B-B14F-4D97-AF65-F5344CB8AC3E}">
-        <p14:creationId xmlns:p14="http://schemas.microsoft.com/office/powerpoint/2010/main" val="1413041666"/>
+        <p14:creationId xmlns:p14="http://schemas.microsoft.com/office/powerpoint/2010/main" val="1812108414"/>
       </p:ext>
     </p:extLst>
   </p:cSld>
   <p:clrMapOvr>
     <a:masterClrMapping/>
   </p:clrMapOvr>
+  <p:timing>
+    <p:tnLst>
+      <p:par>
+        <p:cTn id="1" dur="indefinite" restart="never" nodeType="tmRoot"/>
+      </p:par>
+    </p:tnLst>
+  </p:timing>
 </p:sld>
 </file>
 
@@ -17773,65 +17968,12 @@
       </p:grpSpPr>
       <p:sp>
         <p:nvSpPr>
-          <p:cNvPr id="5" name="Text Placeholder 4"/>
+          <p:cNvPr id="2" name="Title 1"/>
           <p:cNvSpPr>
             <a:spLocks noGrp="1"/>
           </p:cNvSpPr>
           <p:nvPr>
-            <p:ph type="body" sz="quarter" idx="10"/>
-          </p:nvPr>
-        </p:nvSpPr>
-        <p:spPr/>
-        <p:txBody>
-          <a:bodyPr>
-            <a:normAutofit fontScale="92500" lnSpcReduction="10000"/>
-          </a:bodyPr>
-          <a:lstStyle/>
-          <a:p>
-            <a:r>
-              <a:rPr lang="en-US" dirty="0" smtClean="0"/>
-              <a:t>Self Invoking Functions:</a:t>
-            </a:r>
-          </a:p>
-          <a:p>
-            <a:r>
-              <a:rPr lang="en-US" sz="2400" dirty="0" smtClean="0"/>
-              <a:t>- A </a:t>
-            </a:r>
-            <a:r>
-              <a:rPr lang="en-US" sz="2400" dirty="0"/>
-              <a:t>special type of function that can be created within JavaScript</a:t>
-            </a:r>
-          </a:p>
-          <a:p>
-            <a:r>
-              <a:rPr lang="en-US" sz="2400" dirty="0" smtClean="0"/>
-              <a:t>- These functions run automatically. No call to the function needed. </a:t>
-            </a:r>
-          </a:p>
-          <a:p>
-            <a:r>
-              <a:rPr lang="en-US" sz="2400" dirty="0" smtClean="0"/>
-              <a:t>- They can be anonymous or not.</a:t>
-            </a:r>
-            <a:endParaRPr lang="en-US" sz="2400" dirty="0"/>
-          </a:p>
-          <a:p>
-            <a:r>
-              <a:rPr lang="en-US" dirty="0"/>
-              <a:t> </a:t>
-            </a:r>
-          </a:p>
-        </p:txBody>
-      </p:sp>
-      <p:sp>
-        <p:nvSpPr>
-          <p:cNvPr id="6" name="Text Placeholder 5"/>
-          <p:cNvSpPr>
-            <a:spLocks noGrp="1"/>
-          </p:cNvSpPr>
-          <p:nvPr>
-            <p:ph type="body" sz="quarter" idx="11"/>
+            <p:ph type="title"/>
           </p:nvPr>
         </p:nvSpPr>
         <p:spPr/>
@@ -17840,74 +17982,12 @@
           <a:lstStyle/>
           <a:p>
             <a:r>
-              <a:rPr lang="en-US" dirty="0"/>
-              <a:t>((</a:t>
-            </a:r>
-            <a:r>
-              <a:rPr lang="en-US" dirty="0" smtClean="0">
-                <a:solidFill>
-                  <a:schemeClr val="tx2">
-                    <a:lumMod val="60000"/>
-                    <a:lumOff val="40000"/>
-                  </a:schemeClr>
-                </a:solidFill>
-              </a:rPr>
-              <a:t>function </a:t>
-            </a:r>
-            <a:r>
-              <a:rPr lang="en-US" dirty="0" err="1" smtClean="0"/>
-              <a:t>selfPrint</a:t>
-            </a:r>
-            <a:r>
-              <a:rPr lang="en-US" dirty="0" smtClean="0"/>
-              <a:t>(){</a:t>
-            </a:r>
-            <a:endParaRPr lang="en-US" dirty="0"/>
-          </a:p>
-          <a:p>
-            <a:r>
-              <a:rPr lang="en-US" dirty="0"/>
-              <a:t>	</a:t>
-            </a:r>
-            <a:r>
-              <a:rPr lang="en-US" dirty="0" smtClean="0"/>
-              <a:t>console.log(</a:t>
-            </a:r>
-            <a:r>
-              <a:rPr lang="en-US" dirty="0" smtClean="0">
-                <a:solidFill>
-                  <a:schemeClr val="accent6"/>
-                </a:solidFill>
-              </a:rPr>
-              <a:t>"This function will automatically print this statement"</a:t>
-            </a:r>
-            <a:r>
-              <a:rPr lang="en-US" dirty="0" smtClean="0"/>
-              <a:t>);</a:t>
-            </a:r>
-            <a:endParaRPr lang="en-US" dirty="0"/>
-          </a:p>
-          <a:p>
-            <a:r>
-              <a:rPr lang="en-US" dirty="0" smtClean="0"/>
-              <a:t>})());</a:t>
-            </a:r>
-          </a:p>
-          <a:p>
-            <a:endParaRPr lang="en-US" dirty="0"/>
-          </a:p>
-          <a:p>
-            <a:r>
-              <a:rPr lang="en-US" dirty="0" smtClean="0">
-                <a:solidFill>
-                  <a:srgbClr val="1A8505"/>
-                </a:solidFill>
-              </a:rPr>
-              <a:t>// Be sure to wrap the function in parentheses and add another pair of parentheses at the end of the function</a:t>
-            </a:r>
-            <a:endParaRPr lang="en-US" dirty="0"/>
-          </a:p>
-          <a:p>
+              <a:rPr lang="en-US" dirty="0" smtClean="0"/>
+              <a:t>Creating a function in JavaScript</a:t>
+            </a:r>
+            <a:br>
+              <a:rPr lang="en-US" dirty="0" smtClean="0"/>
+            </a:br>
             <a:endParaRPr lang="en-US" dirty="0"/>
           </a:p>
         </p:txBody>
@@ -17915,7 +17995,7 @@
     </p:spTree>
     <p:extLst>
       <p:ext uri="{BB962C8B-B14F-4D97-AF65-F5344CB8AC3E}">
-        <p14:creationId xmlns:p14="http://schemas.microsoft.com/office/powerpoint/2010/main" val="4292875149"/>
+        <p14:creationId xmlns:p14="http://schemas.microsoft.com/office/powerpoint/2010/main" val="1413041666"/>
       </p:ext>
     </p:extLst>
   </p:cSld>
@@ -17944,161 +18024,141 @@
       </p:grpSpPr>
       <p:sp>
         <p:nvSpPr>
-          <p:cNvPr id="4" name="Title 3"/>
+          <p:cNvPr id="5" name="Text Placeholder 4"/>
           <p:cNvSpPr>
             <a:spLocks noGrp="1"/>
           </p:cNvSpPr>
           <p:nvPr>
-            <p:ph type="title"/>
+            <p:ph type="body" sz="quarter" idx="10"/>
           </p:nvPr>
         </p:nvSpPr>
         <p:spPr/>
         <p:txBody>
-          <a:bodyPr/>
+          <a:bodyPr>
+            <a:normAutofit fontScale="92500" lnSpcReduction="10000"/>
+          </a:bodyPr>
           <a:lstStyle/>
           <a:p>
             <a:r>
               <a:rPr lang="en-US" dirty="0" smtClean="0"/>
-              <a:t>Enclosures</a:t>
-            </a:r>
-            <a:endParaRPr lang="en-US" dirty="0"/>
-          </a:p>
-        </p:txBody>
-      </p:sp>
-      <p:sp>
-        <p:nvSpPr>
-          <p:cNvPr id="5" name="Content Placeholder 4"/>
+              <a:t>Self Invoking Functions:</a:t>
+            </a:r>
+          </a:p>
+          <a:p>
+            <a:r>
+              <a:rPr lang="en-US" sz="2400" dirty="0" smtClean="0"/>
+              <a:t>- A </a:t>
+            </a:r>
+            <a:r>
+              <a:rPr lang="en-US" sz="2400" dirty="0"/>
+              <a:t>special type of function that can be created within JavaScript</a:t>
+            </a:r>
+          </a:p>
+          <a:p>
+            <a:r>
+              <a:rPr lang="en-US" sz="2400" dirty="0" smtClean="0"/>
+              <a:t>- These functions run automatically. No call to the function needed. </a:t>
+            </a:r>
+          </a:p>
+          <a:p>
+            <a:r>
+              <a:rPr lang="en-US" sz="2400" dirty="0" smtClean="0"/>
+              <a:t>- They can be anonymous or not.</a:t>
+            </a:r>
+            <a:endParaRPr lang="en-US" sz="2400" dirty="0"/>
+          </a:p>
+          <a:p>
+            <a:r>
+              <a:rPr lang="en-US" dirty="0"/>
+              <a:t> </a:t>
+            </a:r>
+          </a:p>
+        </p:txBody>
+      </p:sp>
+      <p:sp>
+        <p:nvSpPr>
+          <p:cNvPr id="6" name="Text Placeholder 5"/>
           <p:cNvSpPr>
             <a:spLocks noGrp="1"/>
           </p:cNvSpPr>
           <p:nvPr>
-            <p:ph sz="quarter" idx="10"/>
+            <p:ph type="body" sz="quarter" idx="11"/>
           </p:nvPr>
         </p:nvSpPr>
         <p:spPr/>
         <p:txBody>
-          <a:bodyPr>
-            <a:normAutofit/>
-          </a:bodyPr>
+          <a:bodyPr/>
           <a:lstStyle/>
           <a:p>
             <a:r>
-              <a:rPr lang="en-US" dirty="0" smtClean="0"/>
-              <a:t>Similar to a nested function, an enclosure </a:t>
-            </a:r>
-            <a:r>
               <a:rPr lang="en-US" dirty="0"/>
-              <a:t>is a function written inside another function</a:t>
-            </a:r>
-            <a:r>
-              <a:rPr lang="en-US" dirty="0" smtClean="0"/>
-              <a:t>.</a:t>
-            </a:r>
-          </a:p>
-          <a:p>
-            <a:r>
-              <a:rPr lang="en-US" dirty="0" smtClean="0"/>
-              <a:t>An </a:t>
-            </a:r>
+              <a:t>((</a:t>
+            </a:r>
+            <a:r>
+              <a:rPr lang="en-US" dirty="0" smtClean="0">
+                <a:solidFill>
+                  <a:schemeClr val="tx2">
+                    <a:lumMod val="60000"/>
+                    <a:lumOff val="40000"/>
+                  </a:schemeClr>
+                </a:solidFill>
+              </a:rPr>
+              <a:t>function </a:t>
+            </a:r>
+            <a:r>
+              <a:rPr lang="en-US" dirty="0" err="1" smtClean="0"/>
+              <a:t>selfPrint</a:t>
+            </a:r>
+            <a:r>
+              <a:rPr lang="en-US" dirty="0" smtClean="0"/>
+              <a:t>(){</a:t>
+            </a:r>
+            <a:endParaRPr lang="en-US" dirty="0"/>
+          </a:p>
+          <a:p>
             <a:r>
               <a:rPr lang="en-US" dirty="0"/>
-              <a:t>enclosure has </a:t>
-            </a:r>
-            <a:r>
-              <a:rPr lang="en-US" dirty="0" smtClean="0"/>
-              <a:t>access to</a:t>
-            </a:r>
-          </a:p>
-          <a:p>
-            <a:pPr lvl="1"/>
-            <a:r>
-              <a:rPr lang="en-US" dirty="0" smtClean="0"/>
-              <a:t> its </a:t>
-            </a:r>
-            <a:r>
-              <a:rPr lang="en-US" dirty="0"/>
-              <a:t>own </a:t>
-            </a:r>
-            <a:r>
-              <a:rPr lang="en-US" dirty="0" smtClean="0"/>
-              <a:t>variables</a:t>
-            </a:r>
-          </a:p>
-          <a:p>
-            <a:pPr lvl="1"/>
-            <a:r>
-              <a:rPr lang="en-US" dirty="0" smtClean="0"/>
-              <a:t> outer </a:t>
-            </a:r>
-            <a:r>
-              <a:rPr lang="en-US" dirty="0"/>
-              <a:t>functions </a:t>
-            </a:r>
-            <a:r>
-              <a:rPr lang="en-US" dirty="0" smtClean="0"/>
-              <a:t>variables, </a:t>
-            </a:r>
-            <a:r>
-              <a:rPr lang="en-US" dirty="0"/>
-              <a:t>as well as its parameters </a:t>
-            </a:r>
-            <a:endParaRPr lang="en-US" dirty="0" smtClean="0"/>
-          </a:p>
-          <a:p>
-            <a:pPr lvl="1"/>
-            <a:r>
-              <a:rPr lang="en-US" dirty="0"/>
-              <a:t> </a:t>
-            </a:r>
-            <a:r>
-              <a:rPr lang="en-US" dirty="0" smtClean="0"/>
-              <a:t>global </a:t>
-            </a:r>
-            <a:r>
-              <a:rPr lang="en-US" dirty="0"/>
-              <a:t>variables</a:t>
-            </a:r>
-          </a:p>
-          <a:p>
-            <a:r>
-              <a:rPr lang="en-US" dirty="0"/>
-              <a:t> </a:t>
-            </a:r>
-            <a:r>
-              <a:rPr lang="en-US" dirty="0" smtClean="0"/>
-              <a:t>Always </a:t>
-            </a:r>
-            <a:r>
-              <a:rPr lang="en-US" dirty="0"/>
-              <a:t>remember that a function is made using the </a:t>
-            </a:r>
-            <a:r>
-              <a:rPr lang="en-US" b="1" i="1" dirty="0"/>
-              <a:t>function</a:t>
-            </a:r>
-            <a:r>
-              <a:rPr lang="en-US" dirty="0"/>
-              <a:t> </a:t>
-            </a:r>
-            <a:r>
-              <a:rPr lang="en-US" dirty="0" smtClean="0"/>
-              <a:t>keyword, so </a:t>
-            </a:r>
-            <a:r>
-              <a:rPr lang="en-US" dirty="0"/>
-              <a:t>an enclosure will not be created properly unless the function keyword is used.</a:t>
-            </a:r>
-          </a:p>
-          <a:p>
-            <a:pPr marL="0" indent="0">
-              <a:buNone/>
-            </a:pPr>
+              <a:t>	</a:t>
+            </a:r>
+            <a:r>
+              <a:rPr lang="en-US" dirty="0" smtClean="0"/>
+              <a:t>console.log(</a:t>
+            </a:r>
+            <a:r>
+              <a:rPr lang="en-US" dirty="0" smtClean="0">
+                <a:solidFill>
+                  <a:schemeClr val="accent6"/>
+                </a:solidFill>
+              </a:rPr>
+              <a:t>"This function will automatically print this statement"</a:t>
+            </a:r>
+            <a:r>
+              <a:rPr lang="en-US" dirty="0" smtClean="0"/>
+              <a:t>);</a:t>
+            </a:r>
             <a:endParaRPr lang="en-US" dirty="0"/>
           </a:p>
           <a:p>
-            <a:pPr marL="457046" lvl="1" indent="0">
-              <a:buNone/>
-            </a:pPr>
+            <a:r>
+              <a:rPr lang="en-US" dirty="0" smtClean="0"/>
+              <a:t>})());</a:t>
+            </a:r>
+          </a:p>
+          <a:p>
+            <a:endParaRPr lang="en-US" dirty="0"/>
+          </a:p>
+          <a:p>
+            <a:r>
+              <a:rPr lang="en-US" dirty="0" smtClean="0">
+                <a:solidFill>
+                  <a:srgbClr val="1A8505"/>
+                </a:solidFill>
+              </a:rPr>
+              <a:t>// Be sure to wrap the function in parentheses and add another pair of parentheses at the end of the function</a:t>
+            </a:r>
+            <a:endParaRPr lang="en-US" dirty="0"/>
+          </a:p>
+          <a:p>
             <a:endParaRPr lang="en-US" dirty="0"/>
           </a:p>
         </p:txBody>
@@ -18106,20 +18166,13 @@
     </p:spTree>
     <p:extLst>
       <p:ext uri="{BB962C8B-B14F-4D97-AF65-F5344CB8AC3E}">
-        <p14:creationId xmlns:p14="http://schemas.microsoft.com/office/powerpoint/2010/main" val="1874228728"/>
+        <p14:creationId xmlns:p14="http://schemas.microsoft.com/office/powerpoint/2010/main" val="4292875149"/>
       </p:ext>
     </p:extLst>
   </p:cSld>
   <p:clrMapOvr>
     <a:masterClrMapping/>
   </p:clrMapOvr>
-  <p:timing>
-    <p:tnLst>
-      <p:par>
-        <p:cTn id="1" dur="indefinite" restart="never" nodeType="tmRoot"/>
-      </p:par>
-    </p:tnLst>
-  </p:timing>
 </p:sld>
 </file>
 
@@ -18142,433 +18195,161 @@
       </p:grpSpPr>
       <p:sp>
         <p:nvSpPr>
-          <p:cNvPr id="4" name="Text Placeholder 3"/>
+          <p:cNvPr id="4" name="Title 3"/>
           <p:cNvSpPr>
             <a:spLocks noGrp="1"/>
           </p:cNvSpPr>
           <p:nvPr>
-            <p:ph type="body" sz="quarter" idx="10"/>
+            <p:ph type="title"/>
           </p:nvPr>
         </p:nvSpPr>
         <p:spPr/>
         <p:txBody>
-          <a:bodyPr>
-            <a:normAutofit fontScale="92500" lnSpcReduction="10000"/>
-          </a:bodyPr>
+          <a:bodyPr/>
           <a:lstStyle/>
           <a:p>
             <a:r>
               <a:rPr lang="en-US" dirty="0" smtClean="0"/>
-              <a:t>Enclosure Example</a:t>
-            </a:r>
-          </a:p>
-          <a:p>
-            <a:r>
-              <a:rPr lang="en-US" sz="2600" dirty="0"/>
-              <a:t>Things to Notice:</a:t>
-            </a:r>
-          </a:p>
-          <a:p>
-            <a:pPr marL="514350" indent="-514350" fontAlgn="ctr">
-              <a:buFont typeface="+mj-lt"/>
-              <a:buAutoNum type="arabicPeriod"/>
-            </a:pPr>
-            <a:r>
-              <a:rPr lang="en-US" sz="2600" b="0" dirty="0"/>
-              <a:t>N</a:t>
-            </a:r>
-            <a:r>
-              <a:rPr lang="en-US" sz="2600" b="0" dirty="0" smtClean="0"/>
-              <a:t>o </a:t>
-            </a:r>
-            <a:r>
-              <a:rPr lang="en-US" sz="2600" b="0" dirty="0"/>
-              <a:t>parameters were passed to the </a:t>
-            </a:r>
-            <a:r>
-              <a:rPr lang="en-US" sz="2600" b="0" dirty="0" err="1"/>
-              <a:t>makeFullName</a:t>
-            </a:r>
-            <a:r>
-              <a:rPr lang="en-US" sz="2600" b="0" dirty="0"/>
-              <a:t> function yet it was able to print the name accurately . </a:t>
-            </a:r>
-          </a:p>
-          <a:p>
-            <a:pPr marL="514350" indent="-514350" fontAlgn="ctr">
-              <a:buFont typeface="+mj-lt"/>
-              <a:buAutoNum type="arabicPeriod"/>
-            </a:pPr>
-            <a:r>
-              <a:rPr lang="en-US" sz="2600" b="0" dirty="0" smtClean="0"/>
-              <a:t>The </a:t>
-            </a:r>
-            <a:r>
-              <a:rPr lang="en-US" sz="2600" b="0" dirty="0"/>
-              <a:t>function keyword is being used to define the enclosure</a:t>
-            </a:r>
-          </a:p>
-          <a:p>
-            <a:endParaRPr lang="en-US" sz="2600" dirty="0" smtClean="0"/>
-          </a:p>
-          <a:p>
+              <a:t>Enclosures</a:t>
+            </a:r>
             <a:endParaRPr lang="en-US" dirty="0"/>
           </a:p>
         </p:txBody>
       </p:sp>
       <p:sp>
         <p:nvSpPr>
-          <p:cNvPr id="5" name="Text Placeholder 4"/>
+          <p:cNvPr id="5" name="Content Placeholder 4"/>
           <p:cNvSpPr>
             <a:spLocks noGrp="1"/>
           </p:cNvSpPr>
           <p:nvPr>
-            <p:ph type="body" sz="quarter" idx="11"/>
+            <p:ph sz="quarter" idx="10"/>
           </p:nvPr>
         </p:nvSpPr>
-        <p:spPr>
-          <a:xfrm>
-            <a:off x="0" y="153988"/>
-            <a:ext cx="12192000" cy="3708400"/>
-          </a:xfrm>
-        </p:spPr>
-        <p:txBody>
-          <a:bodyPr/>
+        <p:spPr/>
+        <p:txBody>
+          <a:bodyPr>
+            <a:normAutofit/>
+          </a:bodyPr>
           <a:lstStyle/>
           <a:p>
             <a:r>
-              <a:rPr lang="en-US" dirty="0">
-                <a:solidFill>
-                  <a:schemeClr val="tx2">
-                    <a:lumMod val="60000"/>
-                    <a:lumOff val="40000"/>
-                  </a:schemeClr>
-                </a:solidFill>
-              </a:rPr>
-              <a:t>function</a:t>
-            </a:r>
+              <a:rPr lang="en-US" dirty="0" smtClean="0"/>
+              <a:t>Similar to a nested function, an enclosure </a:t>
+            </a:r>
+            <a:r>
+              <a:rPr lang="en-US" dirty="0"/>
+              <a:t>is a function written inside another function</a:t>
+            </a:r>
+            <a:r>
+              <a:rPr lang="en-US" dirty="0" smtClean="0"/>
+              <a:t>.</a:t>
+            </a:r>
+          </a:p>
+          <a:p>
+            <a:r>
+              <a:rPr lang="en-US" dirty="0" smtClean="0"/>
+              <a:t>An </a:t>
+            </a:r>
+            <a:r>
+              <a:rPr lang="en-US" dirty="0"/>
+              <a:t>enclosure has </a:t>
+            </a:r>
+            <a:r>
+              <a:rPr lang="en-US" dirty="0" smtClean="0"/>
+              <a:t>access to</a:t>
+            </a:r>
+          </a:p>
+          <a:p>
+            <a:pPr lvl="1"/>
+            <a:r>
+              <a:rPr lang="en-US" dirty="0" smtClean="0"/>
+              <a:t> its </a:t>
+            </a:r>
+            <a:r>
+              <a:rPr lang="en-US" dirty="0"/>
+              <a:t>own </a:t>
+            </a:r>
+            <a:r>
+              <a:rPr lang="en-US" dirty="0" smtClean="0"/>
+              <a:t>variables</a:t>
+            </a:r>
+          </a:p>
+          <a:p>
+            <a:pPr lvl="1"/>
+            <a:r>
+              <a:rPr lang="en-US" dirty="0" smtClean="0"/>
+              <a:t> outer </a:t>
+            </a:r>
+            <a:r>
+              <a:rPr lang="en-US" dirty="0"/>
+              <a:t>functions </a:t>
+            </a:r>
+            <a:r>
+              <a:rPr lang="en-US" dirty="0" smtClean="0"/>
+              <a:t>variables, </a:t>
+            </a:r>
+            <a:r>
+              <a:rPr lang="en-US" dirty="0"/>
+              <a:t>as well as its parameters </a:t>
+            </a:r>
+            <a:endParaRPr lang="en-US" dirty="0" smtClean="0"/>
+          </a:p>
+          <a:p>
+            <a:pPr lvl="1"/>
             <a:r>
               <a:rPr lang="en-US" dirty="0"/>
               <a:t> </a:t>
             </a:r>
             <a:r>
-              <a:rPr lang="en-US" dirty="0" err="1"/>
-              <a:t>showName</a:t>
+              <a:rPr lang="en-US" dirty="0" smtClean="0"/>
+              <a:t>global </a:t>
             </a:r>
             <a:r>
               <a:rPr lang="en-US" dirty="0"/>
-              <a:t> (</a:t>
-            </a:r>
-            <a:r>
-              <a:rPr lang="en-US" dirty="0" err="1"/>
-              <a:t>firstName</a:t>
-            </a:r>
+              <a:t>variables</a:t>
+            </a:r>
+          </a:p>
+          <a:p>
             <a:r>
               <a:rPr lang="en-US" dirty="0"/>
-              <a:t>, </a:t>
-            </a:r>
-            <a:r>
-              <a:rPr lang="en-US" dirty="0" err="1"/>
-              <a:t>lastName</a:t>
+              <a:t> </a:t>
+            </a:r>
+            <a:r>
+              <a:rPr lang="en-US" dirty="0" smtClean="0"/>
+              <a:t>Always </a:t>
             </a:r>
             <a:r>
               <a:rPr lang="en-US" dirty="0"/>
-              <a:t>) </a:t>
-            </a:r>
-            <a:r>
-              <a:rPr lang="en-US" dirty="0" smtClean="0"/>
-              <a:t>{</a:t>
-            </a:r>
-            <a:endParaRPr lang="en-US" dirty="0"/>
-          </a:p>
-          <a:p>
-            <a:r>
-              <a:rPr lang="en-US" dirty="0"/>
-              <a:t>	</a:t>
-            </a:r>
-            <a:r>
-              <a:rPr lang="en-US" dirty="0" err="1">
-                <a:solidFill>
-                  <a:schemeClr val="tx2">
-                    <a:lumMod val="60000"/>
-                    <a:lumOff val="40000"/>
-                  </a:schemeClr>
-                </a:solidFill>
-              </a:rPr>
-              <a:t>var</a:t>
+              <a:t>remember that a function is made using the </a:t>
+            </a:r>
+            <a:r>
+              <a:rPr lang="en-US" b="1" i="1" dirty="0"/>
+              <a:t>function</a:t>
             </a:r>
             <a:r>
               <a:rPr lang="en-US" dirty="0"/>
               <a:t> </a:t>
             </a:r>
             <a:r>
-              <a:rPr lang="en-US" dirty="0" err="1"/>
-              <a:t>nameIntro</a:t>
+              <a:rPr lang="en-US" dirty="0" smtClean="0"/>
+              <a:t>keyword, so </a:t>
             </a:r>
             <a:r>
               <a:rPr lang="en-US" dirty="0"/>
-              <a:t> = </a:t>
-            </a:r>
-            <a:r>
-              <a:rPr lang="en-US" dirty="0">
-                <a:solidFill>
-                  <a:schemeClr val="accent6">
-                    <a:lumMod val="60000"/>
-                    <a:lumOff val="40000"/>
-                  </a:schemeClr>
-                </a:solidFill>
-              </a:rPr>
-              <a:t>"Your name is </a:t>
-            </a:r>
-            <a:r>
-              <a:rPr lang="en-US" dirty="0" smtClean="0">
-                <a:solidFill>
-                  <a:schemeClr val="accent6">
-                    <a:lumMod val="60000"/>
-                    <a:lumOff val="40000"/>
-                  </a:schemeClr>
-                </a:solidFill>
-              </a:rPr>
-              <a:t>" </a:t>
-            </a:r>
-            <a:r>
-              <a:rPr lang="en-US" dirty="0" smtClean="0"/>
-              <a:t>;</a:t>
-            </a:r>
+              <a:t>an enclosure will not be created properly unless the function keyword is used.</a:t>
+            </a:r>
+          </a:p>
+          <a:p>
+            <a:pPr marL="0" indent="0">
+              <a:buNone/>
+            </a:pPr>
             <a:endParaRPr lang="en-US" dirty="0"/>
           </a:p>
           <a:p>
-            <a:r>
-              <a:rPr lang="en-US" dirty="0"/>
-              <a:t>	</a:t>
-            </a:r>
-          </a:p>
-          <a:p>
-            <a:r>
-              <a:rPr lang="en-US" dirty="0"/>
-              <a:t>	</a:t>
-            </a:r>
-            <a:r>
-              <a:rPr lang="en-US" dirty="0">
-                <a:solidFill>
-                  <a:schemeClr val="tx2">
-                    <a:lumMod val="60000"/>
-                    <a:lumOff val="40000"/>
-                  </a:schemeClr>
-                </a:solidFill>
-              </a:rPr>
-              <a:t>function</a:t>
-            </a:r>
-            <a:r>
-              <a:rPr lang="en-US" dirty="0"/>
-              <a:t> </a:t>
-            </a:r>
-            <a:r>
-              <a:rPr lang="en-US" dirty="0" err="1" smtClean="0"/>
-              <a:t>makeFullName</a:t>
-            </a:r>
-            <a:r>
-              <a:rPr lang="en-US" dirty="0" smtClean="0"/>
-              <a:t>(){ </a:t>
-            </a:r>
-            <a:r>
-              <a:rPr lang="en-US" dirty="0" smtClean="0">
-                <a:solidFill>
-                  <a:srgbClr val="1A8505"/>
-                </a:solidFill>
-              </a:rPr>
-              <a:t>// This is an enclosure</a:t>
-            </a:r>
-            <a:endParaRPr lang="en-US" dirty="0"/>
-          </a:p>
-          <a:p>
-            <a:r>
-              <a:rPr lang="en-US" dirty="0"/>
-              <a:t>		</a:t>
-            </a:r>
-            <a:r>
-              <a:rPr lang="en-US" dirty="0">
-                <a:solidFill>
-                  <a:schemeClr val="tx2">
-                    <a:lumMod val="60000"/>
-                    <a:lumOff val="40000"/>
-                  </a:schemeClr>
-                </a:solidFill>
-              </a:rPr>
-              <a:t>return</a:t>
-            </a:r>
-            <a:r>
-              <a:rPr lang="en-US" dirty="0"/>
-              <a:t> </a:t>
-            </a:r>
-            <a:r>
-              <a:rPr lang="en-US" dirty="0" err="1"/>
-              <a:t>nameIntro</a:t>
-            </a:r>
-            <a:r>
-              <a:rPr lang="en-US" dirty="0"/>
-              <a:t> + </a:t>
-            </a:r>
-            <a:r>
-              <a:rPr lang="en-US" dirty="0" err="1"/>
-              <a:t>firstName</a:t>
-            </a:r>
-            <a:r>
-              <a:rPr lang="en-US" dirty="0"/>
-              <a:t> + </a:t>
-            </a:r>
-            <a:r>
-              <a:rPr lang="en-US" dirty="0">
-                <a:solidFill>
-                  <a:schemeClr val="accent6">
-                    <a:lumMod val="60000"/>
-                    <a:lumOff val="40000"/>
-                  </a:schemeClr>
-                </a:solidFill>
-              </a:rPr>
-              <a:t>" " </a:t>
-            </a:r>
-            <a:r>
-              <a:rPr lang="en-US" dirty="0"/>
-              <a:t>+ </a:t>
-            </a:r>
-            <a:r>
-              <a:rPr lang="en-US" dirty="0" err="1"/>
-              <a:t>lastName</a:t>
-            </a:r>
-            <a:r>
-              <a:rPr lang="en-US" dirty="0" smtClean="0"/>
-              <a:t>;</a:t>
-            </a:r>
-            <a:endParaRPr lang="en-US" dirty="0"/>
-          </a:p>
-          <a:p>
-            <a:r>
-              <a:rPr lang="en-US" dirty="0"/>
-              <a:t>	</a:t>
-            </a:r>
-            <a:r>
-              <a:rPr lang="en-US" dirty="0" smtClean="0"/>
-              <a:t>}</a:t>
-            </a:r>
-            <a:endParaRPr lang="en-US" dirty="0"/>
-          </a:p>
-          <a:p>
-            <a:r>
-              <a:rPr lang="en-US" dirty="0"/>
-              <a:t>		</a:t>
-            </a:r>
-            <a:r>
-              <a:rPr lang="en-US" dirty="0">
-                <a:solidFill>
-                  <a:schemeClr val="tx2">
-                    <a:lumMod val="60000"/>
-                    <a:lumOff val="40000"/>
-                  </a:schemeClr>
-                </a:solidFill>
-              </a:rPr>
-              <a:t>return</a:t>
-            </a:r>
-            <a:r>
-              <a:rPr lang="en-US" dirty="0"/>
-              <a:t> </a:t>
-            </a:r>
-            <a:r>
-              <a:rPr lang="en-US" dirty="0" err="1" smtClean="0"/>
-              <a:t>makeFullName</a:t>
-            </a:r>
-            <a:r>
-              <a:rPr lang="en-US" dirty="0" smtClean="0"/>
-              <a:t>();</a:t>
-            </a:r>
-            <a:endParaRPr lang="en-US" dirty="0"/>
-          </a:p>
-          <a:p>
-            <a:r>
-              <a:rPr lang="en-US" dirty="0"/>
-              <a:t>}</a:t>
-            </a:r>
-            <a:br>
-              <a:rPr lang="en-US" dirty="0"/>
-            </a:br>
-            <a:endParaRPr lang="en-US" dirty="0" smtClean="0"/>
-          </a:p>
-          <a:p>
-            <a:r>
-              <a:rPr lang="en-US" dirty="0" smtClean="0"/>
-              <a:t>console.log(</a:t>
-            </a:r>
-            <a:r>
-              <a:rPr lang="en-US" dirty="0" err="1" smtClean="0"/>
-              <a:t>showName</a:t>
-            </a:r>
-            <a:r>
-              <a:rPr lang="en-US" dirty="0" smtClean="0"/>
-              <a:t>(</a:t>
-            </a:r>
-            <a:r>
-              <a:rPr lang="en-US" dirty="0" smtClean="0">
-                <a:solidFill>
-                  <a:schemeClr val="accent6">
-                    <a:lumMod val="60000"/>
-                    <a:lumOff val="40000"/>
-                  </a:schemeClr>
-                </a:solidFill>
-              </a:rPr>
-              <a:t>"</a:t>
-            </a:r>
-            <a:r>
-              <a:rPr lang="en-US" dirty="0" err="1" smtClean="0">
-                <a:solidFill>
-                  <a:schemeClr val="accent6">
-                    <a:lumMod val="60000"/>
-                    <a:lumOff val="40000"/>
-                  </a:schemeClr>
-                </a:solidFill>
-              </a:rPr>
-              <a:t>Princess"</a:t>
-            </a:r>
-            <a:r>
-              <a:rPr lang="en-US" dirty="0" err="1" smtClean="0"/>
-              <a:t>,</a:t>
-            </a:r>
-            <a:r>
-              <a:rPr lang="en-US" dirty="0" err="1" smtClean="0">
-                <a:solidFill>
-                  <a:schemeClr val="accent6">
-                    <a:lumMod val="60000"/>
-                    <a:lumOff val="40000"/>
-                  </a:schemeClr>
-                </a:solidFill>
-              </a:rPr>
-              <a:t>"Gabby</a:t>
-            </a:r>
-            <a:r>
-              <a:rPr lang="en-US" dirty="0" smtClean="0">
-                <a:solidFill>
-                  <a:schemeClr val="accent6">
-                    <a:lumMod val="60000"/>
-                    <a:lumOff val="40000"/>
-                  </a:schemeClr>
-                </a:solidFill>
-              </a:rPr>
-              <a:t>"</a:t>
-            </a:r>
-            <a:r>
-              <a:rPr lang="en-US" dirty="0" smtClean="0"/>
-              <a:t>));</a:t>
-            </a:r>
-            <a:r>
-              <a:rPr lang="en-US" dirty="0" smtClean="0">
-                <a:solidFill>
-                  <a:srgbClr val="1A8505"/>
-                </a:solidFill>
-              </a:rPr>
-              <a:t>//Your name is Princess Gabby</a:t>
-            </a:r>
-            <a:endParaRPr lang="en-US" dirty="0"/>
-          </a:p>
-          <a:p>
+            <a:pPr marL="457046" lvl="1" indent="0">
+              <a:buNone/>
+            </a:pPr>
             <a:endParaRPr lang="en-US" dirty="0"/>
           </a:p>
         </p:txBody>
@@ -18576,7 +18357,7 @@
     </p:spTree>
     <p:extLst>
       <p:ext uri="{BB962C8B-B14F-4D97-AF65-F5344CB8AC3E}">
-        <p14:creationId xmlns:p14="http://schemas.microsoft.com/office/powerpoint/2010/main" val="276408447"/>
+        <p14:creationId xmlns:p14="http://schemas.microsoft.com/office/powerpoint/2010/main" val="1874228728"/>
       </p:ext>
     </p:extLst>
   </p:cSld>
@@ -18612,52 +18393,433 @@
       </p:grpSpPr>
       <p:sp>
         <p:nvSpPr>
-          <p:cNvPr id="2" name="Title 1"/>
+          <p:cNvPr id="4" name="Text Placeholder 3"/>
           <p:cNvSpPr>
             <a:spLocks noGrp="1"/>
           </p:cNvSpPr>
           <p:nvPr>
-            <p:ph type="title"/>
+            <p:ph type="body" sz="quarter" idx="10"/>
           </p:nvPr>
         </p:nvSpPr>
         <p:spPr/>
         <p:txBody>
-          <a:bodyPr/>
+          <a:bodyPr>
+            <a:normAutofit fontScale="92500" lnSpcReduction="10000"/>
+          </a:bodyPr>
           <a:lstStyle/>
           <a:p>
             <a:r>
               <a:rPr lang="en-US" dirty="0" smtClean="0"/>
-              <a:t>Enclosure Fun Facts	</a:t>
-            </a:r>
+              <a:t>Enclosure Example</a:t>
+            </a:r>
+          </a:p>
+          <a:p>
+            <a:r>
+              <a:rPr lang="en-US" sz="2600" dirty="0"/>
+              <a:t>Things to Notice:</a:t>
+            </a:r>
+          </a:p>
+          <a:p>
+            <a:pPr marL="514350" indent="-514350" fontAlgn="ctr">
+              <a:buFont typeface="+mj-lt"/>
+              <a:buAutoNum type="arabicPeriod"/>
+            </a:pPr>
+            <a:r>
+              <a:rPr lang="en-US" sz="2600" b="0" dirty="0"/>
+              <a:t>N</a:t>
+            </a:r>
+            <a:r>
+              <a:rPr lang="en-US" sz="2600" b="0" dirty="0" smtClean="0"/>
+              <a:t>o </a:t>
+            </a:r>
+            <a:r>
+              <a:rPr lang="en-US" sz="2600" b="0" dirty="0"/>
+              <a:t>parameters were passed to the </a:t>
+            </a:r>
+            <a:r>
+              <a:rPr lang="en-US" sz="2600" b="0" dirty="0" err="1"/>
+              <a:t>makeFullName</a:t>
+            </a:r>
+            <a:r>
+              <a:rPr lang="en-US" sz="2600" b="0" dirty="0"/>
+              <a:t> function yet it was able to print the name accurately . </a:t>
+            </a:r>
+          </a:p>
+          <a:p>
+            <a:pPr marL="514350" indent="-514350" fontAlgn="ctr">
+              <a:buFont typeface="+mj-lt"/>
+              <a:buAutoNum type="arabicPeriod"/>
+            </a:pPr>
+            <a:r>
+              <a:rPr lang="en-US" sz="2600" b="0" dirty="0" smtClean="0"/>
+              <a:t>The </a:t>
+            </a:r>
+            <a:r>
+              <a:rPr lang="en-US" sz="2600" b="0" dirty="0"/>
+              <a:t>function keyword is being used to define the enclosure</a:t>
+            </a:r>
+          </a:p>
+          <a:p>
+            <a:endParaRPr lang="en-US" sz="2600" dirty="0" smtClean="0"/>
+          </a:p>
+          <a:p>
             <a:endParaRPr lang="en-US" dirty="0"/>
           </a:p>
         </p:txBody>
       </p:sp>
       <p:sp>
         <p:nvSpPr>
-          <p:cNvPr id="3" name="Content Placeholder 2"/>
+          <p:cNvPr id="5" name="Text Placeholder 4"/>
           <p:cNvSpPr>
             <a:spLocks noGrp="1"/>
           </p:cNvSpPr>
           <p:nvPr>
-            <p:ph sz="quarter" idx="10"/>
+            <p:ph type="body" sz="quarter" idx="11"/>
           </p:nvPr>
         </p:nvSpPr>
-        <p:spPr/>
+        <p:spPr>
+          <a:xfrm>
+            <a:off x="0" y="153988"/>
+            <a:ext cx="12192000" cy="3708400"/>
+          </a:xfrm>
+        </p:spPr>
         <p:txBody>
           <a:bodyPr/>
           <a:lstStyle/>
           <a:p>
             <a:r>
-              <a:rPr lang="en-US" dirty="0" smtClean="0"/>
-              <a:t>Being that enclosures have access to their outer functions variables and parameters, this allows the enclosures to be called later after the function returns and still be able to have access to these variables</a:t>
-            </a:r>
-          </a:p>
-          <a:p>
-            <a:r>
-              <a:rPr lang="en-US" dirty="0" smtClean="0"/>
-              <a:t>Enclosures only store references to outer function variables, not the actual variables themselves. This allows for variables to be updated at all times</a:t>
-            </a:r>
+              <a:rPr lang="en-US" dirty="0">
+                <a:solidFill>
+                  <a:schemeClr val="tx2">
+                    <a:lumMod val="60000"/>
+                    <a:lumOff val="40000"/>
+                  </a:schemeClr>
+                </a:solidFill>
+              </a:rPr>
+              <a:t>function</a:t>
+            </a:r>
+            <a:r>
+              <a:rPr lang="en-US" dirty="0"/>
+              <a:t> </a:t>
+            </a:r>
+            <a:r>
+              <a:rPr lang="en-US" dirty="0" err="1"/>
+              <a:t>showName</a:t>
+            </a:r>
+            <a:r>
+              <a:rPr lang="en-US" dirty="0"/>
+              <a:t> (</a:t>
+            </a:r>
+            <a:r>
+              <a:rPr lang="en-US" dirty="0" err="1"/>
+              <a:t>firstName</a:t>
+            </a:r>
+            <a:r>
+              <a:rPr lang="en-US" dirty="0"/>
+              <a:t>, </a:t>
+            </a:r>
+            <a:r>
+              <a:rPr lang="en-US" dirty="0" err="1"/>
+              <a:t>lastName</a:t>
+            </a:r>
+            <a:r>
+              <a:rPr lang="en-US" dirty="0"/>
+              <a:t>) </a:t>
+            </a:r>
+            <a:r>
+              <a:rPr lang="en-US" dirty="0" smtClean="0"/>
+              <a:t>{</a:t>
+            </a:r>
+            <a:endParaRPr lang="en-US" dirty="0"/>
+          </a:p>
+          <a:p>
+            <a:r>
+              <a:rPr lang="en-US" dirty="0"/>
+              <a:t>	</a:t>
+            </a:r>
+            <a:r>
+              <a:rPr lang="en-US" dirty="0" err="1">
+                <a:solidFill>
+                  <a:schemeClr val="tx2">
+                    <a:lumMod val="60000"/>
+                    <a:lumOff val="40000"/>
+                  </a:schemeClr>
+                </a:solidFill>
+              </a:rPr>
+              <a:t>var</a:t>
+            </a:r>
+            <a:r>
+              <a:rPr lang="en-US" dirty="0"/>
+              <a:t> </a:t>
+            </a:r>
+            <a:r>
+              <a:rPr lang="en-US" dirty="0" err="1"/>
+              <a:t>nameIntro</a:t>
+            </a:r>
+            <a:r>
+              <a:rPr lang="en-US" dirty="0"/>
+              <a:t> = </a:t>
+            </a:r>
+            <a:r>
+              <a:rPr lang="en-US" dirty="0">
+                <a:solidFill>
+                  <a:schemeClr val="accent6">
+                    <a:lumMod val="60000"/>
+                    <a:lumOff val="40000"/>
+                  </a:schemeClr>
+                </a:solidFill>
+              </a:rPr>
+              <a:t>"Your name is </a:t>
+            </a:r>
+            <a:r>
+              <a:rPr lang="en-US" dirty="0" smtClean="0">
+                <a:solidFill>
+                  <a:schemeClr val="accent6">
+                    <a:lumMod val="60000"/>
+                    <a:lumOff val="40000"/>
+                  </a:schemeClr>
+                </a:solidFill>
+              </a:rPr>
+              <a:t>" </a:t>
+            </a:r>
+            <a:r>
+              <a:rPr lang="en-US" dirty="0" smtClean="0"/>
+              <a:t>;</a:t>
+            </a:r>
+            <a:endParaRPr lang="en-US" dirty="0"/>
+          </a:p>
+          <a:p>
+            <a:r>
+              <a:rPr lang="en-US" dirty="0"/>
+              <a:t>	</a:t>
+            </a:r>
+          </a:p>
+          <a:p>
+            <a:r>
+              <a:rPr lang="en-US" dirty="0"/>
+              <a:t>	</a:t>
+            </a:r>
+            <a:r>
+              <a:rPr lang="en-US" dirty="0">
+                <a:solidFill>
+                  <a:schemeClr val="tx2">
+                    <a:lumMod val="60000"/>
+                    <a:lumOff val="40000"/>
+                  </a:schemeClr>
+                </a:solidFill>
+              </a:rPr>
+              <a:t>function</a:t>
+            </a:r>
+            <a:r>
+              <a:rPr lang="en-US" dirty="0"/>
+              <a:t> </a:t>
+            </a:r>
+            <a:r>
+              <a:rPr lang="en-US" dirty="0" err="1" smtClean="0"/>
+              <a:t>makeFullName</a:t>
+            </a:r>
+            <a:r>
+              <a:rPr lang="en-US" dirty="0" smtClean="0"/>
+              <a:t>(){ </a:t>
+            </a:r>
+            <a:r>
+              <a:rPr lang="en-US" dirty="0" smtClean="0">
+                <a:solidFill>
+                  <a:srgbClr val="1A8505"/>
+                </a:solidFill>
+              </a:rPr>
+              <a:t>// This is an enclosure</a:t>
+            </a:r>
+            <a:endParaRPr lang="en-US" dirty="0"/>
+          </a:p>
+          <a:p>
+            <a:r>
+              <a:rPr lang="en-US" dirty="0"/>
+              <a:t>		</a:t>
+            </a:r>
+            <a:r>
+              <a:rPr lang="en-US" dirty="0">
+                <a:solidFill>
+                  <a:schemeClr val="tx2">
+                    <a:lumMod val="60000"/>
+                    <a:lumOff val="40000"/>
+                  </a:schemeClr>
+                </a:solidFill>
+              </a:rPr>
+              <a:t>return</a:t>
+            </a:r>
+            <a:r>
+              <a:rPr lang="en-US" dirty="0"/>
+              <a:t> </a:t>
+            </a:r>
+            <a:r>
+              <a:rPr lang="en-US" dirty="0" err="1"/>
+              <a:t>nameIntro</a:t>
+            </a:r>
+            <a:r>
+              <a:rPr lang="en-US" dirty="0"/>
+              <a:t> + </a:t>
+            </a:r>
+            <a:r>
+              <a:rPr lang="en-US" dirty="0" err="1"/>
+              <a:t>firstName</a:t>
+            </a:r>
+            <a:r>
+              <a:rPr lang="en-US" dirty="0"/>
+              <a:t> + </a:t>
+            </a:r>
+            <a:r>
+              <a:rPr lang="en-US" dirty="0">
+                <a:solidFill>
+                  <a:schemeClr val="accent6">
+                    <a:lumMod val="60000"/>
+                    <a:lumOff val="40000"/>
+                  </a:schemeClr>
+                </a:solidFill>
+              </a:rPr>
+              <a:t>" " </a:t>
+            </a:r>
+            <a:r>
+              <a:rPr lang="en-US" dirty="0"/>
+              <a:t>+ </a:t>
+            </a:r>
+            <a:r>
+              <a:rPr lang="en-US" dirty="0" err="1"/>
+              <a:t>lastName</a:t>
+            </a:r>
+            <a:r>
+              <a:rPr lang="en-US" dirty="0" smtClean="0"/>
+              <a:t>;</a:t>
+            </a:r>
+            <a:endParaRPr lang="en-US" dirty="0"/>
+          </a:p>
+          <a:p>
+            <a:r>
+              <a:rPr lang="en-US" dirty="0"/>
+              <a:t>	</a:t>
+            </a:r>
+            <a:r>
+              <a:rPr lang="en-US" dirty="0" smtClean="0"/>
+              <a:t>}</a:t>
+            </a:r>
+            <a:endParaRPr lang="en-US" dirty="0"/>
+          </a:p>
+          <a:p>
+            <a:r>
+              <a:rPr lang="en-US" dirty="0"/>
+              <a:t>		</a:t>
+            </a:r>
+            <a:r>
+              <a:rPr lang="en-US" dirty="0">
+                <a:solidFill>
+                  <a:schemeClr val="tx2">
+                    <a:lumMod val="60000"/>
+                    <a:lumOff val="40000"/>
+                  </a:schemeClr>
+                </a:solidFill>
+              </a:rPr>
+              <a:t>return</a:t>
+            </a:r>
+            <a:r>
+              <a:rPr lang="en-US" dirty="0"/>
+              <a:t> </a:t>
+            </a:r>
+            <a:r>
+              <a:rPr lang="en-US" dirty="0" err="1" smtClean="0"/>
+              <a:t>makeFullName</a:t>
+            </a:r>
+            <a:r>
+              <a:rPr lang="en-US" dirty="0" smtClean="0"/>
+              <a:t>();</a:t>
+            </a:r>
+            <a:endParaRPr lang="en-US" dirty="0"/>
+          </a:p>
+          <a:p>
+            <a:r>
+              <a:rPr lang="en-US" dirty="0"/>
+              <a:t>}</a:t>
+            </a:r>
+            <a:br>
+              <a:rPr lang="en-US" dirty="0"/>
+            </a:br>
+            <a:endParaRPr lang="en-US" dirty="0" smtClean="0"/>
+          </a:p>
+          <a:p>
+            <a:r>
+              <a:rPr lang="en-US" dirty="0" smtClean="0"/>
+              <a:t>console.log(</a:t>
+            </a:r>
+            <a:r>
+              <a:rPr lang="en-US" dirty="0" err="1" smtClean="0"/>
+              <a:t>showName</a:t>
+            </a:r>
+            <a:r>
+              <a:rPr lang="en-US" dirty="0" smtClean="0"/>
+              <a:t>(</a:t>
+            </a:r>
+            <a:r>
+              <a:rPr lang="en-US" dirty="0" smtClean="0">
+                <a:solidFill>
+                  <a:schemeClr val="accent6">
+                    <a:lumMod val="60000"/>
+                    <a:lumOff val="40000"/>
+                  </a:schemeClr>
+                </a:solidFill>
+              </a:rPr>
+              <a:t>"</a:t>
+            </a:r>
+            <a:r>
+              <a:rPr lang="en-US" dirty="0" err="1" smtClean="0">
+                <a:solidFill>
+                  <a:schemeClr val="accent6">
+                    <a:lumMod val="60000"/>
+                    <a:lumOff val="40000"/>
+                  </a:schemeClr>
+                </a:solidFill>
+              </a:rPr>
+              <a:t>Princess"</a:t>
+            </a:r>
+            <a:r>
+              <a:rPr lang="en-US" dirty="0" err="1" smtClean="0"/>
+              <a:t>,</a:t>
+            </a:r>
+            <a:r>
+              <a:rPr lang="en-US" dirty="0" err="1" smtClean="0">
+                <a:solidFill>
+                  <a:schemeClr val="accent6">
+                    <a:lumMod val="60000"/>
+                    <a:lumOff val="40000"/>
+                  </a:schemeClr>
+                </a:solidFill>
+              </a:rPr>
+              <a:t>"Gabby</a:t>
+            </a:r>
+            <a:r>
+              <a:rPr lang="en-US" dirty="0" smtClean="0">
+                <a:solidFill>
+                  <a:schemeClr val="accent6">
+                    <a:lumMod val="60000"/>
+                    <a:lumOff val="40000"/>
+                  </a:schemeClr>
+                </a:solidFill>
+              </a:rPr>
+              <a:t>"</a:t>
+            </a:r>
+            <a:r>
+              <a:rPr lang="en-US" dirty="0" smtClean="0"/>
+              <a:t>));</a:t>
+            </a:r>
+            <a:r>
+              <a:rPr lang="en-US" dirty="0" smtClean="0">
+                <a:solidFill>
+                  <a:srgbClr val="1A8505"/>
+                </a:solidFill>
+              </a:rPr>
+              <a:t>//Your name is Princess Gabby</a:t>
+            </a:r>
+            <a:endParaRPr lang="en-US" dirty="0"/>
+          </a:p>
+          <a:p>
             <a:endParaRPr lang="en-US" dirty="0"/>
           </a:p>
         </p:txBody>
@@ -18665,7 +18827,7 @@
     </p:spTree>
     <p:extLst>
       <p:ext uri="{BB962C8B-B14F-4D97-AF65-F5344CB8AC3E}">
-        <p14:creationId xmlns:p14="http://schemas.microsoft.com/office/powerpoint/2010/main" val="2740517261"/>
+        <p14:creationId xmlns:p14="http://schemas.microsoft.com/office/powerpoint/2010/main" val="276408447"/>
       </p:ext>
     </p:extLst>
   </p:cSld>
@@ -18716,7 +18878,36 @@
           <a:p>
             <a:r>
               <a:rPr lang="en-US" dirty="0" smtClean="0"/>
-              <a:t>Enclosures</a:t>
+              <a:t>Enclosure Fun Facts	</a:t>
+            </a:r>
+            <a:endParaRPr lang="en-US" dirty="0"/>
+          </a:p>
+        </p:txBody>
+      </p:sp>
+      <p:sp>
+        <p:nvSpPr>
+          <p:cNvPr id="3" name="Content Placeholder 2"/>
+          <p:cNvSpPr>
+            <a:spLocks noGrp="1"/>
+          </p:cNvSpPr>
+          <p:nvPr>
+            <p:ph sz="quarter" idx="10"/>
+          </p:nvPr>
+        </p:nvSpPr>
+        <p:spPr/>
+        <p:txBody>
+          <a:bodyPr/>
+          <a:lstStyle/>
+          <a:p>
+            <a:r>
+              <a:rPr lang="en-US" dirty="0" smtClean="0"/>
+              <a:t>Being that enclosures have access to their outer functions variables and parameters, this allows the enclosures to be called later after the function returns and still be able to have access to these variables</a:t>
+            </a:r>
+          </a:p>
+          <a:p>
+            <a:r>
+              <a:rPr lang="en-US" dirty="0" smtClean="0"/>
+              <a:t>Enclosures only store references to outer function variables, not the actual variables themselves. This allows for variables to be updated at all times</a:t>
             </a:r>
             <a:endParaRPr lang="en-US" dirty="0"/>
           </a:p>
@@ -18725,7 +18916,7 @@
     </p:spTree>
     <p:extLst>
       <p:ext uri="{BB962C8B-B14F-4D97-AF65-F5344CB8AC3E}">
-        <p14:creationId xmlns:p14="http://schemas.microsoft.com/office/powerpoint/2010/main" val="2861444436"/>
+        <p14:creationId xmlns:p14="http://schemas.microsoft.com/office/powerpoint/2010/main" val="2740517261"/>
       </p:ext>
     </p:extLst>
   </p:cSld>
@@ -18950,12 +19141,12 @@
       </p:grpSpPr>
       <p:sp>
         <p:nvSpPr>
-          <p:cNvPr id="5" name="Text Placeholder 4"/>
+          <p:cNvPr id="2" name="Title 1"/>
           <p:cNvSpPr>
             <a:spLocks noGrp="1"/>
           </p:cNvSpPr>
           <p:nvPr>
-            <p:ph type="body" sz="quarter" idx="10"/>
+            <p:ph type="title"/>
           </p:nvPr>
         </p:nvSpPr>
         <p:spPr/>
@@ -18965,39 +19156,16 @@
           <a:p>
             <a:r>
               <a:rPr lang="en-US" dirty="0" smtClean="0"/>
-              <a:t>Anonymous Functions</a:t>
-            </a:r>
-            <a:r>
-              <a:rPr lang="en-US" dirty="0"/>
-              <a:t>	</a:t>
-            </a:r>
-            <a:endParaRPr lang="en-US" dirty="0" smtClean="0"/>
-          </a:p>
-        </p:txBody>
-      </p:sp>
-      <p:sp>
-        <p:nvSpPr>
-          <p:cNvPr id="2" name="Subtitle 1"/>
-          <p:cNvSpPr>
-            <a:spLocks noGrp="1"/>
-          </p:cNvSpPr>
-          <p:nvPr>
-            <p:ph type="subTitle" idx="1"/>
-          </p:nvPr>
-        </p:nvSpPr>
-        <p:spPr/>
-        <p:txBody>
-          <a:bodyPr/>
-          <a:lstStyle/>
-          <a:p>
-            <a:endParaRPr lang="en-US"/>
+              <a:t>Enclosures</a:t>
+            </a:r>
+            <a:endParaRPr lang="en-US" dirty="0"/>
           </a:p>
         </p:txBody>
       </p:sp>
     </p:spTree>
     <p:extLst>
       <p:ext uri="{BB962C8B-B14F-4D97-AF65-F5344CB8AC3E}">
-        <p14:creationId xmlns:p14="http://schemas.microsoft.com/office/powerpoint/2010/main" val="1487187382"/>
+        <p14:creationId xmlns:p14="http://schemas.microsoft.com/office/powerpoint/2010/main" val="2861444436"/>
       </p:ext>
     </p:extLst>
   </p:cSld>
@@ -19033,12 +19201,12 @@
       </p:grpSpPr>
       <p:sp>
         <p:nvSpPr>
-          <p:cNvPr id="2" name="Title 1"/>
+          <p:cNvPr id="5" name="Text Placeholder 4"/>
           <p:cNvSpPr>
             <a:spLocks noGrp="1"/>
           </p:cNvSpPr>
           <p:nvPr>
-            <p:ph type="title"/>
+            <p:ph type="body" sz="quarter" idx="10"/>
           </p:nvPr>
         </p:nvSpPr>
         <p:spPr/>
@@ -19050,18 +19218,22 @@
               <a:rPr lang="en-US" dirty="0" smtClean="0"/>
               <a:t>Anonymous Functions</a:t>
             </a:r>
-            <a:endParaRPr lang="en-US" dirty="0"/>
-          </a:p>
-        </p:txBody>
-      </p:sp>
-      <p:sp>
-        <p:nvSpPr>
-          <p:cNvPr id="3" name="Content Placeholder 2"/>
+            <a:r>
+              <a:rPr lang="en-US" dirty="0"/>
+              <a:t>	</a:t>
+            </a:r>
+            <a:endParaRPr lang="en-US" dirty="0" smtClean="0"/>
+          </a:p>
+        </p:txBody>
+      </p:sp>
+      <p:sp>
+        <p:nvSpPr>
+          <p:cNvPr id="2" name="Subtitle 1"/>
           <p:cNvSpPr>
             <a:spLocks noGrp="1"/>
           </p:cNvSpPr>
           <p:nvPr>
-            <p:ph sz="quarter" idx="10"/>
+            <p:ph type="subTitle" idx="1"/>
           </p:nvPr>
         </p:nvSpPr>
         <p:spPr/>
@@ -19069,68 +19241,14 @@
           <a:bodyPr/>
           <a:lstStyle/>
           <a:p>
-            <a:r>
-              <a:rPr lang="en-US" dirty="0" smtClean="0"/>
-              <a:t>Anonymous functions, simply put, are functions without names</a:t>
-            </a:r>
-          </a:p>
-          <a:p>
-            <a:r>
-              <a:rPr lang="en-US" dirty="0" smtClean="0"/>
-              <a:t>They are all dynamically declared at runtime</a:t>
-            </a:r>
-          </a:p>
-          <a:p>
-            <a:r>
-              <a:rPr lang="en-US" dirty="0" smtClean="0"/>
-              <a:t>They are used in various ways</a:t>
-            </a:r>
-          </a:p>
-          <a:p>
-            <a:pPr lvl="1"/>
-            <a:r>
-              <a:rPr lang="en-US" dirty="0" smtClean="0"/>
-              <a:t>As a function expression</a:t>
-            </a:r>
-          </a:p>
-          <a:p>
-            <a:pPr lvl="1"/>
-            <a:r>
-              <a:rPr lang="en-US" dirty="0" smtClean="0"/>
-              <a:t>In an object</a:t>
-            </a:r>
-          </a:p>
-          <a:p>
-            <a:pPr lvl="1"/>
-            <a:r>
-              <a:rPr lang="en-US" dirty="0" smtClean="0"/>
-              <a:t>As an event handler</a:t>
-            </a:r>
-          </a:p>
-          <a:p>
-            <a:pPr lvl="1"/>
-            <a:r>
-              <a:rPr lang="en-US" dirty="0" smtClean="0"/>
-              <a:t>As an self evoking function</a:t>
-            </a:r>
-          </a:p>
-          <a:p>
-            <a:r>
-              <a:rPr lang="en-US" dirty="0" smtClean="0"/>
-              <a:t>Common uses are for recursion and closures</a:t>
-            </a:r>
-            <a:endParaRPr lang="en-US" dirty="0"/>
-          </a:p>
-          <a:p>
-            <a:pPr lvl="3"/>
-            <a:endParaRPr lang="en-US" dirty="0"/>
+            <a:endParaRPr lang="en-US"/>
           </a:p>
         </p:txBody>
       </p:sp>
     </p:spTree>
     <p:extLst>
       <p:ext uri="{BB962C8B-B14F-4D97-AF65-F5344CB8AC3E}">
-        <p14:creationId xmlns:p14="http://schemas.microsoft.com/office/powerpoint/2010/main" val="905156883"/>
+        <p14:creationId xmlns:p14="http://schemas.microsoft.com/office/powerpoint/2010/main" val="1487187382"/>
       </p:ext>
     </p:extLst>
   </p:cSld>
@@ -19166,77 +19284,35 @@
       </p:grpSpPr>
       <p:sp>
         <p:nvSpPr>
-          <p:cNvPr id="4" name="Text Placeholder 3"/>
+          <p:cNvPr id="2" name="Title 1"/>
           <p:cNvSpPr>
             <a:spLocks noGrp="1"/>
           </p:cNvSpPr>
           <p:nvPr>
-            <p:ph type="body" sz="quarter" idx="10"/>
+            <p:ph type="title"/>
           </p:nvPr>
         </p:nvSpPr>
         <p:spPr/>
         <p:txBody>
-          <a:bodyPr>
-            <a:normAutofit/>
-          </a:bodyPr>
+          <a:bodyPr/>
           <a:lstStyle/>
           <a:p>
             <a:r>
               <a:rPr lang="en-US" dirty="0" smtClean="0"/>
-              <a:t>Named Function vs Anonymous Functions</a:t>
-            </a:r>
-          </a:p>
-          <a:p>
-            <a:r>
-              <a:rPr lang="en-US" sz="2400" dirty="0" smtClean="0"/>
-              <a:t>Both functions logically do the same things, and can both be </a:t>
-            </a:r>
-            <a:r>
-              <a:rPr lang="en-US" sz="2400" dirty="0" err="1" smtClean="0"/>
-              <a:t>envoked</a:t>
-            </a:r>
-            <a:r>
-              <a:rPr lang="en-US" sz="2400" dirty="0" smtClean="0"/>
-              <a:t> the same way (by calling </a:t>
-            </a:r>
-            <a:r>
-              <a:rPr lang="en-US" sz="2400" i="1" dirty="0" err="1" smtClean="0"/>
-              <a:t>meTime</a:t>
-            </a:r>
-            <a:r>
-              <a:rPr lang="en-US" sz="2400" i="1" dirty="0" smtClean="0"/>
-              <a:t>(); </a:t>
-            </a:r>
-            <a:r>
-              <a:rPr lang="en-US" sz="2400" dirty="0" smtClean="0"/>
-              <a:t>).</a:t>
-            </a:r>
-          </a:p>
-          <a:p>
-            <a:r>
-              <a:rPr lang="en-US" sz="2400" dirty="0" smtClean="0"/>
-              <a:t>However the Anonymous function can not be accessed before the </a:t>
-            </a:r>
-            <a:r>
-              <a:rPr lang="en-US" sz="2400" dirty="0" err="1" smtClean="0"/>
-              <a:t>meTime</a:t>
-            </a:r>
-            <a:r>
-              <a:rPr lang="en-US" sz="2400" dirty="0" smtClean="0"/>
-              <a:t> variable is declared, while the Named Function can be accessed at any time</a:t>
-            </a:r>
-            <a:endParaRPr lang="en-US" sz="2400" dirty="0"/>
-          </a:p>
-        </p:txBody>
-      </p:sp>
-      <p:sp>
-        <p:nvSpPr>
-          <p:cNvPr id="5" name="Text Placeholder 4"/>
+              <a:t>Anonymous Functions</a:t>
+            </a:r>
+            <a:endParaRPr lang="en-US" dirty="0"/>
+          </a:p>
+        </p:txBody>
+      </p:sp>
+      <p:sp>
+        <p:nvSpPr>
+          <p:cNvPr id="3" name="Content Placeholder 2"/>
           <p:cNvSpPr>
             <a:spLocks noGrp="1"/>
           </p:cNvSpPr>
           <p:nvPr>
-            <p:ph type="body" sz="quarter" idx="11"/>
+            <p:ph sz="quarter" idx="10"/>
           </p:nvPr>
         </p:nvSpPr>
         <p:spPr/>
@@ -19245,181 +19321,59 @@
           <a:lstStyle/>
           <a:p>
             <a:r>
-              <a:rPr lang="en-US" dirty="0" smtClean="0">
-                <a:solidFill>
-                  <a:schemeClr val="tx2">
-                    <a:lumMod val="60000"/>
-                    <a:lumOff val="40000"/>
-                  </a:schemeClr>
-                </a:solidFill>
-              </a:rPr>
-              <a:t>function</a:t>
-            </a:r>
-            <a:r>
-              <a:rPr lang="en-US" dirty="0" smtClean="0"/>
-              <a:t> </a:t>
-            </a:r>
-            <a:r>
-              <a:rPr lang="en-US" dirty="0" err="1" smtClean="0"/>
-              <a:t>meTime</a:t>
-            </a:r>
-            <a:r>
-              <a:rPr lang="en-US" dirty="0" smtClean="0"/>
-              <a:t> (){ </a:t>
-            </a:r>
-            <a:r>
-              <a:rPr lang="en-US" dirty="0" smtClean="0">
-                <a:solidFill>
-                  <a:srgbClr val="1A8505"/>
-                </a:solidFill>
-              </a:rPr>
-              <a:t>// Named function</a:t>
-            </a:r>
-            <a:endParaRPr lang="en-US" dirty="0" smtClean="0"/>
-          </a:p>
-          <a:p>
-            <a:r>
-              <a:rPr lang="en-US" dirty="0"/>
-              <a:t>	alert</a:t>
-            </a:r>
-            <a:r>
-              <a:rPr lang="en-US" dirty="0" smtClean="0"/>
-              <a:t>( </a:t>
-            </a:r>
-            <a:r>
-              <a:rPr lang="en-US" dirty="0" smtClean="0">
-                <a:solidFill>
-                  <a:schemeClr val="accent6"/>
-                </a:solidFill>
-              </a:rPr>
-              <a:t>"Go do something fun!“</a:t>
-            </a:r>
-            <a:r>
-              <a:rPr lang="en-US" dirty="0" smtClean="0"/>
-              <a:t> );</a:t>
-            </a:r>
-          </a:p>
-          <a:p>
-            <a:r>
-              <a:rPr lang="en-US" dirty="0" smtClean="0"/>
-              <a:t>}</a:t>
-            </a:r>
-          </a:p>
-          <a:p>
-            <a:endParaRPr lang="en-US" dirty="0" smtClean="0"/>
-          </a:p>
-          <a:p>
+              <a:rPr lang="en-US" dirty="0" smtClean="0"/>
+              <a:t>Anonymous functions, simply put, are functions without names</a:t>
+            </a:r>
+          </a:p>
+          <a:p>
+            <a:r>
+              <a:rPr lang="en-US" dirty="0" smtClean="0"/>
+              <a:t>They are all dynamically declared at runtime</a:t>
+            </a:r>
+          </a:p>
+          <a:p>
+            <a:r>
+              <a:rPr lang="en-US" dirty="0" smtClean="0"/>
+              <a:t>They are used in various ways</a:t>
+            </a:r>
+          </a:p>
+          <a:p>
+            <a:pPr lvl="1"/>
+            <a:r>
+              <a:rPr lang="en-US" dirty="0" smtClean="0"/>
+              <a:t>As a function expression</a:t>
+            </a:r>
+          </a:p>
+          <a:p>
+            <a:pPr lvl="1"/>
+            <a:r>
+              <a:rPr lang="en-US" dirty="0" smtClean="0"/>
+              <a:t>In an object</a:t>
+            </a:r>
+          </a:p>
+          <a:p>
+            <a:pPr lvl="1"/>
+            <a:r>
+              <a:rPr lang="en-US" dirty="0" smtClean="0"/>
+              <a:t>As an event handler</a:t>
+            </a:r>
+          </a:p>
+          <a:p>
+            <a:pPr lvl="1"/>
+            <a:r>
+              <a:rPr lang="en-US" dirty="0" smtClean="0"/>
+              <a:t>As an self evoking function</a:t>
+            </a:r>
+          </a:p>
+          <a:p>
+            <a:r>
+              <a:rPr lang="en-US" dirty="0" smtClean="0"/>
+              <a:t>Common uses are for recursion and closures</a:t>
+            </a:r>
             <a:endParaRPr lang="en-US" dirty="0"/>
           </a:p>
           <a:p>
-            <a:r>
-              <a:rPr lang="en-US" dirty="0" err="1" smtClean="0">
-                <a:solidFill>
-                  <a:schemeClr val="tx2">
-                    <a:lumMod val="60000"/>
-                    <a:lumOff val="40000"/>
-                  </a:schemeClr>
-                </a:solidFill>
-              </a:rPr>
-              <a:t>var</a:t>
-            </a:r>
-            <a:r>
-              <a:rPr lang="en-US" dirty="0" smtClean="0"/>
-              <a:t> </a:t>
-            </a:r>
-            <a:r>
-              <a:rPr lang="en-US" dirty="0" err="1" smtClean="0"/>
-              <a:t>meTime</a:t>
-            </a:r>
-            <a:r>
-              <a:rPr lang="en-US" dirty="0" smtClean="0"/>
-              <a:t> = </a:t>
-            </a:r>
-            <a:r>
-              <a:rPr lang="en-US" dirty="0" smtClean="0">
-                <a:solidFill>
-                  <a:schemeClr val="tx2">
-                    <a:lumMod val="60000"/>
-                    <a:lumOff val="40000"/>
-                  </a:schemeClr>
-                </a:solidFill>
-              </a:rPr>
-              <a:t>function</a:t>
-            </a:r>
-            <a:r>
-              <a:rPr lang="en-US" dirty="0" smtClean="0"/>
-              <a:t>(){ </a:t>
-            </a:r>
-            <a:r>
-              <a:rPr lang="en-US" dirty="0" smtClean="0">
-                <a:solidFill>
-                  <a:srgbClr val="1A8505"/>
-                </a:solidFill>
-              </a:rPr>
-              <a:t>// Anonymous function</a:t>
-            </a:r>
-            <a:endParaRPr lang="en-US" dirty="0" smtClean="0"/>
-          </a:p>
-          <a:p>
-            <a:r>
-              <a:rPr lang="en-US" dirty="0" smtClean="0"/>
-              <a:t>	alert( </a:t>
-            </a:r>
-            <a:r>
-              <a:rPr lang="en-US" dirty="0" smtClean="0">
-                <a:solidFill>
-                  <a:schemeClr val="accent6"/>
-                </a:solidFill>
-              </a:rPr>
-              <a:t>"</a:t>
-            </a:r>
-            <a:r>
-              <a:rPr lang="en-US" dirty="0">
-                <a:solidFill>
-                  <a:schemeClr val="accent6"/>
-                </a:solidFill>
-              </a:rPr>
-              <a:t>Go do something fun</a:t>
-            </a:r>
-            <a:r>
-              <a:rPr lang="en-US" dirty="0" smtClean="0">
-                <a:solidFill>
-                  <a:schemeClr val="accent6"/>
-                </a:solidFill>
-              </a:rPr>
-              <a:t>!“</a:t>
-            </a:r>
-            <a:r>
-              <a:rPr lang="en-US" dirty="0" smtClean="0"/>
-              <a:t> );</a:t>
-            </a:r>
-            <a:endParaRPr lang="en-US" dirty="0"/>
-          </a:p>
-          <a:p>
-            <a:r>
-              <a:rPr lang="en-US" dirty="0" smtClean="0"/>
-              <a:t>}</a:t>
-            </a:r>
-          </a:p>
-          <a:p>
-            <a:endParaRPr lang="en-US" dirty="0"/>
-          </a:p>
-          <a:p>
-            <a:r>
-              <a:rPr lang="en-US" dirty="0" smtClean="0">
-                <a:solidFill>
-                  <a:srgbClr val="1A8505"/>
-                </a:solidFill>
-              </a:rPr>
-              <a:t>// what is the difference?</a:t>
-            </a:r>
-            <a:endParaRPr lang="en-US" dirty="0">
-              <a:solidFill>
-                <a:srgbClr val="1A8505"/>
-              </a:solidFill>
-            </a:endParaRPr>
-          </a:p>
-          <a:p>
+            <a:pPr lvl="3"/>
             <a:endParaRPr lang="en-US" dirty="0"/>
           </a:p>
         </p:txBody>
@@ -19427,13 +19381,20 @@
     </p:spTree>
     <p:extLst>
       <p:ext uri="{BB962C8B-B14F-4D97-AF65-F5344CB8AC3E}">
-        <p14:creationId xmlns:p14="http://schemas.microsoft.com/office/powerpoint/2010/main" val="411065260"/>
+        <p14:creationId xmlns:p14="http://schemas.microsoft.com/office/powerpoint/2010/main" val="905156883"/>
       </p:ext>
     </p:extLst>
   </p:cSld>
   <p:clrMapOvr>
     <a:masterClrMapping/>
   </p:clrMapOvr>
+  <p:timing>
+    <p:tnLst>
+      <p:par>
+        <p:cTn id="1" dur="indefinite" restart="never" nodeType="tmRoot"/>
+      </p:par>
+    </p:tnLst>
+  </p:timing>
 </p:sld>
 </file>
 
@@ -19456,12 +19417,77 @@
       </p:grpSpPr>
       <p:sp>
         <p:nvSpPr>
-          <p:cNvPr id="4" name="Title 3"/>
+          <p:cNvPr id="4" name="Text Placeholder 3"/>
           <p:cNvSpPr>
             <a:spLocks noGrp="1"/>
           </p:cNvSpPr>
           <p:nvPr>
-            <p:ph type="title"/>
+            <p:ph type="body" sz="quarter" idx="10"/>
+          </p:nvPr>
+        </p:nvSpPr>
+        <p:spPr/>
+        <p:txBody>
+          <a:bodyPr>
+            <a:normAutofit/>
+          </a:bodyPr>
+          <a:lstStyle/>
+          <a:p>
+            <a:r>
+              <a:rPr lang="en-US" dirty="0" smtClean="0"/>
+              <a:t>Named Function vs Anonymous Functions</a:t>
+            </a:r>
+          </a:p>
+          <a:p>
+            <a:r>
+              <a:rPr lang="en-US" sz="2400" dirty="0" smtClean="0"/>
+              <a:t>Both functions logically do the same things, and can both be </a:t>
+            </a:r>
+            <a:r>
+              <a:rPr lang="en-US" sz="2400" dirty="0" err="1" smtClean="0"/>
+              <a:t>envoked</a:t>
+            </a:r>
+            <a:r>
+              <a:rPr lang="en-US" sz="2400" dirty="0" smtClean="0"/>
+              <a:t> the same way (by calling </a:t>
+            </a:r>
+            <a:r>
+              <a:rPr lang="en-US" sz="2400" i="1" dirty="0" err="1" smtClean="0"/>
+              <a:t>meTime</a:t>
+            </a:r>
+            <a:r>
+              <a:rPr lang="en-US" sz="2400" i="1" dirty="0" smtClean="0"/>
+              <a:t>(); </a:t>
+            </a:r>
+            <a:r>
+              <a:rPr lang="en-US" sz="2400" dirty="0" smtClean="0"/>
+              <a:t>).</a:t>
+            </a:r>
+          </a:p>
+          <a:p>
+            <a:r>
+              <a:rPr lang="en-US" sz="2400" dirty="0" smtClean="0"/>
+              <a:t>However the Anonymous function can not be accessed before the </a:t>
+            </a:r>
+            <a:r>
+              <a:rPr lang="en-US" sz="2400" dirty="0" err="1" smtClean="0"/>
+              <a:t>meTime</a:t>
+            </a:r>
+            <a:r>
+              <a:rPr lang="en-US" sz="2400" dirty="0" smtClean="0"/>
+              <a:t> variable is declared, while the Named Function can be accessed at any time</a:t>
+            </a:r>
+            <a:endParaRPr lang="en-US" sz="2400" dirty="0"/>
+          </a:p>
+        </p:txBody>
+      </p:sp>
+      <p:sp>
+        <p:nvSpPr>
+          <p:cNvPr id="5" name="Text Placeholder 4"/>
+          <p:cNvSpPr>
+            <a:spLocks noGrp="1"/>
+          </p:cNvSpPr>
+          <p:nvPr>
+            <p:ph type="body" sz="quarter" idx="11"/>
           </p:nvPr>
         </p:nvSpPr>
         <p:spPr/>
@@ -19470,9 +19496,181 @@
           <a:lstStyle/>
           <a:p>
             <a:r>
-              <a:rPr lang="en-US" dirty="0" smtClean="0"/>
-              <a:t>Different ways to Declare Anonymous Functions</a:t>
-            </a:r>
+              <a:rPr lang="en-US" dirty="0" smtClean="0">
+                <a:solidFill>
+                  <a:schemeClr val="tx2">
+                    <a:lumMod val="60000"/>
+                    <a:lumOff val="40000"/>
+                  </a:schemeClr>
+                </a:solidFill>
+              </a:rPr>
+              <a:t>function</a:t>
+            </a:r>
+            <a:r>
+              <a:rPr lang="en-US" dirty="0" smtClean="0"/>
+              <a:t> </a:t>
+            </a:r>
+            <a:r>
+              <a:rPr lang="en-US" dirty="0" err="1" smtClean="0"/>
+              <a:t>meTime</a:t>
+            </a:r>
+            <a:r>
+              <a:rPr lang="en-US" dirty="0" smtClean="0"/>
+              <a:t> (){ </a:t>
+            </a:r>
+            <a:r>
+              <a:rPr lang="en-US" dirty="0" smtClean="0">
+                <a:solidFill>
+                  <a:srgbClr val="1A8505"/>
+                </a:solidFill>
+              </a:rPr>
+              <a:t>// Named function</a:t>
+            </a:r>
+            <a:endParaRPr lang="en-US" dirty="0" smtClean="0"/>
+          </a:p>
+          <a:p>
+            <a:r>
+              <a:rPr lang="en-US" dirty="0"/>
+              <a:t>	alert</a:t>
+            </a:r>
+            <a:r>
+              <a:rPr lang="en-US" dirty="0" smtClean="0"/>
+              <a:t>( </a:t>
+            </a:r>
+            <a:r>
+              <a:rPr lang="en-US" dirty="0" smtClean="0">
+                <a:solidFill>
+                  <a:schemeClr val="accent6"/>
+                </a:solidFill>
+              </a:rPr>
+              <a:t>"Go do something fun!“</a:t>
+            </a:r>
+            <a:r>
+              <a:rPr lang="en-US" dirty="0" smtClean="0"/>
+              <a:t> );</a:t>
+            </a:r>
+          </a:p>
+          <a:p>
+            <a:r>
+              <a:rPr lang="en-US" dirty="0" smtClean="0"/>
+              <a:t>}</a:t>
+            </a:r>
+          </a:p>
+          <a:p>
+            <a:endParaRPr lang="en-US" dirty="0" smtClean="0"/>
+          </a:p>
+          <a:p>
+            <a:endParaRPr lang="en-US" dirty="0"/>
+          </a:p>
+          <a:p>
+            <a:r>
+              <a:rPr lang="en-US" dirty="0" err="1" smtClean="0">
+                <a:solidFill>
+                  <a:schemeClr val="tx2">
+                    <a:lumMod val="60000"/>
+                    <a:lumOff val="40000"/>
+                  </a:schemeClr>
+                </a:solidFill>
+              </a:rPr>
+              <a:t>var</a:t>
+            </a:r>
+            <a:r>
+              <a:rPr lang="en-US" dirty="0" smtClean="0"/>
+              <a:t> </a:t>
+            </a:r>
+            <a:r>
+              <a:rPr lang="en-US" dirty="0" err="1" smtClean="0"/>
+              <a:t>meTime</a:t>
+            </a:r>
+            <a:r>
+              <a:rPr lang="en-US" dirty="0" smtClean="0"/>
+              <a:t> = </a:t>
+            </a:r>
+            <a:r>
+              <a:rPr lang="en-US" dirty="0" smtClean="0">
+                <a:solidFill>
+                  <a:schemeClr val="tx2">
+                    <a:lumMod val="60000"/>
+                    <a:lumOff val="40000"/>
+                  </a:schemeClr>
+                </a:solidFill>
+              </a:rPr>
+              <a:t>function</a:t>
+            </a:r>
+            <a:r>
+              <a:rPr lang="en-US" dirty="0" smtClean="0"/>
+              <a:t>(){ </a:t>
+            </a:r>
+            <a:r>
+              <a:rPr lang="en-US" dirty="0" smtClean="0">
+                <a:solidFill>
+                  <a:srgbClr val="1A8505"/>
+                </a:solidFill>
+              </a:rPr>
+              <a:t>// Anonymous function</a:t>
+            </a:r>
+            <a:endParaRPr lang="en-US" dirty="0" smtClean="0"/>
+          </a:p>
+          <a:p>
+            <a:r>
+              <a:rPr lang="en-US" dirty="0" smtClean="0"/>
+              <a:t>	alert( </a:t>
+            </a:r>
+            <a:r>
+              <a:rPr lang="en-US" dirty="0" smtClean="0">
+                <a:solidFill>
+                  <a:schemeClr val="accent6"/>
+                </a:solidFill>
+              </a:rPr>
+              <a:t>"</a:t>
+            </a:r>
+            <a:r>
+              <a:rPr lang="en-US" dirty="0">
+                <a:solidFill>
+                  <a:schemeClr val="accent6"/>
+                </a:solidFill>
+              </a:rPr>
+              <a:t>Go do something fun</a:t>
+            </a:r>
+            <a:r>
+              <a:rPr lang="en-US" dirty="0" smtClean="0">
+                <a:solidFill>
+                  <a:schemeClr val="accent6"/>
+                </a:solidFill>
+              </a:rPr>
+              <a:t>!“</a:t>
+            </a:r>
+            <a:r>
+              <a:rPr lang="en-US" dirty="0" smtClean="0"/>
+              <a:t> );</a:t>
+            </a:r>
+            <a:endParaRPr lang="en-US" dirty="0"/>
+          </a:p>
+          <a:p>
+            <a:r>
+              <a:rPr lang="en-US" dirty="0" smtClean="0"/>
+              <a:t>}</a:t>
+            </a:r>
+          </a:p>
+          <a:p>
+            <a:endParaRPr lang="en-US" dirty="0"/>
+          </a:p>
+          <a:p>
+            <a:r>
+              <a:rPr lang="en-US" dirty="0" smtClean="0">
+                <a:solidFill>
+                  <a:srgbClr val="1A8505"/>
+                </a:solidFill>
+              </a:rPr>
+              <a:t>// what is the difference?</a:t>
+            </a:r>
+            <a:endParaRPr lang="en-US" dirty="0">
+              <a:solidFill>
+                <a:srgbClr val="1A8505"/>
+              </a:solidFill>
+            </a:endParaRPr>
+          </a:p>
+          <a:p>
             <a:endParaRPr lang="en-US" dirty="0"/>
           </a:p>
         </p:txBody>
@@ -19480,7 +19678,7 @@
     </p:spTree>
     <p:extLst>
       <p:ext uri="{BB962C8B-B14F-4D97-AF65-F5344CB8AC3E}">
-        <p14:creationId xmlns:p14="http://schemas.microsoft.com/office/powerpoint/2010/main" val="3672546998"/>
+        <p14:creationId xmlns:p14="http://schemas.microsoft.com/office/powerpoint/2010/main" val="411065260"/>
       </p:ext>
     </p:extLst>
   </p:cSld>
@@ -19509,12 +19707,12 @@
       </p:grpSpPr>
       <p:sp>
         <p:nvSpPr>
-          <p:cNvPr id="3" name="Text Placeholder 2"/>
+          <p:cNvPr id="4" name="Title 3"/>
           <p:cNvSpPr>
             <a:spLocks noGrp="1"/>
           </p:cNvSpPr>
           <p:nvPr>
-            <p:ph type="body" sz="quarter" idx="10"/>
+            <p:ph type="title"/>
           </p:nvPr>
         </p:nvSpPr>
         <p:spPr/>
@@ -19524,148 +19722,7 @@
           <a:p>
             <a:r>
               <a:rPr lang="en-US" dirty="0" smtClean="0"/>
-              <a:t>Recursion</a:t>
-            </a:r>
-          </a:p>
-          <a:p>
-            <a:r>
-              <a:rPr lang="en-US" dirty="0" smtClean="0"/>
-              <a:t>Since this function does not have a name, to call the function again you use the </a:t>
-            </a:r>
-            <a:r>
-              <a:rPr lang="en-US" dirty="0" err="1" smtClean="0"/>
-              <a:t>arguments.callee</a:t>
-            </a:r>
-            <a:r>
-              <a:rPr lang="en-US" dirty="0" smtClean="0"/>
-              <a:t> local variable.</a:t>
-            </a:r>
-          </a:p>
-          <a:p>
-            <a:endParaRPr lang="en-US" dirty="0"/>
-          </a:p>
-        </p:txBody>
-      </p:sp>
-      <p:sp>
-        <p:nvSpPr>
-          <p:cNvPr id="4" name="Text Placeholder 3"/>
-          <p:cNvSpPr>
-            <a:spLocks noGrp="1"/>
-          </p:cNvSpPr>
-          <p:nvPr>
-            <p:ph type="body" sz="quarter" idx="11"/>
-          </p:nvPr>
-        </p:nvSpPr>
-        <p:spPr/>
-        <p:txBody>
-          <a:bodyPr/>
-          <a:lstStyle/>
-          <a:p>
-            <a:r>
-              <a:rPr lang="en-US" dirty="0">
-                <a:solidFill>
-                  <a:srgbClr val="1A8505"/>
-                </a:solidFill>
-              </a:rPr>
-              <a:t>// This </a:t>
-            </a:r>
-            <a:r>
-              <a:rPr lang="en-US" dirty="0" smtClean="0">
-                <a:solidFill>
-                  <a:srgbClr val="1A8505"/>
-                </a:solidFill>
-              </a:rPr>
-              <a:t>function will calculate the factorial of any given number</a:t>
-            </a:r>
-            <a:endParaRPr lang="en-US" dirty="0" smtClean="0">
-              <a:solidFill>
-                <a:schemeClr val="tx2">
-                  <a:lumMod val="60000"/>
-                  <a:lumOff val="40000"/>
-                </a:schemeClr>
-              </a:solidFill>
-            </a:endParaRPr>
-          </a:p>
-          <a:p>
-            <a:r>
-              <a:rPr lang="en-US" dirty="0" err="1" smtClean="0">
-                <a:solidFill>
-                  <a:schemeClr val="tx2">
-                    <a:lumMod val="60000"/>
-                    <a:lumOff val="40000"/>
-                  </a:schemeClr>
-                </a:solidFill>
-              </a:rPr>
-              <a:t>var</a:t>
-            </a:r>
-            <a:r>
-              <a:rPr lang="en-US" dirty="0" smtClean="0"/>
-              <a:t> factorial </a:t>
-            </a:r>
-            <a:r>
-              <a:rPr lang="en-US" dirty="0"/>
-              <a:t>= </a:t>
-            </a:r>
-            <a:r>
-              <a:rPr lang="en-US" dirty="0" smtClean="0">
-                <a:solidFill>
-                  <a:schemeClr val="tx2">
-                    <a:lumMod val="60000"/>
-                    <a:lumOff val="40000"/>
-                  </a:schemeClr>
-                </a:solidFill>
-              </a:rPr>
-              <a:t>function</a:t>
-            </a:r>
-            <a:r>
-              <a:rPr lang="en-US" dirty="0" smtClean="0"/>
-              <a:t>(x){</a:t>
-            </a:r>
-            <a:endParaRPr lang="en-US" dirty="0"/>
-          </a:p>
-          <a:p>
-            <a:r>
-              <a:rPr lang="en-US" dirty="0" smtClean="0"/>
-              <a:t>	</a:t>
-            </a:r>
-            <a:r>
-              <a:rPr lang="en-US" dirty="0" smtClean="0">
-                <a:solidFill>
-                  <a:schemeClr val="tx2">
-                    <a:lumMod val="60000"/>
-                    <a:lumOff val="40000"/>
-                  </a:schemeClr>
-                </a:solidFill>
-              </a:rPr>
-              <a:t>return</a:t>
-            </a:r>
-            <a:r>
-              <a:rPr lang="en-US" dirty="0" smtClean="0"/>
-              <a:t> !(n &gt; 1) ? 1 : </a:t>
-            </a:r>
-            <a:r>
-              <a:rPr lang="en-US" dirty="0" err="1" smtClean="0"/>
-              <a:t>arguments.callee</a:t>
-            </a:r>
-            <a:r>
-              <a:rPr lang="en-US" dirty="0" smtClean="0"/>
-              <a:t>(n – 1) * n;</a:t>
-            </a:r>
-            <a:endParaRPr lang="en-US" dirty="0"/>
-          </a:p>
-          <a:p>
-            <a:r>
-              <a:rPr lang="en-US" dirty="0" smtClean="0"/>
-              <a:t>}</a:t>
-            </a:r>
-          </a:p>
-          <a:p>
-            <a:endParaRPr lang="en-US" dirty="0"/>
-          </a:p>
-          <a:p>
-            <a:r>
-              <a:rPr lang="en-US" dirty="0" smtClean="0"/>
-              <a:t>Console.log(factorial(10));</a:t>
+              <a:t>Different ways to Declare Anonymous Functions</a:t>
             </a:r>
             <a:endParaRPr lang="en-US" dirty="0"/>
           </a:p>
@@ -19674,7 +19731,7 @@
     </p:spTree>
     <p:extLst>
       <p:ext uri="{BB962C8B-B14F-4D97-AF65-F5344CB8AC3E}">
-        <p14:creationId xmlns:p14="http://schemas.microsoft.com/office/powerpoint/2010/main" val="4154244751"/>
+        <p14:creationId xmlns:p14="http://schemas.microsoft.com/office/powerpoint/2010/main" val="3672546998"/>
       </p:ext>
     </p:extLst>
   </p:cSld>
@@ -19703,7 +19760,7 @@
       </p:grpSpPr>
       <p:sp>
         <p:nvSpPr>
-          <p:cNvPr id="2" name="Text Placeholder 1"/>
+          <p:cNvPr id="3" name="Text Placeholder 2"/>
           <p:cNvSpPr>
             <a:spLocks noGrp="1"/>
           </p:cNvSpPr>
@@ -19718,21 +19775,31 @@
           <a:p>
             <a:r>
               <a:rPr lang="en-US" dirty="0" smtClean="0"/>
-              <a:t>Enclosures</a:t>
-            </a:r>
-          </a:p>
-          <a:p>
-            <a:r>
-              <a:rPr lang="en-US" dirty="0" smtClean="0"/>
-              <a:t>The get and set of the return object use anonymous functions as enclosures</a:t>
-            </a:r>
+              <a:t>Recursion</a:t>
+            </a:r>
+          </a:p>
+          <a:p>
+            <a:r>
+              <a:rPr lang="en-US" dirty="0" smtClean="0"/>
+              <a:t>Since this function does not have a name, to call the function again you use the </a:t>
+            </a:r>
+            <a:r>
+              <a:rPr lang="en-US" dirty="0" err="1" smtClean="0"/>
+              <a:t>arguments.callee</a:t>
+            </a:r>
+            <a:r>
+              <a:rPr lang="en-US" dirty="0" smtClean="0"/>
+              <a:t> local variable.</a:t>
+            </a:r>
+          </a:p>
+          <a:p>
             <a:endParaRPr lang="en-US" dirty="0"/>
           </a:p>
         </p:txBody>
       </p:sp>
       <p:sp>
         <p:nvSpPr>
-          <p:cNvPr id="3" name="Text Placeholder 2"/>
+          <p:cNvPr id="4" name="Text Placeholder 3"/>
           <p:cNvSpPr>
             <a:spLocks noGrp="1"/>
           </p:cNvSpPr>
@@ -19748,30 +19815,50 @@
             <a:r>
               <a:rPr lang="en-US" dirty="0">
                 <a:solidFill>
+                  <a:srgbClr val="1A8505"/>
+                </a:solidFill>
+              </a:rPr>
+              <a:t>// This </a:t>
+            </a:r>
+            <a:r>
+              <a:rPr lang="en-US" dirty="0" smtClean="0">
+                <a:solidFill>
+                  <a:srgbClr val="1A8505"/>
+                </a:solidFill>
+              </a:rPr>
+              <a:t>function will calculate the factorial of any given number</a:t>
+            </a:r>
+            <a:endParaRPr lang="en-US" dirty="0" smtClean="0">
+              <a:solidFill>
+                <a:schemeClr val="tx2">
+                  <a:lumMod val="60000"/>
+                  <a:lumOff val="40000"/>
+                </a:schemeClr>
+              </a:solidFill>
+            </a:endParaRPr>
+          </a:p>
+          <a:p>
+            <a:r>
+              <a:rPr lang="en-US" dirty="0" err="1" smtClean="0">
+                <a:solidFill>
                   <a:schemeClr val="tx2">
                     <a:lumMod val="60000"/>
                     <a:lumOff val="40000"/>
                   </a:schemeClr>
                 </a:solidFill>
               </a:rPr>
-              <a:t>function </a:t>
-            </a:r>
-            <a:r>
-              <a:rPr lang="en-US" dirty="0" err="1"/>
-              <a:t>theLocation</a:t>
+              <a:t>var</a:t>
+            </a:r>
+            <a:r>
+              <a:rPr lang="en-US" dirty="0" smtClean="0"/>
+              <a:t> factorial </a:t>
             </a:r>
             <a:r>
               <a:rPr lang="en-US" dirty="0"/>
-              <a:t>(){</a:t>
-            </a:r>
-          </a:p>
-          <a:p>
-            <a:r>
-              <a:rPr lang="en-US" dirty="0"/>
-              <a:t>	</a:t>
-            </a:r>
-            <a:r>
-              <a:rPr lang="en-US" dirty="0" err="1">
+              <a:t>= </a:t>
+            </a:r>
+            <a:r>
+              <a:rPr lang="en-US" dirty="0" smtClean="0">
                 <a:solidFill>
                   <a:schemeClr val="tx2">
                     <a:lumMod val="60000"/>
@@ -19779,38 +19866,21 @@
                   </a:schemeClr>
                 </a:solidFill>
               </a:rPr>
-              <a:t>var</a:t>
-            </a:r>
-            <a:r>
-              <a:rPr lang="en-US" dirty="0"/>
-              <a:t> city = </a:t>
-            </a:r>
-            <a:r>
-              <a:rPr lang="en-US" dirty="0">
-                <a:solidFill>
-                  <a:schemeClr val="accent6"/>
-                </a:solidFill>
-              </a:rPr>
-              <a:t>"San Francisco"</a:t>
-            </a:r>
-            <a:r>
-              <a:rPr lang="en-US" dirty="0"/>
-              <a:t>;</a:t>
-            </a:r>
-          </a:p>
-          <a:p>
-            <a:r>
-              <a:rPr lang="en-US" dirty="0"/>
+              <a:t>function</a:t>
+            </a:r>
+            <a:r>
+              <a:rPr lang="en-US" dirty="0" smtClean="0"/>
+              <a:t>(x){</a:t>
+            </a:r>
+            <a:endParaRPr lang="en-US" dirty="0"/>
+          </a:p>
+          <a:p>
+            <a:r>
+              <a:rPr lang="en-US" dirty="0" smtClean="0"/>
               <a:t>	</a:t>
             </a:r>
-          </a:p>
-          <a:p>
-            <a:r>
-              <a:rPr lang="en-US" dirty="0"/>
-              <a:t>	</a:t>
-            </a:r>
-            <a:r>
-              <a:rPr lang="en-US" dirty="0">
+            <a:r>
+              <a:rPr lang="en-US" dirty="0" smtClean="0">
                 <a:solidFill>
                   <a:schemeClr val="tx2">
                     <a:lumMod val="60000"/>
@@ -19821,116 +19891,41 @@
               <a:t>return</a:t>
             </a:r>
             <a:r>
-              <a:rPr lang="en-US" dirty="0"/>
-              <a:t> {</a:t>
-            </a:r>
-          </a:p>
-          <a:p>
-            <a:r>
-              <a:rPr lang="en-US" dirty="0"/>
-              <a:t>		</a:t>
-            </a:r>
-            <a:r>
-              <a:rPr lang="en-US" dirty="0">
-                <a:solidFill>
-                  <a:schemeClr val="tx2">
-                    <a:lumMod val="60000"/>
-                    <a:lumOff val="40000"/>
-                  </a:schemeClr>
-                </a:solidFill>
-              </a:rPr>
-              <a:t>get</a:t>
-            </a:r>
-            <a:r>
-              <a:rPr lang="en-US" dirty="0"/>
-              <a:t>: </a:t>
-            </a:r>
-            <a:r>
-              <a:rPr lang="en-US" dirty="0">
-                <a:solidFill>
-                  <a:schemeClr val="tx2">
-                    <a:lumMod val="60000"/>
-                    <a:lumOff val="40000"/>
-                  </a:schemeClr>
-                </a:solidFill>
-              </a:rPr>
-              <a:t>function</a:t>
-            </a:r>
-            <a:r>
-              <a:rPr lang="en-US" dirty="0"/>
-              <a:t>() {console.log(city);},</a:t>
-            </a:r>
-          </a:p>
-          <a:p>
-            <a:r>
-              <a:rPr lang="en-US" dirty="0"/>
-              <a:t>		</a:t>
-            </a:r>
-            <a:r>
-              <a:rPr lang="en-US" dirty="0">
-                <a:solidFill>
-                  <a:schemeClr val="tx2">
-                    <a:lumMod val="60000"/>
-                    <a:lumOff val="40000"/>
-                  </a:schemeClr>
-                </a:solidFill>
-              </a:rPr>
-              <a:t>set</a:t>
-            </a:r>
-            <a:r>
-              <a:rPr lang="en-US" dirty="0"/>
-              <a:t>: </a:t>
-            </a:r>
-            <a:r>
-              <a:rPr lang="en-US" dirty="0">
-                <a:solidFill>
-                  <a:schemeClr val="tx2">
-                    <a:lumMod val="60000"/>
-                    <a:lumOff val="40000"/>
-                  </a:schemeClr>
-                </a:solidFill>
-              </a:rPr>
-              <a:t>function</a:t>
-            </a:r>
-            <a:r>
-              <a:rPr lang="en-US" dirty="0"/>
-              <a:t>(</a:t>
-            </a:r>
-            <a:r>
-              <a:rPr lang="en-US" dirty="0" err="1"/>
-              <a:t>newCity</a:t>
-            </a:r>
-            <a:r>
-              <a:rPr lang="en-US" dirty="0"/>
-              <a:t>) {city = </a:t>
-            </a:r>
-            <a:r>
-              <a:rPr lang="en-US" dirty="0" err="1"/>
-              <a:t>newCity</a:t>
-            </a:r>
-            <a:r>
-              <a:rPr lang="en-US" dirty="0"/>
-              <a:t>;}</a:t>
-            </a:r>
-          </a:p>
-          <a:p>
-            <a:r>
-              <a:rPr lang="en-US" dirty="0"/>
-              <a:t>	};</a:t>
-            </a:r>
-          </a:p>
-          <a:p>
-            <a:r>
-              <a:rPr lang="en-US" dirty="0"/>
+              <a:rPr lang="en-US" dirty="0" smtClean="0"/>
+              <a:t> !(n &gt; 1) ? 1 : </a:t>
+            </a:r>
+            <a:r>
+              <a:rPr lang="en-US" dirty="0" err="1" smtClean="0"/>
+              <a:t>arguments.callee</a:t>
+            </a:r>
+            <a:r>
+              <a:rPr lang="en-US" dirty="0" smtClean="0"/>
+              <a:t>(n – 1) * n;</a:t>
+            </a:r>
+            <a:endParaRPr lang="en-US" dirty="0"/>
+          </a:p>
+          <a:p>
+            <a:r>
+              <a:rPr lang="en-US" dirty="0" smtClean="0"/>
               <a:t>}</a:t>
             </a:r>
+          </a:p>
+          <a:p>
+            <a:endParaRPr lang="en-US" dirty="0"/>
+          </a:p>
+          <a:p>
+            <a:r>
+              <a:rPr lang="en-US" dirty="0" smtClean="0"/>
+              <a:t>Console.log(factorial(10));</a:t>
+            </a:r>
+            <a:endParaRPr lang="en-US" dirty="0"/>
           </a:p>
         </p:txBody>
       </p:sp>
     </p:spTree>
     <p:extLst>
       <p:ext uri="{BB962C8B-B14F-4D97-AF65-F5344CB8AC3E}">
-        <p14:creationId xmlns:p14="http://schemas.microsoft.com/office/powerpoint/2010/main" val="211272699"/>
+        <p14:creationId xmlns:p14="http://schemas.microsoft.com/office/powerpoint/2010/main" val="4154244751"/>
       </p:ext>
     </p:extLst>
   </p:cSld>
@@ -19959,6 +19954,262 @@
       </p:grpSpPr>
       <p:sp>
         <p:nvSpPr>
+          <p:cNvPr id="2" name="Text Placeholder 1"/>
+          <p:cNvSpPr>
+            <a:spLocks noGrp="1"/>
+          </p:cNvSpPr>
+          <p:nvPr>
+            <p:ph type="body" sz="quarter" idx="10"/>
+          </p:nvPr>
+        </p:nvSpPr>
+        <p:spPr/>
+        <p:txBody>
+          <a:bodyPr/>
+          <a:lstStyle/>
+          <a:p>
+            <a:r>
+              <a:rPr lang="en-US" dirty="0" smtClean="0"/>
+              <a:t>Enclosures</a:t>
+            </a:r>
+          </a:p>
+          <a:p>
+            <a:r>
+              <a:rPr lang="en-US" dirty="0" smtClean="0"/>
+              <a:t>The get and set of the return object use anonymous functions as enclosures</a:t>
+            </a:r>
+            <a:endParaRPr lang="en-US" dirty="0"/>
+          </a:p>
+        </p:txBody>
+      </p:sp>
+      <p:sp>
+        <p:nvSpPr>
+          <p:cNvPr id="3" name="Text Placeholder 2"/>
+          <p:cNvSpPr>
+            <a:spLocks noGrp="1"/>
+          </p:cNvSpPr>
+          <p:nvPr>
+            <p:ph type="body" sz="quarter" idx="11"/>
+          </p:nvPr>
+        </p:nvSpPr>
+        <p:spPr/>
+        <p:txBody>
+          <a:bodyPr/>
+          <a:lstStyle/>
+          <a:p>
+            <a:r>
+              <a:rPr lang="en-US" dirty="0">
+                <a:solidFill>
+                  <a:schemeClr val="tx2">
+                    <a:lumMod val="60000"/>
+                    <a:lumOff val="40000"/>
+                  </a:schemeClr>
+                </a:solidFill>
+              </a:rPr>
+              <a:t>function </a:t>
+            </a:r>
+            <a:r>
+              <a:rPr lang="en-US" dirty="0" err="1"/>
+              <a:t>theLocation</a:t>
+            </a:r>
+            <a:r>
+              <a:rPr lang="en-US" dirty="0"/>
+              <a:t>(){</a:t>
+            </a:r>
+          </a:p>
+          <a:p>
+            <a:r>
+              <a:rPr lang="en-US" dirty="0"/>
+              <a:t>	</a:t>
+            </a:r>
+            <a:r>
+              <a:rPr lang="en-US" dirty="0" err="1">
+                <a:solidFill>
+                  <a:schemeClr val="tx2">
+                    <a:lumMod val="60000"/>
+                    <a:lumOff val="40000"/>
+                  </a:schemeClr>
+                </a:solidFill>
+              </a:rPr>
+              <a:t>var</a:t>
+            </a:r>
+            <a:r>
+              <a:rPr lang="en-US" dirty="0"/>
+              <a:t> city = </a:t>
+            </a:r>
+            <a:r>
+              <a:rPr lang="en-US" dirty="0">
+                <a:solidFill>
+                  <a:schemeClr val="accent6"/>
+                </a:solidFill>
+              </a:rPr>
+              <a:t>"San Francisco"</a:t>
+            </a:r>
+            <a:r>
+              <a:rPr lang="en-US" dirty="0"/>
+              <a:t>;</a:t>
+            </a:r>
+          </a:p>
+          <a:p>
+            <a:r>
+              <a:rPr lang="en-US" dirty="0"/>
+              <a:t>	</a:t>
+            </a:r>
+          </a:p>
+          <a:p>
+            <a:r>
+              <a:rPr lang="en-US" dirty="0"/>
+              <a:t>	</a:t>
+            </a:r>
+            <a:r>
+              <a:rPr lang="en-US" dirty="0">
+                <a:solidFill>
+                  <a:schemeClr val="tx2">
+                    <a:lumMod val="60000"/>
+                    <a:lumOff val="40000"/>
+                  </a:schemeClr>
+                </a:solidFill>
+              </a:rPr>
+              <a:t>return</a:t>
+            </a:r>
+            <a:r>
+              <a:rPr lang="en-US" dirty="0"/>
+              <a:t> {</a:t>
+            </a:r>
+          </a:p>
+          <a:p>
+            <a:r>
+              <a:rPr lang="en-US" dirty="0"/>
+              <a:t>		</a:t>
+            </a:r>
+            <a:r>
+              <a:rPr lang="en-US" dirty="0">
+                <a:solidFill>
+                  <a:schemeClr val="tx2">
+                    <a:lumMod val="60000"/>
+                    <a:lumOff val="40000"/>
+                  </a:schemeClr>
+                </a:solidFill>
+              </a:rPr>
+              <a:t>get</a:t>
+            </a:r>
+            <a:r>
+              <a:rPr lang="en-US" dirty="0"/>
+              <a:t>: </a:t>
+            </a:r>
+            <a:r>
+              <a:rPr lang="en-US" dirty="0">
+                <a:solidFill>
+                  <a:schemeClr val="tx2">
+                    <a:lumMod val="60000"/>
+                    <a:lumOff val="40000"/>
+                  </a:schemeClr>
+                </a:solidFill>
+              </a:rPr>
+              <a:t>function</a:t>
+            </a:r>
+            <a:r>
+              <a:rPr lang="en-US" dirty="0"/>
+              <a:t>() {console.log(city);},</a:t>
+            </a:r>
+          </a:p>
+          <a:p>
+            <a:r>
+              <a:rPr lang="en-US" dirty="0"/>
+              <a:t>		</a:t>
+            </a:r>
+            <a:r>
+              <a:rPr lang="en-US" dirty="0">
+                <a:solidFill>
+                  <a:schemeClr val="tx2">
+                    <a:lumMod val="60000"/>
+                    <a:lumOff val="40000"/>
+                  </a:schemeClr>
+                </a:solidFill>
+              </a:rPr>
+              <a:t>set</a:t>
+            </a:r>
+            <a:r>
+              <a:rPr lang="en-US" dirty="0"/>
+              <a:t>: </a:t>
+            </a:r>
+            <a:r>
+              <a:rPr lang="en-US" dirty="0">
+                <a:solidFill>
+                  <a:schemeClr val="tx2">
+                    <a:lumMod val="60000"/>
+                    <a:lumOff val="40000"/>
+                  </a:schemeClr>
+                </a:solidFill>
+              </a:rPr>
+              <a:t>function</a:t>
+            </a:r>
+            <a:r>
+              <a:rPr lang="en-US" dirty="0"/>
+              <a:t>(</a:t>
+            </a:r>
+            <a:r>
+              <a:rPr lang="en-US" dirty="0" err="1"/>
+              <a:t>newCity</a:t>
+            </a:r>
+            <a:r>
+              <a:rPr lang="en-US" dirty="0"/>
+              <a:t>) {city = </a:t>
+            </a:r>
+            <a:r>
+              <a:rPr lang="en-US" dirty="0" err="1"/>
+              <a:t>newCity</a:t>
+            </a:r>
+            <a:r>
+              <a:rPr lang="en-US" dirty="0"/>
+              <a:t>;}</a:t>
+            </a:r>
+          </a:p>
+          <a:p>
+            <a:r>
+              <a:rPr lang="en-US" dirty="0"/>
+              <a:t>	};</a:t>
+            </a:r>
+          </a:p>
+          <a:p>
+            <a:r>
+              <a:rPr lang="en-US" dirty="0"/>
+              <a:t>}</a:t>
+            </a:r>
+          </a:p>
+        </p:txBody>
+      </p:sp>
+    </p:spTree>
+    <p:extLst>
+      <p:ext uri="{BB962C8B-B14F-4D97-AF65-F5344CB8AC3E}">
+        <p14:creationId xmlns:p14="http://schemas.microsoft.com/office/powerpoint/2010/main" val="211272699"/>
+      </p:ext>
+    </p:extLst>
+  </p:cSld>
+  <p:clrMapOvr>
+    <a:masterClrMapping/>
+  </p:clrMapOvr>
+</p:sld>
+</file>
+
+<file path=ppt/slides/slide27.xml><?xml version="1.0" encoding="utf-8"?>
+<p:sld xmlns:a="http://schemas.openxmlformats.org/drawingml/2006/main" xmlns:r="http://schemas.openxmlformats.org/officeDocument/2006/relationships" xmlns:p="http://schemas.openxmlformats.org/presentationml/2006/main">
+  <p:cSld>
+    <p:spTree>
+      <p:nvGrpSpPr>
+        <p:cNvPr id="1" name=""/>
+        <p:cNvGrpSpPr/>
+        <p:nvPr/>
+      </p:nvGrpSpPr>
+      <p:grpSpPr>
+        <a:xfrm>
+          <a:off x="0" y="0"/>
+          <a:ext cx="0" cy="0"/>
+          <a:chOff x="0" y="0"/>
+          <a:chExt cx="0" cy="0"/>
+        </a:xfrm>
+      </p:grpSpPr>
+      <p:sp>
+        <p:nvSpPr>
           <p:cNvPr id="5" name="Text Placeholder 4"/>
           <p:cNvSpPr>
             <a:spLocks noGrp="1"/>
@@ -20019,78 +20270,6 @@
 </p:sld>
 </file>
 
-<file path=ppt/slides/slide27.xml><?xml version="1.0" encoding="utf-8"?>
-<p:sld xmlns:a="http://schemas.openxmlformats.org/drawingml/2006/main" xmlns:r="http://schemas.openxmlformats.org/officeDocument/2006/relationships" xmlns:p="http://schemas.openxmlformats.org/presentationml/2006/main">
-  <p:cSld>
-    <p:spTree>
-      <p:nvGrpSpPr>
-        <p:cNvPr id="1" name=""/>
-        <p:cNvGrpSpPr/>
-        <p:nvPr/>
-      </p:nvGrpSpPr>
-      <p:grpSpPr>
-        <a:xfrm>
-          <a:off x="0" y="0"/>
-          <a:ext cx="0" cy="0"/>
-          <a:chOff x="0" y="0"/>
-          <a:chExt cx="0" cy="0"/>
-        </a:xfrm>
-      </p:grpSpPr>
-      <p:sp>
-        <p:nvSpPr>
-          <p:cNvPr id="2" name="Text Placeholder 1"/>
-          <p:cNvSpPr>
-            <a:spLocks noGrp="1"/>
-          </p:cNvSpPr>
-          <p:nvPr>
-            <p:ph type="body" sz="quarter" idx="10"/>
-          </p:nvPr>
-        </p:nvSpPr>
-        <p:spPr/>
-        <p:txBody>
-          <a:bodyPr/>
-          <a:lstStyle/>
-          <a:p>
-            <a:r>
-              <a:rPr lang="en-US" dirty="0" smtClean="0"/>
-              <a:t>Errors and Exceptions</a:t>
-            </a:r>
-            <a:endParaRPr lang="en-US" dirty="0"/>
-          </a:p>
-        </p:txBody>
-      </p:sp>
-      <p:sp>
-        <p:nvSpPr>
-          <p:cNvPr id="3" name="Subtitle 2"/>
-          <p:cNvSpPr>
-            <a:spLocks noGrp="1"/>
-          </p:cNvSpPr>
-          <p:nvPr>
-            <p:ph type="subTitle" idx="1"/>
-          </p:nvPr>
-        </p:nvSpPr>
-        <p:spPr/>
-        <p:txBody>
-          <a:bodyPr/>
-          <a:lstStyle/>
-          <a:p>
-            <a:endParaRPr lang="en-US"/>
-          </a:p>
-        </p:txBody>
-      </p:sp>
-    </p:spTree>
-    <p:extLst>
-      <p:ext uri="{BB962C8B-B14F-4D97-AF65-F5344CB8AC3E}">
-        <p14:creationId xmlns:p14="http://schemas.microsoft.com/office/powerpoint/2010/main" val="1262592420"/>
-      </p:ext>
-    </p:extLst>
-  </p:cSld>
-  <p:clrMapOvr>
-    <a:masterClrMapping/>
-  </p:clrMapOvr>
-</p:sld>
-</file>
-
 <file path=ppt/slides/slide28.xml><?xml version="1.0" encoding="utf-8"?>
 <p:sld xmlns:a="http://schemas.openxmlformats.org/drawingml/2006/main" xmlns:r="http://schemas.openxmlformats.org/officeDocument/2006/relationships" xmlns:p="http://schemas.openxmlformats.org/presentationml/2006/main">
   <p:cSld>
@@ -20110,12 +20289,12 @@
       </p:grpSpPr>
       <p:sp>
         <p:nvSpPr>
-          <p:cNvPr id="2" name="Title 1"/>
+          <p:cNvPr id="2" name="Text Placeholder 1"/>
           <p:cNvSpPr>
             <a:spLocks noGrp="1"/>
           </p:cNvSpPr>
           <p:nvPr>
-            <p:ph type="title"/>
+            <p:ph type="body" sz="quarter" idx="10"/>
           </p:nvPr>
         </p:nvSpPr>
         <p:spPr/>
@@ -20125,7 +20304,7 @@
           <a:p>
             <a:r>
               <a:rPr lang="en-US" dirty="0" smtClean="0"/>
-              <a:t>Errors		</a:t>
+              <a:t>Errors and Exceptions</a:t>
             </a:r>
             <a:endParaRPr lang="en-US" dirty="0"/>
           </a:p>
@@ -20133,12 +20312,12 @@
       </p:sp>
       <p:sp>
         <p:nvSpPr>
-          <p:cNvPr id="3" name="Content Placeholder 2"/>
+          <p:cNvPr id="3" name="Subtitle 2"/>
           <p:cNvSpPr>
             <a:spLocks noGrp="1"/>
           </p:cNvSpPr>
           <p:nvPr>
-            <p:ph sz="quarter" idx="10"/>
+            <p:ph type="subTitle" idx="1"/>
           </p:nvPr>
         </p:nvSpPr>
         <p:spPr/>
@@ -20146,90 +20325,20 @@
           <a:bodyPr/>
           <a:lstStyle/>
           <a:p>
-            <a:r>
-              <a:rPr lang="en-US" dirty="0" smtClean="0"/>
-              <a:t>Like many other programming languages, the three errors that can be found in JavaScript is:</a:t>
-            </a:r>
-          </a:p>
-          <a:p>
-            <a:pPr lvl="1"/>
-            <a:r>
-              <a:rPr lang="en-US" dirty="0" smtClean="0"/>
-              <a:t>Syntax Errors</a:t>
-            </a:r>
-          </a:p>
-          <a:p>
-            <a:pPr lvl="1"/>
-            <a:r>
-              <a:rPr lang="en-US" dirty="0" smtClean="0"/>
-              <a:t>Runtime Errors</a:t>
-            </a:r>
-          </a:p>
-          <a:p>
-            <a:pPr lvl="1"/>
-            <a:r>
-              <a:rPr lang="en-US" dirty="0" smtClean="0"/>
-              <a:t>Logical Errors</a:t>
-            </a:r>
-          </a:p>
-          <a:p>
-            <a:r>
-              <a:rPr lang="en-US" dirty="0" smtClean="0"/>
-              <a:t>Methods used for exception handling:</a:t>
-            </a:r>
-          </a:p>
-          <a:p>
-            <a:pPr lvl="1"/>
-            <a:r>
-              <a:rPr lang="en-US" dirty="0" smtClean="0"/>
-              <a:t>Try…catch…finally statement</a:t>
-            </a:r>
-          </a:p>
-          <a:p>
-            <a:pPr lvl="1"/>
-            <a:r>
-              <a:rPr lang="en-US" dirty="0" smtClean="0"/>
-              <a:t>Throw statement</a:t>
-            </a:r>
-          </a:p>
-          <a:p>
-            <a:pPr lvl="1"/>
-            <a:r>
-              <a:rPr lang="en-US" dirty="0" smtClean="0"/>
-              <a:t>The </a:t>
-            </a:r>
-            <a:r>
-              <a:rPr lang="en-US" dirty="0" err="1" smtClean="0"/>
-              <a:t>onerror</a:t>
-            </a:r>
-            <a:r>
-              <a:rPr lang="en-US" dirty="0" smtClean="0"/>
-              <a:t>() method</a:t>
-            </a:r>
-          </a:p>
-          <a:p>
-            <a:pPr lvl="1"/>
-            <a:endParaRPr lang="en-US" dirty="0"/>
+            <a:endParaRPr lang="en-US"/>
           </a:p>
         </p:txBody>
       </p:sp>
     </p:spTree>
     <p:extLst>
       <p:ext uri="{BB962C8B-B14F-4D97-AF65-F5344CB8AC3E}">
-        <p14:creationId xmlns:p14="http://schemas.microsoft.com/office/powerpoint/2010/main" val="1096139635"/>
+        <p14:creationId xmlns:p14="http://schemas.microsoft.com/office/powerpoint/2010/main" val="1262592420"/>
       </p:ext>
     </p:extLst>
   </p:cSld>
   <p:clrMapOvr>
     <a:masterClrMapping/>
   </p:clrMapOvr>
-  <p:timing>
-    <p:tnLst>
-      <p:par>
-        <p:cTn id="1" dur="indefinite" restart="never" nodeType="tmRoot"/>
-      </p:par>
-    </p:tnLst>
-  </p:timing>
 </p:sld>
 </file>
 
@@ -20267,7 +20376,7 @@
           <a:p>
             <a:r>
               <a:rPr lang="en-US" dirty="0" smtClean="0"/>
-              <a:t>Try…catch…finally </a:t>
+              <a:t>Errors		</a:t>
             </a:r>
             <a:endParaRPr lang="en-US" dirty="0"/>
           </a:p>
@@ -20290,47 +20399,75 @@
           <a:p>
             <a:r>
               <a:rPr lang="en-US" dirty="0" smtClean="0"/>
-              <a:t>The try block  executes code that is subject to break</a:t>
+              <a:t>Like many other programming languages, the three errors that can be found in JavaScript is:</a:t>
             </a:r>
           </a:p>
           <a:p>
             <a:pPr lvl="1"/>
             <a:r>
               <a:rPr lang="en-US" dirty="0" smtClean="0"/>
-              <a:t>It must be followed by either exactly one catch block or one finally block or one of both</a:t>
+              <a:t>Syntax Errors</a:t>
             </a:r>
           </a:p>
           <a:p>
             <a:pPr lvl="1"/>
             <a:r>
               <a:rPr lang="en-US" dirty="0" smtClean="0"/>
-              <a:t>When exception occurs, the exception is passed to the catch block</a:t>
-            </a:r>
-          </a:p>
-          <a:p>
-            <a:r>
-              <a:rPr lang="en-US" dirty="0" smtClean="0"/>
-              <a:t>The catch block executes code that should only be ran if an exception was caught</a:t>
-            </a:r>
-          </a:p>
-          <a:p>
-            <a:r>
-              <a:rPr lang="en-US" dirty="0" smtClean="0"/>
-              <a:t>The finally block is optional, but if included, it will always execute regardless if an exception has occurred</a:t>
-            </a:r>
-          </a:p>
-          <a:p>
-            <a:r>
-              <a:rPr lang="en-US" dirty="0" smtClean="0"/>
-              <a:t>Note: Only programmer generated and runtime exceptions can be caught; syntax errors will not be</a:t>
-            </a:r>
+              <a:t>Runtime Errors</a:t>
+            </a:r>
+          </a:p>
+          <a:p>
+            <a:pPr lvl="1"/>
+            <a:r>
+              <a:rPr lang="en-US" dirty="0" smtClean="0"/>
+              <a:t>Logical Errors</a:t>
+            </a:r>
+          </a:p>
+          <a:p>
+            <a:r>
+              <a:rPr lang="en-US" dirty="0" smtClean="0"/>
+              <a:t>Methods used for exception handling:</a:t>
+            </a:r>
+          </a:p>
+          <a:p>
+            <a:pPr lvl="1"/>
+            <a:r>
+              <a:rPr lang="en-US" dirty="0" smtClean="0"/>
+              <a:t>Try…catch…finally statement</a:t>
+            </a:r>
+          </a:p>
+          <a:p>
+            <a:pPr lvl="1"/>
+            <a:r>
+              <a:rPr lang="en-US" dirty="0" smtClean="0"/>
+              <a:t>Throw statement</a:t>
+            </a:r>
+          </a:p>
+          <a:p>
+            <a:pPr lvl="1"/>
+            <a:r>
+              <a:rPr lang="en-US" dirty="0" smtClean="0"/>
+              <a:t>The </a:t>
+            </a:r>
+            <a:r>
+              <a:rPr lang="en-US" dirty="0" err="1" smtClean="0"/>
+              <a:t>onerror</a:t>
+            </a:r>
+            <a:r>
+              <a:rPr lang="en-US" dirty="0" smtClean="0"/>
+              <a:t>() method</a:t>
+            </a:r>
+          </a:p>
+          <a:p>
+            <a:pPr lvl="1"/>
+            <a:endParaRPr lang="en-US" dirty="0"/>
           </a:p>
         </p:txBody>
       </p:sp>
     </p:spTree>
     <p:extLst>
       <p:ext uri="{BB962C8B-B14F-4D97-AF65-F5344CB8AC3E}">
-        <p14:creationId xmlns:p14="http://schemas.microsoft.com/office/powerpoint/2010/main" val="795054753"/>
+        <p14:creationId xmlns:p14="http://schemas.microsoft.com/office/powerpoint/2010/main" val="1096139635"/>
       </p:ext>
     </p:extLst>
   </p:cSld>
@@ -20380,12 +20517,16 @@
           <a:lstStyle/>
           <a:p>
             <a:r>
-              <a:rPr lang="en-US" dirty="0" smtClean="0"/>
-              <a:t>Meet Christopher Harrison | @</a:t>
-            </a:r>
-            <a:r>
-              <a:rPr lang="en-US" dirty="0" err="1" smtClean="0"/>
-              <a:t>GeekTrainer</a:t>
+              <a:rPr lang="en-US" sz="4000" dirty="0" smtClean="0"/>
+              <a:t>Meet Christopher Harrison | ‏@</a:t>
+            </a:r>
+            <a:r>
+              <a:rPr lang="en-US" sz="4000" dirty="0" err="1" smtClean="0"/>
+              <a:t>geektrainer</a:t>
+            </a:r>
+            <a:r>
+              <a:rPr lang="en-US" dirty="0" smtClean="0"/>
+              <a:t> </a:t>
             </a:r>
             <a:endParaRPr lang="en-US" dirty="0"/>
           </a:p>
@@ -20398,15 +20539,10 @@
             <a:spLocks noGrp="1"/>
           </p:cNvSpPr>
           <p:nvPr>
-            <p:ph sz="quarter" idx="10"/>
+            <p:ph idx="10"/>
           </p:nvPr>
         </p:nvSpPr>
-        <p:spPr>
-          <a:xfrm>
-            <a:off x="379413" y="1388226"/>
-            <a:ext cx="8896789" cy="5290388"/>
-          </a:xfrm>
-        </p:spPr>
+        <p:spPr/>
         <p:txBody>
           <a:bodyPr/>
           <a:lstStyle/>
@@ -20416,16 +20552,99 @@
             </a:pPr>
             <a:r>
               <a:rPr lang="en-US" dirty="0" smtClean="0"/>
-              <a:t>*** Insert Bio ***</a:t>
+              <a:t>Senior Content Developer</a:t>
+            </a:r>
+          </a:p>
+          <a:p>
+            <a:pPr marL="0" indent="0">
+              <a:buNone/>
+            </a:pPr>
+            <a:r>
+              <a:rPr lang="en-US" dirty="0" smtClean="0"/>
+              <a:t>Web development focus</a:t>
+            </a:r>
+            <a:endParaRPr lang="en-US" dirty="0" smtClean="0"/>
+          </a:p>
+          <a:p>
+            <a:pPr marL="57131" indent="0">
+              <a:buNone/>
+            </a:pPr>
+            <a:r>
+              <a:rPr lang="en-US" dirty="0" smtClean="0"/>
+              <a:t>Still </a:t>
+            </a:r>
+            <a:r>
+              <a:rPr lang="en-US" dirty="0" smtClean="0"/>
+              <a:t>misses his Commodore </a:t>
+            </a:r>
+            <a:r>
+              <a:rPr lang="en-US" dirty="0" smtClean="0"/>
+              <a:t>64</a:t>
+            </a:r>
+          </a:p>
+          <a:p>
+            <a:pPr marL="57131" indent="0">
+              <a:buNone/>
+            </a:pPr>
+            <a:r>
+              <a:rPr lang="en-US" dirty="0" smtClean="0"/>
+              <a:t>Periodic blogger </a:t>
+            </a:r>
+            <a:r>
+              <a:rPr lang="en-US" smtClean="0"/>
+              <a:t>(blog.geektrainer.com)</a:t>
             </a:r>
             <a:endParaRPr lang="en-US" dirty="0"/>
           </a:p>
-        </p:txBody>
-      </p:sp>
+          <a:p>
+            <a:pPr marL="57131" indent="0">
+              <a:buNone/>
+            </a:pPr>
+            <a:r>
+              <a:rPr lang="en-US" smtClean="0"/>
+              <a:t>Marathoner</a:t>
+            </a:r>
+            <a:r>
+              <a:rPr lang="en-US" dirty="0" smtClean="0"/>
+              <a:t>, husband, father of one four legged child</a:t>
+            </a:r>
+          </a:p>
+        </p:txBody>
+      </p:sp>
+      <p:pic>
+        <p:nvPicPr>
+          <p:cNvPr id="3" name="Picture 2"/>
+          <p:cNvPicPr>
+            <a:picLocks noChangeAspect="1"/>
+          </p:cNvPicPr>
+          <p:nvPr/>
+        </p:nvPicPr>
+        <p:blipFill>
+          <a:blip r:embed="rId3" cstate="print">
+            <a:extLst>
+              <a:ext uri="{28A0092B-C50C-407E-A947-70E740481C1C}">
+                <a14:useLocalDpi xmlns:a14="http://schemas.microsoft.com/office/drawing/2010/main" val="0"/>
+              </a:ext>
+            </a:extLst>
+          </a:blip>
+          <a:stretch>
+            <a:fillRect/>
+          </a:stretch>
+        </p:blipFill>
+        <p:spPr>
+          <a:xfrm>
+            <a:off x="9462977" y="0"/>
+            <a:ext cx="2729023" cy="2729023"/>
+          </a:xfrm>
+          <a:prstGeom prst="rect">
+            <a:avLst/>
+          </a:prstGeom>
+        </p:spPr>
+      </p:pic>
     </p:spTree>
     <p:extLst>
       <p:ext uri="{BB962C8B-B14F-4D97-AF65-F5344CB8AC3E}">
-        <p14:creationId xmlns:p14="http://schemas.microsoft.com/office/powerpoint/2010/main" val="3056882006"/>
+        <p14:creationId xmlns:p14="http://schemas.microsoft.com/office/powerpoint/2010/main" val="3972150679"/>
       </p:ext>
     </p:extLst>
   </p:cSld>
@@ -20484,7 +20703,7 @@
           <a:p>
             <a:r>
               <a:rPr lang="en-US" dirty="0" smtClean="0"/>
-              <a:t>Throw Statement</a:t>
+              <a:t>Try…catch…finally </a:t>
             </a:r>
             <a:endParaRPr lang="en-US" dirty="0"/>
           </a:p>
@@ -20507,36 +20726,47 @@
           <a:p>
             <a:r>
               <a:rPr lang="en-US" dirty="0" smtClean="0"/>
-              <a:t>Throw statements are used to either raise built-in exceptions or any other customized exceptions</a:t>
-            </a:r>
-          </a:p>
-          <a:p>
-            <a:r>
-              <a:rPr lang="en-US" dirty="0" smtClean="0"/>
-              <a:t>The customized exception can be a String, number, </a:t>
-            </a:r>
-            <a:r>
-              <a:rPr lang="en-US" dirty="0" err="1" smtClean="0"/>
-              <a:t>boolean</a:t>
-            </a:r>
-            <a:r>
-              <a:rPr lang="en-US" dirty="0" smtClean="0"/>
-              <a:t> or an object</a:t>
-            </a:r>
-          </a:p>
-          <a:p>
-            <a:r>
-              <a:rPr lang="en-US" dirty="0" smtClean="0"/>
-              <a:t>Throw statements can be used inside try and catch statements or they can be used inside other functions</a:t>
-            </a:r>
-            <a:endParaRPr lang="en-US" dirty="0"/>
+              <a:t>The try block  executes code that is subject to break</a:t>
+            </a:r>
+          </a:p>
+          <a:p>
+            <a:pPr lvl="1"/>
+            <a:r>
+              <a:rPr lang="en-US" dirty="0" smtClean="0"/>
+              <a:t>It must be followed by either exactly one catch block or one finally block or one of both</a:t>
+            </a:r>
+          </a:p>
+          <a:p>
+            <a:pPr lvl="1"/>
+            <a:r>
+              <a:rPr lang="en-US" dirty="0" smtClean="0"/>
+              <a:t>When exception occurs, the exception is passed to the catch block</a:t>
+            </a:r>
+          </a:p>
+          <a:p>
+            <a:r>
+              <a:rPr lang="en-US" dirty="0" smtClean="0"/>
+              <a:t>The catch block executes code that should only be ran if an exception was caught</a:t>
+            </a:r>
+          </a:p>
+          <a:p>
+            <a:r>
+              <a:rPr lang="en-US" dirty="0" smtClean="0"/>
+              <a:t>The finally block is optional, but if included, it will always execute regardless if an exception has occurred</a:t>
+            </a:r>
+          </a:p>
+          <a:p>
+            <a:r>
+              <a:rPr lang="en-US" dirty="0" smtClean="0"/>
+              <a:t>Note: Only programmer generated and runtime exceptions can be caught; syntax errors will not be</a:t>
+            </a:r>
           </a:p>
         </p:txBody>
       </p:sp>
     </p:spTree>
     <p:extLst>
       <p:ext uri="{BB962C8B-B14F-4D97-AF65-F5344CB8AC3E}">
-        <p14:creationId xmlns:p14="http://schemas.microsoft.com/office/powerpoint/2010/main" val="1142767380"/>
+        <p14:creationId xmlns:p14="http://schemas.microsoft.com/office/powerpoint/2010/main" val="795054753"/>
       </p:ext>
     </p:extLst>
   </p:cSld>
@@ -20587,15 +20817,7 @@
           <a:p>
             <a:r>
               <a:rPr lang="en-US" dirty="0" smtClean="0"/>
-              <a:t>The </a:t>
-            </a:r>
-            <a:r>
-              <a:rPr lang="en-US" dirty="0" err="1" smtClean="0"/>
-              <a:t>onerror</a:t>
-            </a:r>
-            <a:r>
-              <a:rPr lang="en-US" dirty="0" smtClean="0"/>
-              <a:t>() Method</a:t>
+              <a:t>Throw Statement</a:t>
             </a:r>
             <a:endParaRPr lang="en-US" dirty="0"/>
           </a:p>
@@ -20618,54 +20840,27 @@
           <a:p>
             <a:r>
               <a:rPr lang="en-US" dirty="0" smtClean="0"/>
-              <a:t>The </a:t>
+              <a:t>Throw statements are used to either raise built-in exceptions or any other customized exceptions</a:t>
+            </a:r>
+          </a:p>
+          <a:p>
+            <a:r>
+              <a:rPr lang="en-US" dirty="0" smtClean="0"/>
+              <a:t>The customized exception can be a String, number, </a:t>
             </a:r>
             <a:r>
               <a:rPr lang="en-US" dirty="0" err="1" smtClean="0"/>
-              <a:t>onerror</a:t>
-            </a:r>
-            <a:r>
-              <a:rPr lang="en-US" dirty="0" smtClean="0"/>
-              <a:t>() method is an event handler fired whenever an exception occurs on the page</a:t>
-            </a:r>
-          </a:p>
-          <a:p>
-            <a:r>
-              <a:rPr lang="en-US" dirty="0" smtClean="0"/>
-              <a:t>It is declared as a function through out the code</a:t>
-            </a:r>
-          </a:p>
-          <a:p>
-            <a:r>
-              <a:rPr lang="en-US" dirty="0" smtClean="0"/>
-              <a:t>This event handler provides three pieces of information</a:t>
-            </a:r>
-          </a:p>
-          <a:p>
-            <a:pPr lvl="1"/>
-            <a:r>
-              <a:rPr lang="en-US" dirty="0" smtClean="0"/>
-              <a:t>An error message</a:t>
-            </a:r>
-          </a:p>
-          <a:p>
-            <a:pPr lvl="1"/>
-            <a:r>
-              <a:rPr lang="en-US" dirty="0" smtClean="0"/>
-              <a:t>The file in which the error occurred</a:t>
-            </a:r>
-          </a:p>
-          <a:p>
-            <a:pPr lvl="1"/>
-            <a:r>
-              <a:rPr lang="en-US" dirty="0" smtClean="0"/>
-              <a:t>The line number in the code</a:t>
-            </a:r>
-          </a:p>
-          <a:p>
-            <a:r>
-              <a:rPr lang="en-US" dirty="0" smtClean="0"/>
-              <a:t>The information can be manipulated to be displayed in any way that you like</a:t>
+              <a:t>boolean</a:t>
+            </a:r>
+            <a:r>
+              <a:rPr lang="en-US" dirty="0" smtClean="0"/>
+              <a:t> or an object</a:t>
+            </a:r>
+          </a:p>
+          <a:p>
+            <a:r>
+              <a:rPr lang="en-US" dirty="0" smtClean="0"/>
+              <a:t>Throw statements can be used inside try and catch statements or they can be used inside other functions</a:t>
             </a:r>
             <a:endParaRPr lang="en-US" dirty="0"/>
           </a:p>
@@ -20674,7 +20869,7 @@
     </p:spTree>
     <p:extLst>
       <p:ext uri="{BB962C8B-B14F-4D97-AF65-F5344CB8AC3E}">
-        <p14:creationId xmlns:p14="http://schemas.microsoft.com/office/powerpoint/2010/main" val="690993151"/>
+        <p14:creationId xmlns:p14="http://schemas.microsoft.com/office/powerpoint/2010/main" val="1142767380"/>
       </p:ext>
     </p:extLst>
   </p:cSld>
@@ -20710,7 +20905,7 @@
       </p:grpSpPr>
       <p:sp>
         <p:nvSpPr>
-          <p:cNvPr id="4" name="Title 3"/>
+          <p:cNvPr id="2" name="Title 1"/>
           <p:cNvSpPr>
             <a:spLocks noGrp="1"/>
           </p:cNvSpPr>
@@ -20725,7 +20920,85 @@
           <a:p>
             <a:r>
               <a:rPr lang="en-US" dirty="0" smtClean="0"/>
-              <a:t>Different types of exception handling</a:t>
+              <a:t>The </a:t>
+            </a:r>
+            <a:r>
+              <a:rPr lang="en-US" dirty="0" err="1" smtClean="0"/>
+              <a:t>onerror</a:t>
+            </a:r>
+            <a:r>
+              <a:rPr lang="en-US" dirty="0" smtClean="0"/>
+              <a:t>() Method</a:t>
+            </a:r>
+            <a:endParaRPr lang="en-US" dirty="0"/>
+          </a:p>
+        </p:txBody>
+      </p:sp>
+      <p:sp>
+        <p:nvSpPr>
+          <p:cNvPr id="3" name="Content Placeholder 2"/>
+          <p:cNvSpPr>
+            <a:spLocks noGrp="1"/>
+          </p:cNvSpPr>
+          <p:nvPr>
+            <p:ph sz="quarter" idx="10"/>
+          </p:nvPr>
+        </p:nvSpPr>
+        <p:spPr/>
+        <p:txBody>
+          <a:bodyPr/>
+          <a:lstStyle/>
+          <a:p>
+            <a:r>
+              <a:rPr lang="en-US" dirty="0" smtClean="0"/>
+              <a:t>The </a:t>
+            </a:r>
+            <a:r>
+              <a:rPr lang="en-US" dirty="0" err="1" smtClean="0"/>
+              <a:t>onerror</a:t>
+            </a:r>
+            <a:r>
+              <a:rPr lang="en-US" dirty="0" smtClean="0"/>
+              <a:t>() method is an event handler fired whenever an exception occurs on the page</a:t>
+            </a:r>
+          </a:p>
+          <a:p>
+            <a:r>
+              <a:rPr lang="en-US" dirty="0" smtClean="0"/>
+              <a:t>It is declared as a function through out the code</a:t>
+            </a:r>
+          </a:p>
+          <a:p>
+            <a:r>
+              <a:rPr lang="en-US" dirty="0" smtClean="0"/>
+              <a:t>This event handler provides three pieces of information</a:t>
+            </a:r>
+          </a:p>
+          <a:p>
+            <a:pPr lvl="1"/>
+            <a:r>
+              <a:rPr lang="en-US" dirty="0" smtClean="0"/>
+              <a:t>An error message</a:t>
+            </a:r>
+          </a:p>
+          <a:p>
+            <a:pPr lvl="1"/>
+            <a:r>
+              <a:rPr lang="en-US" dirty="0" smtClean="0"/>
+              <a:t>The file in which the error occurred</a:t>
+            </a:r>
+          </a:p>
+          <a:p>
+            <a:pPr lvl="1"/>
+            <a:r>
+              <a:rPr lang="en-US" dirty="0" smtClean="0"/>
+              <a:t>The line number in the code</a:t>
+            </a:r>
+          </a:p>
+          <a:p>
+            <a:r>
+              <a:rPr lang="en-US" dirty="0" smtClean="0"/>
+              <a:t>The information can be manipulated to be displayed in any way that you like</a:t>
             </a:r>
             <a:endParaRPr lang="en-US" dirty="0"/>
           </a:p>
@@ -20734,7 +21007,7 @@
     </p:spTree>
     <p:extLst>
       <p:ext uri="{BB962C8B-B14F-4D97-AF65-F5344CB8AC3E}">
-        <p14:creationId xmlns:p14="http://schemas.microsoft.com/office/powerpoint/2010/main" val="1190155845"/>
+        <p14:creationId xmlns:p14="http://schemas.microsoft.com/office/powerpoint/2010/main" val="690993151"/>
       </p:ext>
     </p:extLst>
   </p:cSld>
@@ -20770,6 +21043,66 @@
       </p:grpSpPr>
       <p:sp>
         <p:nvSpPr>
+          <p:cNvPr id="4" name="Title 3"/>
+          <p:cNvSpPr>
+            <a:spLocks noGrp="1"/>
+          </p:cNvSpPr>
+          <p:nvPr>
+            <p:ph type="title"/>
+          </p:nvPr>
+        </p:nvSpPr>
+        <p:spPr/>
+        <p:txBody>
+          <a:bodyPr/>
+          <a:lstStyle/>
+          <a:p>
+            <a:r>
+              <a:rPr lang="en-US" dirty="0" smtClean="0"/>
+              <a:t>Different types of exception handling</a:t>
+            </a:r>
+            <a:endParaRPr lang="en-US" dirty="0"/>
+          </a:p>
+        </p:txBody>
+      </p:sp>
+    </p:spTree>
+    <p:extLst>
+      <p:ext uri="{BB962C8B-B14F-4D97-AF65-F5344CB8AC3E}">
+        <p14:creationId xmlns:p14="http://schemas.microsoft.com/office/powerpoint/2010/main" val="1190155845"/>
+      </p:ext>
+    </p:extLst>
+  </p:cSld>
+  <p:clrMapOvr>
+    <a:masterClrMapping/>
+  </p:clrMapOvr>
+  <p:timing>
+    <p:tnLst>
+      <p:par>
+        <p:cTn id="1" dur="indefinite" restart="never" nodeType="tmRoot"/>
+      </p:par>
+    </p:tnLst>
+  </p:timing>
+</p:sld>
+</file>
+
+<file path=ppt/slides/slide34.xml><?xml version="1.0" encoding="utf-8"?>
+<p:sld xmlns:a="http://schemas.openxmlformats.org/drawingml/2006/main" xmlns:r="http://schemas.openxmlformats.org/officeDocument/2006/relationships" xmlns:p="http://schemas.openxmlformats.org/presentationml/2006/main">
+  <p:cSld>
+    <p:spTree>
+      <p:nvGrpSpPr>
+        <p:cNvPr id="1" name=""/>
+        <p:cNvGrpSpPr/>
+        <p:nvPr/>
+      </p:nvGrpSpPr>
+      <p:grpSpPr>
+        <a:xfrm>
+          <a:off x="0" y="0"/>
+          <a:ext cx="0" cy="0"/>
+          <a:chOff x="0" y="0"/>
+          <a:chExt cx="0" cy="0"/>
+        </a:xfrm>
+      </p:grpSpPr>
+      <p:sp>
+        <p:nvSpPr>
           <p:cNvPr id="2" name="Title 1"/>
           <p:cNvSpPr>
             <a:spLocks noGrp="1"/>
@@ -20854,7 +21187,7 @@
 </p:sld>
 </file>
 
-<file path=ppt/slides/slide34.xml><?xml version="1.0" encoding="utf-8"?>
+<file path=ppt/slides/slide35.xml><?xml version="1.0" encoding="utf-8"?>
 <p:sld xmlns:a="http://schemas.openxmlformats.org/drawingml/2006/main" xmlns:r="http://schemas.openxmlformats.org/officeDocument/2006/relationships" xmlns:p="http://schemas.openxmlformats.org/presentationml/2006/main">
   <p:cSld>
     <p:spTree>
@@ -20910,6 +21243,131 @@
       </p:grpSpPr>
       <p:sp>
         <p:nvSpPr>
+          <p:cNvPr id="4" name="Title 3"/>
+          <p:cNvSpPr>
+            <a:spLocks noGrp="1"/>
+          </p:cNvSpPr>
+          <p:nvPr>
+            <p:ph type="title"/>
+          </p:nvPr>
+        </p:nvSpPr>
+        <p:spPr/>
+        <p:txBody>
+          <a:bodyPr/>
+          <a:lstStyle/>
+          <a:p>
+            <a:r>
+              <a:rPr lang="en-US" dirty="0" smtClean="0"/>
+              <a:t>About you</a:t>
+            </a:r>
+            <a:endParaRPr lang="en-US" dirty="0"/>
+          </a:p>
+        </p:txBody>
+      </p:sp>
+      <p:sp>
+        <p:nvSpPr>
+          <p:cNvPr id="5" name="Content Placeholder 4"/>
+          <p:cNvSpPr>
+            <a:spLocks noGrp="1"/>
+          </p:cNvSpPr>
+          <p:nvPr>
+            <p:ph sz="quarter" idx="10"/>
+          </p:nvPr>
+        </p:nvSpPr>
+        <p:spPr/>
+        <p:txBody>
+          <a:bodyPr/>
+          <a:lstStyle/>
+          <a:p>
+            <a:r>
+              <a:rPr lang="en-US" dirty="0" smtClean="0"/>
+              <a:t>Experienced developer</a:t>
+            </a:r>
+          </a:p>
+          <a:p>
+            <a:pPr lvl="1"/>
+            <a:r>
+              <a:rPr lang="en-US" dirty="0" smtClean="0"/>
+              <a:t>Already familiar with a curly brace language</a:t>
+            </a:r>
+          </a:p>
+          <a:p>
+            <a:pPr lvl="1"/>
+            <a:r>
+              <a:rPr lang="en-US" dirty="0" smtClean="0"/>
+              <a:t>Doesn’t need to see another </a:t>
+            </a:r>
+            <a:r>
+              <a:rPr lang="en-US" b="1" dirty="0" smtClean="0"/>
+              <a:t>if</a:t>
+            </a:r>
+            <a:r>
+              <a:rPr lang="en-US" dirty="0" smtClean="0"/>
+              <a:t> demo</a:t>
+            </a:r>
+          </a:p>
+          <a:p>
+            <a:r>
+              <a:rPr lang="en-US" dirty="0" smtClean="0"/>
+              <a:t>Adding JavaScript to your toolbox</a:t>
+            </a:r>
+          </a:p>
+          <a:p>
+            <a:pPr lvl="1"/>
+            <a:r>
+              <a:rPr lang="en-US" dirty="0" smtClean="0"/>
+              <a:t>Can’t figure out where the class keyword is</a:t>
+            </a:r>
+          </a:p>
+          <a:p>
+            <a:pPr lvl="1"/>
+            <a:r>
+              <a:rPr lang="en-US" dirty="0" smtClean="0"/>
+              <a:t>Need to see what features are available</a:t>
+            </a:r>
+          </a:p>
+          <a:p>
+            <a:pPr lvl="1"/>
+            <a:r>
+              <a:rPr lang="en-US" dirty="0" smtClean="0"/>
+              <a:t>Seeking easier ways to do things</a:t>
+            </a:r>
+            <a:endParaRPr lang="en-US" dirty="0"/>
+          </a:p>
+        </p:txBody>
+      </p:sp>
+    </p:spTree>
+    <p:extLst>
+      <p:ext uri="{BB962C8B-B14F-4D97-AF65-F5344CB8AC3E}">
+        <p14:creationId xmlns:p14="http://schemas.microsoft.com/office/powerpoint/2010/main" val="4241039567"/>
+      </p:ext>
+    </p:extLst>
+  </p:cSld>
+  <p:clrMapOvr>
+    <a:masterClrMapping/>
+  </p:clrMapOvr>
+</p:sld>
+</file>
+
+<file path=ppt/slides/slide5.xml><?xml version="1.0" encoding="utf-8"?>
+<p:sld xmlns:a="http://schemas.openxmlformats.org/drawingml/2006/main" xmlns:r="http://schemas.openxmlformats.org/officeDocument/2006/relationships" xmlns:p="http://schemas.openxmlformats.org/presentationml/2006/main">
+  <p:cSld>
+    <p:spTree>
+      <p:nvGrpSpPr>
+        <p:cNvPr id="1" name=""/>
+        <p:cNvGrpSpPr/>
+        <p:nvPr/>
+      </p:nvGrpSpPr>
+      <p:grpSpPr>
+        <a:xfrm>
+          <a:off x="0" y="0"/>
+          <a:ext cx="0" cy="0"/>
+          <a:chOff x="0" y="0"/>
+          <a:chExt cx="0" cy="0"/>
+        </a:xfrm>
+      </p:grpSpPr>
+      <p:sp>
+        <p:nvSpPr>
           <p:cNvPr id="2" name="Content Placeholder 1"/>
           <p:cNvSpPr>
             <a:spLocks noGrp="1"/>
@@ -20988,33 +21446,28 @@
             <a:pPr lvl="1"/>
             <a:r>
               <a:rPr lang="en-US" dirty="0"/>
-              <a:t>Enter this code</a:t>
-            </a:r>
-            <a:r>
-              <a:rPr lang="en-US"/>
-              <a:t>: </a:t>
-            </a:r>
-            <a:r>
-              <a:rPr lang="en-US" err="1"/>
-              <a:t>NodeModulesPkgs</a:t>
-            </a:r>
-            <a:r>
-              <a:rPr lang="en-US" b="1"/>
+              <a:t>Enter this code: </a:t>
+            </a:r>
+            <a:r>
+              <a:rPr lang="en-US" dirty="0" err="1" smtClean="0"/>
+              <a:t>JSforExpDev</a:t>
+            </a:r>
+            <a:r>
+              <a:rPr lang="en-US" b="1" dirty="0" smtClean="0"/>
               <a:t> </a:t>
             </a:r>
             <a:r>
-              <a:rPr lang="en-US" smtClean="0"/>
+              <a:rPr lang="en-US" dirty="0" smtClean="0"/>
               <a:t>(expires </a:t>
             </a:r>
             <a:r>
+              <a:rPr lang="en-US" dirty="0" smtClean="0"/>
+              <a:t>Nov 30, </a:t>
+            </a:r>
+            <a:r>
               <a:rPr lang="en-US" dirty="0"/>
-              <a:t>Oct</a:t>
-            </a:r>
-            <a:r>
-              <a:rPr lang="en-US"/>
-              <a:t> 5, 2015) </a:t>
-            </a:r>
-            <a:endParaRPr lang="en-US" dirty="0"/>
+              <a:t>2015) </a:t>
+            </a:r>
           </a:p>
         </p:txBody>
       </p:sp>
@@ -21097,7 +21550,7 @@
 </p:sld>
 </file>
 
-<file path=ppt/slides/slide5.xml><?xml version="1.0" encoding="utf-8"?>
+<file path=ppt/slides/slide6.xml><?xml version="1.0" encoding="utf-8"?>
 <p:sld xmlns:a="http://schemas.openxmlformats.org/drawingml/2006/main" xmlns:r="http://schemas.openxmlformats.org/officeDocument/2006/relationships" xmlns:p="http://schemas.openxmlformats.org/presentationml/2006/main">
   <p:cSld>
     <p:spTree>
@@ -21515,100 +21968,6 @@
 </p:sld>
 </file>
 
-<file path=ppt/slides/slide6.xml><?xml version="1.0" encoding="utf-8"?>
-<p:sld xmlns:a="http://schemas.openxmlformats.org/drawingml/2006/main" xmlns:r="http://schemas.openxmlformats.org/officeDocument/2006/relationships" xmlns:p="http://schemas.openxmlformats.org/presentationml/2006/main">
-  <p:cSld>
-    <p:spTree>
-      <p:nvGrpSpPr>
-        <p:cNvPr id="1" name=""/>
-        <p:cNvGrpSpPr/>
-        <p:nvPr/>
-      </p:nvGrpSpPr>
-      <p:grpSpPr>
-        <a:xfrm>
-          <a:off x="0" y="0"/>
-          <a:ext cx="0" cy="0"/>
-          <a:chOff x="0" y="0"/>
-          <a:chExt cx="0" cy="0"/>
-        </a:xfrm>
-      </p:grpSpPr>
-      <p:sp>
-        <p:nvSpPr>
-          <p:cNvPr id="5" name="Text Placeholder 4"/>
-          <p:cNvSpPr>
-            <a:spLocks noGrp="1"/>
-          </p:cNvSpPr>
-          <p:nvPr>
-            <p:ph type="body" sz="quarter" idx="10"/>
-          </p:nvPr>
-        </p:nvSpPr>
-        <p:spPr/>
-        <p:txBody>
-          <a:bodyPr/>
-          <a:lstStyle/>
-          <a:p>
-            <a:pPr marL="914400" indent="-914400"/>
-            <a:r>
-              <a:rPr lang="en-US" dirty="0" smtClean="0"/>
-              <a:t>01 | Getting Started With JavaScript</a:t>
-            </a:r>
-            <a:endParaRPr lang="en-US" dirty="0"/>
-          </a:p>
-        </p:txBody>
-      </p:sp>
-      <p:sp>
-        <p:nvSpPr>
-          <p:cNvPr id="2" name="Subtitle 1"/>
-          <p:cNvSpPr>
-            <a:spLocks noGrp="1"/>
-          </p:cNvSpPr>
-          <p:nvPr>
-            <p:ph type="subTitle" idx="1"/>
-          </p:nvPr>
-        </p:nvSpPr>
-        <p:spPr/>
-        <p:txBody>
-          <a:bodyPr/>
-          <a:lstStyle/>
-          <a:p>
-            <a:r>
-              <a:rPr lang="en-US" dirty="0"/>
-              <a:t>Gabrielle Crevecoeur | Technical Evangelist at Microsoft</a:t>
-            </a:r>
-            <a:endParaRPr lang="en-US" dirty="0">
-              <a:solidFill>
-                <a:srgbClr val="FF0000"/>
-              </a:solidFill>
-            </a:endParaRPr>
-          </a:p>
-          <a:p>
-            <a:r>
-              <a:rPr lang="en-US" dirty="0"/>
-              <a:t>Christopher Harrison | Senior Content Developer at Microsoft</a:t>
-            </a:r>
-          </a:p>
-        </p:txBody>
-      </p:sp>
-    </p:spTree>
-    <p:extLst>
-      <p:ext uri="{BB962C8B-B14F-4D97-AF65-F5344CB8AC3E}">
-        <p14:creationId xmlns:p14="http://schemas.microsoft.com/office/powerpoint/2010/main" val="897692544"/>
-      </p:ext>
-    </p:extLst>
-  </p:cSld>
-  <p:clrMapOvr>
-    <a:masterClrMapping/>
-  </p:clrMapOvr>
-  <p:timing>
-    <p:tnLst>
-      <p:par>
-        <p:cTn id="1" dur="indefinite" restart="never" nodeType="tmRoot"/>
-      </p:par>
-    </p:tnLst>
-  </p:timing>
-</p:sld>
-</file>
-
 <file path=ppt/slides/slide7.xml><?xml version="1.0" encoding="utf-8"?>
 <p:sld xmlns:a="http://schemas.openxmlformats.org/drawingml/2006/main" xmlns:r="http://schemas.openxmlformats.org/officeDocument/2006/relationships" xmlns:p="http://schemas.openxmlformats.org/presentationml/2006/main">
   <p:cSld>
@@ -21628,12 +21987,12 @@
       </p:grpSpPr>
       <p:sp>
         <p:nvSpPr>
-          <p:cNvPr id="2" name="Title 1"/>
+          <p:cNvPr id="5" name="Text Placeholder 4"/>
           <p:cNvSpPr>
             <a:spLocks noGrp="1"/>
           </p:cNvSpPr>
           <p:nvPr>
-            <p:ph type="title"/>
+            <p:ph type="body" sz="quarter" idx="10"/>
           </p:nvPr>
         </p:nvSpPr>
         <p:spPr/>
@@ -21641,9 +22000,10 @@
           <a:bodyPr/>
           <a:lstStyle/>
           <a:p>
-            <a:r>
-              <a:rPr lang="en-US" smtClean="0"/>
-              <a:t>Module Overview</a:t>
+            <a:pPr marL="914400" indent="-914400"/>
+            <a:r>
+              <a:rPr lang="en-US" dirty="0" smtClean="0"/>
+              <a:t>01 | Getting Started With JavaScript</a:t>
             </a:r>
             <a:endParaRPr lang="en-US" dirty="0"/>
           </a:p>
@@ -21651,61 +22011,33 @@
       </p:sp>
       <p:sp>
         <p:nvSpPr>
-          <p:cNvPr id="7" name="Content Placeholder 6"/>
+          <p:cNvPr id="2" name="Subtitle 1"/>
           <p:cNvSpPr>
             <a:spLocks noGrp="1"/>
           </p:cNvSpPr>
           <p:nvPr>
-            <p:ph sz="quarter" idx="10"/>
+            <p:ph type="subTitle" idx="1"/>
           </p:nvPr>
         </p:nvSpPr>
         <p:spPr/>
         <p:txBody>
-          <a:bodyPr>
-            <a:normAutofit/>
-          </a:bodyPr>
+          <a:bodyPr/>
           <a:lstStyle/>
           <a:p>
-            <a:pPr fontAlgn="ctr"/>
             <a:r>
               <a:rPr lang="en-US" dirty="0"/>
-              <a:t>Functions and </a:t>
-            </a:r>
-            <a:r>
-              <a:rPr lang="en-US" dirty="0" smtClean="0"/>
-              <a:t>Enclosures</a:t>
-            </a:r>
-          </a:p>
-          <a:p>
-            <a:pPr fontAlgn="ctr"/>
-            <a:r>
-              <a:rPr lang="en-US" dirty="0" smtClean="0"/>
-              <a:t>Anonymous </a:t>
-            </a:r>
+              <a:t>Gabrielle Crevecoeur | Technical Evangelist at Microsoft</a:t>
+            </a:r>
+            <a:endParaRPr lang="en-US" dirty="0">
+              <a:solidFill>
+                <a:srgbClr val="FF0000"/>
+              </a:solidFill>
+            </a:endParaRPr>
+          </a:p>
+          <a:p>
             <a:r>
               <a:rPr lang="en-US" dirty="0"/>
-              <a:t>functions</a:t>
-            </a:r>
-          </a:p>
-          <a:p>
-            <a:pPr fontAlgn="ctr"/>
-            <a:r>
-              <a:rPr lang="en-US" dirty="0"/>
-              <a:t>Controlling the global namespace</a:t>
-            </a:r>
-          </a:p>
-          <a:p>
-            <a:pPr fontAlgn="ctr"/>
-            <a:r>
-              <a:rPr lang="en-US" dirty="0"/>
-              <a:t>Dot and bracket notation</a:t>
-            </a:r>
-          </a:p>
-          <a:p>
-            <a:pPr fontAlgn="ctr"/>
-            <a:r>
-              <a:rPr lang="en-US" dirty="0"/>
-              <a:t>Errors and exceptions</a:t>
+              <a:t>Christopher Harrison | Senior Content Developer at Microsoft</a:t>
             </a:r>
           </a:p>
         </p:txBody>
@@ -21713,7 +22045,7 @@
     </p:spTree>
     <p:extLst>
       <p:ext uri="{BB962C8B-B14F-4D97-AF65-F5344CB8AC3E}">
-        <p14:creationId xmlns:p14="http://schemas.microsoft.com/office/powerpoint/2010/main" val="318349970"/>
+        <p14:creationId xmlns:p14="http://schemas.microsoft.com/office/powerpoint/2010/main" val="897692544"/>
       </p:ext>
     </p:extLst>
   </p:cSld>
@@ -21763,8 +22095,8 @@
           <a:lstStyle/>
           <a:p>
             <a:r>
-              <a:rPr lang="en-US" dirty="0" smtClean="0"/>
-              <a:t>Before We Get Started..</a:t>
+              <a:rPr lang="en-US" smtClean="0"/>
+              <a:t>Module Overview</a:t>
             </a:r>
             <a:endParaRPr lang="en-US" dirty="0"/>
           </a:p>
@@ -21772,7 +22104,7 @@
       </p:sp>
       <p:sp>
         <p:nvSpPr>
-          <p:cNvPr id="3" name="Content Placeholder 2"/>
+          <p:cNvPr id="7" name="Content Placeholder 6"/>
           <p:cNvSpPr>
             <a:spLocks noGrp="1"/>
           </p:cNvSpPr>
@@ -21782,27 +22114,72 @@
         </p:nvSpPr>
         <p:spPr/>
         <p:txBody>
-          <a:bodyPr/>
+          <a:bodyPr>
+            <a:normAutofit/>
+          </a:bodyPr>
           <a:lstStyle/>
           <a:p>
-            <a:r>
-              <a:rPr lang="en-US" dirty="0" smtClean="0"/>
-              <a:t>Before getting started with these modules, it is important that everyone understands how variables work differently in JavaScript </a:t>
-            </a:r>
-            <a:endParaRPr lang="en-US" dirty="0"/>
+            <a:pPr fontAlgn="ctr"/>
+            <a:r>
+              <a:rPr lang="en-US" dirty="0"/>
+              <a:t>Functions and </a:t>
+            </a:r>
+            <a:r>
+              <a:rPr lang="en-US" dirty="0" smtClean="0"/>
+              <a:t>Enclosures</a:t>
+            </a:r>
+          </a:p>
+          <a:p>
+            <a:pPr fontAlgn="ctr"/>
+            <a:r>
+              <a:rPr lang="en-US" dirty="0" smtClean="0"/>
+              <a:t>Anonymous </a:t>
+            </a:r>
+            <a:r>
+              <a:rPr lang="en-US" dirty="0"/>
+              <a:t>functions</a:t>
+            </a:r>
+          </a:p>
+          <a:p>
+            <a:pPr fontAlgn="ctr"/>
+            <a:r>
+              <a:rPr lang="en-US" dirty="0"/>
+              <a:t>Controlling the global namespace</a:t>
+            </a:r>
+          </a:p>
+          <a:p>
+            <a:pPr fontAlgn="ctr"/>
+            <a:r>
+              <a:rPr lang="en-US" dirty="0"/>
+              <a:t>Dot and bracket notation</a:t>
+            </a:r>
+          </a:p>
+          <a:p>
+            <a:pPr fontAlgn="ctr"/>
+            <a:r>
+              <a:rPr lang="en-US" dirty="0"/>
+              <a:t>Errors and exceptions</a:t>
+            </a:r>
           </a:p>
         </p:txBody>
       </p:sp>
     </p:spTree>
     <p:extLst>
       <p:ext uri="{BB962C8B-B14F-4D97-AF65-F5344CB8AC3E}">
-        <p14:creationId xmlns:p14="http://schemas.microsoft.com/office/powerpoint/2010/main" val="663946354"/>
+        <p14:creationId xmlns:p14="http://schemas.microsoft.com/office/powerpoint/2010/main" val="318349970"/>
       </p:ext>
     </p:extLst>
   </p:cSld>
   <p:clrMapOvr>
     <a:masterClrMapping/>
   </p:clrMapOvr>
+  <p:timing>
+    <p:tnLst>
+      <p:par>
+        <p:cTn id="1" dur="indefinite" restart="never" nodeType="tmRoot"/>
+      </p:par>
+    </p:tnLst>
+  </p:timing>
 </p:sld>
 </file>
 
@@ -21840,7 +22217,7 @@
           <a:p>
             <a:r>
               <a:rPr lang="en-US" dirty="0" smtClean="0"/>
-              <a:t>Scoping of Variables</a:t>
+              <a:t>Before We Get Started..</a:t>
             </a:r>
             <a:endParaRPr lang="en-US" dirty="0"/>
           </a:p>
@@ -21863,42 +22240,7 @@
           <a:p>
             <a:r>
               <a:rPr lang="en-US" dirty="0" smtClean="0"/>
-              <a:t>Variables in JavaScript are either considered to be local or global</a:t>
-            </a:r>
-          </a:p>
-          <a:p>
-            <a:r>
-              <a:rPr lang="en-US" b="1" dirty="0"/>
-              <a:t>Local Variable Scope: </a:t>
-            </a:r>
-            <a:r>
-              <a:rPr lang="en-US" dirty="0"/>
-              <a:t>local variables can only be created in a function. </a:t>
-            </a:r>
-            <a:endParaRPr lang="en-US" dirty="0" smtClean="0"/>
-          </a:p>
-          <a:p>
-            <a:r>
-              <a:rPr lang="en-US" dirty="0" smtClean="0"/>
-              <a:t>There is no such thing as block-level scope variables</a:t>
-            </a:r>
-          </a:p>
-          <a:p>
-            <a:pPr lvl="1"/>
-            <a:r>
-              <a:rPr lang="en-US" dirty="0"/>
-              <a:t>Any variables created in any other block of code (code surrounded by curly brackets) will be considered </a:t>
-            </a:r>
-            <a:r>
-              <a:rPr lang="en-US" dirty="0" smtClean="0"/>
-              <a:t>global</a:t>
-            </a:r>
-          </a:p>
-          <a:p>
-            <a:pPr lvl="1"/>
-            <a:r>
-              <a:rPr lang="en-US" dirty="0" smtClean="0"/>
-              <a:t>Example: variables that are a part of an if statement is not local to the if statement, it is considered a global variable</a:t>
+              <a:t>Before getting started with these modules, it is important that everyone understands how variables work differently in JavaScript </a:t>
             </a:r>
             <a:endParaRPr lang="en-US" dirty="0"/>
           </a:p>
@@ -21907,7 +22249,7 @@
     </p:spTree>
     <p:extLst>
       <p:ext uri="{BB962C8B-B14F-4D97-AF65-F5344CB8AC3E}">
-        <p14:creationId xmlns:p14="http://schemas.microsoft.com/office/powerpoint/2010/main" val="1047138186"/>
+        <p14:creationId xmlns:p14="http://schemas.microsoft.com/office/powerpoint/2010/main" val="663946354"/>
       </p:ext>
     </p:extLst>
   </p:cSld>
@@ -23010,6 +23352,21 @@
 </file>
 
 <file path=customXml/item1.xml><?xml version="1.0" encoding="utf-8"?>
+<?mso-contentType ?>
+<FormTemplates xmlns="http://schemas.microsoft.com/sharepoint/v3/contenttype/forms">
+  <Display>DocumentLibraryForm</Display>
+  <Edit>DocumentLibraryForm</Edit>
+  <New>DocumentLibraryForm</New>
+</FormTemplates>
+</file>
+
+<file path=customXml/item2.xml><?xml version="1.0" encoding="utf-8"?>
+<p:properties xmlns:p="http://schemas.microsoft.com/office/2006/metadata/properties" xmlns:xsi="http://www.w3.org/2001/XMLSchema-instance" xmlns:pc="http://schemas.microsoft.com/office/infopath/2007/PartnerControls">
+  <documentManagement/>
+</p:properties>
+</file>
+
+<file path=customXml/item3.xml><?xml version="1.0" encoding="utf-8"?>
 <ct:contentTypeSchema xmlns:ct="http://schemas.microsoft.com/office/2006/metadata/contentType" xmlns:ma="http://schemas.microsoft.com/office/2006/metadata/properties/metaAttributes" ct:_="" ma:_="" ma:contentTypeName="Document" ma:contentTypeID="0x010100BD9BF63586D9884E9335F37127EABBE8" ma:contentTypeVersion="1" ma:contentTypeDescription="Create a new document." ma:contentTypeScope="" ma:versionID="3b40c7f62b06f9f0cd473a069af3a91f">
   <xsd:schema xmlns:xsd="http://www.w3.org/2001/XMLSchema" xmlns:xs="http://www.w3.org/2001/XMLSchema" xmlns:p="http://schemas.microsoft.com/office/2006/metadata/properties" xmlns:ns3="e5a13ba8-98e3-4f23-a221-7ac9824aa662" targetNamespace="http://schemas.microsoft.com/office/2006/metadata/properties" ma:root="true" ma:fieldsID="4327d685be69599737fa0038b3ab671f" ns3:_="">
     <xsd:import namespace="e5a13ba8-98e3-4f23-a221-7ac9824aa662"/>
@@ -23149,35 +23506,10 @@
 </ct:contentTypeSchema>
 </file>
 
-<file path=customXml/item2.xml><?xml version="1.0" encoding="utf-8"?>
-<p:properties xmlns:p="http://schemas.microsoft.com/office/2006/metadata/properties" xmlns:xsi="http://www.w3.org/2001/XMLSchema-instance" xmlns:pc="http://schemas.microsoft.com/office/infopath/2007/PartnerControls">
-  <documentManagement/>
-</p:properties>
-</file>
-
-<file path=customXml/item3.xml><?xml version="1.0" encoding="utf-8"?>
-<?mso-contentType ?>
-<FormTemplates xmlns="http://schemas.microsoft.com/sharepoint/v3/contenttype/forms">
-  <Display>DocumentLibraryForm</Display>
-  <Edit>DocumentLibraryForm</Edit>
-  <New>DocumentLibraryForm</New>
-</FormTemplates>
-</file>
-
 <file path=customXml/itemProps1.xml><?xml version="1.0" encoding="utf-8"?>
-<ds:datastoreItem xmlns:ds="http://schemas.openxmlformats.org/officeDocument/2006/customXml" ds:itemID="{DABDB566-B5C0-42A7-A33C-2648D176B99D}">
+<ds:datastoreItem xmlns:ds="http://schemas.openxmlformats.org/officeDocument/2006/customXml" ds:itemID="{B0CA13EC-1D3C-4D6F-8D1C-E8A452CFC79A}">
   <ds:schemaRefs>
-    <ds:schemaRef ds:uri="http://schemas.microsoft.com/office/2006/metadata/contentType"/>
-    <ds:schemaRef ds:uri="http://schemas.microsoft.com/office/2006/metadata/properties/metaAttributes"/>
-    <ds:schemaRef ds:uri="http://www.w3.org/2001/XMLSchema"/>
-    <ds:schemaRef ds:uri="http://schemas.microsoft.com/office/2006/metadata/properties"/>
-    <ds:schemaRef ds:uri="e5a13ba8-98e3-4f23-a221-7ac9824aa662"/>
-    <ds:schemaRef ds:uri="http://schemas.microsoft.com/office/2006/documentManagement/types"/>
-    <ds:schemaRef ds:uri="http://schemas.microsoft.com/office/infopath/2007/PartnerControls"/>
-    <ds:schemaRef ds:uri="http://schemas.openxmlformats.org/package/2006/metadata/core-properties"/>
-    <ds:schemaRef ds:uri="http://purl.org/dc/elements/1.1/"/>
-    <ds:schemaRef ds:uri="http://purl.org/dc/terms/"/>
-    <ds:schemaRef ds:uri="http://schemas.microsoft.com/internal/obd"/>
+    <ds:schemaRef ds:uri="http://schemas.microsoft.com/sharepoint/v3/contenttype/forms"/>
   </ds:schemaRefs>
 </ds:datastoreItem>
 </file>
@@ -23199,9 +23531,19 @@
 </file>
 
 <file path=customXml/itemProps3.xml><?xml version="1.0" encoding="utf-8"?>
-<ds:datastoreItem xmlns:ds="http://schemas.openxmlformats.org/officeDocument/2006/customXml" ds:itemID="{B0CA13EC-1D3C-4D6F-8D1C-E8A452CFC79A}">
+<ds:datastoreItem xmlns:ds="http://schemas.openxmlformats.org/officeDocument/2006/customXml" ds:itemID="{DABDB566-B5C0-42A7-A33C-2648D176B99D}">
   <ds:schemaRefs>
-    <ds:schemaRef ds:uri="http://schemas.microsoft.com/sharepoint/v3/contenttype/forms"/>
+    <ds:schemaRef ds:uri="http://schemas.microsoft.com/office/2006/metadata/contentType"/>
+    <ds:schemaRef ds:uri="http://schemas.microsoft.com/office/2006/metadata/properties/metaAttributes"/>
+    <ds:schemaRef ds:uri="http://www.w3.org/2001/XMLSchema"/>
+    <ds:schemaRef ds:uri="http://schemas.microsoft.com/office/2006/metadata/properties"/>
+    <ds:schemaRef ds:uri="e5a13ba8-98e3-4f23-a221-7ac9824aa662"/>
+    <ds:schemaRef ds:uri="http://schemas.microsoft.com/office/2006/documentManagement/types"/>
+    <ds:schemaRef ds:uri="http://schemas.microsoft.com/office/infopath/2007/PartnerControls"/>
+    <ds:schemaRef ds:uri="http://schemas.openxmlformats.org/package/2006/metadata/core-properties"/>
+    <ds:schemaRef ds:uri="http://purl.org/dc/elements/1.1/"/>
+    <ds:schemaRef ds:uri="http://purl.org/dc/terms/"/>
+    <ds:schemaRef ds:uri="http://schemas.microsoft.com/internal/obd"/>
   </ds:schemaRefs>
 </ds:datastoreItem>
 </file>
--- a/Slides/Module 1 -Getting Started With JavaScript.pptx
+++ b/Slides/Module 1 -Getting Started With JavaScript.pptx
@@ -6,10 +6,10 @@
     <p:sldMasterId id="2147483679" r:id="rId5"/>
   </p:sldMasterIdLst>
   <p:notesMasterIdLst>
-    <p:notesMasterId r:id="rId40"/>
+    <p:notesMasterId r:id="rId41"/>
   </p:notesMasterIdLst>
   <p:handoutMasterIdLst>
-    <p:handoutMasterId r:id="rId41"/>
+    <p:handoutMasterId r:id="rId42"/>
   </p:handoutMasterIdLst>
   <p:sldIdLst>
     <p:sldId id="271" r:id="rId6"/>
@@ -44,8 +44,9 @@
     <p:sldId id="326" r:id="rId35"/>
     <p:sldId id="327" r:id="rId36"/>
     <p:sldId id="328" r:id="rId37"/>
-    <p:sldId id="286" r:id="rId38"/>
-    <p:sldId id="269" r:id="rId39"/>
+    <p:sldId id="329" r:id="rId38"/>
+    <p:sldId id="286" r:id="rId39"/>
+    <p:sldId id="269" r:id="rId40"/>
   </p:sldIdLst>
   <p:sldSz cx="12192000" cy="6858000"/>
   <p:notesSz cx="6858000" cy="9144000"/>
@@ -213,6 +214,7 @@
             <p14:sldId id="326"/>
             <p14:sldId id="327"/>
             <p14:sldId id="328"/>
+            <p14:sldId id="329"/>
           </p14:sldIdLst>
         </p14:section>
         <p14:section name="Summary" id="{4292E653-E0D1-474E-9B1E-023385F76563}">
@@ -315,7 +317,7 @@
           <a:p>
             <a:fld id="{312E7B4A-039C-48A2-9B2C-AF16AA3873D8}" type="datetimeFigureOut">
               <a:rPr lang="en-US" smtClean="0"/>
-              <a:t>10/23/2015</a:t>
+              <a:t>10/25/2015</a:t>
             </a:fld>
             <a:endParaRPr lang="en-US"/>
           </a:p>
@@ -480,7 +482,7 @@
           <a:p>
             <a:fld id="{DA005A0C-54D9-45AA-87D4-C551D08DFCE1}" type="datetimeFigureOut">
               <a:rPr lang="en-US" smtClean="0"/>
-              <a:t>10/23/2015</a:t>
+              <a:t>10/25/2015</a:t>
             </a:fld>
             <a:endParaRPr lang="en-US"/>
           </a:p>
@@ -879,17 +881,10 @@
         </p:nvSpPr>
         <p:spPr/>
         <p:txBody>
-          <a:bodyPr>
-            <a:noAutofit/>
-          </a:bodyPr>
+          <a:bodyPr/>
           <a:lstStyle/>
           <a:p>
-            <a:endParaRPr lang="en-GB" dirty="0">
-              <a:solidFill>
-                <a:schemeClr val="tx2"/>
-              </a:solidFill>
-              <a:latin typeface="Segoe" pitchFamily="34" charset="0"/>
-            </a:endParaRPr>
+            <a:endParaRPr lang="en-US" dirty="0"/>
           </a:p>
         </p:txBody>
       </p:sp>
@@ -908,10 +903,101 @@
           <a:bodyPr/>
           <a:lstStyle/>
           <a:p>
+            <a:fld id="{4CFD207A-07DF-40AD-A916-9872E089CE7A}" type="slidenum">
+              <a:rPr lang="en-US" smtClean="0"/>
+              <a:t>33</a:t>
+            </a:fld>
+            <a:endParaRPr lang="en-US"/>
+          </a:p>
+        </p:txBody>
+      </p:sp>
+    </p:spTree>
+    <p:extLst>
+      <p:ext uri="{BB962C8B-B14F-4D97-AF65-F5344CB8AC3E}">
+        <p14:creationId xmlns:p14="http://schemas.microsoft.com/office/powerpoint/2010/main" val="2327281136"/>
+      </p:ext>
+    </p:extLst>
+  </p:cSld>
+  <p:clrMapOvr>
+    <a:masterClrMapping/>
+  </p:clrMapOvr>
+</p:notes>
+</file>
+
+<file path=ppt/notesSlides/notesSlide11.xml><?xml version="1.0" encoding="utf-8"?>
+<p:notes xmlns:a="http://schemas.openxmlformats.org/drawingml/2006/main" xmlns:r="http://schemas.openxmlformats.org/officeDocument/2006/relationships" xmlns:p="http://schemas.openxmlformats.org/presentationml/2006/main">
+  <p:cSld>
+    <p:spTree>
+      <p:nvGrpSpPr>
+        <p:cNvPr id="1" name=""/>
+        <p:cNvGrpSpPr/>
+        <p:nvPr/>
+      </p:nvGrpSpPr>
+      <p:grpSpPr>
+        <a:xfrm>
+          <a:off x="0" y="0"/>
+          <a:ext cx="0" cy="0"/>
+          <a:chOff x="0" y="0"/>
+          <a:chExt cx="0" cy="0"/>
+        </a:xfrm>
+      </p:grpSpPr>
+      <p:sp>
+        <p:nvSpPr>
+          <p:cNvPr id="2" name="Slide Image Placeholder 1"/>
+          <p:cNvSpPr>
+            <a:spLocks noGrp="1" noRot="1" noChangeAspect="1"/>
+          </p:cNvSpPr>
+          <p:nvPr>
+            <p:ph type="sldImg"/>
+          </p:nvPr>
+        </p:nvSpPr>
+        <p:spPr/>
+      </p:sp>
+      <p:sp>
+        <p:nvSpPr>
+          <p:cNvPr id="3" name="Notes Placeholder 2"/>
+          <p:cNvSpPr>
+            <a:spLocks noGrp="1"/>
+          </p:cNvSpPr>
+          <p:nvPr>
+            <p:ph type="body" idx="1"/>
+          </p:nvPr>
+        </p:nvSpPr>
+        <p:spPr/>
+        <p:txBody>
+          <a:bodyPr>
+            <a:noAutofit/>
+          </a:bodyPr>
+          <a:lstStyle/>
+          <a:p>
+            <a:endParaRPr lang="en-GB" dirty="0">
+              <a:solidFill>
+                <a:schemeClr val="tx2"/>
+              </a:solidFill>
+              <a:latin typeface="Segoe" pitchFamily="34" charset="0"/>
+            </a:endParaRPr>
+          </a:p>
+        </p:txBody>
+      </p:sp>
+      <p:sp>
+        <p:nvSpPr>
+          <p:cNvPr id="4" name="Slide Number Placeholder 3"/>
+          <p:cNvSpPr>
+            <a:spLocks noGrp="1"/>
+          </p:cNvSpPr>
+          <p:nvPr>
+            <p:ph type="sldNum" sz="quarter" idx="10"/>
+          </p:nvPr>
+        </p:nvSpPr>
+        <p:spPr/>
+        <p:txBody>
+          <a:bodyPr/>
+          <a:lstStyle/>
+          <a:p>
             <a:fld id="{13F0F35F-DD44-4607-AEC1-49D7A4BC4066}" type="slidenum">
               <a:rPr lang="en-US" smtClean="0"/>
               <a:pPr/>
-              <a:t>33</a:t>
+              <a:t>34</a:t>
             </a:fld>
             <a:endParaRPr lang="en-US" dirty="0"/>
           </a:p>
@@ -20770,6 +20856,78 @@
       </p:grpSpPr>
       <p:sp>
         <p:nvSpPr>
+          <p:cNvPr id="4" name="Subtitle 3"/>
+          <p:cNvSpPr>
+            <a:spLocks noGrp="1"/>
+          </p:cNvSpPr>
+          <p:nvPr>
+            <p:ph type="subTitle" idx="1"/>
+          </p:nvPr>
+        </p:nvSpPr>
+        <p:spPr/>
+        <p:txBody>
+          <a:bodyPr/>
+          <a:lstStyle/>
+          <a:p>
+            <a:endParaRPr lang="en-US"/>
+          </a:p>
+        </p:txBody>
+      </p:sp>
+      <p:sp>
+        <p:nvSpPr>
+          <p:cNvPr id="3" name="Title 2"/>
+          <p:cNvSpPr>
+            <a:spLocks noGrp="1"/>
+          </p:cNvSpPr>
+          <p:nvPr>
+            <p:ph type="ctrTitle"/>
+          </p:nvPr>
+        </p:nvSpPr>
+        <p:spPr/>
+        <p:txBody>
+          <a:bodyPr/>
+          <a:lstStyle/>
+          <a:p>
+            <a:r>
+              <a:rPr lang="en-US" dirty="0" smtClean="0"/>
+              <a:t>Into to jQuery</a:t>
+            </a:r>
+            <a:endParaRPr lang="en-US" dirty="0"/>
+          </a:p>
+        </p:txBody>
+      </p:sp>
+    </p:spTree>
+    <p:extLst>
+      <p:ext uri="{BB962C8B-B14F-4D97-AF65-F5344CB8AC3E}">
+        <p14:creationId xmlns:p14="http://schemas.microsoft.com/office/powerpoint/2010/main" val="3866116265"/>
+      </p:ext>
+    </p:extLst>
+  </p:cSld>
+  <p:clrMapOvr>
+    <a:masterClrMapping/>
+  </p:clrMapOvr>
+</p:sld>
+</file>
+
+<file path=ppt/slides/slide34.xml><?xml version="1.0" encoding="utf-8"?>
+<p:sld xmlns:a="http://schemas.openxmlformats.org/drawingml/2006/main" xmlns:r="http://schemas.openxmlformats.org/officeDocument/2006/relationships" xmlns:p="http://schemas.openxmlformats.org/presentationml/2006/main">
+  <p:cSld>
+    <p:spTree>
+      <p:nvGrpSpPr>
+        <p:cNvPr id="1" name=""/>
+        <p:cNvGrpSpPr/>
+        <p:nvPr/>
+      </p:nvGrpSpPr>
+      <p:grpSpPr>
+        <a:xfrm>
+          <a:off x="0" y="0"/>
+          <a:ext cx="0" cy="0"/>
+          <a:chOff x="0" y="0"/>
+          <a:chExt cx="0" cy="0"/>
+        </a:xfrm>
+      </p:grpSpPr>
+      <p:sp>
+        <p:nvSpPr>
           <p:cNvPr id="2" name="Title 1"/>
           <p:cNvSpPr>
             <a:spLocks noGrp="1"/>
@@ -20854,7 +21012,7 @@
 </p:sld>
 </file>
 
-<file path=ppt/slides/slide34.xml><?xml version="1.0" encoding="utf-8"?>
+<file path=ppt/slides/slide35.xml><?xml version="1.0" encoding="utf-8"?>
 <p:sld xmlns:a="http://schemas.openxmlformats.org/drawingml/2006/main" xmlns:r="http://schemas.openxmlformats.org/officeDocument/2006/relationships" xmlns:p="http://schemas.openxmlformats.org/presentationml/2006/main">
   <p:cSld>
     <p:spTree>
@@ -21294,14 +21452,21 @@
                           <a:latin typeface="Segoe UI Light" panose="020B0502040204020203" pitchFamily="34" charset="0"/>
                           <a:cs typeface="Segoe UI Light" panose="020B0502040204020203" pitchFamily="34" charset="0"/>
                         </a:rPr>
-                        <a:t>02 | </a:t>
+                        <a:t>02 </a:t>
                       </a:r>
                       <a:r>
-                        <a:rPr lang="en-US" sz="2400" baseline="0" dirty="0" smtClean="0">
+                        <a:rPr lang="en-US" sz="2400" smtClean="0">
                           <a:latin typeface="Segoe UI Light" panose="020B0502040204020203" pitchFamily="34" charset="0"/>
                           <a:cs typeface="Segoe UI Light" panose="020B0502040204020203" pitchFamily="34" charset="0"/>
                         </a:rPr>
-                        <a:t>Creating Objects</a:t>
+                        <a:t>| </a:t>
+                      </a:r>
+                      <a:r>
+                        <a:rPr lang="en-US" sz="2400" baseline="0" smtClean="0">
+                          <a:latin typeface="Segoe UI Light" panose="020B0502040204020203" pitchFamily="34" charset="0"/>
+                          <a:cs typeface="Segoe UI Light" panose="020B0502040204020203" pitchFamily="34" charset="0"/>
+                        </a:rPr>
+                        <a:t>Object Orientated Programming </a:t>
                       </a:r>
                       <a:endParaRPr lang="en-US" sz="2400" dirty="0">
                         <a:latin typeface="Segoe UI Light" panose="020B0502040204020203" pitchFamily="34" charset="0"/>

--- a/Slides/Module 1 -Getting Started With JavaScript.pptx
+++ b/Slides/Module 1 -Getting Started With JavaScript.pptx
@@ -317,7 +317,7 @@
           <a:p>
             <a:fld id="{312E7B4A-039C-48A2-9B2C-AF16AA3873D8}" type="datetimeFigureOut">
               <a:rPr lang="en-US" smtClean="0"/>
-              <a:t>10/25/2015</a:t>
+              <a:t>10/26/2015</a:t>
             </a:fld>
             <a:endParaRPr lang="en-US"/>
           </a:p>
@@ -482,7 +482,7 @@
           <a:p>
             <a:fld id="{DA005A0C-54D9-45AA-87D4-C551D08DFCE1}" type="datetimeFigureOut">
               <a:rPr lang="en-US" smtClean="0"/>
-              <a:t>10/25/2015</a:t>
+              <a:t>10/26/2015</a:t>
             </a:fld>
             <a:endParaRPr lang="en-US"/>
           </a:p>
@@ -23175,6 +23175,12 @@
 </file>
 
 <file path=customXml/item1.xml><?xml version="1.0" encoding="utf-8"?>
+<p:properties xmlns:p="http://schemas.microsoft.com/office/2006/metadata/properties" xmlns:xsi="http://www.w3.org/2001/XMLSchema-instance" xmlns:pc="http://schemas.microsoft.com/office/infopath/2007/PartnerControls">
+  <documentManagement/>
+</p:properties>
+</file>
+
+<file path=customXml/item2.xml><?xml version="1.0" encoding="utf-8"?>
 <ct:contentTypeSchema xmlns:ct="http://schemas.microsoft.com/office/2006/metadata/contentType" xmlns:ma="http://schemas.microsoft.com/office/2006/metadata/properties/metaAttributes" ct:_="" ma:_="" ma:contentTypeName="Document" ma:contentTypeID="0x010100BD9BF63586D9884E9335F37127EABBE8" ma:contentTypeVersion="1" ma:contentTypeDescription="Create a new document." ma:contentTypeScope="" ma:versionID="3b40c7f62b06f9f0cd473a069af3a91f">
   <xsd:schema xmlns:xsd="http://www.w3.org/2001/XMLSchema" xmlns:xs="http://www.w3.org/2001/XMLSchema" xmlns:p="http://schemas.microsoft.com/office/2006/metadata/properties" xmlns:ns3="e5a13ba8-98e3-4f23-a221-7ac9824aa662" targetNamespace="http://schemas.microsoft.com/office/2006/metadata/properties" ma:root="true" ma:fieldsID="4327d685be69599737fa0038b3ab671f" ns3:_="">
     <xsd:import namespace="e5a13ba8-98e3-4f23-a221-7ac9824aa662"/>
@@ -23314,12 +23320,6 @@
 </ct:contentTypeSchema>
 </file>
 
-<file path=customXml/item2.xml><?xml version="1.0" encoding="utf-8"?>
-<p:properties xmlns:p="http://schemas.microsoft.com/office/2006/metadata/properties" xmlns:xsi="http://www.w3.org/2001/XMLSchema-instance" xmlns:pc="http://schemas.microsoft.com/office/infopath/2007/PartnerControls">
-  <documentManagement/>
-</p:properties>
-</file>
-
 <file path=customXml/item3.xml><?xml version="1.0" encoding="utf-8"?>
 <?mso-contentType ?>
 <FormTemplates xmlns="http://schemas.microsoft.com/sharepoint/v3/contenttype/forms">
@@ -23330,6 +23330,22 @@
 </file>
 
 <file path=customXml/itemProps1.xml><?xml version="1.0" encoding="utf-8"?>
+<ds:datastoreItem xmlns:ds="http://schemas.openxmlformats.org/officeDocument/2006/customXml" ds:itemID="{7025FDD9-4C58-4084-9F89-0E6ADD6FFF55}">
+  <ds:schemaRefs>
+    <ds:schemaRef ds:uri="http://purl.org/dc/dcmitype/"/>
+    <ds:schemaRef ds:uri="http://purl.org/dc/elements/1.1/"/>
+    <ds:schemaRef ds:uri="http://schemas.microsoft.com/office/infopath/2007/PartnerControls"/>
+    <ds:schemaRef ds:uri="http://schemas.microsoft.com/office/2006/metadata/properties"/>
+    <ds:schemaRef ds:uri="http://schemas.microsoft.com/office/2006/documentManagement/types"/>
+    <ds:schemaRef ds:uri="http://schemas.openxmlformats.org/package/2006/metadata/core-properties"/>
+    <ds:schemaRef ds:uri="e5a13ba8-98e3-4f23-a221-7ac9824aa662"/>
+    <ds:schemaRef ds:uri="http://www.w3.org/XML/1998/namespace"/>
+    <ds:schemaRef ds:uri="http://purl.org/dc/terms/"/>
+  </ds:schemaRefs>
+</ds:datastoreItem>
+</file>
+
+<file path=customXml/itemProps2.xml><?xml version="1.0" encoding="utf-8"?>
 <ds:datastoreItem xmlns:ds="http://schemas.openxmlformats.org/officeDocument/2006/customXml" ds:itemID="{DABDB566-B5C0-42A7-A33C-2648D176B99D}">
   <ds:schemaRefs>
     <ds:schemaRef ds:uri="http://schemas.microsoft.com/office/2006/metadata/contentType"/>
@@ -23347,22 +23363,6 @@
 </ds:datastoreItem>
 </file>
 
-<file path=customXml/itemProps2.xml><?xml version="1.0" encoding="utf-8"?>
-<ds:datastoreItem xmlns:ds="http://schemas.openxmlformats.org/officeDocument/2006/customXml" ds:itemID="{7025FDD9-4C58-4084-9F89-0E6ADD6FFF55}">
-  <ds:schemaRefs>
-    <ds:schemaRef ds:uri="http://purl.org/dc/dcmitype/"/>
-    <ds:schemaRef ds:uri="http://purl.org/dc/elements/1.1/"/>
-    <ds:schemaRef ds:uri="http://schemas.microsoft.com/office/infopath/2007/PartnerControls"/>
-    <ds:schemaRef ds:uri="http://schemas.microsoft.com/office/2006/metadata/properties"/>
-    <ds:schemaRef ds:uri="http://schemas.microsoft.com/office/2006/documentManagement/types"/>
-    <ds:schemaRef ds:uri="http://schemas.openxmlformats.org/package/2006/metadata/core-properties"/>
-    <ds:schemaRef ds:uri="e5a13ba8-98e3-4f23-a221-7ac9824aa662"/>
-    <ds:schemaRef ds:uri="http://www.w3.org/XML/1998/namespace"/>
-    <ds:schemaRef ds:uri="http://purl.org/dc/terms/"/>
-  </ds:schemaRefs>
-</ds:datastoreItem>
-</file>
-
 <file path=customXml/itemProps3.xml><?xml version="1.0" encoding="utf-8"?>
 <ds:datastoreItem xmlns:ds="http://schemas.openxmlformats.org/officeDocument/2006/customXml" ds:itemID="{B0CA13EC-1D3C-4D6F-8D1C-E8A452CFC79A}">
   <ds:schemaRefs>

--- a/Slides/Module 1 -Getting Started With JavaScript.pptx
+++ b/Slides/Module 1 -Getting Started With JavaScript.pptx
@@ -6,10 +6,10 @@
     <p:sldMasterId id="2147483679" r:id="rId5"/>
   </p:sldMasterIdLst>
   <p:notesMasterIdLst>
-    <p:notesMasterId r:id="rId41"/>
+    <p:notesMasterId r:id="rId45"/>
   </p:notesMasterIdLst>
   <p:handoutMasterIdLst>
-    <p:handoutMasterId r:id="rId42"/>
+    <p:handoutMasterId r:id="rId46"/>
   </p:handoutMasterIdLst>
   <p:sldIdLst>
     <p:sldId id="271" r:id="rId6"/>
@@ -20,33 +20,37 @@
     <p:sldId id="274" r:id="rId11"/>
     <p:sldId id="277" r:id="rId12"/>
     <p:sldId id="278" r:id="rId13"/>
-    <p:sldId id="312" r:id="rId14"/>
-    <p:sldId id="313" r:id="rId15"/>
-    <p:sldId id="314" r:id="rId16"/>
-    <p:sldId id="315" r:id="rId17"/>
-    <p:sldId id="285" r:id="rId18"/>
-    <p:sldId id="289" r:id="rId19"/>
-    <p:sldId id="316" r:id="rId20"/>
-    <p:sldId id="320" r:id="rId21"/>
-    <p:sldId id="293" r:id="rId22"/>
-    <p:sldId id="311" r:id="rId23"/>
-    <p:sldId id="302" r:id="rId24"/>
-    <p:sldId id="288" r:id="rId25"/>
-    <p:sldId id="308" r:id="rId26"/>
-    <p:sldId id="291" r:id="rId27"/>
-    <p:sldId id="317" r:id="rId28"/>
-    <p:sldId id="318" r:id="rId29"/>
-    <p:sldId id="319" r:id="rId30"/>
-    <p:sldId id="321" r:id="rId31"/>
-    <p:sldId id="309" r:id="rId32"/>
-    <p:sldId id="322" r:id="rId33"/>
-    <p:sldId id="324" r:id="rId34"/>
-    <p:sldId id="325" r:id="rId35"/>
-    <p:sldId id="326" r:id="rId36"/>
-    <p:sldId id="327" r:id="rId37"/>
-    <p:sldId id="328" r:id="rId38"/>
-    <p:sldId id="286" r:id="rId39"/>
-    <p:sldId id="269" r:id="rId40"/>
+    <p:sldId id="335" r:id="rId14"/>
+    <p:sldId id="337" r:id="rId15"/>
+    <p:sldId id="312" r:id="rId16"/>
+    <p:sldId id="313" r:id="rId17"/>
+    <p:sldId id="314" r:id="rId18"/>
+    <p:sldId id="315" r:id="rId19"/>
+    <p:sldId id="285" r:id="rId20"/>
+    <p:sldId id="289" r:id="rId21"/>
+    <p:sldId id="316" r:id="rId22"/>
+    <p:sldId id="320" r:id="rId23"/>
+    <p:sldId id="293" r:id="rId24"/>
+    <p:sldId id="311" r:id="rId25"/>
+    <p:sldId id="302" r:id="rId26"/>
+    <p:sldId id="288" r:id="rId27"/>
+    <p:sldId id="331" r:id="rId28"/>
+    <p:sldId id="332" r:id="rId29"/>
+    <p:sldId id="334" r:id="rId30"/>
+    <p:sldId id="308" r:id="rId31"/>
+    <p:sldId id="291" r:id="rId32"/>
+    <p:sldId id="317" r:id="rId33"/>
+    <p:sldId id="318" r:id="rId34"/>
+    <p:sldId id="319" r:id="rId35"/>
+    <p:sldId id="321" r:id="rId36"/>
+    <p:sldId id="322" r:id="rId37"/>
+    <p:sldId id="324" r:id="rId38"/>
+    <p:sldId id="325" r:id="rId39"/>
+    <p:sldId id="326" r:id="rId40"/>
+    <p:sldId id="327" r:id="rId41"/>
+    <p:sldId id="328" r:id="rId42"/>
+    <p:sldId id="286" r:id="rId43"/>
+    <p:sldId id="269" r:id="rId44"/>
   </p:sldIdLst>
   <p:sldSz cx="12192000" cy="6858000"/>
   <p:notesSz cx="6858000" cy="9144000"/>
@@ -170,6 +174,8 @@
           <p14:sldIdLst>
             <p14:sldId id="277"/>
             <p14:sldId id="278"/>
+            <p14:sldId id="335"/>
+            <p14:sldId id="337"/>
           </p14:sldIdLst>
         </p14:section>
         <p14:section name="Quick Review" id="{6824E6F4-EDC3-42AC-89F9-FAA2F7C2AADD}">
@@ -192,6 +198,13 @@
             <p14:sldId id="288"/>
           </p14:sldIdLst>
         </p14:section>
+        <p14:section name="Intro to jQuery" id="{2AA925C7-D0ED-47A1-9C0A-14F44116799C}">
+          <p14:sldIdLst>
+            <p14:sldId id="331"/>
+            <p14:sldId id="332"/>
+            <p14:sldId id="334"/>
+          </p14:sldIdLst>
+        </p14:section>
         <p14:section name="Anonymous Functions" id="{3E75E8C3-6D19-4C22-907E-C6FAD2EB3E07}">
           <p14:sldIdLst>
             <p14:sldId id="308"/>
@@ -200,11 +213,6 @@
             <p14:sldId id="318"/>
             <p14:sldId id="319"/>
             <p14:sldId id="321"/>
-          </p14:sldIdLst>
-        </p14:section>
-        <p14:section name="Global Namespace" id="{244333BB-9C2D-46FD-8A71-333F0EBD431F}">
-          <p14:sldIdLst>
-            <p14:sldId id="309"/>
           </p14:sldIdLst>
         </p14:section>
         <p14:section name="Errors and Exceptiosn" id="{FD277E74-2AEB-DC42-B14A-0B5051B258EE}">
@@ -881,17 +889,10 @@
         </p:nvSpPr>
         <p:spPr/>
         <p:txBody>
-          <a:bodyPr>
-            <a:noAutofit/>
-          </a:bodyPr>
+          <a:bodyPr/>
           <a:lstStyle/>
           <a:p>
-            <a:endParaRPr lang="en-GB" dirty="0">
-              <a:solidFill>
-                <a:schemeClr val="tx2"/>
-              </a:solidFill>
-              <a:latin typeface="Segoe" pitchFamily="34" charset="0"/>
-            </a:endParaRPr>
+            <a:endParaRPr lang="en-US" dirty="0"/>
           </a:p>
         </p:txBody>
       </p:sp>
@@ -910,10 +911,601 @@
           <a:bodyPr/>
           <a:lstStyle/>
           <a:p>
+            <a:fld id="{4CFD207A-07DF-40AD-A916-9872E089CE7A}" type="slidenum">
+              <a:rPr lang="en-US" smtClean="0"/>
+              <a:t>19</a:t>
+            </a:fld>
+            <a:endParaRPr lang="en-US"/>
+          </a:p>
+        </p:txBody>
+      </p:sp>
+    </p:spTree>
+    <p:extLst>
+      <p:ext uri="{BB962C8B-B14F-4D97-AF65-F5344CB8AC3E}">
+        <p14:creationId xmlns:p14="http://schemas.microsoft.com/office/powerpoint/2010/main" val="2233758877"/>
+      </p:ext>
+    </p:extLst>
+  </p:cSld>
+  <p:clrMapOvr>
+    <a:masterClrMapping/>
+  </p:clrMapOvr>
+</p:notes>
+</file>
+
+<file path=ppt/notesSlides/notesSlide11.xml><?xml version="1.0" encoding="utf-8"?>
+<p:notes xmlns:a="http://schemas.openxmlformats.org/drawingml/2006/main" xmlns:r="http://schemas.openxmlformats.org/officeDocument/2006/relationships" xmlns:p="http://schemas.openxmlformats.org/presentationml/2006/main">
+  <p:cSld>
+    <p:spTree>
+      <p:nvGrpSpPr>
+        <p:cNvPr id="1" name=""/>
+        <p:cNvGrpSpPr/>
+        <p:nvPr/>
+      </p:nvGrpSpPr>
+      <p:grpSpPr>
+        <a:xfrm>
+          <a:off x="0" y="0"/>
+          <a:ext cx="0" cy="0"/>
+          <a:chOff x="0" y="0"/>
+          <a:chExt cx="0" cy="0"/>
+        </a:xfrm>
+      </p:grpSpPr>
+      <p:sp>
+        <p:nvSpPr>
+          <p:cNvPr id="2" name="Slide Image Placeholder 1"/>
+          <p:cNvSpPr>
+            <a:spLocks noGrp="1" noRot="1" noChangeAspect="1"/>
+          </p:cNvSpPr>
+          <p:nvPr>
+            <p:ph type="sldImg"/>
+          </p:nvPr>
+        </p:nvSpPr>
+        <p:spPr/>
+      </p:sp>
+      <p:sp>
+        <p:nvSpPr>
+          <p:cNvPr id="3" name="Notes Placeholder 2"/>
+          <p:cNvSpPr>
+            <a:spLocks noGrp="1"/>
+          </p:cNvSpPr>
+          <p:nvPr>
+            <p:ph type="body" idx="1"/>
+          </p:nvPr>
+        </p:nvSpPr>
+        <p:spPr/>
+        <p:txBody>
+          <a:bodyPr/>
+          <a:lstStyle/>
+          <a:p>
+            <a:r>
+              <a:rPr lang="en-US" dirty="0" smtClean="0"/>
+              <a:t>Steps:</a:t>
+            </a:r>
+          </a:p>
+          <a:p>
+            <a:endParaRPr lang="en-US" dirty="0" smtClean="0"/>
+          </a:p>
+          <a:p>
+            <a:r>
+              <a:rPr lang="en-US" baseline="0" dirty="0" err="1" smtClean="0"/>
+              <a:t>npm</a:t>
+            </a:r>
+            <a:r>
+              <a:rPr lang="en-US" baseline="0" dirty="0" smtClean="0"/>
+              <a:t> </a:t>
+            </a:r>
+            <a:r>
+              <a:rPr lang="en-US" baseline="0" dirty="0" err="1" smtClean="0"/>
+              <a:t>init</a:t>
+            </a:r>
+            <a:endParaRPr lang="en-US" baseline="0" dirty="0" smtClean="0"/>
+          </a:p>
+          <a:p>
+            <a:endParaRPr lang="en-US" dirty="0"/>
+          </a:p>
+        </p:txBody>
+      </p:sp>
+      <p:sp>
+        <p:nvSpPr>
+          <p:cNvPr id="4" name="Slide Number Placeholder 3"/>
+          <p:cNvSpPr>
+            <a:spLocks noGrp="1"/>
+          </p:cNvSpPr>
+          <p:nvPr>
+            <p:ph type="sldNum" sz="quarter" idx="10"/>
+          </p:nvPr>
+        </p:nvSpPr>
+        <p:spPr/>
+        <p:txBody>
+          <a:bodyPr/>
+          <a:lstStyle/>
+          <a:p>
+            <a:fld id="{4CFD207A-07DF-40AD-A916-9872E089CE7A}" type="slidenum">
+              <a:rPr lang="en-US" smtClean="0"/>
+              <a:t>22</a:t>
+            </a:fld>
+            <a:endParaRPr lang="en-US"/>
+          </a:p>
+        </p:txBody>
+      </p:sp>
+    </p:spTree>
+    <p:extLst>
+      <p:ext uri="{BB962C8B-B14F-4D97-AF65-F5344CB8AC3E}">
+        <p14:creationId xmlns:p14="http://schemas.microsoft.com/office/powerpoint/2010/main" val="3295802257"/>
+      </p:ext>
+    </p:extLst>
+  </p:cSld>
+  <p:clrMapOvr>
+    <a:masterClrMapping/>
+  </p:clrMapOvr>
+</p:notes>
+</file>
+
+<file path=ppt/notesSlides/notesSlide12.xml><?xml version="1.0" encoding="utf-8"?>
+<p:notes xmlns:a="http://schemas.openxmlformats.org/drawingml/2006/main" xmlns:r="http://schemas.openxmlformats.org/officeDocument/2006/relationships" xmlns:p="http://schemas.openxmlformats.org/presentationml/2006/main">
+  <p:cSld>
+    <p:spTree>
+      <p:nvGrpSpPr>
+        <p:cNvPr id="1" name=""/>
+        <p:cNvGrpSpPr/>
+        <p:nvPr/>
+      </p:nvGrpSpPr>
+      <p:grpSpPr>
+        <a:xfrm>
+          <a:off x="0" y="0"/>
+          <a:ext cx="0" cy="0"/>
+          <a:chOff x="0" y="0"/>
+          <a:chExt cx="0" cy="0"/>
+        </a:xfrm>
+      </p:grpSpPr>
+      <p:sp>
+        <p:nvSpPr>
+          <p:cNvPr id="2" name="Slide Image Placeholder 1"/>
+          <p:cNvSpPr>
+            <a:spLocks noGrp="1" noRot="1" noChangeAspect="1"/>
+          </p:cNvSpPr>
+          <p:nvPr>
+            <p:ph type="sldImg"/>
+          </p:nvPr>
+        </p:nvSpPr>
+        <p:spPr/>
+      </p:sp>
+      <p:sp>
+        <p:nvSpPr>
+          <p:cNvPr id="3" name="Notes Placeholder 2"/>
+          <p:cNvSpPr>
+            <a:spLocks noGrp="1"/>
+          </p:cNvSpPr>
+          <p:nvPr>
+            <p:ph type="body" idx="1"/>
+          </p:nvPr>
+        </p:nvSpPr>
+        <p:spPr/>
+        <p:txBody>
+          <a:bodyPr/>
+          <a:lstStyle/>
+          <a:p>
+            <a:endParaRPr lang="en-US" dirty="0"/>
+          </a:p>
+        </p:txBody>
+      </p:sp>
+      <p:sp>
+        <p:nvSpPr>
+          <p:cNvPr id="4" name="Slide Number Placeholder 3"/>
+          <p:cNvSpPr>
+            <a:spLocks noGrp="1"/>
+          </p:cNvSpPr>
+          <p:nvPr>
+            <p:ph type="sldNum" sz="quarter" idx="10"/>
+          </p:nvPr>
+        </p:nvSpPr>
+        <p:spPr/>
+        <p:txBody>
+          <a:bodyPr/>
+          <a:lstStyle/>
+          <a:p>
+            <a:fld id="{4CFD207A-07DF-40AD-A916-9872E089CE7A}" type="slidenum">
+              <a:rPr lang="en-US" smtClean="0"/>
+              <a:t>23</a:t>
+            </a:fld>
+            <a:endParaRPr lang="en-US"/>
+          </a:p>
+        </p:txBody>
+      </p:sp>
+    </p:spTree>
+    <p:extLst>
+      <p:ext uri="{BB962C8B-B14F-4D97-AF65-F5344CB8AC3E}">
+        <p14:creationId xmlns:p14="http://schemas.microsoft.com/office/powerpoint/2010/main" val="3021448179"/>
+      </p:ext>
+    </p:extLst>
+  </p:cSld>
+  <p:clrMapOvr>
+    <a:masterClrMapping/>
+  </p:clrMapOvr>
+</p:notes>
+</file>
+
+<file path=ppt/notesSlides/notesSlide13.xml><?xml version="1.0" encoding="utf-8"?>
+<p:notes xmlns:a="http://schemas.openxmlformats.org/drawingml/2006/main" xmlns:r="http://schemas.openxmlformats.org/officeDocument/2006/relationships" xmlns:p="http://schemas.openxmlformats.org/presentationml/2006/main">
+  <p:cSld>
+    <p:spTree>
+      <p:nvGrpSpPr>
+        <p:cNvPr id="1" name=""/>
+        <p:cNvGrpSpPr/>
+        <p:nvPr/>
+      </p:nvGrpSpPr>
+      <p:grpSpPr>
+        <a:xfrm>
+          <a:off x="0" y="0"/>
+          <a:ext cx="0" cy="0"/>
+          <a:chOff x="0" y="0"/>
+          <a:chExt cx="0" cy="0"/>
+        </a:xfrm>
+      </p:grpSpPr>
+      <p:sp>
+        <p:nvSpPr>
+          <p:cNvPr id="2" name="Slide Image Placeholder 1"/>
+          <p:cNvSpPr>
+            <a:spLocks noGrp="1" noRot="1" noChangeAspect="1"/>
+          </p:cNvSpPr>
+          <p:nvPr>
+            <p:ph type="sldImg"/>
+          </p:nvPr>
+        </p:nvSpPr>
+        <p:spPr/>
+      </p:sp>
+      <p:sp>
+        <p:nvSpPr>
+          <p:cNvPr id="3" name="Notes Placeholder 2"/>
+          <p:cNvSpPr>
+            <a:spLocks noGrp="1"/>
+          </p:cNvSpPr>
+          <p:nvPr>
+            <p:ph type="body" idx="1"/>
+          </p:nvPr>
+        </p:nvSpPr>
+        <p:spPr/>
+        <p:txBody>
+          <a:bodyPr/>
+          <a:lstStyle/>
+          <a:p>
+            <a:r>
+              <a:rPr lang="en-US" dirty="0" smtClean="0"/>
+              <a:t>A famous event handler is the click() function.</a:t>
+            </a:r>
+            <a:r>
+              <a:rPr lang="en-US" baseline="0" dirty="0" smtClean="0"/>
+              <a:t> Commonly used for buttons!</a:t>
+            </a:r>
+            <a:endParaRPr lang="en-US" dirty="0"/>
+          </a:p>
+        </p:txBody>
+      </p:sp>
+      <p:sp>
+        <p:nvSpPr>
+          <p:cNvPr id="4" name="Slide Number Placeholder 3"/>
+          <p:cNvSpPr>
+            <a:spLocks noGrp="1"/>
+          </p:cNvSpPr>
+          <p:nvPr>
+            <p:ph type="sldNum" sz="quarter" idx="10"/>
+          </p:nvPr>
+        </p:nvSpPr>
+        <p:spPr/>
+        <p:txBody>
+          <a:bodyPr/>
+          <a:lstStyle/>
+          <a:p>
+            <a:fld id="{4CFD207A-07DF-40AD-A916-9872E089CE7A}" type="slidenum">
+              <a:rPr lang="en-US" smtClean="0"/>
+              <a:t>24</a:t>
+            </a:fld>
+            <a:endParaRPr lang="en-US"/>
+          </a:p>
+        </p:txBody>
+      </p:sp>
+    </p:spTree>
+    <p:extLst>
+      <p:ext uri="{BB962C8B-B14F-4D97-AF65-F5344CB8AC3E}">
+        <p14:creationId xmlns:p14="http://schemas.microsoft.com/office/powerpoint/2010/main" val="2946934224"/>
+      </p:ext>
+    </p:extLst>
+  </p:cSld>
+  <p:clrMapOvr>
+    <a:masterClrMapping/>
+  </p:clrMapOvr>
+</p:notes>
+</file>
+
+<file path=ppt/notesSlides/notesSlide14.xml><?xml version="1.0" encoding="utf-8"?>
+<p:notes xmlns:a="http://schemas.openxmlformats.org/drawingml/2006/main" xmlns:r="http://schemas.openxmlformats.org/officeDocument/2006/relationships" xmlns:p="http://schemas.openxmlformats.org/presentationml/2006/main">
+  <p:cSld>
+    <p:spTree>
+      <p:nvGrpSpPr>
+        <p:cNvPr id="1" name=""/>
+        <p:cNvGrpSpPr/>
+        <p:nvPr/>
+      </p:nvGrpSpPr>
+      <p:grpSpPr>
+        <a:xfrm>
+          <a:off x="0" y="0"/>
+          <a:ext cx="0" cy="0"/>
+          <a:chOff x="0" y="0"/>
+          <a:chExt cx="0" cy="0"/>
+        </a:xfrm>
+      </p:grpSpPr>
+      <p:sp>
+        <p:nvSpPr>
+          <p:cNvPr id="2" name="Slide Image Placeholder 1"/>
+          <p:cNvSpPr>
+            <a:spLocks noGrp="1" noRot="1" noChangeAspect="1"/>
+          </p:cNvSpPr>
+          <p:nvPr>
+            <p:ph type="sldImg"/>
+          </p:nvPr>
+        </p:nvSpPr>
+        <p:spPr/>
+      </p:sp>
+      <p:sp>
+        <p:nvSpPr>
+          <p:cNvPr id="3" name="Notes Placeholder 2"/>
+          <p:cNvSpPr>
+            <a:spLocks noGrp="1"/>
+          </p:cNvSpPr>
+          <p:nvPr>
+            <p:ph type="body" idx="1"/>
+          </p:nvPr>
+        </p:nvSpPr>
+        <p:spPr/>
+        <p:txBody>
+          <a:bodyPr/>
+          <a:lstStyle/>
+          <a:p>
+            <a:r>
+              <a:rPr lang="en-US" dirty="0" smtClean="0"/>
+              <a:t>Syntax for</a:t>
+            </a:r>
+            <a:r>
+              <a:rPr lang="en-US" baseline="0" dirty="0" smtClean="0"/>
+              <a:t> jQuery: dollar sign, selector and then action</a:t>
+            </a:r>
+          </a:p>
+          <a:p>
+            <a:endParaRPr lang="en-US" baseline="0" dirty="0" smtClean="0"/>
+          </a:p>
+          <a:p>
+            <a:r>
+              <a:rPr lang="en-US" baseline="0" dirty="0" smtClean="0"/>
+              <a:t>The action can open up and include the function keyword for </a:t>
+            </a:r>
+            <a:r>
+              <a:rPr lang="en-US" baseline="0" smtClean="0"/>
+              <a:t>special </a:t>
+            </a:r>
+            <a:endParaRPr lang="en-US" baseline="0" dirty="0" smtClean="0"/>
+          </a:p>
+          <a:p>
+            <a:r>
+              <a:rPr lang="en-US" dirty="0" smtClean="0"/>
+              <a:t>The </a:t>
+            </a:r>
+            <a:r>
+              <a:rPr lang="en-US" dirty="0" smtClean="0"/>
+              <a:t>hide function is exactly what it says. It will hide the</a:t>
+            </a:r>
+            <a:r>
+              <a:rPr lang="en-US" baseline="0" dirty="0" smtClean="0"/>
+              <a:t> element of choice.</a:t>
+            </a:r>
+          </a:p>
+          <a:p>
+            <a:endParaRPr lang="en-US" baseline="0" dirty="0" smtClean="0"/>
+          </a:p>
+          <a:p>
+            <a:r>
+              <a:rPr lang="en-US" baseline="0" dirty="0" smtClean="0"/>
+              <a:t>The selectors are all based on types of html elements. If you can use it as a CSS selector, most likely you can use it in jQuery. You can get as specific as you want to with selectors.. Down to all the first items in an unordered list</a:t>
+            </a:r>
+          </a:p>
+          <a:p>
+            <a:endParaRPr lang="en-US" baseline="0" dirty="0" smtClean="0"/>
+          </a:p>
+          <a:p>
+            <a:endParaRPr lang="en-US" baseline="0" dirty="0" smtClean="0"/>
+          </a:p>
+          <a:p>
+            <a:endParaRPr lang="en-US" baseline="0" dirty="0" smtClean="0"/>
+          </a:p>
+          <a:p>
+            <a:r>
+              <a:rPr lang="en-US" baseline="0" dirty="0" smtClean="0"/>
+              <a:t>This will be used to hide the current html element</a:t>
+            </a:r>
+          </a:p>
+          <a:p>
+            <a:r>
+              <a:rPr lang="en-US" baseline="0" dirty="0" smtClean="0"/>
+              <a:t>P will hide all elements with the paragraph tag</a:t>
+            </a:r>
+          </a:p>
+          <a:p>
+            <a:r>
+              <a:rPr lang="en-US" baseline="0" dirty="0" smtClean="0"/>
+              <a:t>And .test will hide elements where class=“test”</a:t>
+            </a:r>
+            <a:endParaRPr lang="en-US" dirty="0"/>
+          </a:p>
+        </p:txBody>
+      </p:sp>
+      <p:sp>
+        <p:nvSpPr>
+          <p:cNvPr id="4" name="Slide Number Placeholder 3"/>
+          <p:cNvSpPr>
+            <a:spLocks noGrp="1"/>
+          </p:cNvSpPr>
+          <p:nvPr>
+            <p:ph type="sldNum" sz="quarter" idx="10"/>
+          </p:nvPr>
+        </p:nvSpPr>
+        <p:spPr/>
+        <p:txBody>
+          <a:bodyPr/>
+          <a:lstStyle/>
+          <a:p>
+            <a:pPr marL="0" marR="0" lvl="0" indent="0" algn="r" defTabSz="914400" rtl="0" eaLnBrk="1" fontAlgn="auto" latinLnBrk="0" hangingPunct="1">
+              <a:lnSpc>
+                <a:spcPct val="100000"/>
+              </a:lnSpc>
+              <a:spcBef>
+                <a:spcPts val="0"/>
+              </a:spcBef>
+              <a:spcAft>
+                <a:spcPts val="0"/>
+              </a:spcAft>
+              <a:buClrTx/>
+              <a:buSzTx/>
+              <a:buFontTx/>
+              <a:buNone/>
+              <a:tabLst/>
+              <a:defRPr/>
+            </a:pPr>
+            <a:fld id="{4CFD207A-07DF-40AD-A916-9872E089CE7A}" type="slidenum">
+              <a:rPr kumimoji="0" lang="en-US" sz="1200" b="0" i="0" u="none" strike="noStrike" kern="1200" cap="none" spc="0" normalizeH="0" baseline="0" noProof="0" smtClean="0">
+                <a:ln>
+                  <a:noFill/>
+                </a:ln>
+                <a:solidFill>
+                  <a:prstClr val="black"/>
+                </a:solidFill>
+                <a:effectLst/>
+                <a:uLnTx/>
+                <a:uFillTx/>
+                <a:latin typeface="Calibri" panose="020F0502020204030204"/>
+                <a:ea typeface="+mn-ea"/>
+                <a:cs typeface="+mn-cs"/>
+              </a:rPr>
+              <a:pPr marL="0" marR="0" lvl="0" indent="0" algn="r" defTabSz="914400" rtl="0" eaLnBrk="1" fontAlgn="auto" latinLnBrk="0" hangingPunct="1">
+                <a:lnSpc>
+                  <a:spcPct val="100000"/>
+                </a:lnSpc>
+                <a:spcBef>
+                  <a:spcPts val="0"/>
+                </a:spcBef>
+                <a:spcAft>
+                  <a:spcPts val="0"/>
+                </a:spcAft>
+                <a:buClrTx/>
+                <a:buSzTx/>
+                <a:buFontTx/>
+                <a:buNone/>
+                <a:tabLst/>
+                <a:defRPr/>
+              </a:pPr>
+              <a:t>25</a:t>
+            </a:fld>
+            <a:endParaRPr kumimoji="0" lang="en-US" sz="1200" b="0" i="0" u="none" strike="noStrike" kern="1200" cap="none" spc="0" normalizeH="0" baseline="0" noProof="0">
+              <a:ln>
+                <a:noFill/>
+              </a:ln>
+              <a:solidFill>
+                <a:prstClr val="black"/>
+              </a:solidFill>
+              <a:effectLst/>
+              <a:uLnTx/>
+              <a:uFillTx/>
+              <a:latin typeface="Calibri" panose="020F0502020204030204"/>
+              <a:ea typeface="+mn-ea"/>
+              <a:cs typeface="+mn-cs"/>
+            </a:endParaRPr>
+          </a:p>
+        </p:txBody>
+      </p:sp>
+    </p:spTree>
+    <p:extLst>
+      <p:ext uri="{BB962C8B-B14F-4D97-AF65-F5344CB8AC3E}">
+        <p14:creationId xmlns:p14="http://schemas.microsoft.com/office/powerpoint/2010/main" val="1853112090"/>
+      </p:ext>
+    </p:extLst>
+  </p:cSld>
+  <p:clrMapOvr>
+    <a:masterClrMapping/>
+  </p:clrMapOvr>
+</p:notes>
+</file>
+
+<file path=ppt/notesSlides/notesSlide15.xml><?xml version="1.0" encoding="utf-8"?>
+<p:notes xmlns:a="http://schemas.openxmlformats.org/drawingml/2006/main" xmlns:r="http://schemas.openxmlformats.org/officeDocument/2006/relationships" xmlns:p="http://schemas.openxmlformats.org/presentationml/2006/main">
+  <p:cSld>
+    <p:spTree>
+      <p:nvGrpSpPr>
+        <p:cNvPr id="1" name=""/>
+        <p:cNvGrpSpPr/>
+        <p:nvPr/>
+      </p:nvGrpSpPr>
+      <p:grpSpPr>
+        <a:xfrm>
+          <a:off x="0" y="0"/>
+          <a:ext cx="0" cy="0"/>
+          <a:chOff x="0" y="0"/>
+          <a:chExt cx="0" cy="0"/>
+        </a:xfrm>
+      </p:grpSpPr>
+      <p:sp>
+        <p:nvSpPr>
+          <p:cNvPr id="2" name="Slide Image Placeholder 1"/>
+          <p:cNvSpPr>
+            <a:spLocks noGrp="1" noRot="1" noChangeAspect="1"/>
+          </p:cNvSpPr>
+          <p:nvPr>
+            <p:ph type="sldImg"/>
+          </p:nvPr>
+        </p:nvSpPr>
+        <p:spPr/>
+      </p:sp>
+      <p:sp>
+        <p:nvSpPr>
+          <p:cNvPr id="3" name="Notes Placeholder 2"/>
+          <p:cNvSpPr>
+            <a:spLocks noGrp="1"/>
+          </p:cNvSpPr>
+          <p:nvPr>
+            <p:ph type="body" idx="1"/>
+          </p:nvPr>
+        </p:nvSpPr>
+        <p:spPr/>
+        <p:txBody>
+          <a:bodyPr>
+            <a:noAutofit/>
+          </a:bodyPr>
+          <a:lstStyle/>
+          <a:p>
+            <a:endParaRPr lang="en-GB" dirty="0">
+              <a:solidFill>
+                <a:schemeClr val="tx2"/>
+              </a:solidFill>
+              <a:latin typeface="Segoe" pitchFamily="34" charset="0"/>
+            </a:endParaRPr>
+          </a:p>
+        </p:txBody>
+      </p:sp>
+      <p:sp>
+        <p:nvSpPr>
+          <p:cNvPr id="4" name="Slide Number Placeholder 3"/>
+          <p:cNvSpPr>
+            <a:spLocks noGrp="1"/>
+          </p:cNvSpPr>
+          <p:nvPr>
+            <p:ph type="sldNum" sz="quarter" idx="10"/>
+          </p:nvPr>
+        </p:nvSpPr>
+        <p:spPr/>
+        <p:txBody>
+          <a:bodyPr/>
+          <a:lstStyle/>
+          <a:p>
             <a:fld id="{13F0F35F-DD44-4607-AEC1-49D7A4BC4066}" type="slidenum">
               <a:rPr lang="en-US" smtClean="0"/>
               <a:pPr/>
-              <a:t>34</a:t>
+              <a:t>38</a:t>
             </a:fld>
             <a:endParaRPr lang="en-US" dirty="0"/>
           </a:p>
@@ -1415,11 +2007,11 @@
           <a:p>
             <a:r>
               <a:rPr lang="en-US" dirty="0" smtClean="0"/>
-              <a:t>So.. I will be presenting</a:t>
+              <a:t>Syntax for</a:t>
             </a:r>
             <a:r>
               <a:rPr lang="en-US" baseline="0" dirty="0" smtClean="0"/>
-              <a:t> my demos in command line and running everything with node</a:t>
+              <a:t> jQuery: dollar sign, selector and then action</a:t>
             </a:r>
           </a:p>
           <a:p>
@@ -1428,11 +2020,62 @@
           <a:p>
             <a:r>
               <a:rPr lang="en-US" baseline="0" dirty="0" smtClean="0"/>
-              <a:t>If you don’t know what node is… it is pretty much a server that executes JavaScript and runs really fast. It allows back end developers to code in JS and is very good with I/O heavy apps… I don’t want to touch too much into it.. But if you want more info and some guidance.. Check out my blog! I just made a new post that will explain things a bit better and get you started if you </a:t>
+              <a:t>The action can open up and include the function keyword for </a:t>
             </a:r>
             <a:r>
               <a:rPr lang="en-US" baseline="0" smtClean="0"/>
-              <a:t>are interested</a:t>
+              <a:t>special </a:t>
+            </a:r>
+            <a:endParaRPr lang="en-US" baseline="0" dirty="0" smtClean="0"/>
+          </a:p>
+          <a:p>
+            <a:r>
+              <a:rPr lang="en-US" dirty="0" smtClean="0"/>
+              <a:t>The </a:t>
+            </a:r>
+            <a:r>
+              <a:rPr lang="en-US" dirty="0" smtClean="0"/>
+              <a:t>hide function is exactly what it says. It will hide the</a:t>
+            </a:r>
+            <a:r>
+              <a:rPr lang="en-US" baseline="0" dirty="0" smtClean="0"/>
+              <a:t> element of choice.</a:t>
+            </a:r>
+          </a:p>
+          <a:p>
+            <a:endParaRPr lang="en-US" baseline="0" dirty="0" smtClean="0"/>
+          </a:p>
+          <a:p>
+            <a:r>
+              <a:rPr lang="en-US" baseline="0" dirty="0" smtClean="0"/>
+              <a:t>The selectors are all based on types of html elements. If you can use it as a CSS selector, most likely you can use it in jQuery. You can get as specific as you want to with selectors.. Down to all the first items in an unordered list</a:t>
+            </a:r>
+          </a:p>
+          <a:p>
+            <a:endParaRPr lang="en-US" baseline="0" dirty="0" smtClean="0"/>
+          </a:p>
+          <a:p>
+            <a:endParaRPr lang="en-US" baseline="0" dirty="0" smtClean="0"/>
+          </a:p>
+          <a:p>
+            <a:endParaRPr lang="en-US" baseline="0" dirty="0" smtClean="0"/>
+          </a:p>
+          <a:p>
+            <a:r>
+              <a:rPr lang="en-US" baseline="0" dirty="0" smtClean="0"/>
+              <a:t>This will be used to hide the current html element</a:t>
+            </a:r>
+          </a:p>
+          <a:p>
+            <a:r>
+              <a:rPr lang="en-US" baseline="0" dirty="0" smtClean="0"/>
+              <a:t>P will hide all elements with the paragraph tag</a:t>
+            </a:r>
+          </a:p>
+          <a:p>
+            <a:r>
+              <a:rPr lang="en-US" baseline="0" dirty="0" smtClean="0"/>
+              <a:t>And .test will hide elements where class=“test”</a:t>
             </a:r>
             <a:endParaRPr lang="en-US" dirty="0"/>
           </a:p>
@@ -1453,18 +2096,78 @@
           <a:bodyPr/>
           <a:lstStyle/>
           <a:p>
+            <a:pPr marL="0" marR="0" lvl="0" indent="0" algn="r" defTabSz="914400" rtl="0" eaLnBrk="1" fontAlgn="auto" latinLnBrk="0" hangingPunct="1">
+              <a:lnSpc>
+                <a:spcPct val="100000"/>
+              </a:lnSpc>
+              <a:spcBef>
+                <a:spcPts val="0"/>
+              </a:spcBef>
+              <a:spcAft>
+                <a:spcPts val="0"/>
+              </a:spcAft>
+              <a:buClrTx/>
+              <a:buSzTx/>
+              <a:buFontTx/>
+              <a:buNone/>
+              <a:tabLst/>
+              <a:defRPr/>
+            </a:pPr>
             <a:fld id="{4CFD207A-07DF-40AD-A916-9872E089CE7A}" type="slidenum">
-              <a:rPr lang="en-US" smtClean="0"/>
-              <a:t>15</a:t>
+              <a:rPr kumimoji="0" lang="en-US" sz="1200" b="0" i="0" u="none" strike="noStrike" kern="1200" cap="none" spc="0" normalizeH="0" baseline="0" noProof="0" smtClean="0">
+                <a:ln>
+                  <a:noFill/>
+                </a:ln>
+                <a:solidFill>
+                  <a:prstClr val="black"/>
+                </a:solidFill>
+                <a:effectLst/>
+                <a:uLnTx/>
+                <a:uFillTx/>
+                <a:latin typeface="Calibri" panose="020F0502020204030204"/>
+                <a:ea typeface="+mn-ea"/>
+                <a:cs typeface="+mn-cs"/>
+              </a:rPr>
+              <a:pPr marL="0" marR="0" lvl="0" indent="0" algn="r" defTabSz="914400" rtl="0" eaLnBrk="1" fontAlgn="auto" latinLnBrk="0" hangingPunct="1">
+                <a:lnSpc>
+                  <a:spcPct val="100000"/>
+                </a:lnSpc>
+                <a:spcBef>
+                  <a:spcPts val="0"/>
+                </a:spcBef>
+                <a:spcAft>
+                  <a:spcPts val="0"/>
+                </a:spcAft>
+                <a:buClrTx/>
+                <a:buSzTx/>
+                <a:buFontTx/>
+                <a:buNone/>
+                <a:tabLst/>
+                <a:defRPr/>
+              </a:pPr>
+              <a:t>10</a:t>
             </a:fld>
-            <a:endParaRPr lang="en-US"/>
+            <a:endParaRPr kumimoji="0" lang="en-US" sz="1200" b="0" i="0" u="none" strike="noStrike" kern="1200" cap="none" spc="0" normalizeH="0" baseline="0" noProof="0">
+              <a:ln>
+                <a:noFill/>
+              </a:ln>
+              <a:solidFill>
+                <a:prstClr val="black"/>
+              </a:solidFill>
+              <a:effectLst/>
+              <a:uLnTx/>
+              <a:uFillTx/>
+              <a:latin typeface="Calibri" panose="020F0502020204030204"/>
+              <a:ea typeface="+mn-ea"/>
+              <a:cs typeface="+mn-cs"/>
+            </a:endParaRPr>
           </a:p>
         </p:txBody>
       </p:sp>
     </p:spTree>
     <p:extLst>
       <p:ext uri="{BB962C8B-B14F-4D97-AF65-F5344CB8AC3E}">
-        <p14:creationId xmlns:p14="http://schemas.microsoft.com/office/powerpoint/2010/main" val="1180973977"/>
+        <p14:creationId xmlns:p14="http://schemas.microsoft.com/office/powerpoint/2010/main" val="2685495202"/>
       </p:ext>
     </p:extLst>
   </p:cSld>
@@ -1539,7 +2242,7 @@
           <a:p>
             <a:fld id="{4CFD207A-07DF-40AD-A916-9872E089CE7A}" type="slidenum">
               <a:rPr lang="en-US" smtClean="0"/>
-              <a:t>17</a:t>
+              <a:t>16</a:t>
             </a:fld>
             <a:endParaRPr lang="en-US"/>
           </a:p>
@@ -1548,7 +2251,7 @@
     </p:spTree>
     <p:extLst>
       <p:ext uri="{BB962C8B-B14F-4D97-AF65-F5344CB8AC3E}">
-        <p14:creationId xmlns:p14="http://schemas.microsoft.com/office/powerpoint/2010/main" val="2233758877"/>
+        <p14:creationId xmlns:p14="http://schemas.microsoft.com/office/powerpoint/2010/main" val="1593367214"/>
       </p:ext>
     </p:extLst>
   </p:cSld>
@@ -1604,28 +2307,25 @@
           <a:p>
             <a:r>
               <a:rPr lang="en-US" dirty="0" smtClean="0"/>
-              <a:t>Steps:</a:t>
-            </a:r>
-          </a:p>
-          <a:p>
-            <a:endParaRPr lang="en-US" dirty="0" smtClean="0"/>
-          </a:p>
-          <a:p>
-            <a:r>
-              <a:rPr lang="en-US" baseline="0" dirty="0" err="1" smtClean="0"/>
-              <a:t>npm</a:t>
+              <a:t>So.. I will be presenting</a:t>
             </a:r>
             <a:r>
               <a:rPr lang="en-US" baseline="0" dirty="0" smtClean="0"/>
-              <a:t> </a:t>
-            </a:r>
-            <a:r>
-              <a:rPr lang="en-US" baseline="0" dirty="0" err="1" smtClean="0"/>
-              <a:t>init</a:t>
-            </a:r>
+              <a:t> my demos in command line and running everything with node</a:t>
+            </a:r>
+          </a:p>
+          <a:p>
             <a:endParaRPr lang="en-US" baseline="0" dirty="0" smtClean="0"/>
           </a:p>
           <a:p>
+            <a:r>
+              <a:rPr lang="en-US" baseline="0" dirty="0" smtClean="0"/>
+              <a:t>If you don’t know what node is… it is pretty much a server that executes JavaScript and runs really fast. It allows back end developers to code in JS and is very good with I/O heavy apps… I don’t want to touch too much into it.. But if you want more info and some guidance.. Check out my blog! I just made a new post that will explain things a bit better and get you started if you </a:t>
+            </a:r>
+            <a:r>
+              <a:rPr lang="en-US" baseline="0" smtClean="0"/>
+              <a:t>are interested</a:t>
+            </a:r>
             <a:endParaRPr lang="en-US" dirty="0"/>
           </a:p>
         </p:txBody>
@@ -1647,7 +2347,7 @@
           <a:p>
             <a:fld id="{4CFD207A-07DF-40AD-A916-9872E089CE7A}" type="slidenum">
               <a:rPr lang="en-US" smtClean="0"/>
-              <a:t>20</a:t>
+              <a:t>17</a:t>
             </a:fld>
             <a:endParaRPr lang="en-US"/>
           </a:p>
@@ -1656,7 +2356,7 @@
     </p:spTree>
     <p:extLst>
       <p:ext uri="{BB962C8B-B14F-4D97-AF65-F5344CB8AC3E}">
-        <p14:creationId xmlns:p14="http://schemas.microsoft.com/office/powerpoint/2010/main" val="3295802257"/>
+        <p14:creationId xmlns:p14="http://schemas.microsoft.com/office/powerpoint/2010/main" val="1180973977"/>
       </p:ext>
     </p:extLst>
   </p:cSld>
@@ -17103,81 +17803,209 @@
       </p:grpSpPr>
       <p:sp>
         <p:nvSpPr>
-          <p:cNvPr id="2" name="Title 1"/>
+          <p:cNvPr id="5" name="Text Placeholder 4"/>
           <p:cNvSpPr>
             <a:spLocks noGrp="1"/>
           </p:cNvSpPr>
           <p:nvPr>
-            <p:ph type="title"/>
+            <p:ph type="body" sz="quarter" idx="10"/>
           </p:nvPr>
         </p:nvSpPr>
         <p:spPr/>
         <p:txBody>
-          <a:bodyPr/>
+          <a:bodyPr>
+            <a:normAutofit/>
+          </a:bodyPr>
           <a:lstStyle/>
           <a:p>
             <a:r>
               <a:rPr lang="en-US" dirty="0" smtClean="0"/>
-              <a:t>Scoping of Variables</a:t>
+              <a:t>Getting JavaScript onto your Webpage</a:t>
             </a:r>
             <a:endParaRPr lang="en-US" dirty="0"/>
           </a:p>
-        </p:txBody>
-      </p:sp>
-      <p:sp>
-        <p:nvSpPr>
-          <p:cNvPr id="3" name="Content Placeholder 2"/>
+          <a:p>
+            <a:pPr marL="514350" indent="-514350">
+              <a:buAutoNum type="arabicPeriod"/>
+            </a:pPr>
+            <a:r>
+              <a:rPr lang="en-US" dirty="0" smtClean="0"/>
+              <a:t>Write it right on the HTML page</a:t>
+            </a:r>
+          </a:p>
+          <a:p>
+            <a:pPr marL="514350" indent="-514350">
+              <a:buAutoNum type="arabicPeriod"/>
+            </a:pPr>
+            <a:r>
+              <a:rPr lang="en-US" dirty="0" smtClean="0"/>
+              <a:t>Import the JavaScript file</a:t>
+            </a:r>
+            <a:endParaRPr lang="en-US" dirty="0"/>
+          </a:p>
+        </p:txBody>
+      </p:sp>
+      <p:sp>
+        <p:nvSpPr>
+          <p:cNvPr id="6" name="Text Placeholder 5"/>
           <p:cNvSpPr>
             <a:spLocks noGrp="1"/>
           </p:cNvSpPr>
           <p:nvPr>
-            <p:ph sz="quarter" idx="10"/>
+            <p:ph type="body" sz="quarter" idx="11"/>
           </p:nvPr>
         </p:nvSpPr>
-        <p:spPr/>
+        <p:spPr>
+          <a:xfrm>
+            <a:off x="215900" y="153988"/>
+            <a:ext cx="11753850" cy="3656012"/>
+          </a:xfrm>
+        </p:spPr>
         <p:txBody>
           <a:bodyPr/>
           <a:lstStyle/>
           <a:p>
             <a:r>
               <a:rPr lang="en-US" dirty="0" smtClean="0"/>
-              <a:t>Variables in JavaScript are either considered to be local or global</a:t>
-            </a:r>
-          </a:p>
-          <a:p>
-            <a:r>
-              <a:rPr lang="en-US" b="1" dirty="0"/>
-              <a:t>Local Variable Scope: </a:t>
-            </a:r>
+              <a:t>&lt;</a:t>
+            </a:r>
+            <a:r>
+              <a:rPr lang="en-US" dirty="0" smtClean="0">
+                <a:solidFill>
+                  <a:schemeClr val="accent1"/>
+                </a:solidFill>
+              </a:rPr>
+              <a:t>script</a:t>
+            </a:r>
+            <a:r>
+              <a:rPr lang="en-US" dirty="0" smtClean="0"/>
+              <a:t>&gt;</a:t>
+            </a:r>
+          </a:p>
+          <a:p>
             <a:r>
               <a:rPr lang="en-US" dirty="0"/>
-              <a:t>local variables can only be created in a function. </a:t>
+              <a:t>	</a:t>
+            </a:r>
+            <a:r>
+              <a:rPr lang="en-US" dirty="0">
+                <a:solidFill>
+                  <a:srgbClr val="1A8505"/>
+                </a:solidFill>
+              </a:rPr>
+              <a:t> // </a:t>
+            </a:r>
+            <a:r>
+              <a:rPr lang="en-US" dirty="0" smtClean="0">
+                <a:solidFill>
+                  <a:srgbClr val="1A8505"/>
+                </a:solidFill>
+              </a:rPr>
+              <a:t>JavaScript goes here</a:t>
             </a:r>
             <a:endParaRPr lang="en-US" dirty="0" smtClean="0"/>
           </a:p>
           <a:p>
             <a:r>
               <a:rPr lang="en-US" dirty="0" smtClean="0"/>
-              <a:t>There is no such thing as block-level scope variables</a:t>
-            </a:r>
-          </a:p>
-          <a:p>
-            <a:pPr lvl="1"/>
+              <a:t>&lt;/</a:t>
+            </a:r>
+            <a:r>
+              <a:rPr lang="en-US" dirty="0" smtClean="0">
+                <a:solidFill>
+                  <a:schemeClr val="accent1"/>
+                </a:solidFill>
+              </a:rPr>
+              <a:t>script</a:t>
+            </a:r>
+            <a:r>
+              <a:rPr lang="en-US" dirty="0" smtClean="0"/>
+              <a:t>&gt;</a:t>
+            </a:r>
+          </a:p>
+          <a:p>
+            <a:endParaRPr lang="en-US" dirty="0"/>
+          </a:p>
+          <a:p>
+            <a:r>
+              <a:rPr lang="en-US" dirty="0" smtClean="0">
+                <a:solidFill>
+                  <a:srgbClr val="1A8505"/>
+                </a:solidFill>
+              </a:rPr>
+              <a:t>&lt;!------- Or -------</a:t>
+            </a:r>
+            <a:r>
+              <a:rPr lang="en-US" dirty="0" smtClean="0">
+                <a:solidFill>
+                  <a:srgbClr val="1A8505"/>
+                </a:solidFill>
+                <a:sym typeface="Wingdings" panose="05000000000000000000" pitchFamily="2" charset="2"/>
+              </a:rPr>
+              <a:t></a:t>
+            </a:r>
+            <a:endParaRPr lang="en-US" dirty="0"/>
+          </a:p>
+          <a:p>
+            <a:endParaRPr lang="en-US" smtClean="0"/>
+          </a:p>
+          <a:p>
+            <a:endParaRPr lang="en-US" dirty="0" smtClean="0"/>
+          </a:p>
+          <a:p>
+            <a:r>
+              <a:rPr lang="en-US" dirty="0" smtClean="0"/>
+              <a:t>&lt;</a:t>
+            </a:r>
+            <a:r>
+              <a:rPr lang="en-US" dirty="0" smtClean="0">
+                <a:solidFill>
+                  <a:schemeClr val="accent1"/>
+                </a:solidFill>
+              </a:rPr>
+              <a:t>script </a:t>
+            </a:r>
+            <a:r>
+              <a:rPr lang="en-US" dirty="0" err="1" smtClean="0">
+                <a:solidFill>
+                  <a:schemeClr val="tx2">
+                    <a:lumMod val="40000"/>
+                    <a:lumOff val="60000"/>
+                  </a:schemeClr>
+                </a:solidFill>
+              </a:rPr>
+              <a:t>src</a:t>
+            </a:r>
+            <a:r>
+              <a:rPr lang="en-US" dirty="0" smtClean="0"/>
+              <a:t>=</a:t>
+            </a:r>
+            <a:r>
+              <a:rPr lang="en-US" dirty="0" smtClean="0">
+                <a:solidFill>
+                  <a:schemeClr val="accent6"/>
+                </a:solidFill>
+              </a:rPr>
+              <a:t>"sampleScript.js" </a:t>
+            </a:r>
+            <a:r>
+              <a:rPr lang="en-US" dirty="0" smtClean="0"/>
+              <a:t>&gt;&lt;/</a:t>
+            </a:r>
+            <a:r>
+              <a:rPr lang="en-US" dirty="0" smtClean="0">
+                <a:solidFill>
+                  <a:schemeClr val="accent1"/>
+                </a:solidFill>
+              </a:rPr>
+              <a:t>script</a:t>
+            </a:r>
             <a:r>
               <a:rPr lang="en-US" dirty="0"/>
-              <a:t>Any variables created in any other block of code (code surrounded by curly brackets) will be considered </a:t>
-            </a:r>
-            <a:r>
-              <a:rPr lang="en-US" dirty="0" smtClean="0"/>
-              <a:t>global</a:t>
-            </a:r>
-          </a:p>
-          <a:p>
-            <a:pPr lvl="1"/>
-            <a:r>
-              <a:rPr lang="en-US" dirty="0" smtClean="0"/>
-              <a:t>Example: variables that are a part of an if statement is not local to the if statement, it is considered a global variable</a:t>
-            </a:r>
+              <a:t>&gt;</a:t>
+            </a:r>
+          </a:p>
+          <a:p>
             <a:endParaRPr lang="en-US" dirty="0"/>
           </a:p>
         </p:txBody>
@@ -17185,7 +18013,7 @@
     </p:spTree>
     <p:extLst>
       <p:ext uri="{BB962C8B-B14F-4D97-AF65-F5344CB8AC3E}">
-        <p14:creationId xmlns:p14="http://schemas.microsoft.com/office/powerpoint/2010/main" val="1047138186"/>
+        <p14:creationId xmlns:p14="http://schemas.microsoft.com/office/powerpoint/2010/main" val="2227789381"/>
       </p:ext>
     </p:extLst>
   </p:cSld>
@@ -17214,12 +18042,12 @@
       </p:grpSpPr>
       <p:sp>
         <p:nvSpPr>
-          <p:cNvPr id="4" name="Text Placeholder 3"/>
+          <p:cNvPr id="2" name="Title 1"/>
           <p:cNvSpPr>
             <a:spLocks noGrp="1"/>
           </p:cNvSpPr>
           <p:nvPr>
-            <p:ph type="body" sz="quarter" idx="10"/>
+            <p:ph type="title"/>
           </p:nvPr>
         </p:nvSpPr>
         <p:spPr/>
@@ -17229,247 +18057,51 @@
           <a:p>
             <a:r>
               <a:rPr lang="en-US" dirty="0" smtClean="0"/>
-              <a:t>Global Variable Scope</a:t>
-            </a:r>
-          </a:p>
-          <a:p>
-            <a:r>
-              <a:rPr lang="en-US" sz="2000" dirty="0" smtClean="0"/>
-              <a:t>As you can see the color variable in the if statement is global and though it is declared as a new variable in the if statement, it is not considered local because it is not in an function.</a:t>
-            </a:r>
-          </a:p>
-        </p:txBody>
-      </p:sp>
-      <p:sp>
-        <p:nvSpPr>
-          <p:cNvPr id="5" name="Text Placeholder 4"/>
+              <a:t>Before We Get Started..</a:t>
+            </a:r>
+            <a:endParaRPr lang="en-US" dirty="0"/>
+          </a:p>
+        </p:txBody>
+      </p:sp>
+      <p:sp>
+        <p:nvSpPr>
+          <p:cNvPr id="3" name="Content Placeholder 2"/>
           <p:cNvSpPr>
             <a:spLocks noGrp="1"/>
           </p:cNvSpPr>
           <p:nvPr>
-            <p:ph type="body" sz="quarter" idx="11"/>
+            <p:ph sz="quarter" idx="10"/>
           </p:nvPr>
         </p:nvSpPr>
-        <p:spPr>
-          <a:xfrm>
-            <a:off x="60779" y="145824"/>
-            <a:ext cx="11753850" cy="3708400"/>
-          </a:xfrm>
-        </p:spPr>
+        <p:spPr/>
         <p:txBody>
           <a:bodyPr/>
           <a:lstStyle/>
           <a:p>
             <a:r>
-              <a:rPr lang="en-US" dirty="0" err="1">
-                <a:solidFill>
-                  <a:schemeClr val="accent1"/>
-                </a:solidFill>
-              </a:rPr>
-              <a:t>var</a:t>
-            </a:r>
-            <a:r>
-              <a:rPr lang="en-US" dirty="0"/>
-              <a:t> color = </a:t>
-            </a:r>
-            <a:r>
-              <a:rPr lang="en-US" dirty="0">
-                <a:solidFill>
-                  <a:schemeClr val="accent6">
-                    <a:lumMod val="60000"/>
-                    <a:lumOff val="40000"/>
-                  </a:schemeClr>
-                </a:solidFill>
-              </a:rPr>
-              <a:t>"</a:t>
-            </a:r>
-            <a:r>
-              <a:rPr lang="en-US" dirty="0" smtClean="0">
-                <a:solidFill>
-                  <a:schemeClr val="accent6">
-                    <a:lumMod val="60000"/>
-                    <a:lumOff val="40000"/>
-                  </a:schemeClr>
-                </a:solidFill>
-              </a:rPr>
-              <a:t>blue"</a:t>
-            </a:r>
-            <a:r>
-              <a:rPr lang="en-US" dirty="0" smtClean="0"/>
-              <a:t>;</a:t>
+              <a:rPr lang="en-US" dirty="0" smtClean="0"/>
+              <a:t>Before getting </a:t>
+            </a:r>
+            <a:r>
+              <a:rPr lang="en-US" dirty="0" smtClean="0"/>
+              <a:t>continue with this m</a:t>
+            </a:r>
+            <a:r>
+              <a:rPr lang="en-US" dirty="0" smtClean="0"/>
+              <a:t>odules</a:t>
+            </a:r>
+            <a:r>
+              <a:rPr lang="en-US" dirty="0" smtClean="0"/>
+              <a:t>, it is important that everyone understands how variables work differently in JavaScript </a:t>
             </a:r>
             <a:endParaRPr lang="en-US" dirty="0"/>
-          </a:p>
-          <a:p>
-            <a:r>
-              <a:rPr lang="en-US" dirty="0"/>
-              <a:t> </a:t>
-            </a:r>
-          </a:p>
-          <a:p>
-            <a:r>
-              <a:rPr lang="en-US" dirty="0" smtClean="0">
-                <a:solidFill>
-                  <a:schemeClr val="accent1"/>
-                </a:solidFill>
-              </a:rPr>
-              <a:t>if</a:t>
-            </a:r>
-            <a:r>
-              <a:rPr lang="en-US" dirty="0" smtClean="0"/>
-              <a:t>(color){ </a:t>
-            </a:r>
-            <a:endParaRPr lang="en-US" dirty="0"/>
-          </a:p>
-          <a:p>
-            <a:r>
-              <a:rPr lang="en-US" dirty="0"/>
-              <a:t>		</a:t>
-            </a:r>
-            <a:r>
-              <a:rPr lang="en-US" dirty="0" err="1" smtClean="0">
-                <a:solidFill>
-                  <a:schemeClr val="tx2">
-                    <a:lumMod val="60000"/>
-                    <a:lumOff val="40000"/>
-                  </a:schemeClr>
-                </a:solidFill>
-              </a:rPr>
-              <a:t>var</a:t>
-            </a:r>
-            <a:r>
-              <a:rPr lang="en-US" dirty="0" smtClean="0"/>
-              <a:t> color </a:t>
-            </a:r>
-            <a:r>
-              <a:rPr lang="en-US" dirty="0"/>
-              <a:t>= </a:t>
-            </a:r>
-            <a:r>
-              <a:rPr lang="en-US" dirty="0">
-                <a:solidFill>
-                  <a:schemeClr val="accent6">
-                    <a:lumMod val="60000"/>
-                    <a:lumOff val="40000"/>
-                  </a:schemeClr>
-                </a:solidFill>
-              </a:rPr>
-              <a:t>"</a:t>
-            </a:r>
-            <a:r>
-              <a:rPr lang="en-US" dirty="0" smtClean="0">
-                <a:solidFill>
-                  <a:schemeClr val="accent6">
-                    <a:lumMod val="60000"/>
-                    <a:lumOff val="40000"/>
-                  </a:schemeClr>
-                </a:solidFill>
-              </a:rPr>
-              <a:t>purple" </a:t>
-            </a:r>
-            <a:r>
-              <a:rPr lang="en-US" dirty="0" smtClean="0"/>
-              <a:t>; </a:t>
-            </a:r>
-            <a:r>
-              <a:rPr lang="en-US" dirty="0">
-                <a:solidFill>
-                  <a:srgbClr val="1A8505"/>
-                </a:solidFill>
-              </a:rPr>
-              <a:t>// this is a </a:t>
-            </a:r>
-            <a:r>
-              <a:rPr lang="en-US" dirty="0" smtClean="0">
-                <a:solidFill>
-                  <a:srgbClr val="1A8505"/>
-                </a:solidFill>
-              </a:rPr>
-              <a:t>global variable, so color</a:t>
-            </a:r>
-          </a:p>
-          <a:p>
-            <a:r>
-              <a:rPr lang="en-US" dirty="0">
-                <a:solidFill>
-                  <a:srgbClr val="1A8505"/>
-                </a:solidFill>
-              </a:rPr>
-              <a:t> </a:t>
-            </a:r>
-            <a:r>
-              <a:rPr lang="en-US" dirty="0" smtClean="0">
-                <a:solidFill>
-                  <a:srgbClr val="1A8505"/>
-                </a:solidFill>
-              </a:rPr>
-              <a:t>                             // will be changed to purple</a:t>
-            </a:r>
-            <a:endParaRPr lang="en-US" dirty="0">
-              <a:solidFill>
-                <a:srgbClr val="1A8505"/>
-              </a:solidFill>
-            </a:endParaRPr>
-          </a:p>
-          <a:p>
-            <a:r>
-              <a:rPr lang="en-US" dirty="0"/>
-              <a:t>		console.log(color);  </a:t>
-            </a:r>
-            <a:r>
-              <a:rPr lang="en-US" dirty="0">
-                <a:solidFill>
-                  <a:srgbClr val="1A8505"/>
-                </a:solidFill>
-              </a:rPr>
-              <a:t>// this statement will print purple</a:t>
-            </a:r>
-          </a:p>
-          <a:p>
-            <a:r>
-              <a:rPr lang="en-US" dirty="0"/>
-              <a:t>}</a:t>
-            </a:r>
-          </a:p>
-          <a:p>
-            <a:r>
-              <a:rPr lang="en-US" dirty="0"/>
-              <a:t> </a:t>
-            </a:r>
-          </a:p>
-          <a:p>
-            <a:r>
-              <a:rPr lang="en-US" dirty="0"/>
-              <a:t>console.log(color);</a:t>
-            </a:r>
-            <a:r>
-              <a:rPr lang="en-US" dirty="0">
-                <a:solidFill>
-                  <a:srgbClr val="1A8505"/>
-                </a:solidFill>
-              </a:rPr>
-              <a:t> //this statement will print </a:t>
-            </a:r>
-            <a:r>
-              <a:rPr lang="en-US" dirty="0" smtClean="0">
-                <a:solidFill>
-                  <a:srgbClr val="1A8505"/>
-                </a:solidFill>
-              </a:rPr>
-              <a:t>purple</a:t>
-            </a:r>
-            <a:endParaRPr lang="en-US" dirty="0">
-              <a:solidFill>
-                <a:srgbClr val="1A8505"/>
-              </a:solidFill>
-            </a:endParaRPr>
           </a:p>
         </p:txBody>
       </p:sp>
     </p:spTree>
     <p:extLst>
       <p:ext uri="{BB962C8B-B14F-4D97-AF65-F5344CB8AC3E}">
-        <p14:creationId xmlns:p14="http://schemas.microsoft.com/office/powerpoint/2010/main" val="1973395840"/>
+        <p14:creationId xmlns:p14="http://schemas.microsoft.com/office/powerpoint/2010/main" val="663946354"/>
       </p:ext>
     </p:extLst>
   </p:cSld>
@@ -17498,12 +18130,12 @@
       </p:grpSpPr>
       <p:sp>
         <p:nvSpPr>
-          <p:cNvPr id="4" name="Text Placeholder 3"/>
+          <p:cNvPr id="2" name="Title 1"/>
           <p:cNvSpPr>
             <a:spLocks noGrp="1"/>
           </p:cNvSpPr>
           <p:nvPr>
-            <p:ph type="body" sz="quarter" idx="10"/>
+            <p:ph type="title"/>
           </p:nvPr>
         </p:nvSpPr>
         <p:spPr/>
@@ -17513,233 +18145,74 @@
           <a:p>
             <a:r>
               <a:rPr lang="en-US" dirty="0" smtClean="0"/>
-              <a:t>Local Variable Scope</a:t>
-            </a:r>
-          </a:p>
-          <a:p>
-            <a:r>
-              <a:rPr lang="en-US" sz="2000" dirty="0" smtClean="0"/>
-              <a:t>As you can see the local color variable is labeled as purple, and is only purple within the </a:t>
-            </a:r>
-            <a:r>
-              <a:rPr lang="en-US" sz="2000" dirty="0" err="1" smtClean="0"/>
-              <a:t>printColor</a:t>
-            </a:r>
-            <a:r>
-              <a:rPr lang="en-US" sz="2000" dirty="0" smtClean="0"/>
-              <a:t> function.</a:t>
-            </a:r>
-          </a:p>
-          <a:p>
-            <a:r>
-              <a:rPr lang="en-US" sz="2000" dirty="0" smtClean="0"/>
-              <a:t>Though both the local and global variable have the same name, the local variable will take precedence over the global variable in the </a:t>
-            </a:r>
-            <a:r>
-              <a:rPr lang="en-US" sz="2000" dirty="0" err="1" smtClean="0"/>
-              <a:t>printColor</a:t>
-            </a:r>
-            <a:r>
-              <a:rPr lang="en-US" sz="2000" dirty="0" smtClean="0"/>
-              <a:t> function</a:t>
-            </a:r>
-          </a:p>
-        </p:txBody>
-      </p:sp>
-      <p:sp>
-        <p:nvSpPr>
-          <p:cNvPr id="5" name="Text Placeholder 4"/>
+              <a:t>Scoping of Variables</a:t>
+            </a:r>
+            <a:endParaRPr lang="en-US" dirty="0"/>
+          </a:p>
+        </p:txBody>
+      </p:sp>
+      <p:sp>
+        <p:nvSpPr>
+          <p:cNvPr id="3" name="Content Placeholder 2"/>
           <p:cNvSpPr>
             <a:spLocks noGrp="1"/>
           </p:cNvSpPr>
           <p:nvPr>
-            <p:ph type="body" sz="quarter" idx="11"/>
+            <p:ph sz="quarter" idx="10"/>
           </p:nvPr>
         </p:nvSpPr>
-        <p:spPr>
-          <a:xfrm>
-            <a:off x="60779" y="145824"/>
-            <a:ext cx="11753850" cy="3708400"/>
-          </a:xfrm>
-        </p:spPr>
+        <p:spPr/>
         <p:txBody>
           <a:bodyPr/>
           <a:lstStyle/>
           <a:p>
             <a:r>
-              <a:rPr lang="en-US" dirty="0" err="1">
-                <a:solidFill>
-                  <a:schemeClr val="accent1"/>
-                </a:solidFill>
-              </a:rPr>
-              <a:t>var</a:t>
+              <a:rPr lang="en-US" dirty="0" smtClean="0"/>
+              <a:t>Variables in JavaScript are either considered to be local or global</a:t>
+            </a:r>
+          </a:p>
+          <a:p>
+            <a:r>
+              <a:rPr lang="en-US" b="1" dirty="0"/>
+              <a:t>Local Variable Scope: </a:t>
             </a:r>
             <a:r>
               <a:rPr lang="en-US" dirty="0"/>
-              <a:t> color = </a:t>
-            </a:r>
-            <a:r>
-              <a:rPr lang="en-US" dirty="0">
-                <a:solidFill>
-                  <a:schemeClr val="accent6">
-                    <a:lumMod val="60000"/>
-                    <a:lumOff val="40000"/>
-                  </a:schemeClr>
-                </a:solidFill>
-              </a:rPr>
-              <a:t>"</a:t>
-            </a:r>
-            <a:r>
-              <a:rPr lang="en-US" dirty="0" smtClean="0">
-                <a:solidFill>
-                  <a:schemeClr val="accent6">
-                    <a:lumMod val="60000"/>
-                    <a:lumOff val="40000"/>
-                  </a:schemeClr>
-                </a:solidFill>
-              </a:rPr>
-              <a:t>blue"</a:t>
-            </a:r>
-            <a:r>
-              <a:rPr lang="en-US" dirty="0" smtClean="0"/>
-              <a:t>;</a:t>
+              <a:t>local variables can only be created in a function. </a:t>
+            </a:r>
+            <a:endParaRPr lang="en-US" dirty="0" smtClean="0"/>
+          </a:p>
+          <a:p>
+            <a:r>
+              <a:rPr lang="en-US" dirty="0" smtClean="0"/>
+              <a:t>There is no such thing as block-level scope variables</a:t>
+            </a:r>
+          </a:p>
+          <a:p>
+            <a:pPr lvl="1"/>
+            <a:r>
+              <a:rPr lang="en-US" dirty="0"/>
+              <a:t>Any variables created in any other block of code (code surrounded by curly brackets) will be considered </a:t>
+            </a:r>
+            <a:r>
+              <a:rPr lang="en-US" dirty="0" smtClean="0"/>
+              <a:t>global</a:t>
+            </a:r>
+          </a:p>
+          <a:p>
+            <a:pPr lvl="1"/>
+            <a:r>
+              <a:rPr lang="en-US" dirty="0" smtClean="0"/>
+              <a:t>Example: variables that are a part of an if statement is not local to the if statement, it is considered a global variable</a:t>
             </a:r>
             <a:endParaRPr lang="en-US" dirty="0"/>
-          </a:p>
-          <a:p>
-            <a:r>
-              <a:rPr lang="en-US" dirty="0"/>
-              <a:t> </a:t>
-            </a:r>
-          </a:p>
-          <a:p>
-            <a:r>
-              <a:rPr lang="en-US" dirty="0">
-                <a:solidFill>
-                  <a:schemeClr val="accent1"/>
-                </a:solidFill>
-              </a:rPr>
-              <a:t>function</a:t>
-            </a:r>
-            <a:r>
-              <a:rPr lang="en-US" dirty="0"/>
-              <a:t> </a:t>
-            </a:r>
-            <a:r>
-              <a:rPr lang="en-US" dirty="0" err="1"/>
-              <a:t>printColor</a:t>
-            </a:r>
-            <a:r>
-              <a:rPr lang="en-US" dirty="0"/>
-              <a:t>(){ </a:t>
-            </a:r>
-          </a:p>
-          <a:p>
-            <a:r>
-              <a:rPr lang="en-US" dirty="0"/>
-              <a:t>		</a:t>
-            </a:r>
-            <a:r>
-              <a:rPr lang="en-US" dirty="0" err="1">
-                <a:solidFill>
-                  <a:schemeClr val="accent1"/>
-                </a:solidFill>
-              </a:rPr>
-              <a:t>var</a:t>
-            </a:r>
-            <a:r>
-              <a:rPr lang="en-US" dirty="0"/>
-              <a:t> color = </a:t>
-            </a:r>
-            <a:r>
-              <a:rPr lang="en-US" dirty="0">
-                <a:solidFill>
-                  <a:schemeClr val="accent6">
-                    <a:lumMod val="60000"/>
-                    <a:lumOff val="40000"/>
-                  </a:schemeClr>
-                </a:solidFill>
-              </a:rPr>
-              <a:t>"</a:t>
-            </a:r>
-            <a:r>
-              <a:rPr lang="en-US" dirty="0" smtClean="0">
-                <a:solidFill>
-                  <a:schemeClr val="accent6">
-                    <a:lumMod val="60000"/>
-                    <a:lumOff val="40000"/>
-                  </a:schemeClr>
-                </a:solidFill>
-              </a:rPr>
-              <a:t>purple" </a:t>
-            </a:r>
-            <a:r>
-              <a:rPr lang="en-US" dirty="0" smtClean="0"/>
-              <a:t>; </a:t>
-            </a:r>
-            <a:r>
-              <a:rPr lang="en-US" dirty="0">
-                <a:solidFill>
-                  <a:srgbClr val="1A8505"/>
-                </a:solidFill>
-              </a:rPr>
-              <a:t>// this is a local variable</a:t>
-            </a:r>
-          </a:p>
-          <a:p>
-            <a:r>
-              <a:rPr lang="en-US" dirty="0"/>
-              <a:t>		console.log(color);  </a:t>
-            </a:r>
-            <a:r>
-              <a:rPr lang="en-US" dirty="0">
-                <a:solidFill>
-                  <a:srgbClr val="1A8505"/>
-                </a:solidFill>
-              </a:rPr>
-              <a:t>// this statement will print purple</a:t>
-            </a:r>
-          </a:p>
-          <a:p>
-            <a:r>
-              <a:rPr lang="en-US" dirty="0"/>
-              <a:t>}</a:t>
-            </a:r>
-          </a:p>
-          <a:p>
-            <a:endParaRPr lang="en-US" dirty="0" smtClean="0"/>
-          </a:p>
-          <a:p>
-            <a:r>
-              <a:rPr lang="en-US" dirty="0" err="1" smtClean="0"/>
-              <a:t>printColor</a:t>
-            </a:r>
-            <a:r>
-              <a:rPr lang="en-US" dirty="0" smtClean="0"/>
-              <a:t>();</a:t>
-            </a:r>
-            <a:endParaRPr lang="en-US" dirty="0"/>
-          </a:p>
-          <a:p>
-            <a:r>
-              <a:rPr lang="en-US" dirty="0"/>
-              <a:t>console.log(color);</a:t>
-            </a:r>
-            <a:r>
-              <a:rPr lang="en-US" dirty="0">
-                <a:solidFill>
-                  <a:srgbClr val="1A8505"/>
-                </a:solidFill>
-              </a:rPr>
-              <a:t> //this statement will print blue</a:t>
-            </a:r>
           </a:p>
         </p:txBody>
       </p:sp>
     </p:spTree>
     <p:extLst>
       <p:ext uri="{BB962C8B-B14F-4D97-AF65-F5344CB8AC3E}">
-        <p14:creationId xmlns:p14="http://schemas.microsoft.com/office/powerpoint/2010/main" val="1752520319"/>
+        <p14:creationId xmlns:p14="http://schemas.microsoft.com/office/powerpoint/2010/main" val="1047138186"/>
       </p:ext>
     </p:extLst>
   </p:cSld>
@@ -17768,6 +18241,560 @@
       </p:grpSpPr>
       <p:sp>
         <p:nvSpPr>
+          <p:cNvPr id="4" name="Text Placeholder 3"/>
+          <p:cNvSpPr>
+            <a:spLocks noGrp="1"/>
+          </p:cNvSpPr>
+          <p:nvPr>
+            <p:ph type="body" sz="quarter" idx="10"/>
+          </p:nvPr>
+        </p:nvSpPr>
+        <p:spPr/>
+        <p:txBody>
+          <a:bodyPr/>
+          <a:lstStyle/>
+          <a:p>
+            <a:r>
+              <a:rPr lang="en-US" dirty="0" smtClean="0"/>
+              <a:t>Global Variable Scope</a:t>
+            </a:r>
+          </a:p>
+          <a:p>
+            <a:r>
+              <a:rPr lang="en-US" sz="2000" dirty="0" smtClean="0"/>
+              <a:t>As you can see the color variable in the if statement is global and though it is declared as a new variable in the if statement, it is not considered local because it is not in an function.</a:t>
+            </a:r>
+          </a:p>
+        </p:txBody>
+      </p:sp>
+      <p:sp>
+        <p:nvSpPr>
+          <p:cNvPr id="5" name="Text Placeholder 4"/>
+          <p:cNvSpPr>
+            <a:spLocks noGrp="1"/>
+          </p:cNvSpPr>
+          <p:nvPr>
+            <p:ph type="body" sz="quarter" idx="11"/>
+          </p:nvPr>
+        </p:nvSpPr>
+        <p:spPr>
+          <a:xfrm>
+            <a:off x="60779" y="145824"/>
+            <a:ext cx="11753850" cy="3708400"/>
+          </a:xfrm>
+        </p:spPr>
+        <p:txBody>
+          <a:bodyPr/>
+          <a:lstStyle/>
+          <a:p>
+            <a:r>
+              <a:rPr lang="en-US" dirty="0" err="1">
+                <a:solidFill>
+                  <a:schemeClr val="accent1"/>
+                </a:solidFill>
+              </a:rPr>
+              <a:t>var</a:t>
+            </a:r>
+            <a:r>
+              <a:rPr lang="en-US" dirty="0"/>
+              <a:t> color = </a:t>
+            </a:r>
+            <a:r>
+              <a:rPr lang="en-US" dirty="0">
+                <a:solidFill>
+                  <a:schemeClr val="accent6">
+                    <a:lumMod val="60000"/>
+                    <a:lumOff val="40000"/>
+                  </a:schemeClr>
+                </a:solidFill>
+              </a:rPr>
+              <a:t>"</a:t>
+            </a:r>
+            <a:r>
+              <a:rPr lang="en-US" dirty="0" smtClean="0">
+                <a:solidFill>
+                  <a:schemeClr val="accent6">
+                    <a:lumMod val="60000"/>
+                    <a:lumOff val="40000"/>
+                  </a:schemeClr>
+                </a:solidFill>
+              </a:rPr>
+              <a:t>blue"</a:t>
+            </a:r>
+            <a:r>
+              <a:rPr lang="en-US" dirty="0" smtClean="0"/>
+              <a:t>;</a:t>
+            </a:r>
+            <a:endParaRPr lang="en-US" dirty="0"/>
+          </a:p>
+          <a:p>
+            <a:r>
+              <a:rPr lang="en-US" dirty="0"/>
+              <a:t> </a:t>
+            </a:r>
+          </a:p>
+          <a:p>
+            <a:r>
+              <a:rPr lang="en-US" dirty="0" smtClean="0">
+                <a:solidFill>
+                  <a:schemeClr val="accent1"/>
+                </a:solidFill>
+              </a:rPr>
+              <a:t>if</a:t>
+            </a:r>
+            <a:r>
+              <a:rPr lang="en-US" dirty="0" smtClean="0"/>
+              <a:t>(color){ </a:t>
+            </a:r>
+            <a:endParaRPr lang="en-US" dirty="0"/>
+          </a:p>
+          <a:p>
+            <a:r>
+              <a:rPr lang="en-US" dirty="0"/>
+              <a:t>		</a:t>
+            </a:r>
+            <a:r>
+              <a:rPr lang="en-US" dirty="0" err="1" smtClean="0">
+                <a:solidFill>
+                  <a:schemeClr val="tx2">
+                    <a:lumMod val="60000"/>
+                    <a:lumOff val="40000"/>
+                  </a:schemeClr>
+                </a:solidFill>
+              </a:rPr>
+              <a:t>var</a:t>
+            </a:r>
+            <a:r>
+              <a:rPr lang="en-US" dirty="0" smtClean="0"/>
+              <a:t> color </a:t>
+            </a:r>
+            <a:r>
+              <a:rPr lang="en-US" dirty="0"/>
+              <a:t>= </a:t>
+            </a:r>
+            <a:r>
+              <a:rPr lang="en-US" dirty="0">
+                <a:solidFill>
+                  <a:schemeClr val="accent6">
+                    <a:lumMod val="60000"/>
+                    <a:lumOff val="40000"/>
+                  </a:schemeClr>
+                </a:solidFill>
+              </a:rPr>
+              <a:t>"</a:t>
+            </a:r>
+            <a:r>
+              <a:rPr lang="en-US" dirty="0" smtClean="0">
+                <a:solidFill>
+                  <a:schemeClr val="accent6">
+                    <a:lumMod val="60000"/>
+                    <a:lumOff val="40000"/>
+                  </a:schemeClr>
+                </a:solidFill>
+              </a:rPr>
+              <a:t>purple" </a:t>
+            </a:r>
+            <a:r>
+              <a:rPr lang="en-US" dirty="0" smtClean="0"/>
+              <a:t>; </a:t>
+            </a:r>
+            <a:r>
+              <a:rPr lang="en-US" dirty="0">
+                <a:solidFill>
+                  <a:srgbClr val="1A8505"/>
+                </a:solidFill>
+              </a:rPr>
+              <a:t>// this is a </a:t>
+            </a:r>
+            <a:r>
+              <a:rPr lang="en-US" dirty="0" smtClean="0">
+                <a:solidFill>
+                  <a:srgbClr val="1A8505"/>
+                </a:solidFill>
+              </a:rPr>
+              <a:t>global variable, so color</a:t>
+            </a:r>
+          </a:p>
+          <a:p>
+            <a:r>
+              <a:rPr lang="en-US" dirty="0">
+                <a:solidFill>
+                  <a:srgbClr val="1A8505"/>
+                </a:solidFill>
+              </a:rPr>
+              <a:t> </a:t>
+            </a:r>
+            <a:r>
+              <a:rPr lang="en-US" dirty="0" smtClean="0">
+                <a:solidFill>
+                  <a:srgbClr val="1A8505"/>
+                </a:solidFill>
+              </a:rPr>
+              <a:t>                             // will be changed to purple</a:t>
+            </a:r>
+            <a:endParaRPr lang="en-US" dirty="0">
+              <a:solidFill>
+                <a:srgbClr val="1A8505"/>
+              </a:solidFill>
+            </a:endParaRPr>
+          </a:p>
+          <a:p>
+            <a:r>
+              <a:rPr lang="en-US" dirty="0"/>
+              <a:t>		console.log(color);  </a:t>
+            </a:r>
+            <a:r>
+              <a:rPr lang="en-US" dirty="0">
+                <a:solidFill>
+                  <a:srgbClr val="1A8505"/>
+                </a:solidFill>
+              </a:rPr>
+              <a:t>// this statement will print purple</a:t>
+            </a:r>
+          </a:p>
+          <a:p>
+            <a:r>
+              <a:rPr lang="en-US" dirty="0"/>
+              <a:t>}</a:t>
+            </a:r>
+          </a:p>
+          <a:p>
+            <a:r>
+              <a:rPr lang="en-US" dirty="0"/>
+              <a:t> </a:t>
+            </a:r>
+          </a:p>
+          <a:p>
+            <a:r>
+              <a:rPr lang="en-US" dirty="0"/>
+              <a:t>console.log(color);</a:t>
+            </a:r>
+            <a:r>
+              <a:rPr lang="en-US" dirty="0">
+                <a:solidFill>
+                  <a:srgbClr val="1A8505"/>
+                </a:solidFill>
+              </a:rPr>
+              <a:t> //this statement will print </a:t>
+            </a:r>
+            <a:r>
+              <a:rPr lang="en-US" dirty="0" smtClean="0">
+                <a:solidFill>
+                  <a:srgbClr val="1A8505"/>
+                </a:solidFill>
+              </a:rPr>
+              <a:t>purple</a:t>
+            </a:r>
+            <a:endParaRPr lang="en-US" dirty="0">
+              <a:solidFill>
+                <a:srgbClr val="1A8505"/>
+              </a:solidFill>
+            </a:endParaRPr>
+          </a:p>
+        </p:txBody>
+      </p:sp>
+    </p:spTree>
+    <p:extLst>
+      <p:ext uri="{BB962C8B-B14F-4D97-AF65-F5344CB8AC3E}">
+        <p14:creationId xmlns:p14="http://schemas.microsoft.com/office/powerpoint/2010/main" val="1973395840"/>
+      </p:ext>
+    </p:extLst>
+  </p:cSld>
+  <p:clrMapOvr>
+    <a:masterClrMapping/>
+  </p:clrMapOvr>
+</p:sld>
+</file>
+
+<file path=ppt/slides/slide14.xml><?xml version="1.0" encoding="utf-8"?>
+<p:sld xmlns:a="http://schemas.openxmlformats.org/drawingml/2006/main" xmlns:r="http://schemas.openxmlformats.org/officeDocument/2006/relationships" xmlns:p="http://schemas.openxmlformats.org/presentationml/2006/main">
+  <p:cSld>
+    <p:spTree>
+      <p:nvGrpSpPr>
+        <p:cNvPr id="1" name=""/>
+        <p:cNvGrpSpPr/>
+        <p:nvPr/>
+      </p:nvGrpSpPr>
+      <p:grpSpPr>
+        <a:xfrm>
+          <a:off x="0" y="0"/>
+          <a:ext cx="0" cy="0"/>
+          <a:chOff x="0" y="0"/>
+          <a:chExt cx="0" cy="0"/>
+        </a:xfrm>
+      </p:grpSpPr>
+      <p:sp>
+        <p:nvSpPr>
+          <p:cNvPr id="4" name="Text Placeholder 3"/>
+          <p:cNvSpPr>
+            <a:spLocks noGrp="1"/>
+          </p:cNvSpPr>
+          <p:nvPr>
+            <p:ph type="body" sz="quarter" idx="10"/>
+          </p:nvPr>
+        </p:nvSpPr>
+        <p:spPr/>
+        <p:txBody>
+          <a:bodyPr/>
+          <a:lstStyle/>
+          <a:p>
+            <a:r>
+              <a:rPr lang="en-US" dirty="0" smtClean="0"/>
+              <a:t>Local Variable Scope</a:t>
+            </a:r>
+          </a:p>
+          <a:p>
+            <a:r>
+              <a:rPr lang="en-US" sz="2000" dirty="0" smtClean="0"/>
+              <a:t>As you can see the local color variable is labeled as purple, and is only purple within the </a:t>
+            </a:r>
+            <a:r>
+              <a:rPr lang="en-US" sz="2000" dirty="0" err="1" smtClean="0"/>
+              <a:t>printColor</a:t>
+            </a:r>
+            <a:r>
+              <a:rPr lang="en-US" sz="2000" dirty="0" smtClean="0"/>
+              <a:t> function.</a:t>
+            </a:r>
+          </a:p>
+          <a:p>
+            <a:r>
+              <a:rPr lang="en-US" sz="2000" dirty="0" smtClean="0"/>
+              <a:t>Though both the local and global variable have the same name, the local variable will take precedence over the global variable in the </a:t>
+            </a:r>
+            <a:r>
+              <a:rPr lang="en-US" sz="2000" dirty="0" err="1" smtClean="0"/>
+              <a:t>printColor</a:t>
+            </a:r>
+            <a:r>
+              <a:rPr lang="en-US" sz="2000" dirty="0" smtClean="0"/>
+              <a:t> function</a:t>
+            </a:r>
+          </a:p>
+        </p:txBody>
+      </p:sp>
+      <p:sp>
+        <p:nvSpPr>
+          <p:cNvPr id="5" name="Text Placeholder 4"/>
+          <p:cNvSpPr>
+            <a:spLocks noGrp="1"/>
+          </p:cNvSpPr>
+          <p:nvPr>
+            <p:ph type="body" sz="quarter" idx="11"/>
+          </p:nvPr>
+        </p:nvSpPr>
+        <p:spPr>
+          <a:xfrm>
+            <a:off x="60779" y="145824"/>
+            <a:ext cx="11753850" cy="3708400"/>
+          </a:xfrm>
+        </p:spPr>
+        <p:txBody>
+          <a:bodyPr/>
+          <a:lstStyle/>
+          <a:p>
+            <a:r>
+              <a:rPr lang="en-US" dirty="0" err="1">
+                <a:solidFill>
+                  <a:schemeClr val="accent1"/>
+                </a:solidFill>
+              </a:rPr>
+              <a:t>var</a:t>
+            </a:r>
+            <a:r>
+              <a:rPr lang="en-US" dirty="0"/>
+              <a:t> color = </a:t>
+            </a:r>
+            <a:r>
+              <a:rPr lang="en-US" dirty="0">
+                <a:solidFill>
+                  <a:schemeClr val="accent6">
+                    <a:lumMod val="60000"/>
+                    <a:lumOff val="40000"/>
+                  </a:schemeClr>
+                </a:solidFill>
+              </a:rPr>
+              <a:t>"</a:t>
+            </a:r>
+            <a:r>
+              <a:rPr lang="en-US" dirty="0" smtClean="0">
+                <a:solidFill>
+                  <a:schemeClr val="accent6">
+                    <a:lumMod val="60000"/>
+                    <a:lumOff val="40000"/>
+                  </a:schemeClr>
+                </a:solidFill>
+              </a:rPr>
+              <a:t>blue"</a:t>
+            </a:r>
+            <a:r>
+              <a:rPr lang="en-US" dirty="0" smtClean="0"/>
+              <a:t>;</a:t>
+            </a:r>
+            <a:endParaRPr lang="en-US" dirty="0"/>
+          </a:p>
+          <a:p>
+            <a:r>
+              <a:rPr lang="en-US" dirty="0"/>
+              <a:t> </a:t>
+            </a:r>
+          </a:p>
+          <a:p>
+            <a:r>
+              <a:rPr lang="en-US" dirty="0">
+                <a:solidFill>
+                  <a:schemeClr val="accent1"/>
+                </a:solidFill>
+              </a:rPr>
+              <a:t>function</a:t>
+            </a:r>
+            <a:r>
+              <a:rPr lang="en-US" dirty="0"/>
+              <a:t> </a:t>
+            </a:r>
+            <a:r>
+              <a:rPr lang="en-US" dirty="0" err="1"/>
+              <a:t>printColor</a:t>
+            </a:r>
+            <a:r>
+              <a:rPr lang="en-US" dirty="0"/>
+              <a:t>(){ </a:t>
+            </a:r>
+          </a:p>
+          <a:p>
+            <a:r>
+              <a:rPr lang="en-US" dirty="0"/>
+              <a:t>		</a:t>
+            </a:r>
+            <a:r>
+              <a:rPr lang="en-US" dirty="0" err="1">
+                <a:solidFill>
+                  <a:schemeClr val="accent1"/>
+                </a:solidFill>
+              </a:rPr>
+              <a:t>var</a:t>
+            </a:r>
+            <a:r>
+              <a:rPr lang="en-US" dirty="0"/>
+              <a:t> color = </a:t>
+            </a:r>
+            <a:r>
+              <a:rPr lang="en-US" dirty="0">
+                <a:solidFill>
+                  <a:schemeClr val="accent6">
+                    <a:lumMod val="60000"/>
+                    <a:lumOff val="40000"/>
+                  </a:schemeClr>
+                </a:solidFill>
+              </a:rPr>
+              <a:t>"</a:t>
+            </a:r>
+            <a:r>
+              <a:rPr lang="en-US" dirty="0" smtClean="0">
+                <a:solidFill>
+                  <a:schemeClr val="accent6">
+                    <a:lumMod val="60000"/>
+                    <a:lumOff val="40000"/>
+                  </a:schemeClr>
+                </a:solidFill>
+              </a:rPr>
+              <a:t>purple" </a:t>
+            </a:r>
+            <a:r>
+              <a:rPr lang="en-US" dirty="0" smtClean="0"/>
+              <a:t>; </a:t>
+            </a:r>
+            <a:r>
+              <a:rPr lang="en-US" dirty="0">
+                <a:solidFill>
+                  <a:srgbClr val="1A8505"/>
+                </a:solidFill>
+              </a:rPr>
+              <a:t>// this is a local variable</a:t>
+            </a:r>
+          </a:p>
+          <a:p>
+            <a:r>
+              <a:rPr lang="en-US" dirty="0"/>
+              <a:t>		console.log(color);  </a:t>
+            </a:r>
+            <a:r>
+              <a:rPr lang="en-US" dirty="0">
+                <a:solidFill>
+                  <a:srgbClr val="1A8505"/>
+                </a:solidFill>
+              </a:rPr>
+              <a:t>// this statement will print purple</a:t>
+            </a:r>
+          </a:p>
+          <a:p>
+            <a:r>
+              <a:rPr lang="en-US" dirty="0"/>
+              <a:t>}</a:t>
+            </a:r>
+          </a:p>
+          <a:p>
+            <a:endParaRPr lang="en-US" dirty="0" smtClean="0"/>
+          </a:p>
+          <a:p>
+            <a:r>
+              <a:rPr lang="en-US" dirty="0" err="1" smtClean="0"/>
+              <a:t>printColor</a:t>
+            </a:r>
+            <a:r>
+              <a:rPr lang="en-US" dirty="0" smtClean="0"/>
+              <a:t>();</a:t>
+            </a:r>
+            <a:endParaRPr lang="en-US" dirty="0"/>
+          </a:p>
+          <a:p>
+            <a:r>
+              <a:rPr lang="en-US" dirty="0"/>
+              <a:t>console.log(color);</a:t>
+            </a:r>
+            <a:r>
+              <a:rPr lang="en-US" dirty="0">
+                <a:solidFill>
+                  <a:srgbClr val="1A8505"/>
+                </a:solidFill>
+              </a:rPr>
+              <a:t> //this statement will print blue</a:t>
+            </a:r>
+          </a:p>
+        </p:txBody>
+      </p:sp>
+    </p:spTree>
+    <p:extLst>
+      <p:ext uri="{BB962C8B-B14F-4D97-AF65-F5344CB8AC3E}">
+        <p14:creationId xmlns:p14="http://schemas.microsoft.com/office/powerpoint/2010/main" val="1752520319"/>
+      </p:ext>
+    </p:extLst>
+  </p:cSld>
+  <p:clrMapOvr>
+    <a:masterClrMapping/>
+  </p:clrMapOvr>
+</p:sld>
+</file>
+
+<file path=ppt/slides/slide15.xml><?xml version="1.0" encoding="utf-8"?>
+<p:sld xmlns:a="http://schemas.openxmlformats.org/drawingml/2006/main" xmlns:r="http://schemas.openxmlformats.org/officeDocument/2006/relationships" xmlns:p="http://schemas.openxmlformats.org/presentationml/2006/main">
+  <p:cSld>
+    <p:spTree>
+      <p:nvGrpSpPr>
+        <p:cNvPr id="1" name=""/>
+        <p:cNvGrpSpPr/>
+        <p:nvPr/>
+      </p:nvGrpSpPr>
+      <p:grpSpPr>
+        <a:xfrm>
+          <a:off x="0" y="0"/>
+          <a:ext cx="0" cy="0"/>
+          <a:chOff x="0" y="0"/>
+          <a:chExt cx="0" cy="0"/>
+        </a:xfrm>
+      </p:grpSpPr>
+      <p:sp>
+        <p:nvSpPr>
           <p:cNvPr id="5" name="Text Placeholder 4"/>
           <p:cNvSpPr>
             <a:spLocks noGrp="1"/>
@@ -17828,7 +18855,7 @@
 </p:sld>
 </file>
 
-<file path=ppt/slides/slide14.xml><?xml version="1.0" encoding="utf-8"?>
+<file path=ppt/slides/slide16.xml><?xml version="1.0" encoding="utf-8"?>
 <p:sld xmlns:a="http://schemas.openxmlformats.org/drawingml/2006/main" xmlns:r="http://schemas.openxmlformats.org/officeDocument/2006/relationships" xmlns:p="http://schemas.openxmlformats.org/presentationml/2006/main">
   <p:cSld>
     <p:spTree>
@@ -17949,233 +18976,6 @@
 </p:sld>
 </file>
 
-<file path=ppt/slides/slide15.xml><?xml version="1.0" encoding="utf-8"?>
-<p:sld xmlns:a="http://schemas.openxmlformats.org/drawingml/2006/main" xmlns:r="http://schemas.openxmlformats.org/officeDocument/2006/relationships" xmlns:p="http://schemas.openxmlformats.org/presentationml/2006/main">
-  <p:cSld>
-    <p:spTree>
-      <p:nvGrpSpPr>
-        <p:cNvPr id="1" name=""/>
-        <p:cNvGrpSpPr/>
-        <p:nvPr/>
-      </p:nvGrpSpPr>
-      <p:grpSpPr>
-        <a:xfrm>
-          <a:off x="0" y="0"/>
-          <a:ext cx="0" cy="0"/>
-          <a:chOff x="0" y="0"/>
-          <a:chExt cx="0" cy="0"/>
-        </a:xfrm>
-      </p:grpSpPr>
-      <p:sp>
-        <p:nvSpPr>
-          <p:cNvPr id="2" name="Title 1"/>
-          <p:cNvSpPr>
-            <a:spLocks noGrp="1"/>
-          </p:cNvSpPr>
-          <p:nvPr>
-            <p:ph type="title"/>
-          </p:nvPr>
-        </p:nvSpPr>
-        <p:spPr/>
-        <p:txBody>
-          <a:bodyPr/>
-          <a:lstStyle/>
-          <a:p>
-            <a:r>
-              <a:rPr lang="en-US" dirty="0" smtClean="0"/>
-              <a:t>Creating a function in JavaScript</a:t>
-            </a:r>
-            <a:br>
-              <a:rPr lang="en-US" dirty="0" smtClean="0"/>
-            </a:br>
-            <a:endParaRPr lang="en-US" dirty="0"/>
-          </a:p>
-        </p:txBody>
-      </p:sp>
-    </p:spTree>
-    <p:extLst>
-      <p:ext uri="{BB962C8B-B14F-4D97-AF65-F5344CB8AC3E}">
-        <p14:creationId xmlns:p14="http://schemas.microsoft.com/office/powerpoint/2010/main" val="1413041666"/>
-      </p:ext>
-    </p:extLst>
-  </p:cSld>
-  <p:clrMapOvr>
-    <a:masterClrMapping/>
-  </p:clrMapOvr>
-</p:sld>
-</file>
-
-<file path=ppt/slides/slide16.xml><?xml version="1.0" encoding="utf-8"?>
-<p:sld xmlns:a="http://schemas.openxmlformats.org/drawingml/2006/main" xmlns:r="http://schemas.openxmlformats.org/officeDocument/2006/relationships" xmlns:p="http://schemas.openxmlformats.org/presentationml/2006/main">
-  <p:cSld>
-    <p:spTree>
-      <p:nvGrpSpPr>
-        <p:cNvPr id="1" name=""/>
-        <p:cNvGrpSpPr/>
-        <p:nvPr/>
-      </p:nvGrpSpPr>
-      <p:grpSpPr>
-        <a:xfrm>
-          <a:off x="0" y="0"/>
-          <a:ext cx="0" cy="0"/>
-          <a:chOff x="0" y="0"/>
-          <a:chExt cx="0" cy="0"/>
-        </a:xfrm>
-      </p:grpSpPr>
-      <p:sp>
-        <p:nvSpPr>
-          <p:cNvPr id="5" name="Text Placeholder 4"/>
-          <p:cNvSpPr>
-            <a:spLocks noGrp="1"/>
-          </p:cNvSpPr>
-          <p:nvPr>
-            <p:ph type="body" sz="quarter" idx="10"/>
-          </p:nvPr>
-        </p:nvSpPr>
-        <p:spPr/>
-        <p:txBody>
-          <a:bodyPr>
-            <a:normAutofit fontScale="92500" lnSpcReduction="10000"/>
-          </a:bodyPr>
-          <a:lstStyle/>
-          <a:p>
-            <a:r>
-              <a:rPr lang="en-US" dirty="0" smtClean="0"/>
-              <a:t>Self Invoking Functions:</a:t>
-            </a:r>
-          </a:p>
-          <a:p>
-            <a:r>
-              <a:rPr lang="en-US" sz="2400" dirty="0" smtClean="0"/>
-              <a:t>- A </a:t>
-            </a:r>
-            <a:r>
-              <a:rPr lang="en-US" sz="2400" dirty="0"/>
-              <a:t>special type of function that can be created within JavaScript</a:t>
-            </a:r>
-          </a:p>
-          <a:p>
-            <a:r>
-              <a:rPr lang="en-US" sz="2400" dirty="0" smtClean="0"/>
-              <a:t>- These functions run automatically. No call to the function needed. </a:t>
-            </a:r>
-          </a:p>
-          <a:p>
-            <a:r>
-              <a:rPr lang="en-US" sz="2400" dirty="0" smtClean="0"/>
-              <a:t>- They can be anonymous or not.</a:t>
-            </a:r>
-            <a:endParaRPr lang="en-US" sz="2400" dirty="0"/>
-          </a:p>
-          <a:p>
-            <a:r>
-              <a:rPr lang="en-US" dirty="0"/>
-              <a:t> </a:t>
-            </a:r>
-          </a:p>
-        </p:txBody>
-      </p:sp>
-      <p:sp>
-        <p:nvSpPr>
-          <p:cNvPr id="6" name="Text Placeholder 5"/>
-          <p:cNvSpPr>
-            <a:spLocks noGrp="1"/>
-          </p:cNvSpPr>
-          <p:nvPr>
-            <p:ph type="body" sz="quarter" idx="11"/>
-          </p:nvPr>
-        </p:nvSpPr>
-        <p:spPr/>
-        <p:txBody>
-          <a:bodyPr/>
-          <a:lstStyle/>
-          <a:p>
-            <a:r>
-              <a:rPr lang="en-US" dirty="0"/>
-              <a:t>((</a:t>
-            </a:r>
-            <a:r>
-              <a:rPr lang="en-US" dirty="0" smtClean="0">
-                <a:solidFill>
-                  <a:schemeClr val="tx2">
-                    <a:lumMod val="60000"/>
-                    <a:lumOff val="40000"/>
-                  </a:schemeClr>
-                </a:solidFill>
-              </a:rPr>
-              <a:t>function </a:t>
-            </a:r>
-            <a:r>
-              <a:rPr lang="en-US" dirty="0" err="1" smtClean="0"/>
-              <a:t>selfPrint</a:t>
-            </a:r>
-            <a:r>
-              <a:rPr lang="en-US" dirty="0" smtClean="0"/>
-              <a:t>(){</a:t>
-            </a:r>
-            <a:endParaRPr lang="en-US" dirty="0"/>
-          </a:p>
-          <a:p>
-            <a:r>
-              <a:rPr lang="en-US" dirty="0"/>
-              <a:t>	</a:t>
-            </a:r>
-            <a:r>
-              <a:rPr lang="en-US" dirty="0" smtClean="0"/>
-              <a:t>console.log(</a:t>
-            </a:r>
-            <a:r>
-              <a:rPr lang="en-US" dirty="0" smtClean="0">
-                <a:solidFill>
-                  <a:schemeClr val="accent6"/>
-                </a:solidFill>
-              </a:rPr>
-              <a:t>"This function will automatically print this statement"</a:t>
-            </a:r>
-            <a:r>
-              <a:rPr lang="en-US" dirty="0" smtClean="0"/>
-              <a:t>);</a:t>
-            </a:r>
-            <a:endParaRPr lang="en-US" dirty="0"/>
-          </a:p>
-          <a:p>
-            <a:r>
-              <a:rPr lang="en-US" dirty="0" smtClean="0"/>
-              <a:t>})());</a:t>
-            </a:r>
-          </a:p>
-          <a:p>
-            <a:endParaRPr lang="en-US" dirty="0"/>
-          </a:p>
-          <a:p>
-            <a:r>
-              <a:rPr lang="en-US" dirty="0" smtClean="0">
-                <a:solidFill>
-                  <a:srgbClr val="1A8505"/>
-                </a:solidFill>
-              </a:rPr>
-              <a:t>// Be sure to wrap the function in parentheses and add another pair of parentheses at the end of the function</a:t>
-            </a:r>
-            <a:endParaRPr lang="en-US" dirty="0"/>
-          </a:p>
-          <a:p>
-            <a:endParaRPr lang="en-US" dirty="0"/>
-          </a:p>
-        </p:txBody>
-      </p:sp>
-    </p:spTree>
-    <p:extLst>
-      <p:ext uri="{BB962C8B-B14F-4D97-AF65-F5344CB8AC3E}">
-        <p14:creationId xmlns:p14="http://schemas.microsoft.com/office/powerpoint/2010/main" val="4292875149"/>
-      </p:ext>
-    </p:extLst>
-  </p:cSld>
-  <p:clrMapOvr>
-    <a:masterClrMapping/>
-  </p:clrMapOvr>
-</p:sld>
-</file>
-
 <file path=ppt/slides/slide17.xml><?xml version="1.0" encoding="utf-8"?>
 <p:sld xmlns:a="http://schemas.openxmlformats.org/drawingml/2006/main" xmlns:r="http://schemas.openxmlformats.org/officeDocument/2006/relationships" xmlns:p="http://schemas.openxmlformats.org/presentationml/2006/main">
   <p:cSld>
@@ -18195,7 +18995,7 @@
       </p:grpSpPr>
       <p:sp>
         <p:nvSpPr>
-          <p:cNvPr id="4" name="Title 3"/>
+          <p:cNvPr id="2" name="Title 1"/>
           <p:cNvSpPr>
             <a:spLocks noGrp="1"/>
           </p:cNvSpPr>
@@ -18210,146 +19010,11 @@
           <a:p>
             <a:r>
               <a:rPr lang="en-US" dirty="0" smtClean="0"/>
-              <a:t>Enclosures</a:t>
-            </a:r>
-            <a:endParaRPr lang="en-US" dirty="0"/>
-          </a:p>
-        </p:txBody>
-      </p:sp>
-      <p:sp>
-        <p:nvSpPr>
-          <p:cNvPr id="5" name="Content Placeholder 4"/>
-          <p:cNvSpPr>
-            <a:spLocks noGrp="1"/>
-          </p:cNvSpPr>
-          <p:nvPr>
-            <p:ph sz="quarter" idx="10"/>
-          </p:nvPr>
-        </p:nvSpPr>
-        <p:spPr/>
-        <p:txBody>
-          <a:bodyPr>
-            <a:normAutofit/>
-          </a:bodyPr>
-          <a:lstStyle/>
-          <a:p>
-            <a:r>
-              <a:rPr lang="en-US" dirty="0" smtClean="0"/>
-              <a:t>Similar to a nested function, an enclosure </a:t>
-            </a:r>
-            <a:r>
-              <a:rPr lang="en-US" dirty="0"/>
-              <a:t>is a function written inside another function</a:t>
-            </a:r>
-            <a:r>
-              <a:rPr lang="en-US" dirty="0" smtClean="0"/>
-              <a:t>.</a:t>
-            </a:r>
-          </a:p>
-          <a:p>
-            <a:r>
-              <a:rPr lang="en-US" dirty="0" smtClean="0"/>
-              <a:t>An </a:t>
-            </a:r>
-            <a:r>
-              <a:rPr lang="en-US" dirty="0"/>
-              <a:t>enclosure has </a:t>
-            </a:r>
-            <a:r>
-              <a:rPr lang="en-US" dirty="0" smtClean="0"/>
-              <a:t>access to</a:t>
-            </a:r>
-          </a:p>
-          <a:p>
-            <a:pPr lvl="1"/>
-            <a:r>
-              <a:rPr lang="en-US" dirty="0" smtClean="0"/>
-              <a:t> its </a:t>
-            </a:r>
-            <a:r>
-              <a:rPr lang="en-US" dirty="0"/>
-              <a:t>own </a:t>
-            </a:r>
-            <a:r>
-              <a:rPr lang="en-US" dirty="0" smtClean="0"/>
-              <a:t>variables</a:t>
-            </a:r>
-          </a:p>
-          <a:p>
-            <a:pPr lvl="1"/>
-            <a:r>
-              <a:rPr lang="en-US" dirty="0" smtClean="0"/>
-              <a:t> outer </a:t>
-            </a:r>
-            <a:r>
-              <a:rPr lang="en-US" dirty="0"/>
-              <a:t>functions </a:t>
-            </a:r>
-            <a:r>
-              <a:rPr lang="en-US" dirty="0" smtClean="0"/>
-              <a:t>variables, </a:t>
-            </a:r>
-            <a:r>
-              <a:rPr lang="en-US" dirty="0"/>
-              <a:t>as well as its parameters </a:t>
-            </a:r>
-            <a:endParaRPr lang="en-US" dirty="0" smtClean="0"/>
-          </a:p>
-          <a:p>
-            <a:pPr lvl="1"/>
-            <a:r>
-              <a:rPr lang="en-US" dirty="0"/>
-              <a:t> </a:t>
-            </a:r>
-            <a:r>
-              <a:rPr lang="en-US" dirty="0" smtClean="0"/>
-              <a:t>global </a:t>
-            </a:r>
-            <a:r>
-              <a:rPr lang="en-US" dirty="0"/>
-              <a:t>variables</a:t>
-            </a:r>
-          </a:p>
-          <a:p>
-            <a:r>
-              <a:rPr lang="en-US" dirty="0"/>
-              <a:t> </a:t>
-            </a:r>
-            <a:r>
-              <a:rPr lang="en-US" dirty="0" smtClean="0"/>
-              <a:t>Always </a:t>
-            </a:r>
-            <a:r>
-              <a:rPr lang="en-US" dirty="0"/>
-              <a:t>remember that a function is made using the </a:t>
-            </a:r>
-            <a:r>
-              <a:rPr lang="en-US" b="1" i="1" dirty="0"/>
-              <a:t>function</a:t>
-            </a:r>
-            <a:r>
-              <a:rPr lang="en-US" dirty="0"/>
-              <a:t> </a:t>
-            </a:r>
-            <a:r>
-              <a:rPr lang="en-US" dirty="0" smtClean="0"/>
-              <a:t>keyword, so </a:t>
-            </a:r>
-            <a:r>
-              <a:rPr lang="en-US" dirty="0"/>
-              <a:t>an enclosure will not be created properly unless the function keyword is used.</a:t>
-            </a:r>
-          </a:p>
-          <a:p>
-            <a:pPr marL="0" indent="0">
-              <a:buNone/>
-            </a:pPr>
-            <a:endParaRPr lang="en-US" dirty="0"/>
-          </a:p>
-          <a:p>
-            <a:pPr marL="457046" lvl="1" indent="0">
-              <a:buNone/>
-            </a:pPr>
+              <a:t>Creating a function in JavaScript</a:t>
+            </a:r>
+            <a:br>
+              <a:rPr lang="en-US" dirty="0" smtClean="0"/>
+            </a:br>
             <a:endParaRPr lang="en-US" dirty="0"/>
           </a:p>
         </p:txBody>
@@ -18357,20 +19022,13 @@
     </p:spTree>
     <p:extLst>
       <p:ext uri="{BB962C8B-B14F-4D97-AF65-F5344CB8AC3E}">
-        <p14:creationId xmlns:p14="http://schemas.microsoft.com/office/powerpoint/2010/main" val="1874228728"/>
+        <p14:creationId xmlns:p14="http://schemas.microsoft.com/office/powerpoint/2010/main" val="1413041666"/>
       </p:ext>
     </p:extLst>
   </p:cSld>
   <p:clrMapOvr>
     <a:masterClrMapping/>
   </p:clrMapOvr>
-  <p:timing>
-    <p:tnLst>
-      <p:par>
-        <p:cTn id="1" dur="indefinite" restart="never" nodeType="tmRoot"/>
-      </p:par>
-    </p:tnLst>
-  </p:timing>
 </p:sld>
 </file>
 
@@ -18393,7 +19051,7 @@
       </p:grpSpPr>
       <p:sp>
         <p:nvSpPr>
-          <p:cNvPr id="4" name="Text Placeholder 3"/>
+          <p:cNvPr id="5" name="Text Placeholder 4"/>
           <p:cNvSpPr>
             <a:spLocks noGrp="1"/>
           </p:cNvSpPr>
@@ -18410,66 +19068,43 @@
           <a:p>
             <a:r>
               <a:rPr lang="en-US" dirty="0" smtClean="0"/>
-              <a:t>Enclosure Example</a:t>
-            </a:r>
-          </a:p>
-          <a:p>
-            <a:r>
-              <a:rPr lang="en-US" sz="2600" dirty="0"/>
-              <a:t>Things to Notice:</a:t>
-            </a:r>
-          </a:p>
-          <a:p>
-            <a:pPr marL="514350" indent="-514350" fontAlgn="ctr">
-              <a:buFont typeface="+mj-lt"/>
-              <a:buAutoNum type="arabicPeriod"/>
-            </a:pPr>
-            <a:r>
-              <a:rPr lang="en-US" sz="2600" b="0" dirty="0"/>
-              <a:t>N</a:t>
-            </a:r>
-            <a:r>
-              <a:rPr lang="en-US" sz="2600" b="0" dirty="0" smtClean="0"/>
-              <a:t>o </a:t>
-            </a:r>
-            <a:r>
-              <a:rPr lang="en-US" sz="2600" b="0" dirty="0"/>
-              <a:t>parameters were passed to the </a:t>
-            </a:r>
-            <a:r>
-              <a:rPr lang="en-US" sz="2600" b="0" dirty="0" err="1"/>
-              <a:t>makeFullName</a:t>
-            </a:r>
-            <a:r>
-              <a:rPr lang="en-US" sz="2600" b="0" dirty="0"/>
-              <a:t> function yet it was able to print the name accurately . </a:t>
-            </a:r>
-          </a:p>
-          <a:p>
-            <a:pPr marL="514350" indent="-514350" fontAlgn="ctr">
-              <a:buFont typeface="+mj-lt"/>
-              <a:buAutoNum type="arabicPeriod"/>
-            </a:pPr>
-            <a:r>
-              <a:rPr lang="en-US" sz="2600" b="0" dirty="0" smtClean="0"/>
-              <a:t>The </a:t>
-            </a:r>
-            <a:r>
-              <a:rPr lang="en-US" sz="2600" b="0" dirty="0"/>
-              <a:t>function keyword is being used to define the enclosure</a:t>
-            </a:r>
-          </a:p>
-          <a:p>
-            <a:endParaRPr lang="en-US" sz="2600" dirty="0" smtClean="0"/>
-          </a:p>
-          <a:p>
-            <a:endParaRPr lang="en-US" dirty="0"/>
-          </a:p>
-        </p:txBody>
-      </p:sp>
-      <p:sp>
-        <p:nvSpPr>
-          <p:cNvPr id="5" name="Text Placeholder 4"/>
+              <a:t>Self Invoking Functions:</a:t>
+            </a:r>
+          </a:p>
+          <a:p>
+            <a:r>
+              <a:rPr lang="en-US" sz="2400" dirty="0" smtClean="0"/>
+              <a:t>- A </a:t>
+            </a:r>
+            <a:r>
+              <a:rPr lang="en-US" sz="2400" dirty="0"/>
+              <a:t>special type of function that can be created within JavaScript</a:t>
+            </a:r>
+          </a:p>
+          <a:p>
+            <a:r>
+              <a:rPr lang="en-US" sz="2400" dirty="0" smtClean="0"/>
+              <a:t>- These functions run automatically. No call to the function needed. </a:t>
+            </a:r>
+          </a:p>
+          <a:p>
+            <a:r>
+              <a:rPr lang="en-US" sz="2400" dirty="0" smtClean="0"/>
+              <a:t>- They can be anonymous or not.</a:t>
+            </a:r>
+            <a:endParaRPr lang="en-US" sz="2400" dirty="0"/>
+          </a:p>
+          <a:p>
+            <a:r>
+              <a:rPr lang="en-US" dirty="0"/>
+              <a:t> </a:t>
+            </a:r>
+          </a:p>
+        </p:txBody>
+      </p:sp>
+      <p:sp>
+        <p:nvSpPr>
+          <p:cNvPr id="6" name="Text Placeholder 5"/>
           <p:cNvSpPr>
             <a:spLocks noGrp="1"/>
           </p:cNvSpPr>
@@ -18477,18 +19112,17 @@
             <p:ph type="body" sz="quarter" idx="11"/>
           </p:nvPr>
         </p:nvSpPr>
-        <p:spPr>
-          <a:xfrm>
-            <a:off x="0" y="153988"/>
-            <a:ext cx="12192000" cy="3708400"/>
-          </a:xfrm>
-        </p:spPr>
+        <p:spPr/>
         <p:txBody>
           <a:bodyPr/>
           <a:lstStyle/>
           <a:p>
             <a:r>
-              <a:rPr lang="en-US" dirty="0">
+              <a:rPr lang="en-US" dirty="0"/>
+              <a:t>((</a:t>
+            </a:r>
+            <a:r>
+              <a:rPr lang="en-US" dirty="0" smtClean="0">
                 <a:solidFill>
                   <a:schemeClr val="tx2">
                     <a:lumMod val="60000"/>
@@ -18496,39 +19130,15 @@
                   </a:schemeClr>
                 </a:solidFill>
               </a:rPr>
-              <a:t>function</a:t>
-            </a:r>
-            <a:r>
-              <a:rPr lang="en-US" dirty="0"/>
-              <a:t> </a:t>
-            </a:r>
-            <a:r>
-              <a:rPr lang="en-US" dirty="0" err="1"/>
-              <a:t>showName</a:t>
-            </a:r>
-            <a:r>
-              <a:rPr lang="en-US" dirty="0"/>
-              <a:t> (</a:t>
-            </a:r>
-            <a:r>
-              <a:rPr lang="en-US" dirty="0" err="1"/>
-              <a:t>firstName</a:t>
-            </a:r>
-            <a:r>
-              <a:rPr lang="en-US" dirty="0"/>
-              <a:t>, </a:t>
-            </a:r>
-            <a:r>
-              <a:rPr lang="en-US" dirty="0" err="1"/>
-              <a:t>lastName</a:t>
-            </a:r>
-            <a:r>
-              <a:rPr lang="en-US" dirty="0"/>
-              <a:t>) </a:t>
-            </a:r>
-            <a:r>
-              <a:rPr lang="en-US" dirty="0" smtClean="0"/>
-              <a:t>{</a:t>
+              <a:t>function </a:t>
+            </a:r>
+            <a:r>
+              <a:rPr lang="en-US" dirty="0" err="1" smtClean="0"/>
+              <a:t>selfPrint</a:t>
+            </a:r>
+            <a:r>
+              <a:rPr lang="en-US" dirty="0" smtClean="0"/>
+              <a:t>(){</a:t>
             </a:r>
             <a:endParaRPr lang="en-US" dirty="0"/>
           </a:p>
@@ -18538,284 +19148,40 @@
               <a:t>	</a:t>
             </a:r>
             <a:r>
-              <a:rPr lang="en-US" dirty="0" err="1">
-                <a:solidFill>
-                  <a:schemeClr val="tx2">
-                    <a:lumMod val="60000"/>
-                    <a:lumOff val="40000"/>
-                  </a:schemeClr>
+              <a:rPr lang="en-US" dirty="0" smtClean="0"/>
+              <a:t>console.log(</a:t>
+            </a:r>
+            <a:r>
+              <a:rPr lang="en-US" dirty="0" smtClean="0">
+                <a:solidFill>
+                  <a:schemeClr val="accent6"/>
                 </a:solidFill>
               </a:rPr>
-              <a:t>var</a:t>
-            </a:r>
-            <a:r>
-              <a:rPr lang="en-US" dirty="0"/>
-              <a:t> </a:t>
-            </a:r>
-            <a:r>
-              <a:rPr lang="en-US" dirty="0" err="1"/>
-              <a:t>nameIntro</a:t>
-            </a:r>
-            <a:r>
-              <a:rPr lang="en-US" dirty="0"/>
-              <a:t> = </a:t>
-            </a:r>
-            <a:r>
-              <a:rPr lang="en-US" dirty="0">
-                <a:solidFill>
-                  <a:schemeClr val="accent6">
-                    <a:lumMod val="60000"/>
-                    <a:lumOff val="40000"/>
-                  </a:schemeClr>
+              <a:t>"This function will automatically print this statement"</a:t>
+            </a:r>
+            <a:r>
+              <a:rPr lang="en-US" dirty="0" smtClean="0"/>
+              <a:t>);</a:t>
+            </a:r>
+            <a:endParaRPr lang="en-US" dirty="0"/>
+          </a:p>
+          <a:p>
+            <a:r>
+              <a:rPr lang="en-US" dirty="0" smtClean="0"/>
+              <a:t>})());</a:t>
+            </a:r>
+          </a:p>
+          <a:p>
+            <a:endParaRPr lang="en-US" dirty="0"/>
+          </a:p>
+          <a:p>
+            <a:r>
+              <a:rPr lang="en-US" dirty="0" smtClean="0">
+                <a:solidFill>
+                  <a:srgbClr val="1A8505"/>
                 </a:solidFill>
               </a:rPr>
-              <a:t>"Your name is </a:t>
-            </a:r>
-            <a:r>
-              <a:rPr lang="en-US" dirty="0" smtClean="0">
-                <a:solidFill>
-                  <a:schemeClr val="accent6">
-                    <a:lumMod val="60000"/>
-                    <a:lumOff val="40000"/>
-                  </a:schemeClr>
-                </a:solidFill>
-              </a:rPr>
-              <a:t>" </a:t>
-            </a:r>
-            <a:r>
-              <a:rPr lang="en-US" dirty="0" smtClean="0"/>
-              <a:t>;</a:t>
-            </a:r>
-            <a:endParaRPr lang="en-US" dirty="0"/>
-          </a:p>
-          <a:p>
-            <a:r>
-              <a:rPr lang="en-US" dirty="0"/>
-              <a:t>	</a:t>
-            </a:r>
-          </a:p>
-          <a:p>
-            <a:r>
-              <a:rPr lang="en-US" dirty="0"/>
-              <a:t>	</a:t>
-            </a:r>
-            <a:r>
-              <a:rPr lang="en-US" dirty="0">
-                <a:solidFill>
-                  <a:schemeClr val="tx2">
-                    <a:lumMod val="60000"/>
-                    <a:lumOff val="40000"/>
-                  </a:schemeClr>
-                </a:solidFill>
-              </a:rPr>
-              <a:t>function</a:t>
-            </a:r>
-            <a:r>
-              <a:rPr lang="en-US" dirty="0"/>
-              <a:t> </a:t>
-            </a:r>
-            <a:r>
-              <a:rPr lang="en-US" dirty="0" err="1" smtClean="0"/>
-              <a:t>makeFullName</a:t>
-            </a:r>
-            <a:r>
-              <a:rPr lang="en-US" dirty="0" smtClean="0"/>
-              <a:t>(){ </a:t>
-            </a:r>
-            <a:r>
-              <a:rPr lang="en-US" dirty="0" smtClean="0">
-                <a:solidFill>
-                  <a:srgbClr val="1A8505"/>
-                </a:solidFill>
-              </a:rPr>
-              <a:t>// This is an enclosure</a:t>
-            </a:r>
-            <a:endParaRPr lang="en-US" dirty="0"/>
-          </a:p>
-          <a:p>
-            <a:r>
-              <a:rPr lang="en-US" dirty="0"/>
-              <a:t>		</a:t>
-            </a:r>
-            <a:r>
-              <a:rPr lang="en-US" dirty="0">
-                <a:solidFill>
-                  <a:schemeClr val="tx2">
-                    <a:lumMod val="60000"/>
-                    <a:lumOff val="40000"/>
-                  </a:schemeClr>
-                </a:solidFill>
-              </a:rPr>
-              <a:t>return</a:t>
-            </a:r>
-            <a:r>
-              <a:rPr lang="en-US" dirty="0"/>
-              <a:t> </a:t>
-            </a:r>
-            <a:r>
-              <a:rPr lang="en-US" dirty="0" err="1"/>
-              <a:t>nameIntro</a:t>
-            </a:r>
-            <a:r>
-              <a:rPr lang="en-US" dirty="0"/>
-              <a:t> + </a:t>
-            </a:r>
-            <a:r>
-              <a:rPr lang="en-US" dirty="0" err="1"/>
-              <a:t>firstName</a:t>
-            </a:r>
-            <a:r>
-              <a:rPr lang="en-US" dirty="0"/>
-              <a:t> + </a:t>
-            </a:r>
-            <a:r>
-              <a:rPr lang="en-US" dirty="0">
-                <a:solidFill>
-                  <a:schemeClr val="accent6">
-                    <a:lumMod val="60000"/>
-                    <a:lumOff val="40000"/>
-                  </a:schemeClr>
-                </a:solidFill>
-              </a:rPr>
-              <a:t>" " </a:t>
-            </a:r>
-            <a:r>
-              <a:rPr lang="en-US" dirty="0"/>
-              <a:t>+ </a:t>
-            </a:r>
-            <a:r>
-              <a:rPr lang="en-US" dirty="0" err="1"/>
-              <a:t>lastName</a:t>
-            </a:r>
-            <a:r>
-              <a:rPr lang="en-US" dirty="0" smtClean="0"/>
-              <a:t>;</a:t>
-            </a:r>
-            <a:endParaRPr lang="en-US" dirty="0"/>
-          </a:p>
-          <a:p>
-            <a:r>
-              <a:rPr lang="en-US" dirty="0"/>
-              <a:t>	</a:t>
-            </a:r>
-            <a:r>
-              <a:rPr lang="en-US" dirty="0" smtClean="0"/>
-              <a:t>}</a:t>
-            </a:r>
-            <a:endParaRPr lang="en-US" dirty="0"/>
-          </a:p>
-          <a:p>
-            <a:r>
-              <a:rPr lang="en-US" dirty="0"/>
-              <a:t>		</a:t>
-            </a:r>
-            <a:r>
-              <a:rPr lang="en-US" dirty="0">
-                <a:solidFill>
-                  <a:schemeClr val="tx2">
-                    <a:lumMod val="60000"/>
-                    <a:lumOff val="40000"/>
-                  </a:schemeClr>
-                </a:solidFill>
-              </a:rPr>
-              <a:t>return</a:t>
-            </a:r>
-            <a:r>
-              <a:rPr lang="en-US" dirty="0"/>
-              <a:t> </a:t>
-            </a:r>
-            <a:r>
-              <a:rPr lang="en-US" dirty="0" err="1" smtClean="0"/>
-              <a:t>makeFullName</a:t>
-            </a:r>
-            <a:r>
-              <a:rPr lang="en-US" dirty="0" smtClean="0"/>
-              <a:t>();</a:t>
-            </a:r>
-            <a:endParaRPr lang="en-US" dirty="0"/>
-          </a:p>
-          <a:p>
-            <a:r>
-              <a:rPr lang="en-US" dirty="0"/>
-              <a:t>}</a:t>
-            </a:r>
-            <a:br>
-              <a:rPr lang="en-US" dirty="0"/>
-            </a:br>
-            <a:endParaRPr lang="en-US" dirty="0" smtClean="0"/>
-          </a:p>
-          <a:p>
-            <a:r>
-              <a:rPr lang="en-US" dirty="0" smtClean="0"/>
-              <a:t>console.log(</a:t>
-            </a:r>
-            <a:r>
-              <a:rPr lang="en-US" dirty="0" err="1" smtClean="0"/>
-              <a:t>showName</a:t>
-            </a:r>
-            <a:r>
-              <a:rPr lang="en-US" dirty="0" smtClean="0"/>
-              <a:t>(</a:t>
-            </a:r>
-            <a:r>
-              <a:rPr lang="en-US" dirty="0" smtClean="0">
-                <a:solidFill>
-                  <a:schemeClr val="accent6">
-                    <a:lumMod val="60000"/>
-                    <a:lumOff val="40000"/>
-                  </a:schemeClr>
-                </a:solidFill>
-              </a:rPr>
-              <a:t>"</a:t>
-            </a:r>
-            <a:r>
-              <a:rPr lang="en-US" dirty="0" err="1" smtClean="0">
-                <a:solidFill>
-                  <a:schemeClr val="accent6">
-                    <a:lumMod val="60000"/>
-                    <a:lumOff val="40000"/>
-                  </a:schemeClr>
-                </a:solidFill>
-              </a:rPr>
-              <a:t>Princess"</a:t>
-            </a:r>
-            <a:r>
-              <a:rPr lang="en-US" dirty="0" err="1" smtClean="0"/>
-              <a:t>,</a:t>
-            </a:r>
-            <a:r>
-              <a:rPr lang="en-US" dirty="0" err="1" smtClean="0">
-                <a:solidFill>
-                  <a:schemeClr val="accent6">
-                    <a:lumMod val="60000"/>
-                    <a:lumOff val="40000"/>
-                  </a:schemeClr>
-                </a:solidFill>
-              </a:rPr>
-              <a:t>"Gabby</a:t>
-            </a:r>
-            <a:r>
-              <a:rPr lang="en-US" dirty="0" smtClean="0">
-                <a:solidFill>
-                  <a:schemeClr val="accent6">
-                    <a:lumMod val="60000"/>
-                    <a:lumOff val="40000"/>
-                  </a:schemeClr>
-                </a:solidFill>
-              </a:rPr>
-              <a:t>"</a:t>
-            </a:r>
-            <a:r>
-              <a:rPr lang="en-US" dirty="0" smtClean="0"/>
-              <a:t>));</a:t>
-            </a:r>
-            <a:r>
-              <a:rPr lang="en-US" dirty="0" smtClean="0">
-                <a:solidFill>
-                  <a:srgbClr val="1A8505"/>
-                </a:solidFill>
-              </a:rPr>
-              <a:t>//Your name is Princess Gabby</a:t>
+              <a:t>// Be sure to wrap the function in parentheses and add another pair of parentheses at the end of the function</a:t>
             </a:r>
             <a:endParaRPr lang="en-US" dirty="0"/>
           </a:p>
@@ -18827,20 +19193,13 @@
     </p:spTree>
     <p:extLst>
       <p:ext uri="{BB962C8B-B14F-4D97-AF65-F5344CB8AC3E}">
-        <p14:creationId xmlns:p14="http://schemas.microsoft.com/office/powerpoint/2010/main" val="276408447"/>
+        <p14:creationId xmlns:p14="http://schemas.microsoft.com/office/powerpoint/2010/main" val="4292875149"/>
       </p:ext>
     </p:extLst>
   </p:cSld>
   <p:clrMapOvr>
     <a:masterClrMapping/>
   </p:clrMapOvr>
-  <p:timing>
-    <p:tnLst>
-      <p:par>
-        <p:cTn id="1" dur="indefinite" restart="never" nodeType="tmRoot"/>
-      </p:par>
-    </p:tnLst>
-  </p:timing>
 </p:sld>
 </file>
 
@@ -18863,7 +19222,7 @@
       </p:grpSpPr>
       <p:sp>
         <p:nvSpPr>
-          <p:cNvPr id="2" name="Title 1"/>
+          <p:cNvPr id="4" name="Title 3"/>
           <p:cNvSpPr>
             <a:spLocks noGrp="1"/>
           </p:cNvSpPr>
@@ -18878,7 +19237,7 @@
           <a:p>
             <a:r>
               <a:rPr lang="en-US" dirty="0" smtClean="0"/>
-              <a:t>Enclosure Fun Facts	</a:t>
+              <a:t>Enclosures</a:t>
             </a:r>
             <a:endParaRPr lang="en-US" dirty="0"/>
           </a:p>
@@ -18886,7 +19245,7 @@
       </p:sp>
       <p:sp>
         <p:nvSpPr>
-          <p:cNvPr id="3" name="Content Placeholder 2"/>
+          <p:cNvPr id="5" name="Content Placeholder 4"/>
           <p:cNvSpPr>
             <a:spLocks noGrp="1"/>
           </p:cNvSpPr>
@@ -18896,19 +19255,128 @@
         </p:nvSpPr>
         <p:spPr/>
         <p:txBody>
-          <a:bodyPr/>
+          <a:bodyPr>
+            <a:normAutofit/>
+          </a:bodyPr>
           <a:lstStyle/>
           <a:p>
             <a:r>
               <a:rPr lang="en-US" dirty="0" smtClean="0"/>
-              <a:t>Being that enclosures have access to their outer functions variables and parameters, this allows the enclosures to be called later after the function returns and still be able to have access to these variables</a:t>
-            </a:r>
-          </a:p>
-          <a:p>
-            <a:r>
-              <a:rPr lang="en-US" dirty="0" smtClean="0"/>
-              <a:t>Enclosures only store references to outer function variables, not the actual variables themselves. This allows for variables to be updated at all times</a:t>
-            </a:r>
+              <a:t>Similar to a nested function, an enclosure </a:t>
+            </a:r>
+            <a:r>
+              <a:rPr lang="en-US" dirty="0"/>
+              <a:t>is a function written inside another function</a:t>
+            </a:r>
+            <a:r>
+              <a:rPr lang="en-US" dirty="0" smtClean="0"/>
+              <a:t>.</a:t>
+            </a:r>
+          </a:p>
+          <a:p>
+            <a:r>
+              <a:rPr lang="en-US" dirty="0" smtClean="0"/>
+              <a:t>An </a:t>
+            </a:r>
+            <a:r>
+              <a:rPr lang="en-US" dirty="0"/>
+              <a:t>enclosure has </a:t>
+            </a:r>
+            <a:r>
+              <a:rPr lang="en-US" dirty="0" smtClean="0"/>
+              <a:t>access to</a:t>
+            </a:r>
+          </a:p>
+          <a:p>
+            <a:pPr lvl="1"/>
+            <a:r>
+              <a:rPr lang="en-US" dirty="0" smtClean="0"/>
+              <a:t> its </a:t>
+            </a:r>
+            <a:r>
+              <a:rPr lang="en-US" dirty="0"/>
+              <a:t>own </a:t>
+            </a:r>
+            <a:r>
+              <a:rPr lang="en-US" dirty="0" smtClean="0"/>
+              <a:t>variables</a:t>
+            </a:r>
+          </a:p>
+          <a:p>
+            <a:pPr lvl="1"/>
+            <a:r>
+              <a:rPr lang="en-US" dirty="0" smtClean="0"/>
+              <a:t> outer </a:t>
+            </a:r>
+            <a:r>
+              <a:rPr lang="en-US" dirty="0"/>
+              <a:t>functions </a:t>
+            </a:r>
+            <a:r>
+              <a:rPr lang="en-US" dirty="0" smtClean="0"/>
+              <a:t>variables, </a:t>
+            </a:r>
+            <a:r>
+              <a:rPr lang="en-US" dirty="0"/>
+              <a:t>as well as its parameters </a:t>
+            </a:r>
+            <a:endParaRPr lang="en-US" dirty="0" smtClean="0"/>
+          </a:p>
+          <a:p>
+            <a:pPr lvl="1"/>
+            <a:r>
+              <a:rPr lang="en-US" dirty="0"/>
+              <a:t> </a:t>
+            </a:r>
+            <a:r>
+              <a:rPr lang="en-US" dirty="0" smtClean="0"/>
+              <a:t>global </a:t>
+            </a:r>
+            <a:r>
+              <a:rPr lang="en-US" dirty="0"/>
+              <a:t>variables</a:t>
+            </a:r>
+          </a:p>
+          <a:p>
+            <a:r>
+              <a:rPr lang="en-US" dirty="0"/>
+              <a:t> </a:t>
+            </a:r>
+            <a:r>
+              <a:rPr lang="en-US" dirty="0" smtClean="0"/>
+              <a:t>Always </a:t>
+            </a:r>
+            <a:r>
+              <a:rPr lang="en-US" dirty="0"/>
+              <a:t>remember that a function is made using the </a:t>
+            </a:r>
+            <a:r>
+              <a:rPr lang="en-US" b="1" i="1" dirty="0"/>
+              <a:t>function</a:t>
+            </a:r>
+            <a:r>
+              <a:rPr lang="en-US" dirty="0"/>
+              <a:t> </a:t>
+            </a:r>
+            <a:r>
+              <a:rPr lang="en-US" dirty="0" smtClean="0"/>
+              <a:t>keyword, so </a:t>
+            </a:r>
+            <a:r>
+              <a:rPr lang="en-US" dirty="0"/>
+              <a:t>an enclosure will not be created properly unless the function keyword is used.</a:t>
+            </a:r>
+          </a:p>
+          <a:p>
+            <a:pPr marL="0" indent="0">
+              <a:buNone/>
+            </a:pPr>
+            <a:endParaRPr lang="en-US" dirty="0"/>
+          </a:p>
+          <a:p>
+            <a:pPr marL="457046" lvl="1" indent="0">
+              <a:buNone/>
+            </a:pPr>
             <a:endParaRPr lang="en-US" dirty="0"/>
           </a:p>
         </p:txBody>
@@ -18916,7 +19384,7 @@
     </p:spTree>
     <p:extLst>
       <p:ext uri="{BB962C8B-B14F-4D97-AF65-F5344CB8AC3E}">
-        <p14:creationId xmlns:p14="http://schemas.microsoft.com/office/powerpoint/2010/main" val="2740517261"/>
+        <p14:creationId xmlns:p14="http://schemas.microsoft.com/office/powerpoint/2010/main" val="1874228728"/>
       </p:ext>
     </p:extLst>
   </p:cSld>
@@ -19141,23 +19609,433 @@
       </p:grpSpPr>
       <p:sp>
         <p:nvSpPr>
-          <p:cNvPr id="2" name="Title 1"/>
+          <p:cNvPr id="4" name="Text Placeholder 3"/>
           <p:cNvSpPr>
             <a:spLocks noGrp="1"/>
           </p:cNvSpPr>
           <p:nvPr>
-            <p:ph type="title"/>
+            <p:ph type="body" sz="quarter" idx="10"/>
           </p:nvPr>
         </p:nvSpPr>
         <p:spPr/>
+        <p:txBody>
+          <a:bodyPr>
+            <a:normAutofit fontScale="92500" lnSpcReduction="10000"/>
+          </a:bodyPr>
+          <a:lstStyle/>
+          <a:p>
+            <a:r>
+              <a:rPr lang="en-US" dirty="0" smtClean="0"/>
+              <a:t>Enclosure Example</a:t>
+            </a:r>
+          </a:p>
+          <a:p>
+            <a:r>
+              <a:rPr lang="en-US" sz="2600" dirty="0"/>
+              <a:t>Things to Notice:</a:t>
+            </a:r>
+          </a:p>
+          <a:p>
+            <a:pPr marL="514350" indent="-514350" fontAlgn="ctr">
+              <a:buFont typeface="+mj-lt"/>
+              <a:buAutoNum type="arabicPeriod"/>
+            </a:pPr>
+            <a:r>
+              <a:rPr lang="en-US" sz="2600" b="0" dirty="0"/>
+              <a:t>N</a:t>
+            </a:r>
+            <a:r>
+              <a:rPr lang="en-US" sz="2600" b="0" dirty="0" smtClean="0"/>
+              <a:t>o </a:t>
+            </a:r>
+            <a:r>
+              <a:rPr lang="en-US" sz="2600" b="0" dirty="0"/>
+              <a:t>parameters were passed to the </a:t>
+            </a:r>
+            <a:r>
+              <a:rPr lang="en-US" sz="2600" b="0" dirty="0" err="1"/>
+              <a:t>makeFullName</a:t>
+            </a:r>
+            <a:r>
+              <a:rPr lang="en-US" sz="2600" b="0" dirty="0"/>
+              <a:t> function yet it was able to print the name accurately . </a:t>
+            </a:r>
+          </a:p>
+          <a:p>
+            <a:pPr marL="514350" indent="-514350" fontAlgn="ctr">
+              <a:buFont typeface="+mj-lt"/>
+              <a:buAutoNum type="arabicPeriod"/>
+            </a:pPr>
+            <a:r>
+              <a:rPr lang="en-US" sz="2600" b="0" dirty="0" smtClean="0"/>
+              <a:t>The </a:t>
+            </a:r>
+            <a:r>
+              <a:rPr lang="en-US" sz="2600" b="0" dirty="0"/>
+              <a:t>function keyword is being used to define the enclosure</a:t>
+            </a:r>
+          </a:p>
+          <a:p>
+            <a:endParaRPr lang="en-US" sz="2600" dirty="0" smtClean="0"/>
+          </a:p>
+          <a:p>
+            <a:endParaRPr lang="en-US" dirty="0"/>
+          </a:p>
+        </p:txBody>
+      </p:sp>
+      <p:sp>
+        <p:nvSpPr>
+          <p:cNvPr id="5" name="Text Placeholder 4"/>
+          <p:cNvSpPr>
+            <a:spLocks noGrp="1"/>
+          </p:cNvSpPr>
+          <p:nvPr>
+            <p:ph type="body" sz="quarter" idx="11"/>
+          </p:nvPr>
+        </p:nvSpPr>
+        <p:spPr>
+          <a:xfrm>
+            <a:off x="0" y="153988"/>
+            <a:ext cx="12192000" cy="3708400"/>
+          </a:xfrm>
+        </p:spPr>
         <p:txBody>
           <a:bodyPr/>
           <a:lstStyle/>
           <a:p>
             <a:r>
-              <a:rPr lang="en-US" dirty="0" smtClean="0"/>
-              <a:t>Enclosures</a:t>
-            </a:r>
+              <a:rPr lang="en-US" dirty="0">
+                <a:solidFill>
+                  <a:schemeClr val="tx2">
+                    <a:lumMod val="60000"/>
+                    <a:lumOff val="40000"/>
+                  </a:schemeClr>
+                </a:solidFill>
+              </a:rPr>
+              <a:t>function</a:t>
+            </a:r>
+            <a:r>
+              <a:rPr lang="en-US" dirty="0"/>
+              <a:t> </a:t>
+            </a:r>
+            <a:r>
+              <a:rPr lang="en-US" dirty="0" err="1"/>
+              <a:t>showName</a:t>
+            </a:r>
+            <a:r>
+              <a:rPr lang="en-US" dirty="0"/>
+              <a:t> (</a:t>
+            </a:r>
+            <a:r>
+              <a:rPr lang="en-US" dirty="0" err="1"/>
+              <a:t>firstName</a:t>
+            </a:r>
+            <a:r>
+              <a:rPr lang="en-US" dirty="0"/>
+              <a:t>, </a:t>
+            </a:r>
+            <a:r>
+              <a:rPr lang="en-US" dirty="0" err="1"/>
+              <a:t>lastName</a:t>
+            </a:r>
+            <a:r>
+              <a:rPr lang="en-US" dirty="0"/>
+              <a:t>) </a:t>
+            </a:r>
+            <a:r>
+              <a:rPr lang="en-US" dirty="0" smtClean="0"/>
+              <a:t>{</a:t>
+            </a:r>
+            <a:endParaRPr lang="en-US" dirty="0"/>
+          </a:p>
+          <a:p>
+            <a:r>
+              <a:rPr lang="en-US" dirty="0"/>
+              <a:t>	</a:t>
+            </a:r>
+            <a:r>
+              <a:rPr lang="en-US" dirty="0" err="1">
+                <a:solidFill>
+                  <a:schemeClr val="tx2">
+                    <a:lumMod val="60000"/>
+                    <a:lumOff val="40000"/>
+                  </a:schemeClr>
+                </a:solidFill>
+              </a:rPr>
+              <a:t>var</a:t>
+            </a:r>
+            <a:r>
+              <a:rPr lang="en-US" dirty="0"/>
+              <a:t> </a:t>
+            </a:r>
+            <a:r>
+              <a:rPr lang="en-US" dirty="0" err="1"/>
+              <a:t>nameIntro</a:t>
+            </a:r>
+            <a:r>
+              <a:rPr lang="en-US" dirty="0"/>
+              <a:t> = </a:t>
+            </a:r>
+            <a:r>
+              <a:rPr lang="en-US" dirty="0">
+                <a:solidFill>
+                  <a:schemeClr val="accent6">
+                    <a:lumMod val="60000"/>
+                    <a:lumOff val="40000"/>
+                  </a:schemeClr>
+                </a:solidFill>
+              </a:rPr>
+              <a:t>"Your name is </a:t>
+            </a:r>
+            <a:r>
+              <a:rPr lang="en-US" dirty="0" smtClean="0">
+                <a:solidFill>
+                  <a:schemeClr val="accent6">
+                    <a:lumMod val="60000"/>
+                    <a:lumOff val="40000"/>
+                  </a:schemeClr>
+                </a:solidFill>
+              </a:rPr>
+              <a:t>" </a:t>
+            </a:r>
+            <a:r>
+              <a:rPr lang="en-US" dirty="0" smtClean="0"/>
+              <a:t>;</a:t>
+            </a:r>
+            <a:endParaRPr lang="en-US" dirty="0"/>
+          </a:p>
+          <a:p>
+            <a:r>
+              <a:rPr lang="en-US" dirty="0"/>
+              <a:t>	</a:t>
+            </a:r>
+          </a:p>
+          <a:p>
+            <a:r>
+              <a:rPr lang="en-US" dirty="0"/>
+              <a:t>	</a:t>
+            </a:r>
+            <a:r>
+              <a:rPr lang="en-US" dirty="0">
+                <a:solidFill>
+                  <a:schemeClr val="tx2">
+                    <a:lumMod val="60000"/>
+                    <a:lumOff val="40000"/>
+                  </a:schemeClr>
+                </a:solidFill>
+              </a:rPr>
+              <a:t>function</a:t>
+            </a:r>
+            <a:r>
+              <a:rPr lang="en-US" dirty="0"/>
+              <a:t> </a:t>
+            </a:r>
+            <a:r>
+              <a:rPr lang="en-US" dirty="0" err="1" smtClean="0"/>
+              <a:t>makeFullName</a:t>
+            </a:r>
+            <a:r>
+              <a:rPr lang="en-US" dirty="0" smtClean="0"/>
+              <a:t>(){ </a:t>
+            </a:r>
+            <a:r>
+              <a:rPr lang="en-US" dirty="0" smtClean="0">
+                <a:solidFill>
+                  <a:srgbClr val="1A8505"/>
+                </a:solidFill>
+              </a:rPr>
+              <a:t>// This is an enclosure</a:t>
+            </a:r>
+            <a:endParaRPr lang="en-US" dirty="0"/>
+          </a:p>
+          <a:p>
+            <a:r>
+              <a:rPr lang="en-US" dirty="0"/>
+              <a:t>		</a:t>
+            </a:r>
+            <a:r>
+              <a:rPr lang="en-US" dirty="0">
+                <a:solidFill>
+                  <a:schemeClr val="tx2">
+                    <a:lumMod val="60000"/>
+                    <a:lumOff val="40000"/>
+                  </a:schemeClr>
+                </a:solidFill>
+              </a:rPr>
+              <a:t>return</a:t>
+            </a:r>
+            <a:r>
+              <a:rPr lang="en-US" dirty="0"/>
+              <a:t> </a:t>
+            </a:r>
+            <a:r>
+              <a:rPr lang="en-US" dirty="0" err="1"/>
+              <a:t>nameIntro</a:t>
+            </a:r>
+            <a:r>
+              <a:rPr lang="en-US" dirty="0"/>
+              <a:t> + </a:t>
+            </a:r>
+            <a:r>
+              <a:rPr lang="en-US" dirty="0" err="1"/>
+              <a:t>firstName</a:t>
+            </a:r>
+            <a:r>
+              <a:rPr lang="en-US" dirty="0"/>
+              <a:t> + </a:t>
+            </a:r>
+            <a:r>
+              <a:rPr lang="en-US" dirty="0">
+                <a:solidFill>
+                  <a:schemeClr val="accent6">
+                    <a:lumMod val="60000"/>
+                    <a:lumOff val="40000"/>
+                  </a:schemeClr>
+                </a:solidFill>
+              </a:rPr>
+              <a:t>" " </a:t>
+            </a:r>
+            <a:r>
+              <a:rPr lang="en-US" dirty="0"/>
+              <a:t>+ </a:t>
+            </a:r>
+            <a:r>
+              <a:rPr lang="en-US" dirty="0" err="1"/>
+              <a:t>lastName</a:t>
+            </a:r>
+            <a:r>
+              <a:rPr lang="en-US" dirty="0" smtClean="0"/>
+              <a:t>;</a:t>
+            </a:r>
+            <a:endParaRPr lang="en-US" dirty="0"/>
+          </a:p>
+          <a:p>
+            <a:r>
+              <a:rPr lang="en-US" dirty="0"/>
+              <a:t>	</a:t>
+            </a:r>
+            <a:r>
+              <a:rPr lang="en-US" dirty="0" smtClean="0"/>
+              <a:t>}</a:t>
+            </a:r>
+            <a:endParaRPr lang="en-US" dirty="0"/>
+          </a:p>
+          <a:p>
+            <a:r>
+              <a:rPr lang="en-US" dirty="0"/>
+              <a:t>		</a:t>
+            </a:r>
+            <a:r>
+              <a:rPr lang="en-US" dirty="0">
+                <a:solidFill>
+                  <a:schemeClr val="tx2">
+                    <a:lumMod val="60000"/>
+                    <a:lumOff val="40000"/>
+                  </a:schemeClr>
+                </a:solidFill>
+              </a:rPr>
+              <a:t>return</a:t>
+            </a:r>
+            <a:r>
+              <a:rPr lang="en-US" dirty="0"/>
+              <a:t> </a:t>
+            </a:r>
+            <a:r>
+              <a:rPr lang="en-US" dirty="0" err="1" smtClean="0"/>
+              <a:t>makeFullName</a:t>
+            </a:r>
+            <a:r>
+              <a:rPr lang="en-US" dirty="0" smtClean="0"/>
+              <a:t>();</a:t>
+            </a:r>
+            <a:endParaRPr lang="en-US" dirty="0"/>
+          </a:p>
+          <a:p>
+            <a:r>
+              <a:rPr lang="en-US" dirty="0"/>
+              <a:t>}</a:t>
+            </a:r>
+            <a:br>
+              <a:rPr lang="en-US" dirty="0"/>
+            </a:br>
+            <a:endParaRPr lang="en-US" dirty="0" smtClean="0"/>
+          </a:p>
+          <a:p>
+            <a:r>
+              <a:rPr lang="en-US" dirty="0" smtClean="0"/>
+              <a:t>console.log(</a:t>
+            </a:r>
+            <a:r>
+              <a:rPr lang="en-US" dirty="0" err="1" smtClean="0"/>
+              <a:t>showName</a:t>
+            </a:r>
+            <a:r>
+              <a:rPr lang="en-US" dirty="0" smtClean="0"/>
+              <a:t>(</a:t>
+            </a:r>
+            <a:r>
+              <a:rPr lang="en-US" dirty="0" smtClean="0">
+                <a:solidFill>
+                  <a:schemeClr val="accent6">
+                    <a:lumMod val="60000"/>
+                    <a:lumOff val="40000"/>
+                  </a:schemeClr>
+                </a:solidFill>
+              </a:rPr>
+              <a:t>"</a:t>
+            </a:r>
+            <a:r>
+              <a:rPr lang="en-US" dirty="0" err="1" smtClean="0">
+                <a:solidFill>
+                  <a:schemeClr val="accent6">
+                    <a:lumMod val="60000"/>
+                    <a:lumOff val="40000"/>
+                  </a:schemeClr>
+                </a:solidFill>
+              </a:rPr>
+              <a:t>Princess"</a:t>
+            </a:r>
+            <a:r>
+              <a:rPr lang="en-US" dirty="0" err="1" smtClean="0"/>
+              <a:t>,</a:t>
+            </a:r>
+            <a:r>
+              <a:rPr lang="en-US" dirty="0" err="1" smtClean="0">
+                <a:solidFill>
+                  <a:schemeClr val="accent6">
+                    <a:lumMod val="60000"/>
+                    <a:lumOff val="40000"/>
+                  </a:schemeClr>
+                </a:solidFill>
+              </a:rPr>
+              <a:t>"Gabby</a:t>
+            </a:r>
+            <a:r>
+              <a:rPr lang="en-US" dirty="0" smtClean="0">
+                <a:solidFill>
+                  <a:schemeClr val="accent6">
+                    <a:lumMod val="60000"/>
+                    <a:lumOff val="40000"/>
+                  </a:schemeClr>
+                </a:solidFill>
+              </a:rPr>
+              <a:t>"</a:t>
+            </a:r>
+            <a:r>
+              <a:rPr lang="en-US" dirty="0" smtClean="0"/>
+              <a:t>));</a:t>
+            </a:r>
+            <a:r>
+              <a:rPr lang="en-US" dirty="0" smtClean="0">
+                <a:solidFill>
+                  <a:srgbClr val="1A8505"/>
+                </a:solidFill>
+              </a:rPr>
+              <a:t>//Your name is Princess Gabby</a:t>
+            </a:r>
+            <a:endParaRPr lang="en-US" dirty="0"/>
+          </a:p>
+          <a:p>
             <a:endParaRPr lang="en-US" dirty="0"/>
           </a:p>
         </p:txBody>
@@ -19165,7 +20043,7 @@
     </p:spTree>
     <p:extLst>
       <p:ext uri="{BB962C8B-B14F-4D97-AF65-F5344CB8AC3E}">
-        <p14:creationId xmlns:p14="http://schemas.microsoft.com/office/powerpoint/2010/main" val="2861444436"/>
+        <p14:creationId xmlns:p14="http://schemas.microsoft.com/office/powerpoint/2010/main" val="276408447"/>
       </p:ext>
     </p:extLst>
   </p:cSld>
@@ -19201,12 +20079,12 @@
       </p:grpSpPr>
       <p:sp>
         <p:nvSpPr>
-          <p:cNvPr id="5" name="Text Placeholder 4"/>
+          <p:cNvPr id="2" name="Title 1"/>
           <p:cNvSpPr>
             <a:spLocks noGrp="1"/>
           </p:cNvSpPr>
           <p:nvPr>
-            <p:ph type="body" sz="quarter" idx="10"/>
+            <p:ph type="title"/>
           </p:nvPr>
         </p:nvSpPr>
         <p:spPr/>
@@ -19216,24 +20094,20 @@
           <a:p>
             <a:r>
               <a:rPr lang="en-US" dirty="0" smtClean="0"/>
-              <a:t>Anonymous Functions</a:t>
-            </a:r>
-            <a:r>
-              <a:rPr lang="en-US" dirty="0"/>
-              <a:t>	</a:t>
-            </a:r>
-            <a:endParaRPr lang="en-US" dirty="0" smtClean="0"/>
-          </a:p>
-        </p:txBody>
-      </p:sp>
-      <p:sp>
-        <p:nvSpPr>
-          <p:cNvPr id="2" name="Subtitle 1"/>
+              <a:t>Enclosure Fun Facts	</a:t>
+            </a:r>
+            <a:endParaRPr lang="en-US" dirty="0"/>
+          </a:p>
+        </p:txBody>
+      </p:sp>
+      <p:sp>
+        <p:nvSpPr>
+          <p:cNvPr id="3" name="Content Placeholder 2"/>
           <p:cNvSpPr>
             <a:spLocks noGrp="1"/>
           </p:cNvSpPr>
           <p:nvPr>
-            <p:ph type="subTitle" idx="1"/>
+            <p:ph sz="quarter" idx="10"/>
           </p:nvPr>
         </p:nvSpPr>
         <p:spPr/>
@@ -19241,14 +20115,24 @@
           <a:bodyPr/>
           <a:lstStyle/>
           <a:p>
-            <a:endParaRPr lang="en-US"/>
+            <a:r>
+              <a:rPr lang="en-US" dirty="0" smtClean="0"/>
+              <a:t>Being that enclosures have access to their outer functions variables and parameters, this allows the enclosures to be called later after the function returns and still be able to have access to these variables</a:t>
+            </a:r>
+          </a:p>
+          <a:p>
+            <a:r>
+              <a:rPr lang="en-US" dirty="0" smtClean="0"/>
+              <a:t>Enclosures only store references to outer function variables, not the actual variables themselves. This allows for variables to be updated at all times</a:t>
+            </a:r>
+            <a:endParaRPr lang="en-US" dirty="0"/>
           </a:p>
         </p:txBody>
       </p:sp>
     </p:spTree>
     <p:extLst>
       <p:ext uri="{BB962C8B-B14F-4D97-AF65-F5344CB8AC3E}">
-        <p14:creationId xmlns:p14="http://schemas.microsoft.com/office/powerpoint/2010/main" val="1487187382"/>
+        <p14:creationId xmlns:p14="http://schemas.microsoft.com/office/powerpoint/2010/main" val="2740517261"/>
       </p:ext>
     </p:extLst>
   </p:cSld>
@@ -19299,81 +20183,8 @@
           <a:p>
             <a:r>
               <a:rPr lang="en-US" dirty="0" smtClean="0"/>
-              <a:t>Anonymous Functions</a:t>
-            </a:r>
-            <a:endParaRPr lang="en-US" dirty="0"/>
-          </a:p>
-        </p:txBody>
-      </p:sp>
-      <p:sp>
-        <p:nvSpPr>
-          <p:cNvPr id="3" name="Content Placeholder 2"/>
-          <p:cNvSpPr>
-            <a:spLocks noGrp="1"/>
-          </p:cNvSpPr>
-          <p:nvPr>
-            <p:ph sz="quarter" idx="10"/>
-          </p:nvPr>
-        </p:nvSpPr>
-        <p:spPr/>
-        <p:txBody>
-          <a:bodyPr/>
-          <a:lstStyle/>
-          <a:p>
-            <a:r>
-              <a:rPr lang="en-US" dirty="0" smtClean="0"/>
-              <a:t>Anonymous functions, simply put, are functions without names</a:t>
-            </a:r>
-          </a:p>
-          <a:p>
-            <a:r>
-              <a:rPr lang="en-US" dirty="0" smtClean="0"/>
-              <a:t>They are all dynamically declared at runtime</a:t>
-            </a:r>
-          </a:p>
-          <a:p>
-            <a:r>
-              <a:rPr lang="en-US" dirty="0" smtClean="0"/>
-              <a:t>They are used in various ways</a:t>
-            </a:r>
-          </a:p>
-          <a:p>
-            <a:pPr lvl="1"/>
-            <a:r>
-              <a:rPr lang="en-US" dirty="0" smtClean="0"/>
-              <a:t>As a function expression</a:t>
-            </a:r>
-          </a:p>
-          <a:p>
-            <a:pPr lvl="1"/>
-            <a:r>
-              <a:rPr lang="en-US" dirty="0" smtClean="0"/>
-              <a:t>In an object</a:t>
-            </a:r>
-          </a:p>
-          <a:p>
-            <a:pPr lvl="1"/>
-            <a:r>
-              <a:rPr lang="en-US" dirty="0" smtClean="0"/>
-              <a:t>As an event handler</a:t>
-            </a:r>
-          </a:p>
-          <a:p>
-            <a:pPr lvl="1"/>
-            <a:r>
-              <a:rPr lang="en-US" dirty="0" smtClean="0"/>
-              <a:t>As an self evoking function</a:t>
-            </a:r>
-          </a:p>
-          <a:p>
-            <a:r>
-              <a:rPr lang="en-US" dirty="0" smtClean="0"/>
-              <a:t>Common uses are for recursion and closures</a:t>
-            </a:r>
-            <a:endParaRPr lang="en-US" dirty="0"/>
-          </a:p>
-          <a:p>
-            <a:pPr lvl="3"/>
+              <a:t>Enclosures</a:t>
+            </a:r>
             <a:endParaRPr lang="en-US" dirty="0"/>
           </a:p>
         </p:txBody>
@@ -19381,7 +20192,7 @@
     </p:spTree>
     <p:extLst>
       <p:ext uri="{BB962C8B-B14F-4D97-AF65-F5344CB8AC3E}">
-        <p14:creationId xmlns:p14="http://schemas.microsoft.com/office/powerpoint/2010/main" val="905156883"/>
+        <p14:creationId xmlns:p14="http://schemas.microsoft.com/office/powerpoint/2010/main" val="2861444436"/>
       </p:ext>
     </p:extLst>
   </p:cSld>
@@ -19427,67 +20238,25 @@
         </p:nvSpPr>
         <p:spPr/>
         <p:txBody>
-          <a:bodyPr>
-            <a:normAutofit/>
-          </a:bodyPr>
+          <a:bodyPr/>
           <a:lstStyle/>
           <a:p>
             <a:r>
               <a:rPr lang="en-US" dirty="0" smtClean="0"/>
-              <a:t>Named Function vs Anonymous Functions</a:t>
-            </a:r>
-          </a:p>
-          <a:p>
-            <a:r>
-              <a:rPr lang="en-US" sz="2400" dirty="0" smtClean="0"/>
-              <a:t>Both functions logically do the same things, and can both be </a:t>
-            </a:r>
-            <a:r>
-              <a:rPr lang="en-US" sz="2400" dirty="0" err="1" smtClean="0"/>
-              <a:t>envoked</a:t>
-            </a:r>
-            <a:r>
-              <a:rPr lang="en-US" sz="2400" dirty="0" smtClean="0"/>
-              <a:t> the same way (by calling </a:t>
-            </a:r>
-            <a:r>
-              <a:rPr lang="en-US" sz="2400" i="1" dirty="0" err="1" smtClean="0"/>
-              <a:t>meTime</a:t>
-            </a:r>
-            <a:r>
-              <a:rPr lang="en-US" sz="2400" i="1" dirty="0" smtClean="0"/>
-              <a:t>(); </a:t>
-            </a:r>
-            <a:r>
-              <a:rPr lang="en-US" sz="2400" dirty="0" smtClean="0"/>
-              <a:t>).</a:t>
-            </a:r>
-          </a:p>
-          <a:p>
-            <a:r>
-              <a:rPr lang="en-US" sz="2400" dirty="0" smtClean="0"/>
-              <a:t>However the Anonymous function can not be accessed before the </a:t>
-            </a:r>
-            <a:r>
-              <a:rPr lang="en-US" sz="2400" dirty="0" err="1" smtClean="0"/>
-              <a:t>meTime</a:t>
-            </a:r>
-            <a:r>
-              <a:rPr lang="en-US" sz="2400" dirty="0" smtClean="0"/>
-              <a:t> variable is declared, while the Named Function can be accessed at any time</a:t>
-            </a:r>
-            <a:endParaRPr lang="en-US" sz="2400" dirty="0"/>
-          </a:p>
-        </p:txBody>
-      </p:sp>
-      <p:sp>
-        <p:nvSpPr>
-          <p:cNvPr id="5" name="Text Placeholder 4"/>
+              <a:t>Intro to jQuery</a:t>
+            </a:r>
+            <a:endParaRPr lang="en-US" dirty="0"/>
+          </a:p>
+        </p:txBody>
+      </p:sp>
+      <p:sp>
+        <p:nvSpPr>
+          <p:cNvPr id="3" name="Subtitle 2"/>
           <p:cNvSpPr>
             <a:spLocks noGrp="1"/>
           </p:cNvSpPr>
           <p:nvPr>
-            <p:ph type="body" sz="quarter" idx="11"/>
+            <p:ph type="subTitle" idx="1"/>
           </p:nvPr>
         </p:nvSpPr>
         <p:spPr/>
@@ -19495,190 +20264,14 @@
           <a:bodyPr/>
           <a:lstStyle/>
           <a:p>
-            <a:r>
-              <a:rPr lang="en-US" dirty="0" smtClean="0">
-                <a:solidFill>
-                  <a:schemeClr val="tx2">
-                    <a:lumMod val="60000"/>
-                    <a:lumOff val="40000"/>
-                  </a:schemeClr>
-                </a:solidFill>
-              </a:rPr>
-              <a:t>function</a:t>
-            </a:r>
-            <a:r>
-              <a:rPr lang="en-US" dirty="0" smtClean="0"/>
-              <a:t> </a:t>
-            </a:r>
-            <a:r>
-              <a:rPr lang="en-US" dirty="0" err="1" smtClean="0"/>
-              <a:t>meTime</a:t>
-            </a:r>
-            <a:r>
-              <a:rPr lang="en-US" dirty="0" smtClean="0"/>
-              <a:t> (){ </a:t>
-            </a:r>
-            <a:r>
-              <a:rPr lang="en-US" dirty="0" smtClean="0">
-                <a:solidFill>
-                  <a:srgbClr val="1A8505"/>
-                </a:solidFill>
-              </a:rPr>
-              <a:t>// Named function</a:t>
-            </a:r>
-            <a:endParaRPr lang="en-US" dirty="0" smtClean="0"/>
-          </a:p>
-          <a:p>
-            <a:r>
-              <a:rPr lang="en-US" dirty="0"/>
-              <a:t>	alert</a:t>
-            </a:r>
-            <a:r>
-              <a:rPr lang="en-US" dirty="0" smtClean="0"/>
-              <a:t>( </a:t>
-            </a:r>
-            <a:r>
-              <a:rPr lang="en-US" dirty="0" smtClean="0">
-                <a:solidFill>
-                  <a:schemeClr val="accent6"/>
-                </a:solidFill>
-              </a:rPr>
-              <a:t>"Go do something fun!“</a:t>
-            </a:r>
-            <a:r>
-              <a:rPr lang="en-US" dirty="0" smtClean="0"/>
-              <a:t> );</a:t>
-            </a:r>
-          </a:p>
-          <a:p>
-            <a:r>
-              <a:rPr lang="en-US" dirty="0" smtClean="0"/>
-              <a:t>}</a:t>
-            </a:r>
-          </a:p>
-          <a:p>
-            <a:endParaRPr lang="en-US" dirty="0" smtClean="0"/>
-          </a:p>
-          <a:p>
-            <a:endParaRPr lang="en-US" dirty="0"/>
-          </a:p>
-          <a:p>
-            <a:r>
-              <a:rPr lang="en-US" dirty="0" err="1" smtClean="0">
-                <a:solidFill>
-                  <a:schemeClr val="tx2">
-                    <a:lumMod val="60000"/>
-                    <a:lumOff val="40000"/>
-                  </a:schemeClr>
-                </a:solidFill>
-              </a:rPr>
-              <a:t>var</a:t>
-            </a:r>
-            <a:r>
-              <a:rPr lang="en-US" dirty="0" smtClean="0"/>
-              <a:t> </a:t>
-            </a:r>
-            <a:r>
-              <a:rPr lang="en-US" dirty="0" err="1" smtClean="0"/>
-              <a:t>meTime</a:t>
-            </a:r>
-            <a:r>
-              <a:rPr lang="en-US" dirty="0" smtClean="0"/>
-              <a:t> = </a:t>
-            </a:r>
-            <a:r>
-              <a:rPr lang="en-US" dirty="0" smtClean="0">
-                <a:solidFill>
-                  <a:schemeClr val="tx2">
-                    <a:lumMod val="60000"/>
-                    <a:lumOff val="40000"/>
-                  </a:schemeClr>
-                </a:solidFill>
-              </a:rPr>
-              <a:t>function</a:t>
-            </a:r>
-            <a:r>
-              <a:rPr lang="en-US" dirty="0" smtClean="0"/>
-              <a:t>(){ </a:t>
-            </a:r>
-            <a:r>
-              <a:rPr lang="en-US" dirty="0" smtClean="0">
-                <a:solidFill>
-                  <a:srgbClr val="1A8505"/>
-                </a:solidFill>
-              </a:rPr>
-              <a:t>// Anonymous function</a:t>
-            </a:r>
-            <a:endParaRPr lang="en-US" dirty="0" smtClean="0"/>
-          </a:p>
-          <a:p>
-            <a:r>
-              <a:rPr lang="en-US" dirty="0" smtClean="0"/>
-              <a:t>	alert( </a:t>
-            </a:r>
-            <a:r>
-              <a:rPr lang="en-US" dirty="0" smtClean="0">
-                <a:solidFill>
-                  <a:schemeClr val="accent6"/>
-                </a:solidFill>
-              </a:rPr>
-              <a:t>"</a:t>
-            </a:r>
-            <a:r>
-              <a:rPr lang="en-US" dirty="0">
-                <a:solidFill>
-                  <a:schemeClr val="accent6"/>
-                </a:solidFill>
-              </a:rPr>
-              <a:t>Go do something fun</a:t>
-            </a:r>
-            <a:r>
-              <a:rPr lang="en-US" dirty="0" smtClean="0">
-                <a:solidFill>
-                  <a:schemeClr val="accent6"/>
-                </a:solidFill>
-              </a:rPr>
-              <a:t>!“</a:t>
-            </a:r>
-            <a:r>
-              <a:rPr lang="en-US" dirty="0" smtClean="0"/>
-              <a:t> );</a:t>
-            </a:r>
-            <a:endParaRPr lang="en-US" dirty="0"/>
-          </a:p>
-          <a:p>
-            <a:r>
-              <a:rPr lang="en-US" dirty="0" smtClean="0"/>
-              <a:t>}</a:t>
-            </a:r>
-          </a:p>
-          <a:p>
-            <a:endParaRPr lang="en-US" dirty="0"/>
-          </a:p>
-          <a:p>
-            <a:r>
-              <a:rPr lang="en-US" dirty="0" smtClean="0">
-                <a:solidFill>
-                  <a:srgbClr val="1A8505"/>
-                </a:solidFill>
-              </a:rPr>
-              <a:t>// what is the difference?</a:t>
-            </a:r>
-            <a:endParaRPr lang="en-US" dirty="0">
-              <a:solidFill>
-                <a:srgbClr val="1A8505"/>
-              </a:solidFill>
-            </a:endParaRPr>
-          </a:p>
-          <a:p>
-            <a:endParaRPr lang="en-US" dirty="0"/>
+            <a:endParaRPr lang="en-US"/>
           </a:p>
         </p:txBody>
       </p:sp>
     </p:spTree>
     <p:extLst>
       <p:ext uri="{BB962C8B-B14F-4D97-AF65-F5344CB8AC3E}">
-        <p14:creationId xmlns:p14="http://schemas.microsoft.com/office/powerpoint/2010/main" val="411065260"/>
+        <p14:creationId xmlns:p14="http://schemas.microsoft.com/office/powerpoint/2010/main" val="3452544317"/>
       </p:ext>
     </p:extLst>
   </p:cSld>
@@ -19722,7 +20315,48 @@
           <a:p>
             <a:r>
               <a:rPr lang="en-US" dirty="0" smtClean="0"/>
-              <a:t>Different ways to Declare Anonymous Functions</a:t>
+              <a:t>jQuery	</a:t>
+            </a:r>
+            <a:endParaRPr lang="en-US" dirty="0"/>
+          </a:p>
+        </p:txBody>
+      </p:sp>
+      <p:sp>
+        <p:nvSpPr>
+          <p:cNvPr id="5" name="Content Placeholder 4"/>
+          <p:cNvSpPr>
+            <a:spLocks noGrp="1"/>
+          </p:cNvSpPr>
+          <p:nvPr>
+            <p:ph sz="quarter" idx="10"/>
+          </p:nvPr>
+        </p:nvSpPr>
+        <p:spPr/>
+        <p:txBody>
+          <a:bodyPr/>
+          <a:lstStyle/>
+          <a:p>
+            <a:r>
+              <a:rPr lang="en-US" dirty="0" smtClean="0"/>
+              <a:t>The “write less, do more” JavaScript library</a:t>
+            </a:r>
+          </a:p>
+          <a:p>
+            <a:endParaRPr lang="en-US" dirty="0"/>
+          </a:p>
+          <a:p>
+            <a:r>
+              <a:rPr lang="en-US" dirty="0" smtClean="0"/>
+              <a:t>Used to simplify tasks of JavaScript by writing less code</a:t>
+            </a:r>
+          </a:p>
+          <a:p>
+            <a:endParaRPr lang="en-US" dirty="0"/>
+          </a:p>
+          <a:p>
+            <a:r>
+              <a:rPr lang="en-US" dirty="0" smtClean="0"/>
+              <a:t>Used for event handling and animations</a:t>
             </a:r>
             <a:endParaRPr lang="en-US" dirty="0"/>
           </a:p>
@@ -19731,7 +20365,7 @@
     </p:spTree>
     <p:extLst>
       <p:ext uri="{BB962C8B-B14F-4D97-AF65-F5344CB8AC3E}">
-        <p14:creationId xmlns:p14="http://schemas.microsoft.com/office/powerpoint/2010/main" val="3672546998"/>
+        <p14:creationId xmlns:p14="http://schemas.microsoft.com/office/powerpoint/2010/main" val="501031393"/>
       </p:ext>
     </p:extLst>
   </p:cSld>
@@ -19760,7 +20394,7 @@
       </p:grpSpPr>
       <p:sp>
         <p:nvSpPr>
-          <p:cNvPr id="3" name="Text Placeholder 2"/>
+          <p:cNvPr id="5" name="Text Placeholder 4"/>
           <p:cNvSpPr>
             <a:spLocks noGrp="1"/>
           </p:cNvSpPr>
@@ -19770,36 +20404,40 @@
         </p:nvSpPr>
         <p:spPr/>
         <p:txBody>
-          <a:bodyPr/>
+          <a:bodyPr>
+            <a:normAutofit fontScale="92500" lnSpcReduction="10000"/>
+          </a:bodyPr>
           <a:lstStyle/>
           <a:p>
             <a:r>
               <a:rPr lang="en-US" dirty="0" smtClean="0"/>
-              <a:t>Recursion</a:t>
-            </a:r>
-          </a:p>
-          <a:p>
-            <a:r>
-              <a:rPr lang="en-US" dirty="0" smtClean="0"/>
-              <a:t>Since this function does not have a name, to call the function again you use the </a:t>
-            </a:r>
-            <a:r>
-              <a:rPr lang="en-US" dirty="0" err="1" smtClean="0"/>
-              <a:t>arguments.callee</a:t>
-            </a:r>
-            <a:r>
-              <a:rPr lang="en-US" dirty="0" smtClean="0"/>
-              <a:t> local variable.</a:t>
-            </a:r>
-          </a:p>
-          <a:p>
+              <a:t>Syntax: The basis is to select a HTML elements and perform some action on the element</a:t>
+            </a:r>
+          </a:p>
+          <a:p>
+            <a:r>
+              <a:rPr lang="en-US" dirty="0" smtClean="0"/>
+              <a:t>$ sign defines/accesses jQuery</a:t>
+            </a:r>
+          </a:p>
+          <a:p>
+            <a:r>
+              <a:rPr lang="en-US" dirty="0" smtClean="0"/>
+              <a:t>(selector) is used to find the element of choice</a:t>
+            </a:r>
+          </a:p>
+          <a:p>
+            <a:r>
+              <a:rPr lang="en-US" dirty="0" smtClean="0"/>
+              <a:t>.action( ) is performed on the element</a:t>
+            </a:r>
             <a:endParaRPr lang="en-US" dirty="0"/>
           </a:p>
         </p:txBody>
       </p:sp>
       <p:sp>
         <p:nvSpPr>
-          <p:cNvPr id="4" name="Text Placeholder 3"/>
+          <p:cNvPr id="6" name="Text Placeholder 5"/>
           <p:cNvSpPr>
             <a:spLocks noGrp="1"/>
           </p:cNvSpPr>
@@ -19807,116 +20445,127 @@
             <p:ph type="body" sz="quarter" idx="11"/>
           </p:nvPr>
         </p:nvSpPr>
-        <p:spPr/>
+        <p:spPr>
+          <a:xfrm>
+            <a:off x="215900" y="153988"/>
+            <a:ext cx="11753850" cy="3656012"/>
+          </a:xfrm>
+        </p:spPr>
         <p:txBody>
           <a:bodyPr/>
           <a:lstStyle/>
           <a:p>
             <a:r>
-              <a:rPr lang="en-US" dirty="0">
-                <a:solidFill>
-                  <a:srgbClr val="1A8505"/>
+              <a:rPr lang="en-US" dirty="0" smtClean="0"/>
+              <a:t>&lt;</a:t>
+            </a:r>
+            <a:r>
+              <a:rPr lang="en-US" dirty="0" smtClean="0">
+                <a:solidFill>
+                  <a:schemeClr val="accent1"/>
                 </a:solidFill>
               </a:rPr>
-              <a:t>// This </a:t>
+              <a:t>script</a:t>
+            </a:r>
+            <a:r>
+              <a:rPr lang="en-US" dirty="0" smtClean="0"/>
+              <a:t>&gt;</a:t>
+            </a:r>
+          </a:p>
+          <a:p>
+            <a:endParaRPr lang="en-US" dirty="0" smtClean="0"/>
+          </a:p>
+          <a:p>
+            <a:r>
+              <a:rPr lang="en-US" dirty="0"/>
+              <a:t>	</a:t>
+            </a:r>
+            <a:r>
+              <a:rPr lang="en-US" dirty="0" smtClean="0"/>
+              <a:t>$(</a:t>
             </a:r>
             <a:r>
               <a:rPr lang="en-US" dirty="0" smtClean="0">
                 <a:solidFill>
-                  <a:srgbClr val="1A8505"/>
+                  <a:schemeClr val="accent1"/>
                 </a:solidFill>
               </a:rPr>
-              <a:t>function will calculate the factorial of any given number</a:t>
-            </a:r>
-            <a:endParaRPr lang="en-US" dirty="0" smtClean="0">
-              <a:solidFill>
-                <a:schemeClr val="tx2">
-                  <a:lumMod val="60000"/>
-                  <a:lumOff val="40000"/>
-                </a:schemeClr>
-              </a:solidFill>
-            </a:endParaRPr>
-          </a:p>
-          <a:p>
-            <a:r>
-              <a:rPr lang="en-US" dirty="0" err="1" smtClean="0">
-                <a:solidFill>
-                  <a:schemeClr val="tx2">
-                    <a:lumMod val="60000"/>
-                    <a:lumOff val="40000"/>
-                  </a:schemeClr>
+              <a:t>this</a:t>
+            </a:r>
+            <a:r>
+              <a:rPr lang="en-US" dirty="0" smtClean="0"/>
+              <a:t>).hide();</a:t>
+            </a:r>
+          </a:p>
+          <a:p>
+            <a:r>
+              <a:rPr lang="en-US" dirty="0"/>
+              <a:t>	</a:t>
+            </a:r>
+            <a:endParaRPr lang="en-US" dirty="0" smtClean="0"/>
+          </a:p>
+          <a:p>
+            <a:r>
+              <a:rPr lang="en-US" dirty="0"/>
+              <a:t>	</a:t>
+            </a:r>
+            <a:r>
+              <a:rPr lang="en-US" dirty="0" smtClean="0"/>
+              <a:t>$(</a:t>
+            </a:r>
+            <a:r>
+              <a:rPr lang="en-US" dirty="0" smtClean="0">
+                <a:solidFill>
+                  <a:schemeClr val="accent6"/>
                 </a:solidFill>
               </a:rPr>
-              <a:t>var</a:t>
-            </a:r>
-            <a:r>
-              <a:rPr lang="en-US" dirty="0" smtClean="0"/>
-              <a:t> factorial </a:t>
-            </a:r>
-            <a:r>
-              <a:rPr lang="en-US" dirty="0"/>
-              <a:t>= </a:t>
+              <a:t>“p”</a:t>
+            </a:r>
+            <a:r>
+              <a:rPr lang="en-US" dirty="0" smtClean="0"/>
+              <a:t>).hide();</a:t>
+            </a:r>
+          </a:p>
+          <a:p>
+            <a:endParaRPr lang="en-US" dirty="0"/>
+          </a:p>
+          <a:p>
+            <a:r>
+              <a:rPr lang="en-US" dirty="0" smtClean="0"/>
+              <a:t>	$(</a:t>
             </a:r>
             <a:r>
               <a:rPr lang="en-US" dirty="0" smtClean="0">
                 <a:solidFill>
-                  <a:schemeClr val="tx2">
-                    <a:lumMod val="60000"/>
-                    <a:lumOff val="40000"/>
-                  </a:schemeClr>
+                  <a:schemeClr val="accent6"/>
                 </a:solidFill>
               </a:rPr>
-              <a:t>function</a:t>
-            </a:r>
-            <a:r>
-              <a:rPr lang="en-US" dirty="0" smtClean="0"/>
-              <a:t>(x){</a:t>
-            </a:r>
-            <a:endParaRPr lang="en-US" dirty="0"/>
-          </a:p>
-          <a:p>
-            <a:r>
-              <a:rPr lang="en-US" dirty="0" smtClean="0"/>
-              <a:t>	</a:t>
+              <a:t>“.test”</a:t>
+            </a:r>
+            <a:r>
+              <a:rPr lang="en-US" dirty="0" smtClean="0"/>
+              <a:t>).hide();</a:t>
+            </a:r>
+          </a:p>
+          <a:p>
+            <a:endParaRPr lang="en-US" dirty="0" smtClean="0"/>
+          </a:p>
+          <a:p>
+            <a:r>
+              <a:rPr lang="en-US" dirty="0" smtClean="0"/>
+              <a:t>&lt;/</a:t>
             </a:r>
             <a:r>
               <a:rPr lang="en-US" dirty="0" smtClean="0">
                 <a:solidFill>
-                  <a:schemeClr val="tx2">
-                    <a:lumMod val="60000"/>
-                    <a:lumOff val="40000"/>
-                  </a:schemeClr>
+                  <a:schemeClr val="accent1"/>
                 </a:solidFill>
               </a:rPr>
-              <a:t>return</a:t>
-            </a:r>
-            <a:r>
-              <a:rPr lang="en-US" dirty="0" smtClean="0"/>
-              <a:t> !(n &gt; 1) ? 1 : </a:t>
-            </a:r>
-            <a:r>
-              <a:rPr lang="en-US" dirty="0" err="1" smtClean="0"/>
-              <a:t>arguments.callee</a:t>
-            </a:r>
-            <a:r>
-              <a:rPr lang="en-US" dirty="0" smtClean="0"/>
-              <a:t>(n – 1) * n;</a:t>
-            </a:r>
-            <a:endParaRPr lang="en-US" dirty="0"/>
-          </a:p>
-          <a:p>
-            <a:r>
-              <a:rPr lang="en-US" dirty="0" smtClean="0"/>
-              <a:t>}</a:t>
-            </a:r>
-          </a:p>
-          <a:p>
-            <a:endParaRPr lang="en-US" dirty="0"/>
-          </a:p>
-          <a:p>
-            <a:r>
-              <a:rPr lang="en-US" dirty="0" smtClean="0"/>
-              <a:t>Console.log(factorial(10));</a:t>
+              <a:t>script</a:t>
+            </a:r>
+            <a:r>
+              <a:rPr lang="en-US" dirty="0" smtClean="0"/>
+              <a:t>&gt;</a:t>
             </a:r>
             <a:endParaRPr lang="en-US" dirty="0"/>
           </a:p>
@@ -19925,7 +20574,7 @@
     </p:spTree>
     <p:extLst>
       <p:ext uri="{BB962C8B-B14F-4D97-AF65-F5344CB8AC3E}">
-        <p14:creationId xmlns:p14="http://schemas.microsoft.com/office/powerpoint/2010/main" val="4154244751"/>
+        <p14:creationId xmlns:p14="http://schemas.microsoft.com/office/powerpoint/2010/main" val="3769223240"/>
       </p:ext>
     </p:extLst>
   </p:cSld>
@@ -19954,7 +20603,7 @@
       </p:grpSpPr>
       <p:sp>
         <p:nvSpPr>
-          <p:cNvPr id="2" name="Text Placeholder 1"/>
+          <p:cNvPr id="5" name="Text Placeholder 4"/>
           <p:cNvSpPr>
             <a:spLocks noGrp="1"/>
           </p:cNvSpPr>
@@ -19969,26 +20618,24 @@
           <a:p>
             <a:r>
               <a:rPr lang="en-US" dirty="0" smtClean="0"/>
-              <a:t>Enclosures</a:t>
-            </a:r>
-          </a:p>
-          <a:p>
-            <a:r>
-              <a:rPr lang="en-US" dirty="0" smtClean="0"/>
-              <a:t>The get and set of the return object use anonymous functions as enclosures</a:t>
-            </a:r>
-            <a:endParaRPr lang="en-US" dirty="0"/>
-          </a:p>
-        </p:txBody>
-      </p:sp>
-      <p:sp>
-        <p:nvSpPr>
-          <p:cNvPr id="3" name="Text Placeholder 2"/>
+              <a:t>Anonymous Functions</a:t>
+            </a:r>
+            <a:r>
+              <a:rPr lang="en-US" dirty="0"/>
+              <a:t>	</a:t>
+            </a:r>
+            <a:endParaRPr lang="en-US" dirty="0" smtClean="0"/>
+          </a:p>
+        </p:txBody>
+      </p:sp>
+      <p:sp>
+        <p:nvSpPr>
+          <p:cNvPr id="2" name="Subtitle 1"/>
           <p:cNvSpPr>
             <a:spLocks noGrp="1"/>
           </p:cNvSpPr>
           <p:nvPr>
-            <p:ph type="body" sz="quarter" idx="11"/>
+            <p:ph type="subTitle" idx="1"/>
           </p:nvPr>
         </p:nvSpPr>
         <p:spPr/>
@@ -19996,198 +20643,27 @@
           <a:bodyPr/>
           <a:lstStyle/>
           <a:p>
-            <a:r>
-              <a:rPr lang="en-US" dirty="0">
-                <a:solidFill>
-                  <a:schemeClr val="tx2">
-                    <a:lumMod val="60000"/>
-                    <a:lumOff val="40000"/>
-                  </a:schemeClr>
-                </a:solidFill>
-              </a:rPr>
-              <a:t>function </a:t>
-            </a:r>
-            <a:r>
-              <a:rPr lang="en-US" dirty="0" err="1"/>
-              <a:t>theLocation</a:t>
-            </a:r>
-            <a:r>
-              <a:rPr lang="en-US" dirty="0"/>
-              <a:t>(){</a:t>
-            </a:r>
-          </a:p>
-          <a:p>
-            <a:r>
-              <a:rPr lang="en-US" dirty="0"/>
-              <a:t>	</a:t>
-            </a:r>
-            <a:r>
-              <a:rPr lang="en-US" dirty="0" err="1">
-                <a:solidFill>
-                  <a:schemeClr val="tx2">
-                    <a:lumMod val="60000"/>
-                    <a:lumOff val="40000"/>
-                  </a:schemeClr>
-                </a:solidFill>
-              </a:rPr>
-              <a:t>var</a:t>
-            </a:r>
-            <a:r>
-              <a:rPr lang="en-US" dirty="0"/>
-              <a:t> city = </a:t>
-            </a:r>
-            <a:r>
-              <a:rPr lang="en-US" dirty="0">
-                <a:solidFill>
-                  <a:schemeClr val="accent6"/>
-                </a:solidFill>
-              </a:rPr>
-              <a:t>"San Francisco"</a:t>
-            </a:r>
-            <a:r>
-              <a:rPr lang="en-US" dirty="0"/>
-              <a:t>;</a:t>
-            </a:r>
-          </a:p>
-          <a:p>
-            <a:r>
-              <a:rPr lang="en-US" dirty="0"/>
-              <a:t>	</a:t>
-            </a:r>
-          </a:p>
-          <a:p>
-            <a:r>
-              <a:rPr lang="en-US" dirty="0"/>
-              <a:t>	</a:t>
-            </a:r>
-            <a:r>
-              <a:rPr lang="en-US" dirty="0">
-                <a:solidFill>
-                  <a:schemeClr val="tx2">
-                    <a:lumMod val="60000"/>
-                    <a:lumOff val="40000"/>
-                  </a:schemeClr>
-                </a:solidFill>
-              </a:rPr>
-              <a:t>return</a:t>
-            </a:r>
-            <a:r>
-              <a:rPr lang="en-US" dirty="0"/>
-              <a:t> {</a:t>
-            </a:r>
-          </a:p>
-          <a:p>
-            <a:r>
-              <a:rPr lang="en-US" dirty="0"/>
-              <a:t>		</a:t>
-            </a:r>
-            <a:r>
-              <a:rPr lang="en-US" dirty="0">
-                <a:solidFill>
-                  <a:schemeClr val="tx2">
-                    <a:lumMod val="60000"/>
-                    <a:lumOff val="40000"/>
-                  </a:schemeClr>
-                </a:solidFill>
-              </a:rPr>
-              <a:t>get</a:t>
-            </a:r>
-            <a:r>
-              <a:rPr lang="en-US" dirty="0"/>
-              <a:t>: </a:t>
-            </a:r>
-            <a:r>
-              <a:rPr lang="en-US" dirty="0">
-                <a:solidFill>
-                  <a:schemeClr val="tx2">
-                    <a:lumMod val="60000"/>
-                    <a:lumOff val="40000"/>
-                  </a:schemeClr>
-                </a:solidFill>
-              </a:rPr>
-              <a:t>function</a:t>
-            </a:r>
-            <a:r>
-              <a:rPr lang="en-US" dirty="0"/>
-              <a:t>() {console.log(city);},</a:t>
-            </a:r>
-          </a:p>
-          <a:p>
-            <a:r>
-              <a:rPr lang="en-US" dirty="0"/>
-              <a:t>		</a:t>
-            </a:r>
-            <a:r>
-              <a:rPr lang="en-US" dirty="0">
-                <a:solidFill>
-                  <a:schemeClr val="tx2">
-                    <a:lumMod val="60000"/>
-                    <a:lumOff val="40000"/>
-                  </a:schemeClr>
-                </a:solidFill>
-              </a:rPr>
-              <a:t>set</a:t>
-            </a:r>
-            <a:r>
-              <a:rPr lang="en-US" dirty="0"/>
-              <a:t>: </a:t>
-            </a:r>
-            <a:r>
-              <a:rPr lang="en-US" dirty="0">
-                <a:solidFill>
-                  <a:schemeClr val="tx2">
-                    <a:lumMod val="60000"/>
-                    <a:lumOff val="40000"/>
-                  </a:schemeClr>
-                </a:solidFill>
-              </a:rPr>
-              <a:t>function</a:t>
-            </a:r>
-            <a:r>
-              <a:rPr lang="en-US" dirty="0"/>
-              <a:t>(</a:t>
-            </a:r>
-            <a:r>
-              <a:rPr lang="en-US" dirty="0" err="1"/>
-              <a:t>newCity</a:t>
-            </a:r>
-            <a:r>
-              <a:rPr lang="en-US" dirty="0"/>
-              <a:t>) {city = </a:t>
-            </a:r>
-            <a:r>
-              <a:rPr lang="en-US" dirty="0" err="1"/>
-              <a:t>newCity</a:t>
-            </a:r>
-            <a:r>
-              <a:rPr lang="en-US" dirty="0"/>
-              <a:t>;}</a:t>
-            </a:r>
-          </a:p>
-          <a:p>
-            <a:r>
-              <a:rPr lang="en-US" dirty="0"/>
-              <a:t>	};</a:t>
-            </a:r>
-          </a:p>
-          <a:p>
-            <a:r>
-              <a:rPr lang="en-US" dirty="0"/>
-              <a:t>}</a:t>
-            </a:r>
+            <a:endParaRPr lang="en-US"/>
           </a:p>
         </p:txBody>
       </p:sp>
     </p:spTree>
     <p:extLst>
       <p:ext uri="{BB962C8B-B14F-4D97-AF65-F5344CB8AC3E}">
-        <p14:creationId xmlns:p14="http://schemas.microsoft.com/office/powerpoint/2010/main" val="211272699"/>
+        <p14:creationId xmlns:p14="http://schemas.microsoft.com/office/powerpoint/2010/main" val="1487187382"/>
       </p:ext>
     </p:extLst>
   </p:cSld>
   <p:clrMapOvr>
     <a:masterClrMapping/>
   </p:clrMapOvr>
+  <p:timing>
+    <p:tnLst>
+      <p:par>
+        <p:cTn id="1" dur="indefinite" restart="never" nodeType="tmRoot"/>
+      </p:par>
+    </p:tnLst>
+  </p:timing>
 </p:sld>
 </file>
 
@@ -20210,12 +20686,12 @@
       </p:grpSpPr>
       <p:sp>
         <p:nvSpPr>
-          <p:cNvPr id="5" name="Text Placeholder 4"/>
+          <p:cNvPr id="2" name="Title 1"/>
           <p:cNvSpPr>
             <a:spLocks noGrp="1"/>
           </p:cNvSpPr>
           <p:nvPr>
-            <p:ph type="body" sz="quarter" idx="10"/>
+            <p:ph type="title"/>
           </p:nvPr>
         </p:nvSpPr>
         <p:spPr/>
@@ -20225,7 +20701,7 @@
           <a:p>
             <a:r>
               <a:rPr lang="en-US" dirty="0" smtClean="0"/>
-              <a:t>Global Namespace</a:t>
+              <a:t>Anonymous Functions</a:t>
             </a:r>
             <a:endParaRPr lang="en-US" dirty="0"/>
           </a:p>
@@ -20233,12 +20709,12 @@
       </p:sp>
       <p:sp>
         <p:nvSpPr>
-          <p:cNvPr id="2" name="Subtitle 1"/>
+          <p:cNvPr id="3" name="Content Placeholder 2"/>
           <p:cNvSpPr>
             <a:spLocks noGrp="1"/>
           </p:cNvSpPr>
           <p:nvPr>
-            <p:ph type="subTitle" idx="1"/>
+            <p:ph sz="quarter" idx="10"/>
           </p:nvPr>
         </p:nvSpPr>
         <p:spPr/>
@@ -20246,14 +20722,68 @@
           <a:bodyPr/>
           <a:lstStyle/>
           <a:p>
-            <a:endParaRPr lang="en-US"/>
+            <a:r>
+              <a:rPr lang="en-US" dirty="0" smtClean="0"/>
+              <a:t>Anonymous functions, simply put, are functions without names</a:t>
+            </a:r>
+          </a:p>
+          <a:p>
+            <a:r>
+              <a:rPr lang="en-US" dirty="0" smtClean="0"/>
+              <a:t>They are all dynamically declared at runtime</a:t>
+            </a:r>
+          </a:p>
+          <a:p>
+            <a:r>
+              <a:rPr lang="en-US" dirty="0" smtClean="0"/>
+              <a:t>They are used in various ways</a:t>
+            </a:r>
+          </a:p>
+          <a:p>
+            <a:pPr lvl="1"/>
+            <a:r>
+              <a:rPr lang="en-US" dirty="0" smtClean="0"/>
+              <a:t>As a function expression</a:t>
+            </a:r>
+          </a:p>
+          <a:p>
+            <a:pPr lvl="1"/>
+            <a:r>
+              <a:rPr lang="en-US" dirty="0" smtClean="0"/>
+              <a:t>In an object</a:t>
+            </a:r>
+          </a:p>
+          <a:p>
+            <a:pPr lvl="1"/>
+            <a:r>
+              <a:rPr lang="en-US" dirty="0" smtClean="0"/>
+              <a:t>As an event handler</a:t>
+            </a:r>
+          </a:p>
+          <a:p>
+            <a:pPr lvl="1"/>
+            <a:r>
+              <a:rPr lang="en-US" dirty="0" smtClean="0"/>
+              <a:t>As an self evoking function</a:t>
+            </a:r>
+          </a:p>
+          <a:p>
+            <a:r>
+              <a:rPr lang="en-US" dirty="0" smtClean="0"/>
+              <a:t>Common uses are for recursion and closures</a:t>
+            </a:r>
+            <a:endParaRPr lang="en-US" dirty="0"/>
+          </a:p>
+          <a:p>
+            <a:pPr lvl="3"/>
+            <a:endParaRPr lang="en-US" dirty="0"/>
           </a:p>
         </p:txBody>
       </p:sp>
     </p:spTree>
     <p:extLst>
       <p:ext uri="{BB962C8B-B14F-4D97-AF65-F5344CB8AC3E}">
-        <p14:creationId xmlns:p14="http://schemas.microsoft.com/office/powerpoint/2010/main" val="1059795962"/>
+        <p14:creationId xmlns:p14="http://schemas.microsoft.com/office/powerpoint/2010/main" val="905156883"/>
       </p:ext>
     </p:extLst>
   </p:cSld>
@@ -20289,7 +20819,7 @@
       </p:grpSpPr>
       <p:sp>
         <p:nvSpPr>
-          <p:cNvPr id="2" name="Text Placeholder 1"/>
+          <p:cNvPr id="4" name="Text Placeholder 3"/>
           <p:cNvSpPr>
             <a:spLocks noGrp="1"/>
           </p:cNvSpPr>
@@ -20299,25 +20829,67 @@
         </p:nvSpPr>
         <p:spPr/>
         <p:txBody>
-          <a:bodyPr/>
+          <a:bodyPr>
+            <a:normAutofit/>
+          </a:bodyPr>
           <a:lstStyle/>
           <a:p>
             <a:r>
               <a:rPr lang="en-US" dirty="0" smtClean="0"/>
-              <a:t>Errors and Exceptions</a:t>
-            </a:r>
-            <a:endParaRPr lang="en-US" dirty="0"/>
-          </a:p>
-        </p:txBody>
-      </p:sp>
-      <p:sp>
-        <p:nvSpPr>
-          <p:cNvPr id="3" name="Subtitle 2"/>
+              <a:t>Named Function vs Anonymous Functions</a:t>
+            </a:r>
+          </a:p>
+          <a:p>
+            <a:r>
+              <a:rPr lang="en-US" sz="2400" dirty="0" smtClean="0"/>
+              <a:t>Both functions logically do the same things, and can both be </a:t>
+            </a:r>
+            <a:r>
+              <a:rPr lang="en-US" sz="2400" dirty="0" err="1" smtClean="0"/>
+              <a:t>envoked</a:t>
+            </a:r>
+            <a:r>
+              <a:rPr lang="en-US" sz="2400" dirty="0" smtClean="0"/>
+              <a:t> the same way (by calling </a:t>
+            </a:r>
+            <a:r>
+              <a:rPr lang="en-US" sz="2400" i="1" dirty="0" err="1" smtClean="0"/>
+              <a:t>meTime</a:t>
+            </a:r>
+            <a:r>
+              <a:rPr lang="en-US" sz="2400" i="1" dirty="0" smtClean="0"/>
+              <a:t>(); </a:t>
+            </a:r>
+            <a:r>
+              <a:rPr lang="en-US" sz="2400" dirty="0" smtClean="0"/>
+              <a:t>).</a:t>
+            </a:r>
+          </a:p>
+          <a:p>
+            <a:r>
+              <a:rPr lang="en-US" sz="2400" dirty="0" smtClean="0"/>
+              <a:t>However the Anonymous function can not be accessed before the </a:t>
+            </a:r>
+            <a:r>
+              <a:rPr lang="en-US" sz="2400" dirty="0" err="1" smtClean="0"/>
+              <a:t>meTime</a:t>
+            </a:r>
+            <a:r>
+              <a:rPr lang="en-US" sz="2400" dirty="0" smtClean="0"/>
+              <a:t> variable is declared, while the Named Function can be accessed at any time</a:t>
+            </a:r>
+            <a:endParaRPr lang="en-US" sz="2400" dirty="0"/>
+          </a:p>
+        </p:txBody>
+      </p:sp>
+      <p:sp>
+        <p:nvSpPr>
+          <p:cNvPr id="5" name="Text Placeholder 4"/>
           <p:cNvSpPr>
             <a:spLocks noGrp="1"/>
           </p:cNvSpPr>
           <p:nvPr>
-            <p:ph type="subTitle" idx="1"/>
+            <p:ph type="body" sz="quarter" idx="11"/>
           </p:nvPr>
         </p:nvSpPr>
         <p:spPr/>
@@ -20325,14 +20897,190 @@
           <a:bodyPr/>
           <a:lstStyle/>
           <a:p>
-            <a:endParaRPr lang="en-US"/>
+            <a:r>
+              <a:rPr lang="en-US" dirty="0" smtClean="0">
+                <a:solidFill>
+                  <a:schemeClr val="tx2">
+                    <a:lumMod val="60000"/>
+                    <a:lumOff val="40000"/>
+                  </a:schemeClr>
+                </a:solidFill>
+              </a:rPr>
+              <a:t>function</a:t>
+            </a:r>
+            <a:r>
+              <a:rPr lang="en-US" dirty="0" smtClean="0"/>
+              <a:t> </a:t>
+            </a:r>
+            <a:r>
+              <a:rPr lang="en-US" dirty="0" err="1" smtClean="0"/>
+              <a:t>meTime</a:t>
+            </a:r>
+            <a:r>
+              <a:rPr lang="en-US" dirty="0" smtClean="0"/>
+              <a:t> (){ </a:t>
+            </a:r>
+            <a:r>
+              <a:rPr lang="en-US" dirty="0" smtClean="0">
+                <a:solidFill>
+                  <a:srgbClr val="1A8505"/>
+                </a:solidFill>
+              </a:rPr>
+              <a:t>// Named function</a:t>
+            </a:r>
+            <a:endParaRPr lang="en-US" dirty="0" smtClean="0"/>
+          </a:p>
+          <a:p>
+            <a:r>
+              <a:rPr lang="en-US" dirty="0"/>
+              <a:t>	alert</a:t>
+            </a:r>
+            <a:r>
+              <a:rPr lang="en-US" dirty="0" smtClean="0"/>
+              <a:t>( </a:t>
+            </a:r>
+            <a:r>
+              <a:rPr lang="en-US" dirty="0" smtClean="0">
+                <a:solidFill>
+                  <a:schemeClr val="accent6"/>
+                </a:solidFill>
+              </a:rPr>
+              <a:t>"Go do something fun!“</a:t>
+            </a:r>
+            <a:r>
+              <a:rPr lang="en-US" dirty="0" smtClean="0"/>
+              <a:t> );</a:t>
+            </a:r>
+          </a:p>
+          <a:p>
+            <a:r>
+              <a:rPr lang="en-US" dirty="0" smtClean="0"/>
+              <a:t>}</a:t>
+            </a:r>
+          </a:p>
+          <a:p>
+            <a:endParaRPr lang="en-US" dirty="0" smtClean="0"/>
+          </a:p>
+          <a:p>
+            <a:endParaRPr lang="en-US" dirty="0"/>
+          </a:p>
+          <a:p>
+            <a:r>
+              <a:rPr lang="en-US" dirty="0" err="1" smtClean="0">
+                <a:solidFill>
+                  <a:schemeClr val="tx2">
+                    <a:lumMod val="60000"/>
+                    <a:lumOff val="40000"/>
+                  </a:schemeClr>
+                </a:solidFill>
+              </a:rPr>
+              <a:t>var</a:t>
+            </a:r>
+            <a:r>
+              <a:rPr lang="en-US" dirty="0" smtClean="0"/>
+              <a:t> </a:t>
+            </a:r>
+            <a:r>
+              <a:rPr lang="en-US" dirty="0" err="1" smtClean="0"/>
+              <a:t>meTime</a:t>
+            </a:r>
+            <a:r>
+              <a:rPr lang="en-US" dirty="0" smtClean="0"/>
+              <a:t> = </a:t>
+            </a:r>
+            <a:r>
+              <a:rPr lang="en-US" dirty="0" smtClean="0">
+                <a:solidFill>
+                  <a:schemeClr val="tx2">
+                    <a:lumMod val="60000"/>
+                    <a:lumOff val="40000"/>
+                  </a:schemeClr>
+                </a:solidFill>
+              </a:rPr>
+              <a:t>function</a:t>
+            </a:r>
+            <a:r>
+              <a:rPr lang="en-US" dirty="0" smtClean="0"/>
+              <a:t>(){ </a:t>
+            </a:r>
+            <a:r>
+              <a:rPr lang="en-US" dirty="0" smtClean="0">
+                <a:solidFill>
+                  <a:srgbClr val="1A8505"/>
+                </a:solidFill>
+              </a:rPr>
+              <a:t>// Anonymous function</a:t>
+            </a:r>
+            <a:endParaRPr lang="en-US" dirty="0" smtClean="0"/>
+          </a:p>
+          <a:p>
+            <a:r>
+              <a:rPr lang="en-US" dirty="0" smtClean="0"/>
+              <a:t>	alert( </a:t>
+            </a:r>
+            <a:r>
+              <a:rPr lang="en-US" dirty="0" smtClean="0">
+                <a:solidFill>
+                  <a:schemeClr val="accent6"/>
+                </a:solidFill>
+              </a:rPr>
+              <a:t>"</a:t>
+            </a:r>
+            <a:r>
+              <a:rPr lang="en-US" dirty="0">
+                <a:solidFill>
+                  <a:schemeClr val="accent6"/>
+                </a:solidFill>
+              </a:rPr>
+              <a:t>Go do something fun</a:t>
+            </a:r>
+            <a:r>
+              <a:rPr lang="en-US" dirty="0" smtClean="0">
+                <a:solidFill>
+                  <a:schemeClr val="accent6"/>
+                </a:solidFill>
+              </a:rPr>
+              <a:t>!“</a:t>
+            </a:r>
+            <a:r>
+              <a:rPr lang="en-US" dirty="0" smtClean="0"/>
+              <a:t> );</a:t>
+            </a:r>
+            <a:endParaRPr lang="en-US" dirty="0"/>
+          </a:p>
+          <a:p>
+            <a:r>
+              <a:rPr lang="en-US" dirty="0" smtClean="0"/>
+              <a:t>}</a:t>
+            </a:r>
+          </a:p>
+          <a:p>
+            <a:endParaRPr lang="en-US" dirty="0"/>
+          </a:p>
+          <a:p>
+            <a:r>
+              <a:rPr lang="en-US" dirty="0" smtClean="0">
+                <a:solidFill>
+                  <a:srgbClr val="1A8505"/>
+                </a:solidFill>
+              </a:rPr>
+              <a:t>// what is the difference?</a:t>
+            </a:r>
+            <a:endParaRPr lang="en-US" dirty="0">
+              <a:solidFill>
+                <a:srgbClr val="1A8505"/>
+              </a:solidFill>
+            </a:endParaRPr>
+          </a:p>
+          <a:p>
+            <a:endParaRPr lang="en-US" dirty="0"/>
           </a:p>
         </p:txBody>
       </p:sp>
     </p:spTree>
     <p:extLst>
       <p:ext uri="{BB962C8B-B14F-4D97-AF65-F5344CB8AC3E}">
-        <p14:creationId xmlns:p14="http://schemas.microsoft.com/office/powerpoint/2010/main" val="1262592420"/>
+        <p14:creationId xmlns:p14="http://schemas.microsoft.com/office/powerpoint/2010/main" val="411065260"/>
       </p:ext>
     </p:extLst>
   </p:cSld>
@@ -20361,7 +21109,7 @@
       </p:grpSpPr>
       <p:sp>
         <p:nvSpPr>
-          <p:cNvPr id="2" name="Title 1"/>
+          <p:cNvPr id="4" name="Title 3"/>
           <p:cNvSpPr>
             <a:spLocks noGrp="1"/>
           </p:cNvSpPr>
@@ -20376,90 +21124,8 @@
           <a:p>
             <a:r>
               <a:rPr lang="en-US" dirty="0" smtClean="0"/>
-              <a:t>Errors		</a:t>
-            </a:r>
-            <a:endParaRPr lang="en-US" dirty="0"/>
-          </a:p>
-        </p:txBody>
-      </p:sp>
-      <p:sp>
-        <p:nvSpPr>
-          <p:cNvPr id="3" name="Content Placeholder 2"/>
-          <p:cNvSpPr>
-            <a:spLocks noGrp="1"/>
-          </p:cNvSpPr>
-          <p:nvPr>
-            <p:ph sz="quarter" idx="10"/>
-          </p:nvPr>
-        </p:nvSpPr>
-        <p:spPr/>
-        <p:txBody>
-          <a:bodyPr/>
-          <a:lstStyle/>
-          <a:p>
-            <a:r>
-              <a:rPr lang="en-US" dirty="0" smtClean="0"/>
-              <a:t>Like many other programming languages, the three errors that can be found in JavaScript is:</a:t>
-            </a:r>
-          </a:p>
-          <a:p>
-            <a:pPr lvl="1"/>
-            <a:r>
-              <a:rPr lang="en-US" dirty="0" smtClean="0"/>
-              <a:t>Syntax Errors</a:t>
-            </a:r>
-          </a:p>
-          <a:p>
-            <a:pPr lvl="1"/>
-            <a:r>
-              <a:rPr lang="en-US" dirty="0" smtClean="0"/>
-              <a:t>Runtime Errors</a:t>
-            </a:r>
-          </a:p>
-          <a:p>
-            <a:pPr lvl="1"/>
-            <a:r>
-              <a:rPr lang="en-US" dirty="0" smtClean="0"/>
-              <a:t>Logical Errors</a:t>
-            </a:r>
-          </a:p>
-          <a:p>
-            <a:r>
-              <a:rPr lang="en-US" dirty="0" smtClean="0"/>
-              <a:t>Methods used for exception handling:</a:t>
-            </a:r>
-          </a:p>
-          <a:p>
-            <a:pPr lvl="1"/>
-            <a:r>
-              <a:rPr lang="en-US" dirty="0" smtClean="0"/>
-              <a:t>Try…catch…finally statement</a:t>
-            </a:r>
-          </a:p>
-          <a:p>
-            <a:pPr lvl="1"/>
-            <a:r>
-              <a:rPr lang="en-US" dirty="0" smtClean="0"/>
-              <a:t>Throw statement</a:t>
-            </a:r>
-          </a:p>
-          <a:p>
-            <a:pPr lvl="1"/>
-            <a:r>
-              <a:rPr lang="en-US" dirty="0" smtClean="0"/>
-              <a:t>The </a:t>
-            </a:r>
-            <a:r>
-              <a:rPr lang="en-US" dirty="0" err="1" smtClean="0"/>
-              <a:t>onerror</a:t>
-            </a:r>
-            <a:r>
-              <a:rPr lang="en-US" dirty="0" smtClean="0"/>
-              <a:t>() method</a:t>
-            </a:r>
-          </a:p>
-          <a:p>
-            <a:pPr lvl="1"/>
+              <a:t>Different ways to Declare Anonymous Functions</a:t>
+            </a:r>
             <a:endParaRPr lang="en-US" dirty="0"/>
           </a:p>
         </p:txBody>
@@ -20467,20 +21133,13 @@
     </p:spTree>
     <p:extLst>
       <p:ext uri="{BB962C8B-B14F-4D97-AF65-F5344CB8AC3E}">
-        <p14:creationId xmlns:p14="http://schemas.microsoft.com/office/powerpoint/2010/main" val="1096139635"/>
+        <p14:creationId xmlns:p14="http://schemas.microsoft.com/office/powerpoint/2010/main" val="3672546998"/>
       </p:ext>
     </p:extLst>
   </p:cSld>
   <p:clrMapOvr>
     <a:masterClrMapping/>
   </p:clrMapOvr>
-  <p:timing>
-    <p:tnLst>
-      <p:par>
-        <p:cTn id="1" dur="indefinite" restart="never" nodeType="tmRoot"/>
-      </p:par>
-    </p:tnLst>
-  </p:timing>
 </p:sld>
 </file>
 
@@ -20679,12 +21338,12 @@
       </p:grpSpPr>
       <p:sp>
         <p:nvSpPr>
-          <p:cNvPr id="2" name="Title 1"/>
+          <p:cNvPr id="3" name="Text Placeholder 2"/>
           <p:cNvSpPr>
             <a:spLocks noGrp="1"/>
           </p:cNvSpPr>
           <p:nvPr>
-            <p:ph type="title"/>
+            <p:ph type="body" sz="quarter" idx="10"/>
           </p:nvPr>
         </p:nvSpPr>
         <p:spPr/>
@@ -20694,20 +21353,36 @@
           <a:p>
             <a:r>
               <a:rPr lang="en-US" dirty="0" smtClean="0"/>
-              <a:t>Try…catch…finally </a:t>
-            </a:r>
+              <a:t>Recursion</a:t>
+            </a:r>
+          </a:p>
+          <a:p>
+            <a:r>
+              <a:rPr lang="en-US" dirty="0" smtClean="0"/>
+              <a:t>Since this function does not have a name, to call the function again you use the </a:t>
+            </a:r>
+            <a:r>
+              <a:rPr lang="en-US" dirty="0" err="1" smtClean="0"/>
+              <a:t>arguments.callee</a:t>
+            </a:r>
+            <a:r>
+              <a:rPr lang="en-US" dirty="0" smtClean="0"/>
+              <a:t> local variable.</a:t>
+            </a:r>
+          </a:p>
+          <a:p>
             <a:endParaRPr lang="en-US" dirty="0"/>
           </a:p>
         </p:txBody>
       </p:sp>
       <p:sp>
         <p:nvSpPr>
-          <p:cNvPr id="3" name="Content Placeholder 2"/>
+          <p:cNvPr id="4" name="Text Placeholder 3"/>
           <p:cNvSpPr>
             <a:spLocks noGrp="1"/>
           </p:cNvSpPr>
           <p:nvPr>
-            <p:ph sz="quarter" idx="10"/>
+            <p:ph type="body" sz="quarter" idx="11"/>
           </p:nvPr>
         </p:nvSpPr>
         <p:spPr/>
@@ -20716,61 +21391,125 @@
           <a:lstStyle/>
           <a:p>
             <a:r>
-              <a:rPr lang="en-US" dirty="0" smtClean="0"/>
-              <a:t>The try block  executes code that is subject to break</a:t>
-            </a:r>
-          </a:p>
-          <a:p>
-            <a:pPr lvl="1"/>
-            <a:r>
-              <a:rPr lang="en-US" dirty="0" smtClean="0"/>
-              <a:t>It must be followed by either exactly one catch block or one finally block or one of both</a:t>
-            </a:r>
-          </a:p>
-          <a:p>
-            <a:pPr lvl="1"/>
-            <a:r>
-              <a:rPr lang="en-US" dirty="0" smtClean="0"/>
-              <a:t>When exception occurs, the exception is passed to the catch block</a:t>
-            </a:r>
-          </a:p>
-          <a:p>
-            <a:r>
-              <a:rPr lang="en-US" dirty="0" smtClean="0"/>
-              <a:t>The catch block executes code that should only be ran if an exception was caught</a:t>
-            </a:r>
-          </a:p>
-          <a:p>
-            <a:r>
-              <a:rPr lang="en-US" dirty="0" smtClean="0"/>
-              <a:t>The finally block is optional, but if included, it will always execute regardless if an exception has occurred</a:t>
-            </a:r>
-          </a:p>
-          <a:p>
-            <a:r>
-              <a:rPr lang="en-US" dirty="0" smtClean="0"/>
-              <a:t>Note: Only programmer generated and runtime exceptions can be caught; syntax errors will not be</a:t>
-            </a:r>
+              <a:rPr lang="en-US" dirty="0">
+                <a:solidFill>
+                  <a:srgbClr val="1A8505"/>
+                </a:solidFill>
+              </a:rPr>
+              <a:t>// This </a:t>
+            </a:r>
+            <a:r>
+              <a:rPr lang="en-US" dirty="0" smtClean="0">
+                <a:solidFill>
+                  <a:srgbClr val="1A8505"/>
+                </a:solidFill>
+              </a:rPr>
+              <a:t>function will calculate the factorial of any given number</a:t>
+            </a:r>
+            <a:endParaRPr lang="en-US" dirty="0" smtClean="0">
+              <a:solidFill>
+                <a:schemeClr val="tx2">
+                  <a:lumMod val="60000"/>
+                  <a:lumOff val="40000"/>
+                </a:schemeClr>
+              </a:solidFill>
+            </a:endParaRPr>
+          </a:p>
+          <a:p>
+            <a:r>
+              <a:rPr lang="en-US" dirty="0" err="1" smtClean="0">
+                <a:solidFill>
+                  <a:schemeClr val="tx2">
+                    <a:lumMod val="60000"/>
+                    <a:lumOff val="40000"/>
+                  </a:schemeClr>
+                </a:solidFill>
+              </a:rPr>
+              <a:t>var</a:t>
+            </a:r>
+            <a:r>
+              <a:rPr lang="en-US" dirty="0" smtClean="0"/>
+              <a:t> factorial </a:t>
+            </a:r>
+            <a:r>
+              <a:rPr lang="en-US" dirty="0"/>
+              <a:t>= </a:t>
+            </a:r>
+            <a:r>
+              <a:rPr lang="en-US" dirty="0" smtClean="0">
+                <a:solidFill>
+                  <a:schemeClr val="tx2">
+                    <a:lumMod val="60000"/>
+                    <a:lumOff val="40000"/>
+                  </a:schemeClr>
+                </a:solidFill>
+              </a:rPr>
+              <a:t>function</a:t>
+            </a:r>
+            <a:r>
+              <a:rPr lang="en-US" dirty="0" smtClean="0"/>
+              <a:t>(x){</a:t>
+            </a:r>
+            <a:endParaRPr lang="en-US" dirty="0"/>
+          </a:p>
+          <a:p>
+            <a:r>
+              <a:rPr lang="en-US" dirty="0" smtClean="0"/>
+              <a:t>	</a:t>
+            </a:r>
+            <a:r>
+              <a:rPr lang="en-US" dirty="0" smtClean="0">
+                <a:solidFill>
+                  <a:schemeClr val="tx2">
+                    <a:lumMod val="60000"/>
+                    <a:lumOff val="40000"/>
+                  </a:schemeClr>
+                </a:solidFill>
+              </a:rPr>
+              <a:t>return</a:t>
+            </a:r>
+            <a:r>
+              <a:rPr lang="en-US" dirty="0" smtClean="0"/>
+              <a:t> !(n &gt; 1) ? 1 : </a:t>
+            </a:r>
+            <a:r>
+              <a:rPr lang="en-US" dirty="0" err="1" smtClean="0"/>
+              <a:t>arguments.callee</a:t>
+            </a:r>
+            <a:r>
+              <a:rPr lang="en-US" dirty="0" smtClean="0"/>
+              <a:t>(n – 1) * n;</a:t>
+            </a:r>
+            <a:endParaRPr lang="en-US" dirty="0"/>
+          </a:p>
+          <a:p>
+            <a:r>
+              <a:rPr lang="en-US" dirty="0" smtClean="0"/>
+              <a:t>}</a:t>
+            </a:r>
+          </a:p>
+          <a:p>
+            <a:endParaRPr lang="en-US" dirty="0"/>
+          </a:p>
+          <a:p>
+            <a:r>
+              <a:rPr lang="en-US" dirty="0" smtClean="0"/>
+              <a:t>Console.log(factorial(10));</a:t>
+            </a:r>
+            <a:endParaRPr lang="en-US" dirty="0"/>
           </a:p>
         </p:txBody>
       </p:sp>
     </p:spTree>
     <p:extLst>
       <p:ext uri="{BB962C8B-B14F-4D97-AF65-F5344CB8AC3E}">
-        <p14:creationId xmlns:p14="http://schemas.microsoft.com/office/powerpoint/2010/main" val="795054753"/>
+        <p14:creationId xmlns:p14="http://schemas.microsoft.com/office/powerpoint/2010/main" val="4154244751"/>
       </p:ext>
     </p:extLst>
   </p:cSld>
   <p:clrMapOvr>
     <a:masterClrMapping/>
   </p:clrMapOvr>
-  <p:timing>
-    <p:tnLst>
-      <p:par>
-        <p:cTn id="1" dur="indefinite" restart="never" nodeType="tmRoot"/>
-      </p:par>
-    </p:tnLst>
-  </p:timing>
 </p:sld>
 </file>
 
@@ -20793,12 +21532,12 @@
       </p:grpSpPr>
       <p:sp>
         <p:nvSpPr>
-          <p:cNvPr id="2" name="Title 1"/>
+          <p:cNvPr id="2" name="Text Placeholder 1"/>
           <p:cNvSpPr>
             <a:spLocks noGrp="1"/>
           </p:cNvSpPr>
           <p:nvPr>
-            <p:ph type="title"/>
+            <p:ph type="body" sz="quarter" idx="10"/>
           </p:nvPr>
         </p:nvSpPr>
         <p:spPr/>
@@ -20808,7 +21547,13 @@
           <a:p>
             <a:r>
               <a:rPr lang="en-US" dirty="0" smtClean="0"/>
-              <a:t>Throw Statement</a:t>
+              <a:t>Enclosures</a:t>
+            </a:r>
+          </a:p>
+          <a:p>
+            <a:r>
+              <a:rPr lang="en-US" dirty="0" smtClean="0"/>
+              <a:t>The get and set of the return object use anonymous functions as enclosures</a:t>
             </a:r>
             <a:endParaRPr lang="en-US" dirty="0"/>
           </a:p>
@@ -20816,12 +21561,12 @@
       </p:sp>
       <p:sp>
         <p:nvSpPr>
-          <p:cNvPr id="3" name="Content Placeholder 2"/>
+          <p:cNvPr id="3" name="Text Placeholder 2"/>
           <p:cNvSpPr>
             <a:spLocks noGrp="1"/>
           </p:cNvSpPr>
           <p:nvPr>
-            <p:ph sz="quarter" idx="10"/>
+            <p:ph type="body" sz="quarter" idx="11"/>
           </p:nvPr>
         </p:nvSpPr>
         <p:spPr/>
@@ -20830,50 +21575,197 @@
           <a:lstStyle/>
           <a:p>
             <a:r>
-              <a:rPr lang="en-US" dirty="0" smtClean="0"/>
-              <a:t>Throw statements are used to either raise built-in exceptions or any other customized exceptions</a:t>
-            </a:r>
-          </a:p>
-          <a:p>
-            <a:r>
-              <a:rPr lang="en-US" dirty="0" smtClean="0"/>
-              <a:t>The customized exception can be a String, number, </a:t>
-            </a:r>
-            <a:r>
-              <a:rPr lang="en-US" dirty="0" err="1" smtClean="0"/>
-              <a:t>boolean</a:t>
-            </a:r>
-            <a:r>
-              <a:rPr lang="en-US" dirty="0" smtClean="0"/>
-              <a:t> or an object</a:t>
-            </a:r>
-          </a:p>
-          <a:p>
-            <a:r>
-              <a:rPr lang="en-US" dirty="0" smtClean="0"/>
-              <a:t>Throw statements can be used inside try and catch statements or they can be used inside other functions</a:t>
-            </a:r>
-            <a:endParaRPr lang="en-US" dirty="0"/>
+              <a:rPr lang="en-US" dirty="0">
+                <a:solidFill>
+                  <a:schemeClr val="tx2">
+                    <a:lumMod val="60000"/>
+                    <a:lumOff val="40000"/>
+                  </a:schemeClr>
+                </a:solidFill>
+              </a:rPr>
+              <a:t>function </a:t>
+            </a:r>
+            <a:r>
+              <a:rPr lang="en-US" dirty="0" err="1"/>
+              <a:t>theLocation</a:t>
+            </a:r>
+            <a:r>
+              <a:rPr lang="en-US" dirty="0"/>
+              <a:t>(){</a:t>
+            </a:r>
+          </a:p>
+          <a:p>
+            <a:r>
+              <a:rPr lang="en-US" dirty="0"/>
+              <a:t>	</a:t>
+            </a:r>
+            <a:r>
+              <a:rPr lang="en-US" dirty="0" err="1">
+                <a:solidFill>
+                  <a:schemeClr val="tx2">
+                    <a:lumMod val="60000"/>
+                    <a:lumOff val="40000"/>
+                  </a:schemeClr>
+                </a:solidFill>
+              </a:rPr>
+              <a:t>var</a:t>
+            </a:r>
+            <a:r>
+              <a:rPr lang="en-US" dirty="0"/>
+              <a:t> city = </a:t>
+            </a:r>
+            <a:r>
+              <a:rPr lang="en-US" dirty="0">
+                <a:solidFill>
+                  <a:schemeClr val="accent6"/>
+                </a:solidFill>
+              </a:rPr>
+              <a:t>"San Francisco"</a:t>
+            </a:r>
+            <a:r>
+              <a:rPr lang="en-US" dirty="0"/>
+              <a:t>;</a:t>
+            </a:r>
+          </a:p>
+          <a:p>
+            <a:r>
+              <a:rPr lang="en-US" dirty="0"/>
+              <a:t>	</a:t>
+            </a:r>
+          </a:p>
+          <a:p>
+            <a:r>
+              <a:rPr lang="en-US" dirty="0"/>
+              <a:t>	</a:t>
+            </a:r>
+            <a:r>
+              <a:rPr lang="en-US" dirty="0">
+                <a:solidFill>
+                  <a:schemeClr val="tx2">
+                    <a:lumMod val="60000"/>
+                    <a:lumOff val="40000"/>
+                  </a:schemeClr>
+                </a:solidFill>
+              </a:rPr>
+              <a:t>return</a:t>
+            </a:r>
+            <a:r>
+              <a:rPr lang="en-US" dirty="0"/>
+              <a:t> {</a:t>
+            </a:r>
+          </a:p>
+          <a:p>
+            <a:r>
+              <a:rPr lang="en-US" dirty="0"/>
+              <a:t>		</a:t>
+            </a:r>
+            <a:r>
+              <a:rPr lang="en-US" dirty="0">
+                <a:solidFill>
+                  <a:schemeClr val="tx2">
+                    <a:lumMod val="60000"/>
+                    <a:lumOff val="40000"/>
+                  </a:schemeClr>
+                </a:solidFill>
+              </a:rPr>
+              <a:t>get</a:t>
+            </a:r>
+            <a:r>
+              <a:rPr lang="en-US" dirty="0"/>
+              <a:t>: </a:t>
+            </a:r>
+            <a:r>
+              <a:rPr lang="en-US" dirty="0">
+                <a:solidFill>
+                  <a:schemeClr val="tx2">
+                    <a:lumMod val="60000"/>
+                    <a:lumOff val="40000"/>
+                  </a:schemeClr>
+                </a:solidFill>
+              </a:rPr>
+              <a:t>function</a:t>
+            </a:r>
+            <a:r>
+              <a:rPr lang="en-US" dirty="0"/>
+              <a:t>() {console.log(city);},</a:t>
+            </a:r>
+          </a:p>
+          <a:p>
+            <a:r>
+              <a:rPr lang="en-US" dirty="0"/>
+              <a:t>		</a:t>
+            </a:r>
+            <a:r>
+              <a:rPr lang="en-US" dirty="0">
+                <a:solidFill>
+                  <a:schemeClr val="tx2">
+                    <a:lumMod val="60000"/>
+                    <a:lumOff val="40000"/>
+                  </a:schemeClr>
+                </a:solidFill>
+              </a:rPr>
+              <a:t>set</a:t>
+            </a:r>
+            <a:r>
+              <a:rPr lang="en-US" dirty="0"/>
+              <a:t>: </a:t>
+            </a:r>
+            <a:r>
+              <a:rPr lang="en-US" dirty="0">
+                <a:solidFill>
+                  <a:schemeClr val="tx2">
+                    <a:lumMod val="60000"/>
+                    <a:lumOff val="40000"/>
+                  </a:schemeClr>
+                </a:solidFill>
+              </a:rPr>
+              <a:t>function</a:t>
+            </a:r>
+            <a:r>
+              <a:rPr lang="en-US" dirty="0"/>
+              <a:t>(</a:t>
+            </a:r>
+            <a:r>
+              <a:rPr lang="en-US" dirty="0" err="1"/>
+              <a:t>newCity</a:t>
+            </a:r>
+            <a:r>
+              <a:rPr lang="en-US" dirty="0"/>
+              <a:t>) {city = </a:t>
+            </a:r>
+            <a:r>
+              <a:rPr lang="en-US" dirty="0" err="1"/>
+              <a:t>newCity</a:t>
+            </a:r>
+            <a:r>
+              <a:rPr lang="en-US" dirty="0"/>
+              <a:t>;}</a:t>
+            </a:r>
+          </a:p>
+          <a:p>
+            <a:r>
+              <a:rPr lang="en-US" dirty="0"/>
+              <a:t>	};</a:t>
+            </a:r>
+          </a:p>
+          <a:p>
+            <a:r>
+              <a:rPr lang="en-US" dirty="0"/>
+              <a:t>}</a:t>
+            </a:r>
           </a:p>
         </p:txBody>
       </p:sp>
     </p:spTree>
     <p:extLst>
       <p:ext uri="{BB962C8B-B14F-4D97-AF65-F5344CB8AC3E}">
-        <p14:creationId xmlns:p14="http://schemas.microsoft.com/office/powerpoint/2010/main" val="1142767380"/>
+        <p14:creationId xmlns:p14="http://schemas.microsoft.com/office/powerpoint/2010/main" val="211272699"/>
       </p:ext>
     </p:extLst>
   </p:cSld>
   <p:clrMapOvr>
     <a:masterClrMapping/>
   </p:clrMapOvr>
-  <p:timing>
-    <p:tnLst>
-      <p:par>
-        <p:cTn id="1" dur="indefinite" restart="never" nodeType="tmRoot"/>
-      </p:par>
-    </p:tnLst>
-  </p:timing>
 </p:sld>
 </file>
 
@@ -20896,12 +21788,12 @@
       </p:grpSpPr>
       <p:sp>
         <p:nvSpPr>
-          <p:cNvPr id="2" name="Title 1"/>
+          <p:cNvPr id="2" name="Text Placeholder 1"/>
           <p:cNvSpPr>
             <a:spLocks noGrp="1"/>
           </p:cNvSpPr>
           <p:nvPr>
-            <p:ph type="title"/>
+            <p:ph type="body" sz="quarter" idx="10"/>
           </p:nvPr>
         </p:nvSpPr>
         <p:spPr/>
@@ -20911,15 +21803,7 @@
           <a:p>
             <a:r>
               <a:rPr lang="en-US" dirty="0" smtClean="0"/>
-              <a:t>The </a:t>
-            </a:r>
-            <a:r>
-              <a:rPr lang="en-US" dirty="0" err="1" smtClean="0"/>
-              <a:t>onerror</a:t>
-            </a:r>
-            <a:r>
-              <a:rPr lang="en-US" dirty="0" smtClean="0"/>
-              <a:t>() Method</a:t>
+              <a:t>Errors and Exceptions</a:t>
             </a:r>
             <a:endParaRPr lang="en-US" dirty="0"/>
           </a:p>
@@ -20927,12 +21811,12 @@
       </p:sp>
       <p:sp>
         <p:nvSpPr>
-          <p:cNvPr id="3" name="Content Placeholder 2"/>
+          <p:cNvPr id="3" name="Subtitle 2"/>
           <p:cNvSpPr>
             <a:spLocks noGrp="1"/>
           </p:cNvSpPr>
           <p:nvPr>
-            <p:ph sz="quarter" idx="10"/>
+            <p:ph type="subTitle" idx="1"/>
           </p:nvPr>
         </p:nvSpPr>
         <p:spPr/>
@@ -20940,78 +21824,20 @@
           <a:bodyPr/>
           <a:lstStyle/>
           <a:p>
-            <a:r>
-              <a:rPr lang="en-US" dirty="0" smtClean="0"/>
-              <a:t>The </a:t>
-            </a:r>
-            <a:r>
-              <a:rPr lang="en-US" dirty="0" err="1" smtClean="0"/>
-              <a:t>onerror</a:t>
-            </a:r>
-            <a:r>
-              <a:rPr lang="en-US" dirty="0" smtClean="0"/>
-              <a:t>() method is an event handler fired whenever an exception occurs on the page</a:t>
-            </a:r>
-          </a:p>
-          <a:p>
-            <a:r>
-              <a:rPr lang="en-US" dirty="0" smtClean="0"/>
-              <a:t>It is declared as a function through out the code</a:t>
-            </a:r>
-          </a:p>
-          <a:p>
-            <a:r>
-              <a:rPr lang="en-US" dirty="0" smtClean="0"/>
-              <a:t>This event handler provides three pieces of information</a:t>
-            </a:r>
-          </a:p>
-          <a:p>
-            <a:pPr lvl="1"/>
-            <a:r>
-              <a:rPr lang="en-US" dirty="0" smtClean="0"/>
-              <a:t>An error message</a:t>
-            </a:r>
-          </a:p>
-          <a:p>
-            <a:pPr lvl="1"/>
-            <a:r>
-              <a:rPr lang="en-US" dirty="0" smtClean="0"/>
-              <a:t>The file in which the error occurred</a:t>
-            </a:r>
-          </a:p>
-          <a:p>
-            <a:pPr lvl="1"/>
-            <a:r>
-              <a:rPr lang="en-US" dirty="0" smtClean="0"/>
-              <a:t>The line number in the code</a:t>
-            </a:r>
-          </a:p>
-          <a:p>
-            <a:r>
-              <a:rPr lang="en-US" dirty="0" smtClean="0"/>
-              <a:t>The information can be manipulated to be displayed in any way that you like</a:t>
-            </a:r>
-            <a:endParaRPr lang="en-US" dirty="0"/>
+            <a:endParaRPr lang="en-US"/>
           </a:p>
         </p:txBody>
       </p:sp>
     </p:spTree>
     <p:extLst>
       <p:ext uri="{BB962C8B-B14F-4D97-AF65-F5344CB8AC3E}">
-        <p14:creationId xmlns:p14="http://schemas.microsoft.com/office/powerpoint/2010/main" val="690993151"/>
+        <p14:creationId xmlns:p14="http://schemas.microsoft.com/office/powerpoint/2010/main" val="1262592420"/>
       </p:ext>
     </p:extLst>
   </p:cSld>
   <p:clrMapOvr>
     <a:masterClrMapping/>
   </p:clrMapOvr>
-  <p:timing>
-    <p:tnLst>
-      <p:par>
-        <p:cTn id="1" dur="indefinite" restart="never" nodeType="tmRoot"/>
-      </p:par>
-    </p:tnLst>
-  </p:timing>
 </p:sld>
 </file>
 
@@ -21034,7 +21860,7 @@
       </p:grpSpPr>
       <p:sp>
         <p:nvSpPr>
-          <p:cNvPr id="4" name="Title 3"/>
+          <p:cNvPr id="2" name="Title 1"/>
           <p:cNvSpPr>
             <a:spLocks noGrp="1"/>
           </p:cNvSpPr>
@@ -21049,8 +21875,90 @@
           <a:p>
             <a:r>
               <a:rPr lang="en-US" dirty="0" smtClean="0"/>
-              <a:t>Different types of exception handling</a:t>
-            </a:r>
+              <a:t>Errors		</a:t>
+            </a:r>
+            <a:endParaRPr lang="en-US" dirty="0"/>
+          </a:p>
+        </p:txBody>
+      </p:sp>
+      <p:sp>
+        <p:nvSpPr>
+          <p:cNvPr id="3" name="Content Placeholder 2"/>
+          <p:cNvSpPr>
+            <a:spLocks noGrp="1"/>
+          </p:cNvSpPr>
+          <p:nvPr>
+            <p:ph sz="quarter" idx="10"/>
+          </p:nvPr>
+        </p:nvSpPr>
+        <p:spPr/>
+        <p:txBody>
+          <a:bodyPr/>
+          <a:lstStyle/>
+          <a:p>
+            <a:r>
+              <a:rPr lang="en-US" dirty="0" smtClean="0"/>
+              <a:t>Like many other programming languages, the three errors that can be found in JavaScript is:</a:t>
+            </a:r>
+          </a:p>
+          <a:p>
+            <a:pPr lvl="1"/>
+            <a:r>
+              <a:rPr lang="en-US" dirty="0" smtClean="0"/>
+              <a:t>Syntax Errors</a:t>
+            </a:r>
+          </a:p>
+          <a:p>
+            <a:pPr lvl="1"/>
+            <a:r>
+              <a:rPr lang="en-US" dirty="0" smtClean="0"/>
+              <a:t>Runtime Errors</a:t>
+            </a:r>
+          </a:p>
+          <a:p>
+            <a:pPr lvl="1"/>
+            <a:r>
+              <a:rPr lang="en-US" dirty="0" smtClean="0"/>
+              <a:t>Logical Errors</a:t>
+            </a:r>
+          </a:p>
+          <a:p>
+            <a:r>
+              <a:rPr lang="en-US" dirty="0" smtClean="0"/>
+              <a:t>Methods used for exception handling:</a:t>
+            </a:r>
+          </a:p>
+          <a:p>
+            <a:pPr lvl="1"/>
+            <a:r>
+              <a:rPr lang="en-US" dirty="0" smtClean="0"/>
+              <a:t>Try…catch…finally statement</a:t>
+            </a:r>
+          </a:p>
+          <a:p>
+            <a:pPr lvl="1"/>
+            <a:r>
+              <a:rPr lang="en-US" dirty="0" smtClean="0"/>
+              <a:t>Throw statement</a:t>
+            </a:r>
+          </a:p>
+          <a:p>
+            <a:pPr lvl="1"/>
+            <a:r>
+              <a:rPr lang="en-US" dirty="0" smtClean="0"/>
+              <a:t>The </a:t>
+            </a:r>
+            <a:r>
+              <a:rPr lang="en-US" dirty="0" err="1" smtClean="0"/>
+              <a:t>onerror</a:t>
+            </a:r>
+            <a:r>
+              <a:rPr lang="en-US" dirty="0" smtClean="0"/>
+              <a:t>() method</a:t>
+            </a:r>
+          </a:p>
+          <a:p>
+            <a:pPr lvl="1"/>
             <a:endParaRPr lang="en-US" dirty="0"/>
           </a:p>
         </p:txBody>
@@ -21058,7 +21966,7 @@
     </p:spTree>
     <p:extLst>
       <p:ext uri="{BB962C8B-B14F-4D97-AF65-F5344CB8AC3E}">
-        <p14:creationId xmlns:p14="http://schemas.microsoft.com/office/powerpoint/2010/main" val="1190155845"/>
+        <p14:creationId xmlns:p14="http://schemas.microsoft.com/office/powerpoint/2010/main" val="1096139635"/>
       </p:ext>
     </p:extLst>
   </p:cSld>
@@ -21109,6 +22017,421 @@
           <a:p>
             <a:r>
               <a:rPr lang="en-US" dirty="0" smtClean="0"/>
+              <a:t>Try…catch…finally </a:t>
+            </a:r>
+            <a:endParaRPr lang="en-US" dirty="0"/>
+          </a:p>
+        </p:txBody>
+      </p:sp>
+      <p:sp>
+        <p:nvSpPr>
+          <p:cNvPr id="3" name="Content Placeholder 2"/>
+          <p:cNvSpPr>
+            <a:spLocks noGrp="1"/>
+          </p:cNvSpPr>
+          <p:nvPr>
+            <p:ph sz="quarter" idx="10"/>
+          </p:nvPr>
+        </p:nvSpPr>
+        <p:spPr/>
+        <p:txBody>
+          <a:bodyPr/>
+          <a:lstStyle/>
+          <a:p>
+            <a:r>
+              <a:rPr lang="en-US" dirty="0" smtClean="0"/>
+              <a:t>The try block  executes code that is subject to break</a:t>
+            </a:r>
+          </a:p>
+          <a:p>
+            <a:pPr lvl="1"/>
+            <a:r>
+              <a:rPr lang="en-US" dirty="0" smtClean="0"/>
+              <a:t>It must be followed by either exactly one catch block or one finally block or one of both</a:t>
+            </a:r>
+          </a:p>
+          <a:p>
+            <a:pPr lvl="1"/>
+            <a:r>
+              <a:rPr lang="en-US" dirty="0" smtClean="0"/>
+              <a:t>When exception occurs, the exception is passed to the catch block</a:t>
+            </a:r>
+          </a:p>
+          <a:p>
+            <a:r>
+              <a:rPr lang="en-US" dirty="0" smtClean="0"/>
+              <a:t>The catch block executes code that should only be ran if an exception was caught</a:t>
+            </a:r>
+          </a:p>
+          <a:p>
+            <a:r>
+              <a:rPr lang="en-US" dirty="0" smtClean="0"/>
+              <a:t>The finally block is optional, but if included, it will always execute regardless if an exception has occurred</a:t>
+            </a:r>
+          </a:p>
+          <a:p>
+            <a:r>
+              <a:rPr lang="en-US" dirty="0" smtClean="0"/>
+              <a:t>Note: Only programmer generated and runtime exceptions can be caught; syntax errors will not be</a:t>
+            </a:r>
+          </a:p>
+        </p:txBody>
+      </p:sp>
+    </p:spTree>
+    <p:extLst>
+      <p:ext uri="{BB962C8B-B14F-4D97-AF65-F5344CB8AC3E}">
+        <p14:creationId xmlns:p14="http://schemas.microsoft.com/office/powerpoint/2010/main" val="795054753"/>
+      </p:ext>
+    </p:extLst>
+  </p:cSld>
+  <p:clrMapOvr>
+    <a:masterClrMapping/>
+  </p:clrMapOvr>
+  <p:timing>
+    <p:tnLst>
+      <p:par>
+        <p:cTn id="1" dur="indefinite" restart="never" nodeType="tmRoot"/>
+      </p:par>
+    </p:tnLst>
+  </p:timing>
+</p:sld>
+</file>
+
+<file path=ppt/slides/slide35.xml><?xml version="1.0" encoding="utf-8"?>
+<p:sld xmlns:a="http://schemas.openxmlformats.org/drawingml/2006/main" xmlns:r="http://schemas.openxmlformats.org/officeDocument/2006/relationships" xmlns:p="http://schemas.openxmlformats.org/presentationml/2006/main">
+  <p:cSld>
+    <p:spTree>
+      <p:nvGrpSpPr>
+        <p:cNvPr id="1" name=""/>
+        <p:cNvGrpSpPr/>
+        <p:nvPr/>
+      </p:nvGrpSpPr>
+      <p:grpSpPr>
+        <a:xfrm>
+          <a:off x="0" y="0"/>
+          <a:ext cx="0" cy="0"/>
+          <a:chOff x="0" y="0"/>
+          <a:chExt cx="0" cy="0"/>
+        </a:xfrm>
+      </p:grpSpPr>
+      <p:sp>
+        <p:nvSpPr>
+          <p:cNvPr id="2" name="Title 1"/>
+          <p:cNvSpPr>
+            <a:spLocks noGrp="1"/>
+          </p:cNvSpPr>
+          <p:nvPr>
+            <p:ph type="title"/>
+          </p:nvPr>
+        </p:nvSpPr>
+        <p:spPr/>
+        <p:txBody>
+          <a:bodyPr/>
+          <a:lstStyle/>
+          <a:p>
+            <a:r>
+              <a:rPr lang="en-US" dirty="0" smtClean="0"/>
+              <a:t>Throw Statement</a:t>
+            </a:r>
+            <a:endParaRPr lang="en-US" dirty="0"/>
+          </a:p>
+        </p:txBody>
+      </p:sp>
+      <p:sp>
+        <p:nvSpPr>
+          <p:cNvPr id="3" name="Content Placeholder 2"/>
+          <p:cNvSpPr>
+            <a:spLocks noGrp="1"/>
+          </p:cNvSpPr>
+          <p:nvPr>
+            <p:ph sz="quarter" idx="10"/>
+          </p:nvPr>
+        </p:nvSpPr>
+        <p:spPr/>
+        <p:txBody>
+          <a:bodyPr/>
+          <a:lstStyle/>
+          <a:p>
+            <a:r>
+              <a:rPr lang="en-US" dirty="0" smtClean="0"/>
+              <a:t>Throw statements are used to either raise built-in exceptions or any other customized exceptions</a:t>
+            </a:r>
+          </a:p>
+          <a:p>
+            <a:r>
+              <a:rPr lang="en-US" dirty="0" smtClean="0"/>
+              <a:t>The customized exception can be a String, number, </a:t>
+            </a:r>
+            <a:r>
+              <a:rPr lang="en-US" dirty="0" err="1" smtClean="0"/>
+              <a:t>boolean</a:t>
+            </a:r>
+            <a:r>
+              <a:rPr lang="en-US" dirty="0" smtClean="0"/>
+              <a:t> or an object</a:t>
+            </a:r>
+          </a:p>
+          <a:p>
+            <a:r>
+              <a:rPr lang="en-US" dirty="0" smtClean="0"/>
+              <a:t>Throw statements can be used inside try and catch statements or they can be used inside other functions</a:t>
+            </a:r>
+            <a:endParaRPr lang="en-US" dirty="0"/>
+          </a:p>
+        </p:txBody>
+      </p:sp>
+    </p:spTree>
+    <p:extLst>
+      <p:ext uri="{BB962C8B-B14F-4D97-AF65-F5344CB8AC3E}">
+        <p14:creationId xmlns:p14="http://schemas.microsoft.com/office/powerpoint/2010/main" val="1142767380"/>
+      </p:ext>
+    </p:extLst>
+  </p:cSld>
+  <p:clrMapOvr>
+    <a:masterClrMapping/>
+  </p:clrMapOvr>
+  <p:timing>
+    <p:tnLst>
+      <p:par>
+        <p:cTn id="1" dur="indefinite" restart="never" nodeType="tmRoot"/>
+      </p:par>
+    </p:tnLst>
+  </p:timing>
+</p:sld>
+</file>
+
+<file path=ppt/slides/slide36.xml><?xml version="1.0" encoding="utf-8"?>
+<p:sld xmlns:a="http://schemas.openxmlformats.org/drawingml/2006/main" xmlns:r="http://schemas.openxmlformats.org/officeDocument/2006/relationships" xmlns:p="http://schemas.openxmlformats.org/presentationml/2006/main">
+  <p:cSld>
+    <p:spTree>
+      <p:nvGrpSpPr>
+        <p:cNvPr id="1" name=""/>
+        <p:cNvGrpSpPr/>
+        <p:nvPr/>
+      </p:nvGrpSpPr>
+      <p:grpSpPr>
+        <a:xfrm>
+          <a:off x="0" y="0"/>
+          <a:ext cx="0" cy="0"/>
+          <a:chOff x="0" y="0"/>
+          <a:chExt cx="0" cy="0"/>
+        </a:xfrm>
+      </p:grpSpPr>
+      <p:sp>
+        <p:nvSpPr>
+          <p:cNvPr id="2" name="Title 1"/>
+          <p:cNvSpPr>
+            <a:spLocks noGrp="1"/>
+          </p:cNvSpPr>
+          <p:nvPr>
+            <p:ph type="title"/>
+          </p:nvPr>
+        </p:nvSpPr>
+        <p:spPr/>
+        <p:txBody>
+          <a:bodyPr/>
+          <a:lstStyle/>
+          <a:p>
+            <a:r>
+              <a:rPr lang="en-US" dirty="0" smtClean="0"/>
+              <a:t>The </a:t>
+            </a:r>
+            <a:r>
+              <a:rPr lang="en-US" dirty="0" err="1" smtClean="0"/>
+              <a:t>onerror</a:t>
+            </a:r>
+            <a:r>
+              <a:rPr lang="en-US" dirty="0" smtClean="0"/>
+              <a:t>() Method</a:t>
+            </a:r>
+            <a:endParaRPr lang="en-US" dirty="0"/>
+          </a:p>
+        </p:txBody>
+      </p:sp>
+      <p:sp>
+        <p:nvSpPr>
+          <p:cNvPr id="3" name="Content Placeholder 2"/>
+          <p:cNvSpPr>
+            <a:spLocks noGrp="1"/>
+          </p:cNvSpPr>
+          <p:nvPr>
+            <p:ph sz="quarter" idx="10"/>
+          </p:nvPr>
+        </p:nvSpPr>
+        <p:spPr/>
+        <p:txBody>
+          <a:bodyPr/>
+          <a:lstStyle/>
+          <a:p>
+            <a:r>
+              <a:rPr lang="en-US" dirty="0" smtClean="0"/>
+              <a:t>The </a:t>
+            </a:r>
+            <a:r>
+              <a:rPr lang="en-US" dirty="0" err="1" smtClean="0"/>
+              <a:t>onerror</a:t>
+            </a:r>
+            <a:r>
+              <a:rPr lang="en-US" dirty="0" smtClean="0"/>
+              <a:t>() method is an event handler fired whenever an exception occurs on the page</a:t>
+            </a:r>
+          </a:p>
+          <a:p>
+            <a:r>
+              <a:rPr lang="en-US" dirty="0" smtClean="0"/>
+              <a:t>It is declared as a function through out the code</a:t>
+            </a:r>
+          </a:p>
+          <a:p>
+            <a:r>
+              <a:rPr lang="en-US" dirty="0" smtClean="0"/>
+              <a:t>This event handler provides three pieces of information</a:t>
+            </a:r>
+          </a:p>
+          <a:p>
+            <a:pPr lvl="1"/>
+            <a:r>
+              <a:rPr lang="en-US" dirty="0" smtClean="0"/>
+              <a:t>An error message</a:t>
+            </a:r>
+          </a:p>
+          <a:p>
+            <a:pPr lvl="1"/>
+            <a:r>
+              <a:rPr lang="en-US" dirty="0" smtClean="0"/>
+              <a:t>The file in which the error occurred</a:t>
+            </a:r>
+          </a:p>
+          <a:p>
+            <a:pPr lvl="1"/>
+            <a:r>
+              <a:rPr lang="en-US" dirty="0" smtClean="0"/>
+              <a:t>The line number in the code</a:t>
+            </a:r>
+          </a:p>
+          <a:p>
+            <a:r>
+              <a:rPr lang="en-US" dirty="0" smtClean="0"/>
+              <a:t>The information can be manipulated to be displayed in any way that you like</a:t>
+            </a:r>
+            <a:endParaRPr lang="en-US" dirty="0"/>
+          </a:p>
+        </p:txBody>
+      </p:sp>
+    </p:spTree>
+    <p:extLst>
+      <p:ext uri="{BB962C8B-B14F-4D97-AF65-F5344CB8AC3E}">
+        <p14:creationId xmlns:p14="http://schemas.microsoft.com/office/powerpoint/2010/main" val="690993151"/>
+      </p:ext>
+    </p:extLst>
+  </p:cSld>
+  <p:clrMapOvr>
+    <a:masterClrMapping/>
+  </p:clrMapOvr>
+  <p:timing>
+    <p:tnLst>
+      <p:par>
+        <p:cTn id="1" dur="indefinite" restart="never" nodeType="tmRoot"/>
+      </p:par>
+    </p:tnLst>
+  </p:timing>
+</p:sld>
+</file>
+
+<file path=ppt/slides/slide37.xml><?xml version="1.0" encoding="utf-8"?>
+<p:sld xmlns:a="http://schemas.openxmlformats.org/drawingml/2006/main" xmlns:r="http://schemas.openxmlformats.org/officeDocument/2006/relationships" xmlns:p="http://schemas.openxmlformats.org/presentationml/2006/main">
+  <p:cSld>
+    <p:spTree>
+      <p:nvGrpSpPr>
+        <p:cNvPr id="1" name=""/>
+        <p:cNvGrpSpPr/>
+        <p:nvPr/>
+      </p:nvGrpSpPr>
+      <p:grpSpPr>
+        <a:xfrm>
+          <a:off x="0" y="0"/>
+          <a:ext cx="0" cy="0"/>
+          <a:chOff x="0" y="0"/>
+          <a:chExt cx="0" cy="0"/>
+        </a:xfrm>
+      </p:grpSpPr>
+      <p:sp>
+        <p:nvSpPr>
+          <p:cNvPr id="4" name="Title 3"/>
+          <p:cNvSpPr>
+            <a:spLocks noGrp="1"/>
+          </p:cNvSpPr>
+          <p:nvPr>
+            <p:ph type="title"/>
+          </p:nvPr>
+        </p:nvSpPr>
+        <p:spPr/>
+        <p:txBody>
+          <a:bodyPr/>
+          <a:lstStyle/>
+          <a:p>
+            <a:r>
+              <a:rPr lang="en-US" dirty="0" smtClean="0"/>
+              <a:t>Different types of exception handling</a:t>
+            </a:r>
+            <a:endParaRPr lang="en-US" dirty="0"/>
+          </a:p>
+        </p:txBody>
+      </p:sp>
+    </p:spTree>
+    <p:extLst>
+      <p:ext uri="{BB962C8B-B14F-4D97-AF65-F5344CB8AC3E}">
+        <p14:creationId xmlns:p14="http://schemas.microsoft.com/office/powerpoint/2010/main" val="1190155845"/>
+      </p:ext>
+    </p:extLst>
+  </p:cSld>
+  <p:clrMapOvr>
+    <a:masterClrMapping/>
+  </p:clrMapOvr>
+  <p:timing>
+    <p:tnLst>
+      <p:par>
+        <p:cTn id="1" dur="indefinite" restart="never" nodeType="tmRoot"/>
+      </p:par>
+    </p:tnLst>
+  </p:timing>
+</p:sld>
+</file>
+
+<file path=ppt/slides/slide38.xml><?xml version="1.0" encoding="utf-8"?>
+<p:sld xmlns:a="http://schemas.openxmlformats.org/drawingml/2006/main" xmlns:r="http://schemas.openxmlformats.org/officeDocument/2006/relationships" xmlns:p="http://schemas.openxmlformats.org/presentationml/2006/main">
+  <p:cSld>
+    <p:spTree>
+      <p:nvGrpSpPr>
+        <p:cNvPr id="1" name=""/>
+        <p:cNvGrpSpPr/>
+        <p:nvPr/>
+      </p:nvGrpSpPr>
+      <p:grpSpPr>
+        <a:xfrm>
+          <a:off x="0" y="0"/>
+          <a:ext cx="0" cy="0"/>
+          <a:chOff x="0" y="0"/>
+          <a:chExt cx="0" cy="0"/>
+        </a:xfrm>
+      </p:grpSpPr>
+      <p:sp>
+        <p:nvSpPr>
+          <p:cNvPr id="2" name="Title 1"/>
+          <p:cNvSpPr>
+            <a:spLocks noGrp="1"/>
+          </p:cNvSpPr>
+          <p:nvPr>
+            <p:ph type="title"/>
+          </p:nvPr>
+        </p:nvSpPr>
+        <p:spPr/>
+        <p:txBody>
+          <a:bodyPr/>
+          <a:lstStyle/>
+          <a:p>
+            <a:r>
+              <a:rPr lang="en-US" dirty="0" smtClean="0"/>
               <a:t>Summary</a:t>
             </a:r>
             <a:endParaRPr lang="en-US" dirty="0"/>
@@ -21178,7 +22501,7 @@
 </p:sld>
 </file>
 
-<file path=ppt/slides/slide35.xml><?xml version="1.0" encoding="utf-8"?>
+<file path=ppt/slides/slide39.xml><?xml version="1.0" encoding="utf-8"?>
 <p:sld xmlns:a="http://schemas.openxmlformats.org/drawingml/2006/main" xmlns:r="http://schemas.openxmlformats.org/officeDocument/2006/relationships" xmlns:p="http://schemas.openxmlformats.org/presentationml/2006/main">
   <p:cSld>
     <p:spTree>
@@ -22211,7 +23534,7 @@
           <a:p>
             <a:r>
               <a:rPr lang="en-US" dirty="0" smtClean="0"/>
-              <a:t>Before We Get Started..</a:t>
+              <a:t>JavaScript</a:t>
             </a:r>
             <a:endParaRPr lang="en-US" dirty="0"/>
           </a:p>
@@ -22234,7 +23557,25 @@
           <a:p>
             <a:r>
               <a:rPr lang="en-US" dirty="0" smtClean="0"/>
-              <a:t>Before getting started with these modules, it is important that everyone understands how variables work differently in JavaScript </a:t>
+              <a:t>JavaScript is a programming language of the Web</a:t>
+            </a:r>
+          </a:p>
+          <a:p>
+            <a:endParaRPr lang="en-US" dirty="0"/>
+          </a:p>
+          <a:p>
+            <a:r>
+              <a:rPr lang="en-US" dirty="0" smtClean="0"/>
+              <a:t>It is a dynamic scripting language that supports prototype based object construction</a:t>
+            </a:r>
+          </a:p>
+          <a:p>
+            <a:endParaRPr lang="en-US" dirty="0"/>
+          </a:p>
+          <a:p>
+            <a:r>
+              <a:rPr lang="en-US" dirty="0" smtClean="0"/>
+              <a:t>Many of the basic syntax and language constructs are similar to Java and C++</a:t>
             </a:r>
             <a:endParaRPr lang="en-US" dirty="0"/>
           </a:p>
@@ -22243,7 +23584,7 @@
     </p:spTree>
     <p:extLst>
       <p:ext uri="{BB962C8B-B14F-4D97-AF65-F5344CB8AC3E}">
-        <p14:creationId xmlns:p14="http://schemas.microsoft.com/office/powerpoint/2010/main" val="663946354"/>
+        <p14:creationId xmlns:p14="http://schemas.microsoft.com/office/powerpoint/2010/main" val="442332578"/>
       </p:ext>
     </p:extLst>
   </p:cSld>
@@ -23346,6 +24687,12 @@
 </file>
 
 <file path=customXml/item1.xml><?xml version="1.0" encoding="utf-8"?>
+<p:properties xmlns:p="http://schemas.microsoft.com/office/2006/metadata/properties" xmlns:xsi="http://www.w3.org/2001/XMLSchema-instance" xmlns:pc="http://schemas.microsoft.com/office/infopath/2007/PartnerControls">
+  <documentManagement/>
+</p:properties>
+</file>
+
+<file path=customXml/item2.xml><?xml version="1.0" encoding="utf-8"?>
 <ct:contentTypeSchema xmlns:ct="http://schemas.microsoft.com/office/2006/metadata/contentType" xmlns:ma="http://schemas.microsoft.com/office/2006/metadata/properties/metaAttributes" ct:_="" ma:_="" ma:contentTypeName="Document" ma:contentTypeID="0x010100BD9BF63586D9884E9335F37127EABBE8" ma:contentTypeVersion="1" ma:contentTypeDescription="Create a new document." ma:contentTypeScope="" ma:versionID="3b40c7f62b06f9f0cd473a069af3a91f">
   <xsd:schema xmlns:xsd="http://www.w3.org/2001/XMLSchema" xmlns:xs="http://www.w3.org/2001/XMLSchema" xmlns:p="http://schemas.microsoft.com/office/2006/metadata/properties" xmlns:ns3="e5a13ba8-98e3-4f23-a221-7ac9824aa662" targetNamespace="http://schemas.microsoft.com/office/2006/metadata/properties" ma:root="true" ma:fieldsID="4327d685be69599737fa0038b3ab671f" ns3:_="">
     <xsd:import namespace="e5a13ba8-98e3-4f23-a221-7ac9824aa662"/>
@@ -23485,12 +24832,6 @@
 </ct:contentTypeSchema>
 </file>
 
-<file path=customXml/item2.xml><?xml version="1.0" encoding="utf-8"?>
-<p:properties xmlns:p="http://schemas.microsoft.com/office/2006/metadata/properties" xmlns:xsi="http://www.w3.org/2001/XMLSchema-instance" xmlns:pc="http://schemas.microsoft.com/office/infopath/2007/PartnerControls">
-  <documentManagement/>
-</p:properties>
-</file>
-
 <file path=customXml/item3.xml><?xml version="1.0" encoding="utf-8"?>
 <?mso-contentType ?>
 <FormTemplates xmlns="http://schemas.microsoft.com/sharepoint/v3/contenttype/forms">
@@ -23501,6 +24842,22 @@
 </file>
 
 <file path=customXml/itemProps1.xml><?xml version="1.0" encoding="utf-8"?>
+<ds:datastoreItem xmlns:ds="http://schemas.openxmlformats.org/officeDocument/2006/customXml" ds:itemID="{7025FDD9-4C58-4084-9F89-0E6ADD6FFF55}">
+  <ds:schemaRefs>
+    <ds:schemaRef ds:uri="http://purl.org/dc/terms/"/>
+    <ds:schemaRef ds:uri="http://schemas.openxmlformats.org/package/2006/metadata/core-properties"/>
+    <ds:schemaRef ds:uri="http://schemas.microsoft.com/office/2006/documentManagement/types"/>
+    <ds:schemaRef ds:uri="http://purl.org/dc/elements/1.1/"/>
+    <ds:schemaRef ds:uri="http://schemas.microsoft.com/office/2006/metadata/properties"/>
+    <ds:schemaRef ds:uri="http://schemas.microsoft.com/office/infopath/2007/PartnerControls"/>
+    <ds:schemaRef ds:uri="e5a13ba8-98e3-4f23-a221-7ac9824aa662"/>
+    <ds:schemaRef ds:uri="http://www.w3.org/XML/1998/namespace"/>
+    <ds:schemaRef ds:uri="http://purl.org/dc/dcmitype/"/>
+  </ds:schemaRefs>
+</ds:datastoreItem>
+</file>
+
+<file path=customXml/itemProps2.xml><?xml version="1.0" encoding="utf-8"?>
 <ds:datastoreItem xmlns:ds="http://schemas.openxmlformats.org/officeDocument/2006/customXml" ds:itemID="{DABDB566-B5C0-42A7-A33C-2648D176B99D}">
   <ds:schemaRefs>
     <ds:schemaRef ds:uri="http://schemas.microsoft.com/office/2006/metadata/contentType"/>
@@ -23518,22 +24875,6 @@
 </ds:datastoreItem>
 </file>
 
-<file path=customXml/itemProps2.xml><?xml version="1.0" encoding="utf-8"?>
-<ds:datastoreItem xmlns:ds="http://schemas.openxmlformats.org/officeDocument/2006/customXml" ds:itemID="{7025FDD9-4C58-4084-9F89-0E6ADD6FFF55}">
-  <ds:schemaRefs>
-    <ds:schemaRef ds:uri="http://purl.org/dc/terms/"/>
-    <ds:schemaRef ds:uri="http://schemas.openxmlformats.org/package/2006/metadata/core-properties"/>
-    <ds:schemaRef ds:uri="http://schemas.microsoft.com/office/2006/documentManagement/types"/>
-    <ds:schemaRef ds:uri="http://purl.org/dc/elements/1.1/"/>
-    <ds:schemaRef ds:uri="http://schemas.microsoft.com/office/2006/metadata/properties"/>
-    <ds:schemaRef ds:uri="http://schemas.microsoft.com/office/infopath/2007/PartnerControls"/>
-    <ds:schemaRef ds:uri="e5a13ba8-98e3-4f23-a221-7ac9824aa662"/>
-    <ds:schemaRef ds:uri="http://www.w3.org/XML/1998/namespace"/>
-    <ds:schemaRef ds:uri="http://purl.org/dc/dcmitype/"/>
-  </ds:schemaRefs>
-</ds:datastoreItem>
-</file>
-
 <file path=customXml/itemProps3.xml><?xml version="1.0" encoding="utf-8"?>
 <ds:datastoreItem xmlns:ds="http://schemas.openxmlformats.org/officeDocument/2006/customXml" ds:itemID="{B0CA13EC-1D3C-4D6F-8D1C-E8A452CFC79A}">
   <ds:schemaRefs>

--- a/Slides/Module 1 -Getting Started With JavaScript.pptx
+++ b/Slides/Module 1 -Getting Started With JavaScript.pptx
@@ -325,7 +325,7 @@
           <a:p>
             <a:fld id="{312E7B4A-039C-48A2-9B2C-AF16AA3873D8}" type="datetimeFigureOut">
               <a:rPr lang="en-US" smtClean="0"/>
-              <a:t>10/26/2015</a:t>
+              <a:t>10/28/2015</a:t>
             </a:fld>
             <a:endParaRPr lang="en-US"/>
           </a:p>
@@ -490,7 +490,7 @@
           <a:p>
             <a:fld id="{DA005A0C-54D9-45AA-87D4-C551D08DFCE1}" type="datetimeFigureOut">
               <a:rPr lang="en-US" smtClean="0"/>
-              <a:t>10/26/2015</a:t>
+              <a:t>10/28/2015</a:t>
             </a:fld>
             <a:endParaRPr lang="en-US"/>
           </a:p>
@@ -1286,11 +1286,7 @@
           <a:p>
             <a:r>
               <a:rPr lang="en-US" dirty="0" smtClean="0"/>
-              <a:t>The </a:t>
-            </a:r>
-            <a:r>
-              <a:rPr lang="en-US" dirty="0" smtClean="0"/>
-              <a:t>hide function is exactly what it says. It will hide the</a:t>
+              <a:t>The hide function is exactly what it says. It will hide the</a:t>
             </a:r>
             <a:r>
               <a:rPr lang="en-US" baseline="0" dirty="0" smtClean="0"/>
@@ -2005,78 +2001,6 @@
           <a:bodyPr/>
           <a:lstStyle/>
           <a:p>
-            <a:r>
-              <a:rPr lang="en-US" dirty="0" smtClean="0"/>
-              <a:t>Syntax for</a:t>
-            </a:r>
-            <a:r>
-              <a:rPr lang="en-US" baseline="0" dirty="0" smtClean="0"/>
-              <a:t> jQuery: dollar sign, selector and then action</a:t>
-            </a:r>
-          </a:p>
-          <a:p>
-            <a:endParaRPr lang="en-US" baseline="0" dirty="0" smtClean="0"/>
-          </a:p>
-          <a:p>
-            <a:r>
-              <a:rPr lang="en-US" baseline="0" dirty="0" smtClean="0"/>
-              <a:t>The action can open up and include the function keyword for </a:t>
-            </a:r>
-            <a:r>
-              <a:rPr lang="en-US" baseline="0" smtClean="0"/>
-              <a:t>special </a:t>
-            </a:r>
-            <a:endParaRPr lang="en-US" baseline="0" dirty="0" smtClean="0"/>
-          </a:p>
-          <a:p>
-            <a:r>
-              <a:rPr lang="en-US" dirty="0" smtClean="0"/>
-              <a:t>The </a:t>
-            </a:r>
-            <a:r>
-              <a:rPr lang="en-US" dirty="0" smtClean="0"/>
-              <a:t>hide function is exactly what it says. It will hide the</a:t>
-            </a:r>
-            <a:r>
-              <a:rPr lang="en-US" baseline="0" dirty="0" smtClean="0"/>
-              <a:t> element of choice.</a:t>
-            </a:r>
-          </a:p>
-          <a:p>
-            <a:endParaRPr lang="en-US" baseline="0" dirty="0" smtClean="0"/>
-          </a:p>
-          <a:p>
-            <a:r>
-              <a:rPr lang="en-US" baseline="0" dirty="0" smtClean="0"/>
-              <a:t>The selectors are all based on types of html elements. If you can use it as a CSS selector, most likely you can use it in jQuery. You can get as specific as you want to with selectors.. Down to all the first items in an unordered list</a:t>
-            </a:r>
-          </a:p>
-          <a:p>
-            <a:endParaRPr lang="en-US" baseline="0" dirty="0" smtClean="0"/>
-          </a:p>
-          <a:p>
-            <a:endParaRPr lang="en-US" baseline="0" dirty="0" smtClean="0"/>
-          </a:p>
-          <a:p>
-            <a:endParaRPr lang="en-US" baseline="0" dirty="0" smtClean="0"/>
-          </a:p>
-          <a:p>
-            <a:r>
-              <a:rPr lang="en-US" baseline="0" dirty="0" smtClean="0"/>
-              <a:t>This will be used to hide the current html element</a:t>
-            </a:r>
-          </a:p>
-          <a:p>
-            <a:r>
-              <a:rPr lang="en-US" baseline="0" dirty="0" smtClean="0"/>
-              <a:t>P will hide all elements with the paragraph tag</a:t>
-            </a:r>
-          </a:p>
-          <a:p>
-            <a:r>
-              <a:rPr lang="en-US" baseline="0" dirty="0" smtClean="0"/>
-              <a:t>And .test will hide elements where class=“test”</a:t>
-            </a:r>
             <a:endParaRPr lang="en-US" dirty="0"/>
           </a:p>
         </p:txBody>
@@ -18080,19 +18004,7 @@
           <a:p>
             <a:r>
               <a:rPr lang="en-US" dirty="0" smtClean="0"/>
-              <a:t>Before getting </a:t>
-            </a:r>
-            <a:r>
-              <a:rPr lang="en-US" dirty="0" smtClean="0"/>
-              <a:t>continue with this m</a:t>
-            </a:r>
-            <a:r>
-              <a:rPr lang="en-US" dirty="0" smtClean="0"/>
-              <a:t>odules</a:t>
-            </a:r>
-            <a:r>
-              <a:rPr lang="en-US" dirty="0" smtClean="0"/>
-              <a:t>, it is important that everyone understands how variables work differently in JavaScript </a:t>
+              <a:t>Before getting continue with this modules, it is important that everyone understands how variables work differently in JavaScript </a:t>
             </a:r>
             <a:endParaRPr lang="en-US" dirty="0"/>
           </a:p>
@@ -20514,16 +20426,36 @@
               <a:t>$(</a:t>
             </a:r>
             <a:r>
+              <a:rPr lang="en-US" dirty="0">
+                <a:solidFill>
+                  <a:schemeClr val="accent6"/>
+                </a:solidFill>
+              </a:rPr>
+              <a:t>"</a:t>
+            </a:r>
+            <a:r>
               <a:rPr lang="en-US" dirty="0" smtClean="0">
                 <a:solidFill>
                   <a:schemeClr val="accent6"/>
                 </a:solidFill>
               </a:rPr>
-              <a:t>“p”</a:t>
-            </a:r>
-            <a:r>
-              <a:rPr lang="en-US" dirty="0" smtClean="0"/>
-              <a:t>).hide();</a:t>
+              <a:t>p</a:t>
+            </a:r>
+            <a:r>
+              <a:rPr lang="en-US" dirty="0">
+                <a:solidFill>
+                  <a:schemeClr val="accent6"/>
+                </a:solidFill>
+              </a:rPr>
+              <a:t>"</a:t>
+            </a:r>
+            <a:r>
+              <a:rPr lang="en-US" dirty="0" smtClean="0"/>
+              <a:t>).</a:t>
+            </a:r>
+            <a:r>
+              <a:rPr lang="en-US" dirty="0" smtClean="0"/>
+              <a:t>hide();</a:t>
             </a:r>
           </a:p>
           <a:p>
@@ -20532,19 +20464,27 @@
           <a:p>
             <a:r>
               <a:rPr lang="en-US" dirty="0" smtClean="0"/>
-              <a:t>	$(</a:t>
-            </a:r>
-            <a:r>
-              <a:rPr lang="en-US" dirty="0" smtClean="0">
+              <a:t>	</a:t>
+            </a:r>
+            <a:r>
+              <a:rPr lang="en-US" dirty="0" smtClean="0"/>
+              <a:t>$(</a:t>
+            </a:r>
+            <a:r>
+              <a:rPr lang="en-US" dirty="0">
                 <a:solidFill>
                   <a:schemeClr val="accent6"/>
                 </a:solidFill>
               </a:rPr>
-              <a:t>“.test”</a:t>
-            </a:r>
-            <a:r>
-              <a:rPr lang="en-US" dirty="0" smtClean="0"/>
-              <a:t>).hide();</a:t>
+              <a:t>".test"</a:t>
+            </a:r>
+            <a:r>
+              <a:rPr lang="en-US" dirty="0" smtClean="0"/>
+              <a:t>).</a:t>
+            </a:r>
+            <a:r>
+              <a:rPr lang="en-US" dirty="0" smtClean="0"/>
+              <a:t>hide();</a:t>
             </a:r>
           </a:p>
           <a:p>
@@ -20770,7 +20710,11 @@
           <a:p>
             <a:r>
               <a:rPr lang="en-US" dirty="0" smtClean="0"/>
-              <a:t>Common uses are for recursion and closures</a:t>
+              <a:t>Common uses are for recursion and </a:t>
+            </a:r>
+            <a:r>
+              <a:rPr lang="en-US" dirty="0" smtClean="0"/>
+              <a:t>enclosures</a:t>
             </a:r>
             <a:endParaRPr lang="en-US" dirty="0"/>
           </a:p>
@@ -20842,15 +20786,19 @@
           <a:p>
             <a:r>
               <a:rPr lang="en-US" sz="2400" dirty="0" smtClean="0"/>
-              <a:t>Both functions logically do the same things, and can both be </a:t>
-            </a:r>
-            <a:r>
-              <a:rPr lang="en-US" sz="2400" dirty="0" err="1" smtClean="0"/>
-              <a:t>envoked</a:t>
+              <a:t>Both functions logically do the same things, and can both </a:t>
+            </a:r>
+            <a:r>
+              <a:rPr lang="en-US" sz="2400" smtClean="0"/>
+              <a:t>be </a:t>
+            </a:r>
+            <a:r>
+              <a:rPr lang="en-US" sz="2400" smtClean="0"/>
+              <a:t>invoked </a:t>
             </a:r>
             <a:r>
               <a:rPr lang="en-US" sz="2400" dirty="0" smtClean="0"/>
-              <a:t> the same way (by calling </a:t>
+              <a:t>the same way (by calling </a:t>
             </a:r>
             <a:r>
               <a:rPr lang="en-US" sz="2400" i="1" dirty="0" err="1" smtClean="0"/>
@@ -23460,15 +23408,12 @@
           <a:p>
             <a:pPr fontAlgn="ctr"/>
             <a:r>
+              <a:rPr lang="en-US" dirty="0" smtClean="0"/>
+              <a:t>Dot </a:t>
+            </a:r>
+            <a:r>
               <a:rPr lang="en-US" dirty="0"/>
-              <a:t>Controlling the global namespace</a:t>
-            </a:r>
-          </a:p>
-          <a:p>
-            <a:pPr fontAlgn="ctr"/>
-            <a:r>
-              <a:rPr lang="en-US" dirty="0"/>
-              <a:t>Dot and bracket notation</a:t>
+              <a:t>and bracket notation</a:t>
             </a:r>
           </a:p>
           <a:p>
@@ -24687,9 +24632,12 @@
 </file>
 
 <file path=customXml/item1.xml><?xml version="1.0" encoding="utf-8"?>
-<p:properties xmlns:p="http://schemas.microsoft.com/office/2006/metadata/properties" xmlns:xsi="http://www.w3.org/2001/XMLSchema-instance" xmlns:pc="http://schemas.microsoft.com/office/infopath/2007/PartnerControls">
-  <documentManagement/>
-</p:properties>
+<?mso-contentType ?>
+<FormTemplates xmlns="http://schemas.microsoft.com/sharepoint/v3/contenttype/forms">
+  <Display>DocumentLibraryForm</Display>
+  <Edit>DocumentLibraryForm</Edit>
+  <New>DocumentLibraryForm</New>
+</FormTemplates>
 </file>
 
 <file path=customXml/item2.xml><?xml version="1.0" encoding="utf-8"?>
@@ -24833,26 +24781,15 @@
 </file>
 
 <file path=customXml/item3.xml><?xml version="1.0" encoding="utf-8"?>
-<?mso-contentType ?>
-<FormTemplates xmlns="http://schemas.microsoft.com/sharepoint/v3/contenttype/forms">
-  <Display>DocumentLibraryForm</Display>
-  <Edit>DocumentLibraryForm</Edit>
-  <New>DocumentLibraryForm</New>
-</FormTemplates>
+<p:properties xmlns:p="http://schemas.microsoft.com/office/2006/metadata/properties" xmlns:xsi="http://www.w3.org/2001/XMLSchema-instance" xmlns:pc="http://schemas.microsoft.com/office/infopath/2007/PartnerControls">
+  <documentManagement/>
+</p:properties>
 </file>
 
 <file path=customXml/itemProps1.xml><?xml version="1.0" encoding="utf-8"?>
-<ds:datastoreItem xmlns:ds="http://schemas.openxmlformats.org/officeDocument/2006/customXml" ds:itemID="{7025FDD9-4C58-4084-9F89-0E6ADD6FFF55}">
+<ds:datastoreItem xmlns:ds="http://schemas.openxmlformats.org/officeDocument/2006/customXml" ds:itemID="{B0CA13EC-1D3C-4D6F-8D1C-E8A452CFC79A}">
   <ds:schemaRefs>
-    <ds:schemaRef ds:uri="http://purl.org/dc/terms/"/>
-    <ds:schemaRef ds:uri="http://schemas.openxmlformats.org/package/2006/metadata/core-properties"/>
-    <ds:schemaRef ds:uri="http://schemas.microsoft.com/office/2006/documentManagement/types"/>
-    <ds:schemaRef ds:uri="http://purl.org/dc/elements/1.1/"/>
-    <ds:schemaRef ds:uri="http://schemas.microsoft.com/office/2006/metadata/properties"/>
-    <ds:schemaRef ds:uri="http://schemas.microsoft.com/office/infopath/2007/PartnerControls"/>
-    <ds:schemaRef ds:uri="e5a13ba8-98e3-4f23-a221-7ac9824aa662"/>
-    <ds:schemaRef ds:uri="http://www.w3.org/XML/1998/namespace"/>
-    <ds:schemaRef ds:uri="http://purl.org/dc/dcmitype/"/>
+    <ds:schemaRef ds:uri="http://schemas.microsoft.com/sharepoint/v3/contenttype/forms"/>
   </ds:schemaRefs>
 </ds:datastoreItem>
 </file>
@@ -24876,9 +24813,17 @@
 </file>
 
 <file path=customXml/itemProps3.xml><?xml version="1.0" encoding="utf-8"?>
-<ds:datastoreItem xmlns:ds="http://schemas.openxmlformats.org/officeDocument/2006/customXml" ds:itemID="{B0CA13EC-1D3C-4D6F-8D1C-E8A452CFC79A}">
+<ds:datastoreItem xmlns:ds="http://schemas.openxmlformats.org/officeDocument/2006/customXml" ds:itemID="{7025FDD9-4C58-4084-9F89-0E6ADD6FFF55}">
   <ds:schemaRefs>
-    <ds:schemaRef ds:uri="http://schemas.microsoft.com/sharepoint/v3/contenttype/forms"/>
+    <ds:schemaRef ds:uri="http://purl.org/dc/terms/"/>
+    <ds:schemaRef ds:uri="http://schemas.openxmlformats.org/package/2006/metadata/core-properties"/>
+    <ds:schemaRef ds:uri="http://schemas.microsoft.com/office/2006/documentManagement/types"/>
+    <ds:schemaRef ds:uri="http://purl.org/dc/elements/1.1/"/>
+    <ds:schemaRef ds:uri="http://schemas.microsoft.com/office/2006/metadata/properties"/>
+    <ds:schemaRef ds:uri="http://schemas.microsoft.com/office/infopath/2007/PartnerControls"/>
+    <ds:schemaRef ds:uri="e5a13ba8-98e3-4f23-a221-7ac9824aa662"/>
+    <ds:schemaRef ds:uri="http://www.w3.org/XML/1998/namespace"/>
+    <ds:schemaRef ds:uri="http://purl.org/dc/dcmitype/"/>
   </ds:schemaRefs>
 </ds:datastoreItem>
 </file>